--- a/Documentos/Orientação a Objetos.pptx
+++ b/Documentos/Orientação a Objetos.pptx
@@ -5,7 +5,7 @@
     <p:sldMasterId id="2147483802" r:id="rId1"/>
   </p:sldMasterIdLst>
   <p:notesMasterIdLst>
-    <p:notesMasterId r:id="rId19"/>
+    <p:notesMasterId r:id="rId25"/>
   </p:notesMasterIdLst>
   <p:sldIdLst>
     <p:sldId id="256" r:id="rId2"/>
@@ -25,6 +25,12 @@
     <p:sldId id="321" r:id="rId16"/>
     <p:sldId id="322" r:id="rId17"/>
     <p:sldId id="323" r:id="rId18"/>
+    <p:sldId id="324" r:id="rId19"/>
+    <p:sldId id="325" r:id="rId20"/>
+    <p:sldId id="326" r:id="rId21"/>
+    <p:sldId id="327" r:id="rId22"/>
+    <p:sldId id="328" r:id="rId23"/>
+    <p:sldId id="329" r:id="rId24"/>
   </p:sldIdLst>
   <p:sldSz cx="9144000" cy="6858000" type="screen4x3"/>
   <p:notesSz cx="6858000" cy="9144000"/>
@@ -208,7 +214,7 @@
           <a:p>
             <a:fld id="{E2B913E8-0330-B643-A20B-1A6E83DAE541}" type="datetimeFigureOut">
               <a:rPr lang="en-US" smtClean="0"/>
-              <a:t>20/11/14</a:t>
+              <a:t>23/11/14</a:t>
             </a:fld>
             <a:endParaRPr lang="en-US"/>
           </a:p>
@@ -758,7 +764,7 @@
             <a:fld id="{9EB5ECD5-515E-4817-8A06-1D2ED2C83850}" type="datetime4">
               <a:rPr lang="en-US" smtClean="0"/>
               <a:pPr/>
-              <a:t>November 20, 2014</a:t>
+              <a:t>November 23, 2014</a:t>
             </a:fld>
             <a:endParaRPr lang="en-US"/>
           </a:p>
@@ -930,7 +936,7 @@
             <a:fld id="{BA5B59F4-DDCB-41FF-83F5-A48440F36FA7}" type="datetime4">
               <a:rPr lang="en-US" smtClean="0"/>
               <a:pPr/>
-              <a:t>November 20, 2014</a:t>
+              <a:t>November 23, 2014</a:t>
             </a:fld>
             <a:endParaRPr lang="en-US"/>
           </a:p>
@@ -2050,7 +2056,7 @@
             <a:fld id="{48056348-D703-428C-A1C4-7D6796EF5F41}" type="datetime4">
               <a:rPr lang="en-US" smtClean="0"/>
               <a:pPr/>
-              <a:t>November 20, 2014</a:t>
+              <a:t>November 23, 2014</a:t>
             </a:fld>
             <a:endParaRPr lang="en-US"/>
           </a:p>
@@ -3160,7 +3166,7 @@
             <a:fld id="{732D1919-1B5F-4141-B613-3E5C6008A186}" type="datetime4">
               <a:rPr lang="en-US" smtClean="0"/>
               <a:pPr/>
-              <a:t>November 20, 2014</a:t>
+              <a:t>November 23, 2014</a:t>
             </a:fld>
             <a:endParaRPr lang="en-US"/>
           </a:p>
@@ -3408,7 +3414,7 @@
             <a:fld id="{BAD22427-B1DD-49E6-9F05-DE0F1467D7DC}" type="datetime4">
               <a:rPr lang="en-US" smtClean="0"/>
               <a:pPr/>
-              <a:t>November 20, 2014</a:t>
+              <a:t>November 23, 2014</a:t>
             </a:fld>
             <a:endParaRPr lang="en-US"/>
           </a:p>
@@ -3698,7 +3704,7 @@
             <a:fld id="{BBCCA7B5-8BC9-491C-A887-7C3E7ED947D8}" type="datetime4">
               <a:rPr lang="en-US" smtClean="0"/>
               <a:pPr/>
-              <a:t>November 20, 2014</a:t>
+              <a:t>November 23, 2014</a:t>
             </a:fld>
             <a:endParaRPr lang="en-US"/>
           </a:p>
@@ -4122,7 +4128,7 @@
             <a:fld id="{BDA18ED0-40F2-434C-A848-B92581875164}" type="datetime4">
               <a:rPr lang="en-US" smtClean="0"/>
               <a:pPr/>
-              <a:t>November 20, 2014</a:t>
+              <a:t>November 23, 2014</a:t>
             </a:fld>
             <a:endParaRPr lang="en-US"/>
           </a:p>
@@ -4242,7 +4248,7 @@
             <a:fld id="{7855437F-F4F9-44A9-B4D3-9191CA04E889}" type="datetime4">
               <a:rPr lang="en-US" smtClean="0"/>
               <a:pPr/>
-              <a:t>November 20, 2014</a:t>
+              <a:t>November 23, 2014</a:t>
             </a:fld>
             <a:endParaRPr lang="en-US"/>
           </a:p>
@@ -4339,7 +4345,7 @@
             <a:fld id="{39A24E59-01D0-4537-B876-7E5EC75B028D}" type="datetime4">
               <a:rPr lang="en-US" smtClean="0"/>
               <a:pPr/>
-              <a:t>November 20, 2014</a:t>
+              <a:t>November 23, 2014</a:t>
             </a:fld>
             <a:endParaRPr lang="en-US"/>
           </a:p>
@@ -4618,7 +4624,7 @@
             <a:fld id="{655A2E49-18A1-40BC-BA5D-5A2EC8FDDF15}" type="datetime4">
               <a:rPr lang="en-US" smtClean="0"/>
               <a:pPr/>
-              <a:t>November 20, 2014</a:t>
+              <a:t>November 23, 2014</a:t>
             </a:fld>
             <a:endParaRPr lang="en-US"/>
           </a:p>
@@ -4873,7 +4879,7 @@
             <a:fld id="{52983DA4-3B24-449B-95CA-514EB7E30A99}" type="datetime4">
               <a:rPr lang="en-US" smtClean="0"/>
               <a:pPr/>
-              <a:t>November 20, 2014</a:t>
+              <a:t>November 23, 2014</a:t>
             </a:fld>
             <a:endParaRPr lang="en-US"/>
           </a:p>
@@ -5088,7 +5094,7 @@
             <a:fld id="{942120D2-3948-4F8F-BE5D-E7E7D97880B2}" type="datetime4">
               <a:rPr lang="en-US" smtClean="0"/>
               <a:pPr/>
-              <a:t>November 20, 2014</a:t>
+              <a:t>November 23, 2014</a:t>
             </a:fld>
             <a:endParaRPr lang="en-US" dirty="0" err="1"/>
           </a:p>
@@ -5489,19 +5495,7 @@
           <a:p>
             <a:r>
               <a:rPr lang="en-US" sz="4000" dirty="0" smtClean="0"/>
-              <a:t>INTRODU</a:t>
-            </a:r>
-            <a:r>
-              <a:rPr lang="en-US" sz="4000" dirty="0" smtClean="0"/>
-              <a:t>ÇÃO </a:t>
-            </a:r>
-            <a:r>
-              <a:rPr lang="en-US" sz="4000" dirty="0" smtClean="0"/>
-              <a:t>ORIENTA</a:t>
-            </a:r>
-            <a:r>
-              <a:rPr lang="en-US" sz="4000" dirty="0" smtClean="0"/>
-              <a:t>ÇÃO A OBJETOS</a:t>
+              <a:t>INTRODUÇÃO ORIENTAÇÃO A OBJETOS</a:t>
             </a:r>
             <a:endParaRPr lang="en-US" sz="4000" dirty="0"/>
           </a:p>
@@ -5721,11 +5715,7 @@
             </a:r>
             <a:r>
               <a:rPr lang="en-US" dirty="0" err="1" smtClean="0"/>
-              <a:t>programa</a:t>
-            </a:r>
-            <a:r>
-              <a:rPr lang="en-US" dirty="0" err="1" smtClean="0"/>
-              <a:t>ção</a:t>
+              <a:t>programação</a:t>
             </a:r>
             <a:r>
               <a:rPr lang="en-US" dirty="0" smtClean="0"/>
@@ -6287,7 +6277,6 @@
               <a:rPr lang="en-US" dirty="0"/>
               <a:t>.</a:t>
             </a:r>
-            <a:endParaRPr lang="en-US" dirty="0"/>
           </a:p>
         </p:txBody>
       </p:sp>
@@ -6405,11 +6394,7 @@
             </a:r>
             <a:r>
               <a:rPr lang="en-US" dirty="0" err="1" smtClean="0"/>
-              <a:t>s</a:t>
-            </a:r>
-            <a:r>
-              <a:rPr lang="en-US" dirty="0" err="1" smtClean="0"/>
-              <a:t>ão</a:t>
+              <a:t>são</a:t>
             </a:r>
             <a:r>
               <a:rPr lang="en-US" dirty="0" smtClean="0"/>
@@ -7452,11 +7437,7 @@
             </a:r>
             <a:r>
               <a:rPr lang="en-US" dirty="0" err="1" smtClean="0"/>
-              <a:t>vari</a:t>
-            </a:r>
-            <a:r>
-              <a:rPr lang="en-US" dirty="0" err="1" smtClean="0"/>
-              <a:t>áveis</a:t>
+              <a:t>variáveis</a:t>
             </a:r>
             <a:r>
               <a:rPr lang="en-US" dirty="0" smtClean="0"/>
@@ -8000,11 +7981,7 @@
             </a:r>
             <a:r>
               <a:rPr lang="en-US" dirty="0" err="1" smtClean="0"/>
-              <a:t>vari</a:t>
-            </a:r>
-            <a:r>
-              <a:rPr lang="en-US" dirty="0" err="1" smtClean="0"/>
-              <a:t>ável</a:t>
+              <a:t>variável</a:t>
             </a:r>
             <a:r>
               <a:rPr lang="en-US" dirty="0" smtClean="0"/>
@@ -8396,6 +8373,658 @@
 </p:sld>
 </file>
 
+<file path=ppt/slides/slide18.xml><?xml version="1.0" encoding="utf-8"?>
+<p:sld xmlns:a="http://schemas.openxmlformats.org/drawingml/2006/main" xmlns:r="http://schemas.openxmlformats.org/officeDocument/2006/relationships" xmlns:p="http://schemas.openxmlformats.org/presentationml/2006/main">
+  <p:cSld>
+    <p:spTree>
+      <p:nvGrpSpPr>
+        <p:cNvPr id="1" name=""/>
+        <p:cNvGrpSpPr/>
+        <p:nvPr/>
+      </p:nvGrpSpPr>
+      <p:grpSpPr>
+        <a:xfrm>
+          <a:off x="0" y="0"/>
+          <a:ext cx="0" cy="0"/>
+          <a:chOff x="0" y="0"/>
+          <a:chExt cx="0" cy="0"/>
+        </a:xfrm>
+      </p:grpSpPr>
+      <p:sp>
+        <p:nvSpPr>
+          <p:cNvPr id="2" name="Title 1"/>
+          <p:cNvSpPr>
+            <a:spLocks noGrp="1"/>
+          </p:cNvSpPr>
+          <p:nvPr>
+            <p:ph type="title"/>
+          </p:nvPr>
+        </p:nvSpPr>
+        <p:spPr/>
+        <p:txBody>
+          <a:bodyPr/>
+          <a:lstStyle/>
+          <a:p>
+            <a:r>
+              <a:rPr lang="en-US" dirty="0" err="1" smtClean="0"/>
+              <a:t>Aloca</a:t>
+            </a:r>
+            <a:r>
+              <a:rPr lang="en-US" dirty="0" err="1" smtClean="0"/>
+              <a:t>ção</a:t>
+            </a:r>
+            <a:r>
+              <a:rPr lang="en-US" dirty="0" smtClean="0"/>
+              <a:t> de </a:t>
+            </a:r>
+            <a:r>
+              <a:rPr lang="en-US" dirty="0" err="1" smtClean="0"/>
+              <a:t>Memória</a:t>
+            </a:r>
+            <a:endParaRPr lang="en-US" dirty="0"/>
+          </a:p>
+        </p:txBody>
+      </p:sp>
+      <p:sp>
+        <p:nvSpPr>
+          <p:cNvPr id="3" name="Content Placeholder 2"/>
+          <p:cNvSpPr>
+            <a:spLocks noGrp="1"/>
+          </p:cNvSpPr>
+          <p:nvPr>
+            <p:ph idx="1"/>
+          </p:nvPr>
+        </p:nvSpPr>
+        <p:spPr/>
+        <p:txBody>
+          <a:bodyPr/>
+          <a:lstStyle/>
+          <a:p>
+            <a:r>
+              <a:rPr lang="en-US" dirty="0" err="1" smtClean="0"/>
+              <a:t>Quando</a:t>
+            </a:r>
+            <a:r>
+              <a:rPr lang="en-US" dirty="0" smtClean="0"/>
+              <a:t> </a:t>
+            </a:r>
+            <a:r>
+              <a:rPr lang="en-US" dirty="0" err="1" smtClean="0"/>
+              <a:t>declaramos</a:t>
+            </a:r>
+            <a:r>
+              <a:rPr lang="en-US" dirty="0" smtClean="0"/>
+              <a:t> </a:t>
+            </a:r>
+            <a:r>
+              <a:rPr lang="en-US" dirty="0" err="1" smtClean="0"/>
+              <a:t>uma</a:t>
+            </a:r>
+            <a:r>
+              <a:rPr lang="en-US" dirty="0" smtClean="0"/>
+              <a:t> </a:t>
+            </a:r>
+            <a:r>
+              <a:rPr lang="en-US" dirty="0" err="1" smtClean="0"/>
+              <a:t>vari</a:t>
+            </a:r>
+            <a:r>
+              <a:rPr lang="en-US" dirty="0" err="1" smtClean="0"/>
+              <a:t>ável</a:t>
+            </a:r>
+            <a:r>
+              <a:rPr lang="en-US" dirty="0" smtClean="0"/>
+              <a:t> do </a:t>
+            </a:r>
+            <a:r>
+              <a:rPr lang="en-US" dirty="0" err="1" smtClean="0"/>
+              <a:t>tipo</a:t>
+            </a:r>
+            <a:r>
+              <a:rPr lang="en-US" dirty="0" smtClean="0"/>
+              <a:t> de </a:t>
+            </a:r>
+            <a:r>
+              <a:rPr lang="en-US" dirty="0" err="1" smtClean="0"/>
+              <a:t>uma</a:t>
+            </a:r>
+            <a:r>
+              <a:rPr lang="en-US" dirty="0" smtClean="0"/>
+              <a:t> </a:t>
+            </a:r>
+            <a:r>
+              <a:rPr lang="en-US" dirty="0" err="1" smtClean="0"/>
+              <a:t>classe</a:t>
+            </a:r>
+            <a:r>
+              <a:rPr lang="en-US" dirty="0" smtClean="0"/>
+              <a:t>, a JVM </a:t>
+            </a:r>
+            <a:r>
+              <a:rPr lang="en-US" dirty="0" err="1" smtClean="0"/>
+              <a:t>apenas</a:t>
+            </a:r>
+            <a:r>
+              <a:rPr lang="en-US" dirty="0" smtClean="0"/>
+              <a:t> </a:t>
+            </a:r>
+            <a:r>
+              <a:rPr lang="en-US" dirty="0" err="1" smtClean="0"/>
+              <a:t>aloca</a:t>
+            </a:r>
+            <a:r>
+              <a:rPr lang="en-US" dirty="0" smtClean="0"/>
+              <a:t> o </a:t>
+            </a:r>
+            <a:r>
+              <a:rPr lang="en-US" dirty="0" err="1" smtClean="0"/>
+              <a:t>espaço</a:t>
+            </a:r>
+            <a:r>
+              <a:rPr lang="en-US" dirty="0" smtClean="0"/>
+              <a:t> </a:t>
+            </a:r>
+            <a:r>
+              <a:rPr lang="en-US" dirty="0" err="1" smtClean="0"/>
+              <a:t>necessário</a:t>
+            </a:r>
+            <a:r>
+              <a:rPr lang="en-US" dirty="0" smtClean="0"/>
+              <a:t> </a:t>
+            </a:r>
+            <a:r>
+              <a:rPr lang="en-US" dirty="0" err="1" smtClean="0"/>
+              <a:t>para</a:t>
+            </a:r>
+            <a:r>
+              <a:rPr lang="en-US" dirty="0" smtClean="0"/>
+              <a:t> </a:t>
+            </a:r>
+            <a:r>
+              <a:rPr lang="en-US" dirty="0" err="1" smtClean="0"/>
+              <a:t>armazenar</a:t>
+            </a:r>
+            <a:r>
+              <a:rPr lang="en-US" dirty="0" smtClean="0"/>
+              <a:t> o </a:t>
+            </a:r>
+            <a:r>
+              <a:rPr lang="en-US" dirty="0" err="1" smtClean="0"/>
+              <a:t>endereço</a:t>
+            </a:r>
+            <a:r>
+              <a:rPr lang="en-US" dirty="0" smtClean="0"/>
+              <a:t> </a:t>
+            </a:r>
+            <a:r>
+              <a:rPr lang="en-US" dirty="0" err="1" smtClean="0"/>
+              <a:t>dessa</a:t>
+            </a:r>
+            <a:r>
+              <a:rPr lang="en-US" dirty="0" smtClean="0"/>
+              <a:t> </a:t>
+            </a:r>
+            <a:r>
+              <a:rPr lang="en-US" dirty="0" err="1" smtClean="0"/>
+              <a:t>referência</a:t>
+            </a:r>
+            <a:r>
+              <a:rPr lang="en-US" dirty="0" smtClean="0"/>
+              <a:t>. </a:t>
+            </a:r>
+            <a:r>
+              <a:rPr lang="en-US" dirty="0" err="1" smtClean="0"/>
+              <a:t>Quando</a:t>
+            </a:r>
+            <a:r>
+              <a:rPr lang="en-US" dirty="0" smtClean="0"/>
+              <a:t> o </a:t>
+            </a:r>
+            <a:r>
+              <a:rPr lang="en-US" dirty="0" err="1" smtClean="0"/>
+              <a:t>objeto</a:t>
+            </a:r>
+            <a:r>
+              <a:rPr lang="en-US" dirty="0" smtClean="0"/>
+              <a:t> </a:t>
+            </a:r>
+            <a:r>
+              <a:rPr lang="en-US" dirty="0" err="1" smtClean="0"/>
+              <a:t>é</a:t>
+            </a:r>
+            <a:r>
+              <a:rPr lang="en-US" dirty="0" smtClean="0"/>
+              <a:t> </a:t>
+            </a:r>
+            <a:r>
+              <a:rPr lang="en-US" dirty="0" err="1" smtClean="0"/>
+              <a:t>criado</a:t>
+            </a:r>
+            <a:r>
+              <a:rPr lang="en-US" dirty="0" smtClean="0"/>
+              <a:t> o </a:t>
+            </a:r>
+            <a:r>
+              <a:rPr lang="en-US" dirty="0" err="1" smtClean="0"/>
+              <a:t>atribuído</a:t>
+            </a:r>
+            <a:r>
+              <a:rPr lang="en-US" dirty="0" smtClean="0"/>
+              <a:t> a </a:t>
+            </a:r>
+            <a:r>
+              <a:rPr lang="en-US" dirty="0" err="1" smtClean="0"/>
+              <a:t>essa</a:t>
+            </a:r>
+            <a:r>
+              <a:rPr lang="en-US" dirty="0" smtClean="0"/>
+              <a:t> </a:t>
+            </a:r>
+            <a:r>
+              <a:rPr lang="en-US" dirty="0" err="1" smtClean="0"/>
+              <a:t>variável</a:t>
+            </a:r>
+            <a:r>
+              <a:rPr lang="en-US" dirty="0" smtClean="0"/>
+              <a:t>, </a:t>
+            </a:r>
+            <a:r>
+              <a:rPr lang="en-US" dirty="0" err="1" smtClean="0"/>
+              <a:t>através</a:t>
+            </a:r>
+            <a:r>
+              <a:rPr lang="en-US" dirty="0"/>
+              <a:t> </a:t>
+            </a:r>
+            <a:r>
+              <a:rPr lang="en-US" dirty="0" smtClean="0"/>
+              <a:t>do </a:t>
+            </a:r>
+            <a:r>
+              <a:rPr lang="en-US" dirty="0" err="1" smtClean="0"/>
+              <a:t>comand</a:t>
+            </a:r>
+            <a:r>
+              <a:rPr lang="en-US" dirty="0" smtClean="0"/>
+              <a:t> </a:t>
+            </a:r>
+            <a:r>
+              <a:rPr lang="en-US" b="1" i="1" dirty="0" smtClean="0"/>
+              <a:t>new</a:t>
+            </a:r>
+            <a:r>
+              <a:rPr lang="en-US" dirty="0" smtClean="0"/>
+              <a:t>, </a:t>
+            </a:r>
+            <a:r>
+              <a:rPr lang="en-US" dirty="0" err="1" smtClean="0"/>
+              <a:t>é</a:t>
+            </a:r>
+            <a:r>
+              <a:rPr lang="en-US" dirty="0" smtClean="0"/>
+              <a:t> </a:t>
+            </a:r>
+            <a:r>
+              <a:rPr lang="en-US" dirty="0" err="1" smtClean="0"/>
+              <a:t>que</a:t>
+            </a:r>
+            <a:r>
+              <a:rPr lang="en-US" dirty="0" smtClean="0"/>
+              <a:t> a </a:t>
+            </a:r>
+            <a:r>
+              <a:rPr lang="en-US" dirty="0" err="1" smtClean="0"/>
+              <a:t>máquina</a:t>
+            </a:r>
+            <a:r>
+              <a:rPr lang="en-US" dirty="0" smtClean="0"/>
+              <a:t> virtual </a:t>
+            </a:r>
+            <a:r>
+              <a:rPr lang="en-US" dirty="0" err="1" smtClean="0"/>
+              <a:t>aloca</a:t>
+            </a:r>
+            <a:r>
+              <a:rPr lang="en-US" dirty="0" smtClean="0"/>
+              <a:t> o </a:t>
+            </a:r>
+            <a:r>
+              <a:rPr lang="en-US" dirty="0" err="1" smtClean="0"/>
+              <a:t>espaço</a:t>
+            </a:r>
+            <a:r>
+              <a:rPr lang="en-US" dirty="0" smtClean="0"/>
+              <a:t> </a:t>
+            </a:r>
+            <a:r>
+              <a:rPr lang="en-US" dirty="0" err="1" smtClean="0"/>
+              <a:t>necessário</a:t>
+            </a:r>
+            <a:r>
+              <a:rPr lang="en-US" dirty="0" smtClean="0"/>
+              <a:t> </a:t>
+            </a:r>
+            <a:r>
+              <a:rPr lang="en-US" dirty="0" err="1" smtClean="0"/>
+              <a:t>para</a:t>
+            </a:r>
+            <a:r>
+              <a:rPr lang="en-US" dirty="0" smtClean="0"/>
+              <a:t> </a:t>
+            </a:r>
+            <a:r>
+              <a:rPr lang="en-US" dirty="0" err="1" smtClean="0"/>
+              <a:t>armazenar</a:t>
+            </a:r>
+            <a:r>
+              <a:rPr lang="en-US" dirty="0" smtClean="0"/>
+              <a:t> </a:t>
+            </a:r>
+            <a:r>
+              <a:rPr lang="en-US" dirty="0" err="1" smtClean="0"/>
+              <a:t>os</a:t>
+            </a:r>
+            <a:r>
+              <a:rPr lang="en-US" dirty="0" smtClean="0"/>
+              <a:t> </a:t>
+            </a:r>
+            <a:r>
+              <a:rPr lang="en-US" dirty="0" err="1" smtClean="0"/>
+              <a:t>valores</a:t>
+            </a:r>
+            <a:r>
+              <a:rPr lang="en-US" dirty="0" smtClean="0"/>
+              <a:t> dos </a:t>
+            </a:r>
+            <a:r>
+              <a:rPr lang="en-US" dirty="0" err="1" smtClean="0"/>
+              <a:t>membros</a:t>
+            </a:r>
+            <a:r>
+              <a:rPr lang="en-US" dirty="0" smtClean="0"/>
+              <a:t> do </a:t>
+            </a:r>
+            <a:r>
+              <a:rPr lang="en-US" dirty="0" err="1" smtClean="0"/>
+              <a:t>objeto</a:t>
+            </a:r>
+            <a:r>
+              <a:rPr lang="en-US" dirty="0" smtClean="0"/>
+              <a:t>.</a:t>
+            </a:r>
+            <a:endParaRPr lang="en-US" dirty="0"/>
+          </a:p>
+        </p:txBody>
+      </p:sp>
+    </p:spTree>
+    <p:extLst>
+      <p:ext uri="{BB962C8B-B14F-4D97-AF65-F5344CB8AC3E}">
+        <p14:creationId xmlns:p14="http://schemas.microsoft.com/office/powerpoint/2010/main" val="1849276909"/>
+      </p:ext>
+    </p:extLst>
+  </p:cSld>
+  <p:clrMapOvr>
+    <a:masterClrMapping/>
+  </p:clrMapOvr>
+</p:sld>
+</file>
+
+<file path=ppt/slides/slide19.xml><?xml version="1.0" encoding="utf-8"?>
+<p:sld xmlns:a="http://schemas.openxmlformats.org/drawingml/2006/main" xmlns:r="http://schemas.openxmlformats.org/officeDocument/2006/relationships" xmlns:p="http://schemas.openxmlformats.org/presentationml/2006/main">
+  <p:cSld>
+    <p:spTree>
+      <p:nvGrpSpPr>
+        <p:cNvPr id="1" name=""/>
+        <p:cNvGrpSpPr/>
+        <p:nvPr/>
+      </p:nvGrpSpPr>
+      <p:grpSpPr>
+        <a:xfrm>
+          <a:off x="0" y="0"/>
+          <a:ext cx="0" cy="0"/>
+          <a:chOff x="0" y="0"/>
+          <a:chExt cx="0" cy="0"/>
+        </a:xfrm>
+      </p:grpSpPr>
+      <p:sp>
+        <p:nvSpPr>
+          <p:cNvPr id="2" name="Title 1"/>
+          <p:cNvSpPr>
+            <a:spLocks noGrp="1"/>
+          </p:cNvSpPr>
+          <p:nvPr>
+            <p:ph type="title"/>
+          </p:nvPr>
+        </p:nvSpPr>
+        <p:spPr/>
+        <p:txBody>
+          <a:bodyPr/>
+          <a:lstStyle/>
+          <a:p>
+            <a:r>
+              <a:rPr lang="en-US" dirty="0" err="1" smtClean="0"/>
+              <a:t>Aloca</a:t>
+            </a:r>
+            <a:r>
+              <a:rPr lang="en-US" dirty="0" err="1" smtClean="0"/>
+              <a:t>ção</a:t>
+            </a:r>
+            <a:r>
+              <a:rPr lang="en-US" dirty="0" smtClean="0"/>
+              <a:t> de </a:t>
+            </a:r>
+            <a:r>
+              <a:rPr lang="en-US" dirty="0" err="1" smtClean="0"/>
+              <a:t>Memória</a:t>
+            </a:r>
+            <a:r>
+              <a:rPr lang="en-US" dirty="0" smtClean="0"/>
+              <a:t>	</a:t>
+            </a:r>
+            <a:endParaRPr lang="en-US" dirty="0"/>
+          </a:p>
+        </p:txBody>
+      </p:sp>
+      <p:sp>
+        <p:nvSpPr>
+          <p:cNvPr id="3" name="Content Placeholder 2"/>
+          <p:cNvSpPr>
+            <a:spLocks noGrp="1"/>
+          </p:cNvSpPr>
+          <p:nvPr>
+            <p:ph idx="1"/>
+          </p:nvPr>
+        </p:nvSpPr>
+        <p:spPr/>
+        <p:txBody>
+          <a:bodyPr/>
+          <a:lstStyle/>
+          <a:p>
+            <a:r>
+              <a:rPr lang="en-US" dirty="0" smtClean="0"/>
+              <a:t>No </a:t>
+            </a:r>
+            <a:r>
+              <a:rPr lang="en-US" dirty="0" err="1" smtClean="0"/>
+              <a:t>nosso</a:t>
+            </a:r>
+            <a:r>
+              <a:rPr lang="en-US" dirty="0" smtClean="0"/>
+              <a:t> </a:t>
+            </a:r>
+            <a:r>
+              <a:rPr lang="en-US" dirty="0" err="1" smtClean="0"/>
+              <a:t>exemplo</a:t>
+            </a:r>
+            <a:r>
+              <a:rPr lang="en-US" dirty="0" smtClean="0"/>
+              <a:t> a </a:t>
+            </a:r>
+            <a:r>
+              <a:rPr lang="en-US" dirty="0" err="1" smtClean="0"/>
+              <a:t>declara</a:t>
+            </a:r>
+            <a:r>
+              <a:rPr lang="en-US" dirty="0" err="1" smtClean="0"/>
+              <a:t>ção</a:t>
+            </a:r>
+            <a:r>
+              <a:rPr lang="en-US" dirty="0" smtClean="0"/>
+              <a:t> da </a:t>
+            </a:r>
+            <a:r>
+              <a:rPr lang="en-US" dirty="0" err="1" smtClean="0"/>
+              <a:t>variável</a:t>
+            </a:r>
+            <a:r>
+              <a:rPr lang="en-US" dirty="0" smtClean="0"/>
+              <a:t> </a:t>
+            </a:r>
+            <a:r>
+              <a:rPr lang="en-US" dirty="0" err="1" smtClean="0"/>
+              <a:t>carteira</a:t>
+            </a:r>
+            <a:r>
+              <a:rPr lang="en-US" dirty="0" smtClean="0"/>
+              <a:t> </a:t>
+            </a:r>
+            <a:r>
+              <a:rPr lang="en-US" dirty="0" err="1" smtClean="0"/>
+              <a:t>gera</a:t>
+            </a:r>
+            <a:r>
+              <a:rPr lang="en-US" dirty="0" smtClean="0"/>
+              <a:t> </a:t>
+            </a:r>
+            <a:r>
+              <a:rPr lang="en-US" dirty="0" err="1" smtClean="0"/>
+              <a:t>alocação</a:t>
+            </a:r>
+            <a:r>
+              <a:rPr lang="en-US" dirty="0" smtClean="0"/>
+              <a:t> de um </a:t>
+            </a:r>
+            <a:r>
+              <a:rPr lang="en-US" dirty="0" err="1" smtClean="0"/>
+              <a:t>espaço</a:t>
+            </a:r>
+            <a:endParaRPr lang="en-US" dirty="0"/>
+          </a:p>
+        </p:txBody>
+      </p:sp>
+      <p:sp>
+        <p:nvSpPr>
+          <p:cNvPr id="4" name="Rectangle 3"/>
+          <p:cNvSpPr/>
+          <p:nvPr/>
+        </p:nvSpPr>
+        <p:spPr>
+          <a:xfrm>
+            <a:off x="4094026" y="3782791"/>
+            <a:ext cx="3769747" cy="743049"/>
+          </a:xfrm>
+          <a:prstGeom prst="rect">
+            <a:avLst/>
+          </a:prstGeom>
+          <a:noFill/>
+        </p:spPr>
+        <p:style>
+          <a:lnRef idx="1">
+            <a:schemeClr val="accent1"/>
+          </a:lnRef>
+          <a:fillRef idx="3">
+            <a:schemeClr val="accent1"/>
+          </a:fillRef>
+          <a:effectRef idx="2">
+            <a:schemeClr val="accent1"/>
+          </a:effectRef>
+          <a:fontRef idx="minor">
+            <a:schemeClr val="lt1"/>
+          </a:fontRef>
+        </p:style>
+        <p:txBody>
+          <a:bodyPr rtlCol="0" anchor="ctr"/>
+          <a:lstStyle/>
+          <a:p>
+            <a:pPr algn="ctr"/>
+            <a:endParaRPr lang="en-US"/>
+          </a:p>
+        </p:txBody>
+      </p:sp>
+      <p:sp>
+        <p:nvSpPr>
+          <p:cNvPr id="5" name="TextBox 4"/>
+          <p:cNvSpPr txBox="1"/>
+          <p:nvPr/>
+        </p:nvSpPr>
+        <p:spPr>
+          <a:xfrm>
+            <a:off x="1837582" y="3782792"/>
+            <a:ext cx="1864606" cy="584776"/>
+          </a:xfrm>
+          <a:prstGeom prst="rect">
+            <a:avLst/>
+          </a:prstGeom>
+          <a:noFill/>
+        </p:spPr>
+        <p:txBody>
+          <a:bodyPr wrap="square" rtlCol="0">
+            <a:spAutoFit/>
+          </a:bodyPr>
+          <a:lstStyle/>
+          <a:p>
+            <a:r>
+              <a:rPr lang="en-US" sz="3200" dirty="0" err="1" smtClean="0"/>
+              <a:t>Carteira</a:t>
+            </a:r>
+            <a:endParaRPr lang="en-US" sz="3200" dirty="0"/>
+          </a:p>
+        </p:txBody>
+      </p:sp>
+      <p:sp>
+        <p:nvSpPr>
+          <p:cNvPr id="6" name="TextBox 5"/>
+          <p:cNvSpPr txBox="1"/>
+          <p:nvPr/>
+        </p:nvSpPr>
+        <p:spPr>
+          <a:xfrm>
+            <a:off x="6120771" y="3930686"/>
+            <a:ext cx="1661905" cy="461665"/>
+          </a:xfrm>
+          <a:prstGeom prst="rect">
+            <a:avLst/>
+          </a:prstGeom>
+          <a:noFill/>
+        </p:spPr>
+        <p:txBody>
+          <a:bodyPr wrap="square" rtlCol="0">
+            <a:spAutoFit/>
+          </a:bodyPr>
+          <a:lstStyle/>
+          <a:p>
+            <a:pPr algn="r"/>
+            <a:r>
+              <a:rPr lang="en-US" sz="2400" dirty="0" smtClean="0"/>
+              <a:t>????????</a:t>
+            </a:r>
+            <a:endParaRPr lang="en-US" sz="2400" dirty="0"/>
+          </a:p>
+        </p:txBody>
+      </p:sp>
+    </p:spTree>
+    <p:extLst>
+      <p:ext uri="{BB962C8B-B14F-4D97-AF65-F5344CB8AC3E}">
+        <p14:creationId xmlns:p14="http://schemas.microsoft.com/office/powerpoint/2010/main" val="3832669599"/>
+      </p:ext>
+    </p:extLst>
+  </p:cSld>
+  <p:clrMapOvr>
+    <a:masterClrMapping/>
+  </p:clrMapOvr>
+</p:sld>
+</file>
+
 <file path=ppt/slides/slide2.xml><?xml version="1.0" encoding="utf-8"?>
 <p:sld xmlns:a="http://schemas.openxmlformats.org/drawingml/2006/main" xmlns:r="http://schemas.openxmlformats.org/officeDocument/2006/relationships" xmlns:p="http://schemas.openxmlformats.org/presentationml/2006/main">
   <p:cSld>
@@ -8430,11 +9059,7 @@
           <a:p>
             <a:r>
               <a:rPr lang="en-US" dirty="0" err="1" smtClean="0"/>
-              <a:t>Motiva</a:t>
-            </a:r>
-            <a:r>
-              <a:rPr lang="en-US" dirty="0" err="1" smtClean="0"/>
-              <a:t>ção</a:t>
+              <a:t>Motivação</a:t>
             </a:r>
             <a:endParaRPr lang="en-US" dirty="0"/>
           </a:p>
@@ -8459,11 +9084,7 @@
           <a:p>
             <a:r>
               <a:rPr lang="en-US" dirty="0" err="1" smtClean="0"/>
-              <a:t>Orienta</a:t>
-            </a:r>
-            <a:r>
-              <a:rPr lang="en-US" dirty="0" err="1" smtClean="0"/>
-              <a:t>ção</a:t>
+              <a:t>Orientação</a:t>
             </a:r>
             <a:r>
               <a:rPr lang="en-US" dirty="0" smtClean="0"/>
@@ -8837,7 +9458,6 @@
               <a:rPr lang="en-US" dirty="0"/>
               <a:t>;</a:t>
             </a:r>
-            <a:endParaRPr lang="en-US" dirty="0"/>
           </a:p>
         </p:txBody>
       </p:sp>
@@ -8861,6 +9481,1767 @@
 </p:sld>
 </file>
 
+<file path=ppt/slides/slide20.xml><?xml version="1.0" encoding="utf-8"?>
+<p:sld xmlns:a="http://schemas.openxmlformats.org/drawingml/2006/main" xmlns:r="http://schemas.openxmlformats.org/officeDocument/2006/relationships" xmlns:p="http://schemas.openxmlformats.org/presentationml/2006/main">
+  <p:cSld>
+    <p:spTree>
+      <p:nvGrpSpPr>
+        <p:cNvPr id="1" name=""/>
+        <p:cNvGrpSpPr/>
+        <p:nvPr/>
+      </p:nvGrpSpPr>
+      <p:grpSpPr>
+        <a:xfrm>
+          <a:off x="0" y="0"/>
+          <a:ext cx="0" cy="0"/>
+          <a:chOff x="0" y="0"/>
+          <a:chExt cx="0" cy="0"/>
+        </a:xfrm>
+      </p:grpSpPr>
+      <p:sp>
+        <p:nvSpPr>
+          <p:cNvPr id="2" name="Title 1"/>
+          <p:cNvSpPr>
+            <a:spLocks noGrp="1"/>
+          </p:cNvSpPr>
+          <p:nvPr>
+            <p:ph type="title"/>
+          </p:nvPr>
+        </p:nvSpPr>
+        <p:spPr/>
+        <p:txBody>
+          <a:bodyPr/>
+          <a:lstStyle/>
+          <a:p>
+            <a:r>
+              <a:rPr lang="en-US" dirty="0" err="1" smtClean="0"/>
+              <a:t>Aloca</a:t>
+            </a:r>
+            <a:r>
+              <a:rPr lang="en-US" dirty="0" err="1" smtClean="0"/>
+              <a:t>ção</a:t>
+            </a:r>
+            <a:r>
+              <a:rPr lang="en-US" dirty="0" smtClean="0"/>
+              <a:t> de </a:t>
+            </a:r>
+            <a:r>
+              <a:rPr lang="en-US" dirty="0" err="1" smtClean="0"/>
+              <a:t>Memória</a:t>
+            </a:r>
+            <a:r>
+              <a:rPr lang="en-US" dirty="0" smtClean="0"/>
+              <a:t>	</a:t>
+            </a:r>
+            <a:endParaRPr lang="en-US" dirty="0"/>
+          </a:p>
+        </p:txBody>
+      </p:sp>
+      <p:sp>
+        <p:nvSpPr>
+          <p:cNvPr id="3" name="Content Placeholder 2"/>
+          <p:cNvSpPr>
+            <a:spLocks noGrp="1"/>
+          </p:cNvSpPr>
+          <p:nvPr>
+            <p:ph idx="1"/>
+          </p:nvPr>
+        </p:nvSpPr>
+        <p:spPr/>
+        <p:txBody>
+          <a:bodyPr/>
+          <a:lstStyle/>
+          <a:p>
+            <a:r>
+              <a:rPr lang="en-US" dirty="0" err="1" smtClean="0"/>
+              <a:t>Ap</a:t>
+            </a:r>
+            <a:r>
+              <a:rPr lang="en-US" dirty="0" err="1" smtClean="0"/>
+              <a:t>ós</a:t>
+            </a:r>
+            <a:r>
+              <a:rPr lang="en-US" dirty="0" smtClean="0"/>
+              <a:t> </a:t>
+            </a:r>
+            <a:r>
+              <a:rPr lang="en-US" dirty="0" err="1" smtClean="0"/>
+              <a:t>declarar</a:t>
+            </a:r>
+            <a:r>
+              <a:rPr lang="en-US" dirty="0" smtClean="0"/>
+              <a:t> a </a:t>
+            </a:r>
+            <a:r>
+              <a:rPr lang="en-US" dirty="0" err="1" smtClean="0"/>
+              <a:t>variável</a:t>
+            </a:r>
+            <a:r>
+              <a:rPr lang="en-US" dirty="0" smtClean="0"/>
+              <a:t>, a </a:t>
+            </a:r>
+            <a:r>
+              <a:rPr lang="en-US" dirty="0" err="1" smtClean="0"/>
+              <a:t>construção</a:t>
+            </a:r>
+            <a:r>
+              <a:rPr lang="en-US" dirty="0" smtClean="0"/>
+              <a:t> do </a:t>
+            </a:r>
+            <a:r>
+              <a:rPr lang="en-US" dirty="0" err="1" smtClean="0"/>
+              <a:t>objeto</a:t>
+            </a:r>
+            <a:r>
+              <a:rPr lang="en-US" dirty="0" smtClean="0"/>
+              <a:t> </a:t>
+            </a:r>
+            <a:r>
+              <a:rPr lang="en-US" dirty="0" err="1" smtClean="0"/>
+              <a:t>força</a:t>
+            </a:r>
+            <a:r>
+              <a:rPr lang="en-US" dirty="0" smtClean="0"/>
+              <a:t> a </a:t>
+            </a:r>
+            <a:r>
+              <a:rPr lang="en-US" dirty="0" err="1" smtClean="0"/>
+              <a:t>alocação</a:t>
+            </a:r>
+            <a:r>
+              <a:rPr lang="en-US" dirty="0" smtClean="0"/>
+              <a:t> do </a:t>
+            </a:r>
+            <a:r>
+              <a:rPr lang="en-US" dirty="0" err="1" smtClean="0"/>
+              <a:t>espaço</a:t>
+            </a:r>
+            <a:r>
+              <a:rPr lang="en-US" dirty="0" smtClean="0"/>
+              <a:t> </a:t>
+            </a:r>
+            <a:r>
+              <a:rPr lang="en-US" dirty="0" err="1" smtClean="0"/>
+              <a:t>ocupado</a:t>
+            </a:r>
+            <a:r>
+              <a:rPr lang="en-US" dirty="0" smtClean="0"/>
+              <a:t> </a:t>
+            </a:r>
+            <a:r>
+              <a:rPr lang="en-US" dirty="0" err="1" smtClean="0"/>
+              <a:t>pelas</a:t>
+            </a:r>
+            <a:r>
+              <a:rPr lang="en-US" dirty="0" smtClean="0"/>
+              <a:t> </a:t>
+            </a:r>
+            <a:r>
+              <a:rPr lang="en-US" dirty="0" err="1" smtClean="0"/>
+              <a:t>informações</a:t>
+            </a:r>
+            <a:r>
+              <a:rPr lang="en-US" dirty="0" smtClean="0"/>
+              <a:t> da </a:t>
+            </a:r>
+            <a:r>
+              <a:rPr lang="en-US" dirty="0" err="1" smtClean="0"/>
+              <a:t>classe</a:t>
+            </a:r>
+            <a:r>
+              <a:rPr lang="en-US" dirty="0" smtClean="0"/>
+              <a:t> </a:t>
+            </a:r>
+            <a:r>
+              <a:rPr lang="en-US" dirty="0" err="1" smtClean="0"/>
+              <a:t>CarteiraDeEstudante</a:t>
+            </a:r>
+            <a:endParaRPr lang="en-US" dirty="0" smtClean="0"/>
+          </a:p>
+          <a:p>
+            <a:endParaRPr lang="en-US" dirty="0"/>
+          </a:p>
+        </p:txBody>
+      </p:sp>
+      <p:sp>
+        <p:nvSpPr>
+          <p:cNvPr id="4" name="Rectangle 3"/>
+          <p:cNvSpPr/>
+          <p:nvPr/>
+        </p:nvSpPr>
+        <p:spPr>
+          <a:xfrm>
+            <a:off x="4094026" y="4066501"/>
+            <a:ext cx="3769747" cy="743049"/>
+          </a:xfrm>
+          <a:prstGeom prst="rect">
+            <a:avLst/>
+          </a:prstGeom>
+          <a:noFill/>
+        </p:spPr>
+        <p:style>
+          <a:lnRef idx="1">
+            <a:schemeClr val="accent1"/>
+          </a:lnRef>
+          <a:fillRef idx="3">
+            <a:schemeClr val="accent1"/>
+          </a:fillRef>
+          <a:effectRef idx="2">
+            <a:schemeClr val="accent1"/>
+          </a:effectRef>
+          <a:fontRef idx="minor">
+            <a:schemeClr val="lt1"/>
+          </a:fontRef>
+        </p:style>
+        <p:txBody>
+          <a:bodyPr rtlCol="0" anchor="ctr"/>
+          <a:lstStyle/>
+          <a:p>
+            <a:pPr algn="ctr"/>
+            <a:endParaRPr lang="en-US"/>
+          </a:p>
+        </p:txBody>
+      </p:sp>
+      <p:sp>
+        <p:nvSpPr>
+          <p:cNvPr id="5" name="TextBox 4"/>
+          <p:cNvSpPr txBox="1"/>
+          <p:nvPr/>
+        </p:nvSpPr>
+        <p:spPr>
+          <a:xfrm>
+            <a:off x="1783534" y="4066502"/>
+            <a:ext cx="1864606" cy="584776"/>
+          </a:xfrm>
+          <a:prstGeom prst="rect">
+            <a:avLst/>
+          </a:prstGeom>
+          <a:noFill/>
+        </p:spPr>
+        <p:txBody>
+          <a:bodyPr wrap="square" rtlCol="0">
+            <a:spAutoFit/>
+          </a:bodyPr>
+          <a:lstStyle/>
+          <a:p>
+            <a:r>
+              <a:rPr lang="en-US" sz="3200" dirty="0" err="1"/>
+              <a:t>c</a:t>
+            </a:r>
+            <a:r>
+              <a:rPr lang="en-US" sz="3200" dirty="0" err="1" smtClean="0"/>
+              <a:t>arteira</a:t>
+            </a:r>
+            <a:endParaRPr lang="en-US" sz="3200" dirty="0"/>
+          </a:p>
+        </p:txBody>
+      </p:sp>
+      <p:sp>
+        <p:nvSpPr>
+          <p:cNvPr id="6" name="TextBox 5"/>
+          <p:cNvSpPr txBox="1"/>
+          <p:nvPr/>
+        </p:nvSpPr>
+        <p:spPr>
+          <a:xfrm>
+            <a:off x="6120771" y="4214396"/>
+            <a:ext cx="1661905" cy="461665"/>
+          </a:xfrm>
+          <a:prstGeom prst="rect">
+            <a:avLst/>
+          </a:prstGeom>
+          <a:noFill/>
+        </p:spPr>
+        <p:txBody>
+          <a:bodyPr wrap="square" rtlCol="0">
+            <a:spAutoFit/>
+          </a:bodyPr>
+          <a:lstStyle/>
+          <a:p>
+            <a:pPr algn="r"/>
+            <a:r>
+              <a:rPr lang="en-US" sz="2400" dirty="0" smtClean="0"/>
+              <a:t>????????</a:t>
+            </a:r>
+            <a:endParaRPr lang="en-US" sz="2400" dirty="0"/>
+          </a:p>
+        </p:txBody>
+      </p:sp>
+      <p:sp>
+        <p:nvSpPr>
+          <p:cNvPr id="7" name="Rectangle 6"/>
+          <p:cNvSpPr/>
+          <p:nvPr/>
+        </p:nvSpPr>
+        <p:spPr>
+          <a:xfrm>
+            <a:off x="4097794" y="4921421"/>
+            <a:ext cx="3769747" cy="743049"/>
+          </a:xfrm>
+          <a:prstGeom prst="rect">
+            <a:avLst/>
+          </a:prstGeom>
+          <a:noFill/>
+        </p:spPr>
+        <p:style>
+          <a:lnRef idx="1">
+            <a:schemeClr val="accent1"/>
+          </a:lnRef>
+          <a:fillRef idx="3">
+            <a:schemeClr val="accent1"/>
+          </a:fillRef>
+          <a:effectRef idx="2">
+            <a:schemeClr val="accent1"/>
+          </a:effectRef>
+          <a:fontRef idx="minor">
+            <a:schemeClr val="lt1"/>
+          </a:fontRef>
+        </p:style>
+        <p:txBody>
+          <a:bodyPr rtlCol="0" anchor="ctr"/>
+          <a:lstStyle/>
+          <a:p>
+            <a:pPr algn="ctr"/>
+            <a:endParaRPr lang="en-US"/>
+          </a:p>
+        </p:txBody>
+      </p:sp>
+      <p:sp>
+        <p:nvSpPr>
+          <p:cNvPr id="8" name="TextBox 7"/>
+          <p:cNvSpPr txBox="1"/>
+          <p:nvPr/>
+        </p:nvSpPr>
+        <p:spPr>
+          <a:xfrm>
+            <a:off x="1841350" y="4921422"/>
+            <a:ext cx="1864606" cy="584776"/>
+          </a:xfrm>
+          <a:prstGeom prst="rect">
+            <a:avLst/>
+          </a:prstGeom>
+          <a:noFill/>
+        </p:spPr>
+        <p:txBody>
+          <a:bodyPr wrap="square" rtlCol="0">
+            <a:spAutoFit/>
+          </a:bodyPr>
+          <a:lstStyle/>
+          <a:p>
+            <a:r>
+              <a:rPr lang="en-US" sz="3200" dirty="0" err="1" smtClean="0"/>
+              <a:t>nome</a:t>
+            </a:r>
+            <a:endParaRPr lang="en-US" sz="3200" dirty="0"/>
+          </a:p>
+        </p:txBody>
+      </p:sp>
+      <p:sp>
+        <p:nvSpPr>
+          <p:cNvPr id="9" name="TextBox 8"/>
+          <p:cNvSpPr txBox="1"/>
+          <p:nvPr/>
+        </p:nvSpPr>
+        <p:spPr>
+          <a:xfrm>
+            <a:off x="6124539" y="5069316"/>
+            <a:ext cx="1661905" cy="461665"/>
+          </a:xfrm>
+          <a:prstGeom prst="rect">
+            <a:avLst/>
+          </a:prstGeom>
+          <a:noFill/>
+        </p:spPr>
+        <p:txBody>
+          <a:bodyPr wrap="square" rtlCol="0">
+            <a:spAutoFit/>
+          </a:bodyPr>
+          <a:lstStyle/>
+          <a:p>
+            <a:pPr algn="r"/>
+            <a:r>
+              <a:rPr lang="en-US" sz="2400" dirty="0" smtClean="0"/>
+              <a:t>“”</a:t>
+            </a:r>
+            <a:endParaRPr lang="en-US" sz="2400" dirty="0"/>
+          </a:p>
+        </p:txBody>
+      </p:sp>
+      <p:sp>
+        <p:nvSpPr>
+          <p:cNvPr id="10" name="Rectangle 9"/>
+          <p:cNvSpPr/>
+          <p:nvPr/>
+        </p:nvSpPr>
+        <p:spPr>
+          <a:xfrm>
+            <a:off x="4097794" y="5799571"/>
+            <a:ext cx="3769747" cy="743049"/>
+          </a:xfrm>
+          <a:prstGeom prst="rect">
+            <a:avLst/>
+          </a:prstGeom>
+          <a:noFill/>
+        </p:spPr>
+        <p:style>
+          <a:lnRef idx="1">
+            <a:schemeClr val="accent1"/>
+          </a:lnRef>
+          <a:fillRef idx="3">
+            <a:schemeClr val="accent1"/>
+          </a:fillRef>
+          <a:effectRef idx="2">
+            <a:schemeClr val="accent1"/>
+          </a:effectRef>
+          <a:fontRef idx="minor">
+            <a:schemeClr val="lt1"/>
+          </a:fontRef>
+        </p:style>
+        <p:txBody>
+          <a:bodyPr rtlCol="0" anchor="ctr"/>
+          <a:lstStyle/>
+          <a:p>
+            <a:pPr algn="ctr"/>
+            <a:endParaRPr lang="en-US"/>
+          </a:p>
+        </p:txBody>
+      </p:sp>
+      <p:sp>
+        <p:nvSpPr>
+          <p:cNvPr id="11" name="TextBox 10"/>
+          <p:cNvSpPr txBox="1"/>
+          <p:nvPr/>
+        </p:nvSpPr>
+        <p:spPr>
+          <a:xfrm>
+            <a:off x="1841350" y="5799572"/>
+            <a:ext cx="1864606" cy="584776"/>
+          </a:xfrm>
+          <a:prstGeom prst="rect">
+            <a:avLst/>
+          </a:prstGeom>
+          <a:noFill/>
+        </p:spPr>
+        <p:txBody>
+          <a:bodyPr wrap="square" rtlCol="0">
+            <a:spAutoFit/>
+          </a:bodyPr>
+          <a:lstStyle/>
+          <a:p>
+            <a:r>
+              <a:rPr lang="en-US" sz="3200" dirty="0" err="1" smtClean="0"/>
+              <a:t>numero</a:t>
+            </a:r>
+            <a:endParaRPr lang="en-US" sz="3200" dirty="0"/>
+          </a:p>
+        </p:txBody>
+      </p:sp>
+      <p:sp>
+        <p:nvSpPr>
+          <p:cNvPr id="12" name="TextBox 11"/>
+          <p:cNvSpPr txBox="1"/>
+          <p:nvPr/>
+        </p:nvSpPr>
+        <p:spPr>
+          <a:xfrm>
+            <a:off x="6124539" y="5947466"/>
+            <a:ext cx="1661905" cy="461665"/>
+          </a:xfrm>
+          <a:prstGeom prst="rect">
+            <a:avLst/>
+          </a:prstGeom>
+          <a:noFill/>
+        </p:spPr>
+        <p:txBody>
+          <a:bodyPr wrap="square" rtlCol="0">
+            <a:spAutoFit/>
+          </a:bodyPr>
+          <a:lstStyle/>
+          <a:p>
+            <a:pPr algn="r"/>
+            <a:r>
+              <a:rPr lang="en-US" sz="2400" dirty="0"/>
+              <a:t>0</a:t>
+            </a:r>
+          </a:p>
+        </p:txBody>
+      </p:sp>
+    </p:spTree>
+    <p:extLst>
+      <p:ext uri="{BB962C8B-B14F-4D97-AF65-F5344CB8AC3E}">
+        <p14:creationId xmlns:p14="http://schemas.microsoft.com/office/powerpoint/2010/main" val="957457671"/>
+      </p:ext>
+    </p:extLst>
+  </p:cSld>
+  <p:clrMapOvr>
+    <a:masterClrMapping/>
+  </p:clrMapOvr>
+  <p:timing>
+    <p:tnLst>
+      <p:par>
+        <p:cTn xmlns:p14="http://schemas.microsoft.com/office/powerpoint/2010/main" id="1" dur="indefinite" restart="never" nodeType="tmRoot"/>
+      </p:par>
+    </p:tnLst>
+  </p:timing>
+</p:sld>
+</file>
+
+<file path=ppt/slides/slide21.xml><?xml version="1.0" encoding="utf-8"?>
+<p:sld xmlns:a="http://schemas.openxmlformats.org/drawingml/2006/main" xmlns:r="http://schemas.openxmlformats.org/officeDocument/2006/relationships" xmlns:p="http://schemas.openxmlformats.org/presentationml/2006/main">
+  <p:cSld>
+    <p:spTree>
+      <p:nvGrpSpPr>
+        <p:cNvPr id="1" name=""/>
+        <p:cNvGrpSpPr/>
+        <p:nvPr/>
+      </p:nvGrpSpPr>
+      <p:grpSpPr>
+        <a:xfrm>
+          <a:off x="0" y="0"/>
+          <a:ext cx="0" cy="0"/>
+          <a:chOff x="0" y="0"/>
+          <a:chExt cx="0" cy="0"/>
+        </a:xfrm>
+      </p:grpSpPr>
+      <p:sp>
+        <p:nvSpPr>
+          <p:cNvPr id="2" name="Title 1"/>
+          <p:cNvSpPr>
+            <a:spLocks noGrp="1"/>
+          </p:cNvSpPr>
+          <p:nvPr>
+            <p:ph type="title"/>
+          </p:nvPr>
+        </p:nvSpPr>
+        <p:spPr/>
+        <p:txBody>
+          <a:bodyPr/>
+          <a:lstStyle/>
+          <a:p>
+            <a:r>
+              <a:rPr lang="en-US" dirty="0" err="1" smtClean="0"/>
+              <a:t>Aloca</a:t>
+            </a:r>
+            <a:r>
+              <a:rPr lang="en-US" dirty="0" err="1" smtClean="0"/>
+              <a:t>ção</a:t>
+            </a:r>
+            <a:r>
+              <a:rPr lang="en-US" dirty="0" smtClean="0"/>
+              <a:t> de </a:t>
+            </a:r>
+            <a:r>
+              <a:rPr lang="en-US" dirty="0" err="1" smtClean="0"/>
+              <a:t>Memória</a:t>
+            </a:r>
+            <a:r>
+              <a:rPr lang="en-US" dirty="0" smtClean="0"/>
+              <a:t>	</a:t>
+            </a:r>
+            <a:endParaRPr lang="en-US" dirty="0"/>
+          </a:p>
+        </p:txBody>
+      </p:sp>
+      <p:sp>
+        <p:nvSpPr>
+          <p:cNvPr id="3" name="Content Placeholder 2"/>
+          <p:cNvSpPr>
+            <a:spLocks noGrp="1"/>
+          </p:cNvSpPr>
+          <p:nvPr>
+            <p:ph idx="1"/>
+          </p:nvPr>
+        </p:nvSpPr>
+        <p:spPr/>
+        <p:txBody>
+          <a:bodyPr/>
+          <a:lstStyle/>
+          <a:p>
+            <a:r>
+              <a:rPr lang="en-US" dirty="0" err="1" smtClean="0"/>
+              <a:t>Finalmente</a:t>
+            </a:r>
+            <a:r>
+              <a:rPr lang="en-US" dirty="0" smtClean="0"/>
+              <a:t> </a:t>
+            </a:r>
+            <a:r>
+              <a:rPr lang="en-US" dirty="0" err="1" smtClean="0"/>
+              <a:t>quando</a:t>
+            </a:r>
+            <a:r>
+              <a:rPr lang="en-US" dirty="0" smtClean="0"/>
+              <a:t> </a:t>
+            </a:r>
+            <a:r>
+              <a:rPr lang="en-US" dirty="0" err="1" smtClean="0"/>
+              <a:t>atribuimos</a:t>
+            </a:r>
+            <a:r>
+              <a:rPr lang="en-US" dirty="0" smtClean="0"/>
+              <a:t> o </a:t>
+            </a:r>
+            <a:r>
+              <a:rPr lang="en-US" dirty="0" err="1" smtClean="0"/>
+              <a:t>objeto</a:t>
+            </a:r>
+            <a:r>
+              <a:rPr lang="en-US" dirty="0" smtClean="0"/>
+              <a:t> a </a:t>
+            </a:r>
+            <a:r>
+              <a:rPr lang="en-US" dirty="0" err="1" smtClean="0"/>
+              <a:t>variável</a:t>
+            </a:r>
+            <a:r>
+              <a:rPr lang="en-US" dirty="0" smtClean="0"/>
+              <a:t> “</a:t>
+            </a:r>
+            <a:r>
+              <a:rPr lang="en-US" dirty="0" err="1" smtClean="0"/>
+              <a:t>carteira</a:t>
+            </a:r>
+            <a:r>
+              <a:rPr lang="en-US" dirty="0" smtClean="0"/>
+              <a:t>” </a:t>
+            </a:r>
+            <a:r>
+              <a:rPr lang="en-US" dirty="0" err="1" smtClean="0"/>
+              <a:t>é</a:t>
+            </a:r>
+            <a:r>
+              <a:rPr lang="en-US" dirty="0" smtClean="0"/>
+              <a:t> </a:t>
+            </a:r>
+            <a:r>
+              <a:rPr lang="en-US" dirty="0" err="1" smtClean="0"/>
+              <a:t>criada</a:t>
+            </a:r>
+            <a:r>
+              <a:rPr lang="en-US" dirty="0" smtClean="0"/>
+              <a:t> a </a:t>
+            </a:r>
+            <a:r>
+              <a:rPr lang="en-US" dirty="0" err="1" smtClean="0"/>
+              <a:t>referência</a:t>
+            </a:r>
+            <a:r>
+              <a:rPr lang="en-US" dirty="0" smtClean="0"/>
+              <a:t> </a:t>
+            </a:r>
+            <a:r>
+              <a:rPr lang="en-US" dirty="0" err="1" smtClean="0"/>
+              <a:t>ao</a:t>
+            </a:r>
+            <a:r>
+              <a:rPr lang="en-US" dirty="0" smtClean="0"/>
+              <a:t> </a:t>
+            </a:r>
+            <a:r>
+              <a:rPr lang="en-US" dirty="0" err="1" smtClean="0"/>
+              <a:t>objeto</a:t>
+            </a:r>
+            <a:r>
+              <a:rPr lang="en-US" dirty="0" smtClean="0"/>
+              <a:t> </a:t>
+            </a:r>
+            <a:r>
+              <a:rPr lang="en-US" dirty="0" err="1" smtClean="0"/>
+              <a:t>recém</a:t>
+            </a:r>
+            <a:r>
+              <a:rPr lang="en-US" dirty="0" smtClean="0"/>
+              <a:t> </a:t>
+            </a:r>
+            <a:r>
+              <a:rPr lang="en-US" dirty="0" err="1" smtClean="0"/>
+              <a:t>construido</a:t>
+            </a:r>
+            <a:r>
+              <a:rPr lang="en-US" dirty="0" smtClean="0"/>
+              <a:t>:</a:t>
+            </a:r>
+          </a:p>
+          <a:p>
+            <a:pPr marL="0" indent="0">
+              <a:buNone/>
+            </a:pPr>
+            <a:endParaRPr lang="en-US" sz="1600" dirty="0" smtClean="0"/>
+          </a:p>
+          <a:p>
+            <a:pPr marL="0" indent="0">
+              <a:buNone/>
+            </a:pPr>
+            <a:r>
+              <a:rPr lang="en-US" sz="1600" dirty="0" err="1" smtClean="0"/>
+              <a:t>CarteiraDeEstudante</a:t>
+            </a:r>
+            <a:r>
+              <a:rPr lang="en-US" sz="1600" dirty="0" smtClean="0"/>
+              <a:t> </a:t>
+            </a:r>
+            <a:r>
+              <a:rPr lang="en-US" sz="1600" dirty="0" err="1" smtClean="0"/>
+              <a:t>carteira</a:t>
+            </a:r>
+            <a:r>
+              <a:rPr lang="en-US" sz="1600" dirty="0" smtClean="0"/>
+              <a:t>;</a:t>
+            </a:r>
+          </a:p>
+          <a:p>
+            <a:pPr marL="0" indent="0">
+              <a:buNone/>
+            </a:pPr>
+            <a:r>
+              <a:rPr lang="en-US" sz="1600" dirty="0" err="1"/>
+              <a:t>c</a:t>
+            </a:r>
+            <a:r>
+              <a:rPr lang="en-US" sz="1600" dirty="0" err="1" smtClean="0"/>
+              <a:t>arteira</a:t>
+            </a:r>
+            <a:r>
+              <a:rPr lang="en-US" sz="1600" dirty="0" smtClean="0"/>
+              <a:t> = new </a:t>
+            </a:r>
+            <a:r>
+              <a:rPr lang="en-US" sz="1600" dirty="0" err="1" smtClean="0"/>
+              <a:t>CarteiraDeEstudante</a:t>
+            </a:r>
+            <a:r>
+              <a:rPr lang="en-US" sz="1600" dirty="0" smtClean="0"/>
+              <a:t>();</a:t>
+            </a:r>
+          </a:p>
+          <a:p>
+            <a:endParaRPr lang="en-US" dirty="0"/>
+          </a:p>
+        </p:txBody>
+      </p:sp>
+      <p:sp>
+        <p:nvSpPr>
+          <p:cNvPr id="4" name="Rectangle 3"/>
+          <p:cNvSpPr/>
+          <p:nvPr/>
+        </p:nvSpPr>
+        <p:spPr>
+          <a:xfrm>
+            <a:off x="3648140" y="4161071"/>
+            <a:ext cx="4215633" cy="743049"/>
+          </a:xfrm>
+          <a:prstGeom prst="rect">
+            <a:avLst/>
+          </a:prstGeom>
+          <a:noFill/>
+        </p:spPr>
+        <p:style>
+          <a:lnRef idx="1">
+            <a:schemeClr val="accent1"/>
+          </a:lnRef>
+          <a:fillRef idx="3">
+            <a:schemeClr val="accent1"/>
+          </a:fillRef>
+          <a:effectRef idx="2">
+            <a:schemeClr val="accent1"/>
+          </a:effectRef>
+          <a:fontRef idx="minor">
+            <a:schemeClr val="lt1"/>
+          </a:fontRef>
+        </p:style>
+        <p:txBody>
+          <a:bodyPr rtlCol="0" anchor="ctr"/>
+          <a:lstStyle/>
+          <a:p>
+            <a:pPr algn="ctr"/>
+            <a:endParaRPr lang="en-US"/>
+          </a:p>
+        </p:txBody>
+      </p:sp>
+      <p:sp>
+        <p:nvSpPr>
+          <p:cNvPr id="5" name="TextBox 4"/>
+          <p:cNvSpPr txBox="1"/>
+          <p:nvPr/>
+        </p:nvSpPr>
+        <p:spPr>
+          <a:xfrm>
+            <a:off x="1783534" y="4161072"/>
+            <a:ext cx="1864606" cy="584776"/>
+          </a:xfrm>
+          <a:prstGeom prst="rect">
+            <a:avLst/>
+          </a:prstGeom>
+          <a:noFill/>
+        </p:spPr>
+        <p:txBody>
+          <a:bodyPr wrap="square" rtlCol="0">
+            <a:spAutoFit/>
+          </a:bodyPr>
+          <a:lstStyle/>
+          <a:p>
+            <a:r>
+              <a:rPr lang="en-US" sz="3200" dirty="0" err="1"/>
+              <a:t>c</a:t>
+            </a:r>
+            <a:r>
+              <a:rPr lang="en-US" sz="3200" dirty="0" err="1" smtClean="0"/>
+              <a:t>arteira</a:t>
+            </a:r>
+            <a:endParaRPr lang="en-US" sz="3200" dirty="0"/>
+          </a:p>
+        </p:txBody>
+      </p:sp>
+      <p:sp>
+        <p:nvSpPr>
+          <p:cNvPr id="6" name="TextBox 5"/>
+          <p:cNvSpPr txBox="1"/>
+          <p:nvPr/>
+        </p:nvSpPr>
+        <p:spPr>
+          <a:xfrm>
+            <a:off x="3705956" y="4308966"/>
+            <a:ext cx="4076721" cy="461665"/>
+          </a:xfrm>
+          <a:prstGeom prst="rect">
+            <a:avLst/>
+          </a:prstGeom>
+          <a:noFill/>
+        </p:spPr>
+        <p:txBody>
+          <a:bodyPr wrap="square" rtlCol="0">
+            <a:spAutoFit/>
+          </a:bodyPr>
+          <a:lstStyle/>
+          <a:p>
+            <a:pPr algn="r"/>
+            <a:r>
+              <a:rPr lang="en-US" sz="2400" dirty="0" smtClean="0"/>
+              <a:t>CarteiraDeEstudante@123123</a:t>
+            </a:r>
+            <a:endParaRPr lang="en-US" sz="2400" dirty="0"/>
+          </a:p>
+        </p:txBody>
+      </p:sp>
+      <p:sp>
+        <p:nvSpPr>
+          <p:cNvPr id="7" name="Rectangle 6"/>
+          <p:cNvSpPr/>
+          <p:nvPr/>
+        </p:nvSpPr>
+        <p:spPr>
+          <a:xfrm>
+            <a:off x="3648140" y="5015991"/>
+            <a:ext cx="4219401" cy="743049"/>
+          </a:xfrm>
+          <a:prstGeom prst="rect">
+            <a:avLst/>
+          </a:prstGeom>
+          <a:noFill/>
+        </p:spPr>
+        <p:style>
+          <a:lnRef idx="1">
+            <a:schemeClr val="accent1"/>
+          </a:lnRef>
+          <a:fillRef idx="3">
+            <a:schemeClr val="accent1"/>
+          </a:fillRef>
+          <a:effectRef idx="2">
+            <a:schemeClr val="accent1"/>
+          </a:effectRef>
+          <a:fontRef idx="minor">
+            <a:schemeClr val="lt1"/>
+          </a:fontRef>
+        </p:style>
+        <p:txBody>
+          <a:bodyPr rtlCol="0" anchor="ctr"/>
+          <a:lstStyle/>
+          <a:p>
+            <a:pPr algn="ctr"/>
+            <a:endParaRPr lang="en-US"/>
+          </a:p>
+        </p:txBody>
+      </p:sp>
+      <p:sp>
+        <p:nvSpPr>
+          <p:cNvPr id="8" name="TextBox 7"/>
+          <p:cNvSpPr txBox="1"/>
+          <p:nvPr/>
+        </p:nvSpPr>
+        <p:spPr>
+          <a:xfrm>
+            <a:off x="1841350" y="5015992"/>
+            <a:ext cx="1864606" cy="584776"/>
+          </a:xfrm>
+          <a:prstGeom prst="rect">
+            <a:avLst/>
+          </a:prstGeom>
+          <a:noFill/>
+        </p:spPr>
+        <p:txBody>
+          <a:bodyPr wrap="square" rtlCol="0">
+            <a:spAutoFit/>
+          </a:bodyPr>
+          <a:lstStyle/>
+          <a:p>
+            <a:r>
+              <a:rPr lang="en-US" sz="3200" dirty="0" err="1" smtClean="0"/>
+              <a:t>nome</a:t>
+            </a:r>
+            <a:endParaRPr lang="en-US" sz="3200" dirty="0"/>
+          </a:p>
+        </p:txBody>
+      </p:sp>
+      <p:sp>
+        <p:nvSpPr>
+          <p:cNvPr id="9" name="TextBox 8"/>
+          <p:cNvSpPr txBox="1"/>
+          <p:nvPr/>
+        </p:nvSpPr>
+        <p:spPr>
+          <a:xfrm>
+            <a:off x="6124539" y="5163886"/>
+            <a:ext cx="1661905" cy="461665"/>
+          </a:xfrm>
+          <a:prstGeom prst="rect">
+            <a:avLst/>
+          </a:prstGeom>
+          <a:noFill/>
+        </p:spPr>
+        <p:txBody>
+          <a:bodyPr wrap="square" rtlCol="0">
+            <a:spAutoFit/>
+          </a:bodyPr>
+          <a:lstStyle/>
+          <a:p>
+            <a:pPr algn="r"/>
+            <a:r>
+              <a:rPr lang="en-US" sz="2400" dirty="0" smtClean="0"/>
+              <a:t>“”</a:t>
+            </a:r>
+            <a:endParaRPr lang="en-US" sz="2400" dirty="0"/>
+          </a:p>
+        </p:txBody>
+      </p:sp>
+      <p:sp>
+        <p:nvSpPr>
+          <p:cNvPr id="10" name="Rectangle 9"/>
+          <p:cNvSpPr/>
+          <p:nvPr/>
+        </p:nvSpPr>
+        <p:spPr>
+          <a:xfrm>
+            <a:off x="3648140" y="5894141"/>
+            <a:ext cx="4219401" cy="743049"/>
+          </a:xfrm>
+          <a:prstGeom prst="rect">
+            <a:avLst/>
+          </a:prstGeom>
+          <a:noFill/>
+        </p:spPr>
+        <p:style>
+          <a:lnRef idx="1">
+            <a:schemeClr val="accent1"/>
+          </a:lnRef>
+          <a:fillRef idx="3">
+            <a:schemeClr val="accent1"/>
+          </a:fillRef>
+          <a:effectRef idx="2">
+            <a:schemeClr val="accent1"/>
+          </a:effectRef>
+          <a:fontRef idx="minor">
+            <a:schemeClr val="lt1"/>
+          </a:fontRef>
+        </p:style>
+        <p:txBody>
+          <a:bodyPr rtlCol="0" anchor="ctr"/>
+          <a:lstStyle/>
+          <a:p>
+            <a:pPr algn="ctr"/>
+            <a:endParaRPr lang="en-US"/>
+          </a:p>
+        </p:txBody>
+      </p:sp>
+      <p:sp>
+        <p:nvSpPr>
+          <p:cNvPr id="11" name="TextBox 10"/>
+          <p:cNvSpPr txBox="1"/>
+          <p:nvPr/>
+        </p:nvSpPr>
+        <p:spPr>
+          <a:xfrm>
+            <a:off x="1841350" y="5894142"/>
+            <a:ext cx="1864606" cy="584776"/>
+          </a:xfrm>
+          <a:prstGeom prst="rect">
+            <a:avLst/>
+          </a:prstGeom>
+          <a:noFill/>
+        </p:spPr>
+        <p:txBody>
+          <a:bodyPr wrap="square" rtlCol="0">
+            <a:spAutoFit/>
+          </a:bodyPr>
+          <a:lstStyle/>
+          <a:p>
+            <a:r>
+              <a:rPr lang="en-US" sz="3200" dirty="0" err="1" smtClean="0"/>
+              <a:t>numero</a:t>
+            </a:r>
+            <a:endParaRPr lang="en-US" sz="3200" dirty="0"/>
+          </a:p>
+        </p:txBody>
+      </p:sp>
+      <p:sp>
+        <p:nvSpPr>
+          <p:cNvPr id="12" name="TextBox 11"/>
+          <p:cNvSpPr txBox="1"/>
+          <p:nvPr/>
+        </p:nvSpPr>
+        <p:spPr>
+          <a:xfrm>
+            <a:off x="6124539" y="6042036"/>
+            <a:ext cx="1661905" cy="461665"/>
+          </a:xfrm>
+          <a:prstGeom prst="rect">
+            <a:avLst/>
+          </a:prstGeom>
+          <a:noFill/>
+        </p:spPr>
+        <p:txBody>
+          <a:bodyPr wrap="square" rtlCol="0">
+            <a:spAutoFit/>
+          </a:bodyPr>
+          <a:lstStyle/>
+          <a:p>
+            <a:pPr algn="r"/>
+            <a:r>
+              <a:rPr lang="en-US" sz="2400" dirty="0"/>
+              <a:t>0</a:t>
+            </a:r>
+          </a:p>
+        </p:txBody>
+      </p:sp>
+    </p:spTree>
+    <p:extLst>
+      <p:ext uri="{BB962C8B-B14F-4D97-AF65-F5344CB8AC3E}">
+        <p14:creationId xmlns:p14="http://schemas.microsoft.com/office/powerpoint/2010/main" val="2260814034"/>
+      </p:ext>
+    </p:extLst>
+  </p:cSld>
+  <p:clrMapOvr>
+    <a:masterClrMapping/>
+  </p:clrMapOvr>
+  <p:timing>
+    <p:tnLst>
+      <p:par>
+        <p:cTn xmlns:p14="http://schemas.microsoft.com/office/powerpoint/2010/main" id="1" dur="indefinite" restart="never" nodeType="tmRoot"/>
+      </p:par>
+    </p:tnLst>
+  </p:timing>
+</p:sld>
+</file>
+
+<file path=ppt/slides/slide22.xml><?xml version="1.0" encoding="utf-8"?>
+<p:sld xmlns:a="http://schemas.openxmlformats.org/drawingml/2006/main" xmlns:r="http://schemas.openxmlformats.org/officeDocument/2006/relationships" xmlns:p="http://schemas.openxmlformats.org/presentationml/2006/main">
+  <p:cSld>
+    <p:spTree>
+      <p:nvGrpSpPr>
+        <p:cNvPr id="1" name=""/>
+        <p:cNvGrpSpPr/>
+        <p:nvPr/>
+      </p:nvGrpSpPr>
+      <p:grpSpPr>
+        <a:xfrm>
+          <a:off x="0" y="0"/>
+          <a:ext cx="0" cy="0"/>
+          <a:chOff x="0" y="0"/>
+          <a:chExt cx="0" cy="0"/>
+        </a:xfrm>
+      </p:grpSpPr>
+      <p:sp>
+        <p:nvSpPr>
+          <p:cNvPr id="2" name="Title 1"/>
+          <p:cNvSpPr>
+            <a:spLocks noGrp="1"/>
+          </p:cNvSpPr>
+          <p:nvPr>
+            <p:ph type="title"/>
+          </p:nvPr>
+        </p:nvSpPr>
+        <p:spPr/>
+        <p:txBody>
+          <a:bodyPr/>
+          <a:lstStyle/>
+          <a:p>
+            <a:r>
+              <a:rPr lang="en-US" dirty="0" err="1" smtClean="0"/>
+              <a:t>Atribui</a:t>
+            </a:r>
+            <a:r>
+              <a:rPr lang="en-US" dirty="0" err="1" smtClean="0"/>
+              <a:t>ção</a:t>
+            </a:r>
+            <a:r>
+              <a:rPr lang="en-US" dirty="0" smtClean="0"/>
+              <a:t> de </a:t>
+            </a:r>
+            <a:r>
+              <a:rPr lang="en-US" dirty="0" err="1" smtClean="0"/>
+              <a:t>referências</a:t>
+            </a:r>
+            <a:endParaRPr lang="en-US" dirty="0"/>
+          </a:p>
+        </p:txBody>
+      </p:sp>
+      <p:sp>
+        <p:nvSpPr>
+          <p:cNvPr id="3" name="Content Placeholder 2"/>
+          <p:cNvSpPr>
+            <a:spLocks noGrp="1"/>
+          </p:cNvSpPr>
+          <p:nvPr>
+            <p:ph idx="1"/>
+          </p:nvPr>
+        </p:nvSpPr>
+        <p:spPr/>
+        <p:txBody>
+          <a:bodyPr/>
+          <a:lstStyle/>
+          <a:p>
+            <a:r>
+              <a:rPr lang="en-US" dirty="0" smtClean="0"/>
+              <a:t>Java </a:t>
+            </a:r>
+            <a:r>
+              <a:rPr lang="en-US" dirty="0" err="1" smtClean="0"/>
+              <a:t>trata</a:t>
+            </a:r>
+            <a:r>
+              <a:rPr lang="en-US" dirty="0" smtClean="0"/>
+              <a:t> as </a:t>
+            </a:r>
+            <a:r>
+              <a:rPr lang="en-US" dirty="0" err="1" smtClean="0"/>
+              <a:t>vari</a:t>
+            </a:r>
+            <a:r>
+              <a:rPr lang="en-US" dirty="0" err="1" smtClean="0"/>
+              <a:t>áveis</a:t>
+            </a:r>
+            <a:r>
+              <a:rPr lang="en-US" dirty="0" smtClean="0"/>
+              <a:t> </a:t>
+            </a:r>
+            <a:r>
+              <a:rPr lang="en-US" dirty="0" err="1" smtClean="0"/>
+              <a:t>declaradas</a:t>
+            </a:r>
+            <a:r>
+              <a:rPr lang="en-US" dirty="0" smtClean="0"/>
+              <a:t> a </a:t>
+            </a:r>
+            <a:r>
+              <a:rPr lang="en-US" dirty="0" err="1" smtClean="0"/>
+              <a:t>partir</a:t>
+            </a:r>
+            <a:r>
+              <a:rPr lang="en-US" dirty="0" smtClean="0"/>
+              <a:t> de </a:t>
+            </a:r>
+            <a:r>
+              <a:rPr lang="en-US" dirty="0" err="1" smtClean="0"/>
+              <a:t>uma</a:t>
+            </a:r>
+            <a:r>
+              <a:rPr lang="en-US" dirty="0" smtClean="0"/>
+              <a:t> </a:t>
+            </a:r>
+            <a:r>
+              <a:rPr lang="en-US" dirty="0" err="1" smtClean="0"/>
+              <a:t>classe</a:t>
+            </a:r>
+            <a:r>
+              <a:rPr lang="en-US" dirty="0" smtClean="0"/>
+              <a:t> </a:t>
+            </a:r>
+            <a:r>
+              <a:rPr lang="en-US" dirty="0" err="1" smtClean="0"/>
+              <a:t>como</a:t>
+            </a:r>
+            <a:r>
+              <a:rPr lang="en-US" dirty="0" smtClean="0"/>
+              <a:t> </a:t>
+            </a:r>
+            <a:r>
+              <a:rPr lang="en-US" dirty="0" err="1" smtClean="0"/>
+              <a:t>referências</a:t>
+            </a:r>
+            <a:r>
+              <a:rPr lang="en-US" dirty="0" smtClean="0"/>
+              <a:t>, </a:t>
+            </a:r>
+            <a:r>
+              <a:rPr lang="en-US" dirty="0" err="1" smtClean="0"/>
+              <a:t>ou</a:t>
+            </a:r>
+            <a:r>
+              <a:rPr lang="en-US" dirty="0" smtClean="0"/>
+              <a:t> </a:t>
+            </a:r>
+            <a:r>
+              <a:rPr lang="en-US" dirty="0" err="1" smtClean="0"/>
+              <a:t>seja</a:t>
+            </a:r>
+            <a:r>
+              <a:rPr lang="en-US" dirty="0" smtClean="0"/>
+              <a:t>, </a:t>
+            </a:r>
+            <a:r>
+              <a:rPr lang="en-US" dirty="0" err="1" smtClean="0"/>
+              <a:t>passamos</a:t>
+            </a:r>
+            <a:r>
+              <a:rPr lang="en-US" dirty="0" smtClean="0"/>
+              <a:t> a </a:t>
+            </a:r>
+            <a:r>
+              <a:rPr lang="en-US" dirty="0" err="1" smtClean="0"/>
+              <a:t>chamar</a:t>
+            </a:r>
+            <a:r>
+              <a:rPr lang="en-US" dirty="0" smtClean="0"/>
+              <a:t> </a:t>
+            </a:r>
+            <a:r>
+              <a:rPr lang="en-US" dirty="0" err="1" smtClean="0"/>
+              <a:t>essas</a:t>
+            </a:r>
+            <a:r>
+              <a:rPr lang="en-US" dirty="0" smtClean="0"/>
+              <a:t> </a:t>
+            </a:r>
+            <a:r>
+              <a:rPr lang="en-US" dirty="0" err="1" smtClean="0"/>
+              <a:t>variáveis</a:t>
+            </a:r>
+            <a:r>
+              <a:rPr lang="en-US" dirty="0" smtClean="0"/>
+              <a:t> </a:t>
+            </a:r>
+            <a:r>
+              <a:rPr lang="en-US" dirty="0" err="1" smtClean="0"/>
+              <a:t>apenas</a:t>
+            </a:r>
+            <a:r>
+              <a:rPr lang="en-US" dirty="0" smtClean="0"/>
+              <a:t> </a:t>
+            </a:r>
+            <a:r>
+              <a:rPr lang="en-US" dirty="0" err="1" smtClean="0"/>
+              <a:t>como</a:t>
+            </a:r>
+            <a:r>
+              <a:rPr lang="en-US" dirty="0" smtClean="0"/>
+              <a:t> </a:t>
+            </a:r>
+            <a:r>
+              <a:rPr lang="en-US" dirty="0" err="1" smtClean="0"/>
+              <a:t>referências</a:t>
+            </a:r>
+            <a:r>
+              <a:rPr lang="en-US" dirty="0" smtClean="0"/>
+              <a:t> a </a:t>
+            </a:r>
+            <a:r>
+              <a:rPr lang="en-US" dirty="0" err="1" smtClean="0"/>
+              <a:t>uma</a:t>
+            </a:r>
+            <a:r>
+              <a:rPr lang="en-US" dirty="0" smtClean="0"/>
+              <a:t> </a:t>
+            </a:r>
+            <a:r>
+              <a:rPr lang="en-US" dirty="0" err="1" smtClean="0"/>
+              <a:t>determinada</a:t>
+            </a:r>
+            <a:r>
+              <a:rPr lang="en-US" dirty="0" smtClean="0"/>
+              <a:t> </a:t>
+            </a:r>
+            <a:r>
+              <a:rPr lang="en-US" dirty="0" err="1" smtClean="0"/>
+              <a:t>classe</a:t>
+            </a:r>
+            <a:r>
+              <a:rPr lang="en-US" dirty="0" smtClean="0"/>
+              <a:t>;</a:t>
+            </a:r>
+          </a:p>
+          <a:p>
+            <a:endParaRPr lang="en-US" dirty="0"/>
+          </a:p>
+        </p:txBody>
+      </p:sp>
+      <p:pic>
+        <p:nvPicPr>
+          <p:cNvPr id="4" name="Picture 3"/>
+          <p:cNvPicPr>
+            <a:picLocks noChangeAspect="1"/>
+          </p:cNvPicPr>
+          <p:nvPr/>
+        </p:nvPicPr>
+        <p:blipFill>
+          <a:blip r:embed="rId2"/>
+          <a:stretch>
+            <a:fillRect/>
+          </a:stretch>
+        </p:blipFill>
+        <p:spPr>
+          <a:xfrm>
+            <a:off x="946317" y="3885941"/>
+            <a:ext cx="7246041" cy="1653148"/>
+          </a:xfrm>
+          <a:prstGeom prst="rect">
+            <a:avLst/>
+          </a:prstGeom>
+        </p:spPr>
+      </p:pic>
+    </p:spTree>
+    <p:extLst>
+      <p:ext uri="{BB962C8B-B14F-4D97-AF65-F5344CB8AC3E}">
+        <p14:creationId xmlns:p14="http://schemas.microsoft.com/office/powerpoint/2010/main" val="2597772265"/>
+      </p:ext>
+    </p:extLst>
+  </p:cSld>
+  <p:clrMapOvr>
+    <a:masterClrMapping/>
+  </p:clrMapOvr>
+</p:sld>
+</file>
+
+<file path=ppt/slides/slide23.xml><?xml version="1.0" encoding="utf-8"?>
+<p:sld xmlns:a="http://schemas.openxmlformats.org/drawingml/2006/main" xmlns:r="http://schemas.openxmlformats.org/officeDocument/2006/relationships" xmlns:p="http://schemas.openxmlformats.org/presentationml/2006/main">
+  <p:cSld>
+    <p:spTree>
+      <p:nvGrpSpPr>
+        <p:cNvPr id="1" name=""/>
+        <p:cNvGrpSpPr/>
+        <p:nvPr/>
+      </p:nvGrpSpPr>
+      <p:grpSpPr>
+        <a:xfrm>
+          <a:off x="0" y="0"/>
+          <a:ext cx="0" cy="0"/>
+          <a:chOff x="0" y="0"/>
+          <a:chExt cx="0" cy="0"/>
+        </a:xfrm>
+      </p:grpSpPr>
+      <p:sp>
+        <p:nvSpPr>
+          <p:cNvPr id="2" name="Title 1"/>
+          <p:cNvSpPr>
+            <a:spLocks noGrp="1"/>
+          </p:cNvSpPr>
+          <p:nvPr>
+            <p:ph type="title"/>
+          </p:nvPr>
+        </p:nvSpPr>
+        <p:spPr/>
+        <p:txBody>
+          <a:bodyPr/>
+          <a:lstStyle/>
+          <a:p>
+            <a:r>
+              <a:rPr lang="en-US" dirty="0" err="1" smtClean="0"/>
+              <a:t>Atribui</a:t>
+            </a:r>
+            <a:r>
+              <a:rPr lang="en-US" dirty="0" err="1" smtClean="0"/>
+              <a:t>ção</a:t>
+            </a:r>
+            <a:r>
+              <a:rPr lang="en-US" dirty="0" smtClean="0"/>
+              <a:t> de </a:t>
+            </a:r>
+            <a:r>
+              <a:rPr lang="en-US" dirty="0" err="1" smtClean="0"/>
+              <a:t>referências</a:t>
+            </a:r>
+            <a:endParaRPr lang="en-US" dirty="0"/>
+          </a:p>
+        </p:txBody>
+      </p:sp>
+      <p:sp>
+        <p:nvSpPr>
+          <p:cNvPr id="3" name="Content Placeholder 2"/>
+          <p:cNvSpPr>
+            <a:spLocks noGrp="1"/>
+          </p:cNvSpPr>
+          <p:nvPr>
+            <p:ph idx="1"/>
+          </p:nvPr>
+        </p:nvSpPr>
+        <p:spPr/>
+        <p:txBody>
+          <a:bodyPr>
+            <a:normAutofit fontScale="92500" lnSpcReduction="10000"/>
+          </a:bodyPr>
+          <a:lstStyle/>
+          <a:p>
+            <a:r>
+              <a:rPr lang="en-US" dirty="0" smtClean="0"/>
+              <a:t>As </a:t>
+            </a:r>
+            <a:r>
+              <a:rPr lang="en-US" dirty="0" err="1" smtClean="0"/>
+              <a:t>vari</a:t>
+            </a:r>
+            <a:r>
+              <a:rPr lang="en-US" dirty="0" err="1" smtClean="0"/>
+              <a:t>áveis</a:t>
+            </a:r>
+            <a:r>
+              <a:rPr lang="en-US" dirty="0" smtClean="0"/>
+              <a:t> do </a:t>
+            </a:r>
+            <a:r>
+              <a:rPr lang="en-US" dirty="0" err="1" smtClean="0"/>
+              <a:t>tipo</a:t>
+            </a:r>
+            <a:r>
+              <a:rPr lang="en-US" dirty="0" smtClean="0"/>
+              <a:t> </a:t>
+            </a:r>
+            <a:r>
+              <a:rPr lang="en-US" dirty="0" err="1" smtClean="0"/>
+              <a:t>int</a:t>
+            </a:r>
+            <a:r>
+              <a:rPr lang="en-US" dirty="0" smtClean="0"/>
+              <a:t> </a:t>
+            </a:r>
+            <a:r>
+              <a:rPr lang="en-US" dirty="0" err="1" smtClean="0"/>
+              <a:t>mesmo</a:t>
+            </a:r>
+            <a:r>
+              <a:rPr lang="en-US" dirty="0" smtClean="0"/>
+              <a:t> </a:t>
+            </a:r>
+            <a:r>
+              <a:rPr lang="en-US" dirty="0" err="1" smtClean="0"/>
+              <a:t>uma</a:t>
+            </a:r>
+            <a:r>
+              <a:rPr lang="en-US" dirty="0" smtClean="0"/>
+              <a:t> </a:t>
+            </a:r>
+            <a:r>
+              <a:rPr lang="en-US" dirty="0" err="1" smtClean="0"/>
+              <a:t>copiando</a:t>
+            </a:r>
+            <a:r>
+              <a:rPr lang="en-US" dirty="0" smtClean="0"/>
+              <a:t> o valor da </a:t>
+            </a:r>
+            <a:r>
+              <a:rPr lang="en-US" dirty="0" err="1" smtClean="0"/>
+              <a:t>outra</a:t>
+            </a:r>
+            <a:r>
+              <a:rPr lang="en-US" dirty="0" smtClean="0"/>
+              <a:t> </a:t>
+            </a:r>
+            <a:r>
+              <a:rPr lang="en-US" dirty="0" err="1" smtClean="0"/>
+              <a:t>continuam</a:t>
+            </a:r>
+            <a:r>
+              <a:rPr lang="en-US" dirty="0" smtClean="0"/>
+              <a:t> </a:t>
+            </a:r>
+            <a:r>
+              <a:rPr lang="en-US" dirty="0" err="1" smtClean="0"/>
+              <a:t>independentes</a:t>
+            </a:r>
+            <a:r>
+              <a:rPr lang="en-US" dirty="0" smtClean="0"/>
+              <a:t>;</a:t>
+            </a:r>
+          </a:p>
+          <a:p>
+            <a:r>
+              <a:rPr lang="en-US" dirty="0" err="1" smtClean="0"/>
+              <a:t>Já</a:t>
+            </a:r>
+            <a:r>
+              <a:rPr lang="en-US" dirty="0" smtClean="0"/>
+              <a:t> as </a:t>
+            </a:r>
+            <a:r>
+              <a:rPr lang="en-US" dirty="0" err="1" smtClean="0"/>
+              <a:t>variáveis</a:t>
+            </a:r>
+            <a:r>
+              <a:rPr lang="en-US" dirty="0" smtClean="0"/>
+              <a:t> carteira1 e carteira2 o </a:t>
+            </a:r>
+            <a:r>
+              <a:rPr lang="en-US" dirty="0" err="1" smtClean="0"/>
+              <a:t>comportamento</a:t>
+            </a:r>
+            <a:r>
+              <a:rPr lang="en-US" dirty="0" smtClean="0"/>
+              <a:t> </a:t>
+            </a:r>
+            <a:r>
+              <a:rPr lang="en-US" dirty="0" err="1" smtClean="0"/>
+              <a:t>é</a:t>
+            </a:r>
+            <a:r>
+              <a:rPr lang="en-US" dirty="0" smtClean="0"/>
+              <a:t> </a:t>
+            </a:r>
+            <a:r>
+              <a:rPr lang="en-US" dirty="0" err="1" smtClean="0"/>
+              <a:t>diferente</a:t>
+            </a:r>
+            <a:r>
+              <a:rPr lang="en-US" dirty="0" smtClean="0"/>
+              <a:t>. </a:t>
+            </a:r>
+            <a:r>
+              <a:rPr lang="en-US" dirty="0" err="1" smtClean="0"/>
+              <a:t>Quando</a:t>
+            </a:r>
+            <a:r>
+              <a:rPr lang="en-US" dirty="0" smtClean="0"/>
+              <a:t> </a:t>
+            </a:r>
+            <a:r>
+              <a:rPr lang="en-US" dirty="0" err="1" smtClean="0"/>
+              <a:t>instanciamos</a:t>
+            </a:r>
+            <a:r>
+              <a:rPr lang="en-US" dirty="0"/>
+              <a:t> </a:t>
+            </a:r>
+            <a:r>
+              <a:rPr lang="en-US" dirty="0" smtClean="0"/>
+              <a:t>a </a:t>
+            </a:r>
+            <a:r>
+              <a:rPr lang="en-US" dirty="0" err="1" smtClean="0"/>
+              <a:t>variável</a:t>
+            </a:r>
+            <a:r>
+              <a:rPr lang="en-US" dirty="0" smtClean="0"/>
+              <a:t> carteira1, um </a:t>
+            </a:r>
+            <a:r>
+              <a:rPr lang="en-US" dirty="0" err="1" smtClean="0"/>
+              <a:t>objeto</a:t>
+            </a:r>
+            <a:r>
+              <a:rPr lang="en-US" dirty="0" smtClean="0"/>
+              <a:t> da </a:t>
+            </a:r>
+            <a:r>
+              <a:rPr lang="en-US" dirty="0" err="1" smtClean="0"/>
+              <a:t>classe</a:t>
+            </a:r>
+            <a:r>
+              <a:rPr lang="en-US" dirty="0" smtClean="0"/>
+              <a:t> </a:t>
+            </a:r>
+            <a:r>
+              <a:rPr lang="en-US" dirty="0" err="1" smtClean="0"/>
+              <a:t>CarteiraDeEstudante</a:t>
+            </a:r>
+            <a:r>
+              <a:rPr lang="en-US" dirty="0" smtClean="0"/>
+              <a:t> </a:t>
+            </a:r>
+            <a:r>
+              <a:rPr lang="en-US" dirty="0" err="1" smtClean="0"/>
+              <a:t>é</a:t>
+            </a:r>
+            <a:r>
+              <a:rPr lang="en-US" dirty="0" smtClean="0"/>
+              <a:t> </a:t>
+            </a:r>
+            <a:r>
+              <a:rPr lang="en-US" dirty="0" err="1" smtClean="0"/>
+              <a:t>alocado</a:t>
+            </a:r>
+            <a:r>
+              <a:rPr lang="en-US" dirty="0" smtClean="0"/>
+              <a:t> </a:t>
+            </a:r>
+            <a:r>
+              <a:rPr lang="en-US" dirty="0" err="1" smtClean="0"/>
+              <a:t>na</a:t>
+            </a:r>
+            <a:r>
+              <a:rPr lang="en-US" dirty="0" smtClean="0"/>
+              <a:t> </a:t>
+            </a:r>
+            <a:r>
+              <a:rPr lang="en-US" dirty="0" err="1" smtClean="0"/>
+              <a:t>memória</a:t>
+            </a:r>
+            <a:r>
+              <a:rPr lang="en-US" dirty="0" smtClean="0"/>
+              <a:t>. </a:t>
+            </a:r>
+            <a:r>
+              <a:rPr lang="en-US" dirty="0" err="1" smtClean="0"/>
+              <a:t>Quando</a:t>
+            </a:r>
+            <a:r>
+              <a:rPr lang="en-US" dirty="0" smtClean="0"/>
+              <a:t> </a:t>
+            </a:r>
+            <a:r>
+              <a:rPr lang="en-US" dirty="0" err="1" smtClean="0"/>
+              <a:t>atribuímos</a:t>
+            </a:r>
+            <a:r>
+              <a:rPr lang="en-US" dirty="0" smtClean="0"/>
+              <a:t> o </a:t>
+            </a:r>
+            <a:r>
+              <a:rPr lang="en-US" dirty="0" err="1" smtClean="0"/>
+              <a:t>conteúdo</a:t>
+            </a:r>
+            <a:r>
+              <a:rPr lang="en-US" dirty="0" smtClean="0"/>
+              <a:t> </a:t>
+            </a:r>
+            <a:r>
+              <a:rPr lang="en-US" dirty="0" err="1" smtClean="0"/>
+              <a:t>dessa</a:t>
+            </a:r>
+            <a:r>
+              <a:rPr lang="en-US" dirty="0" smtClean="0"/>
+              <a:t> </a:t>
+            </a:r>
+            <a:r>
+              <a:rPr lang="en-US" dirty="0" err="1" smtClean="0"/>
+              <a:t>variável</a:t>
+            </a:r>
+            <a:r>
+              <a:rPr lang="en-US" dirty="0" smtClean="0"/>
+              <a:t> a carteira2, </a:t>
+            </a:r>
+            <a:r>
+              <a:rPr lang="en-US" dirty="0" err="1" smtClean="0"/>
+              <a:t>não</a:t>
+            </a:r>
+            <a:r>
+              <a:rPr lang="en-US" dirty="0" smtClean="0"/>
+              <a:t> </a:t>
+            </a:r>
+            <a:r>
+              <a:rPr lang="en-US" dirty="0" err="1" smtClean="0"/>
+              <a:t>estamos</a:t>
+            </a:r>
+            <a:r>
+              <a:rPr lang="en-US" dirty="0" smtClean="0"/>
+              <a:t> </a:t>
+            </a:r>
+            <a:r>
+              <a:rPr lang="en-US" dirty="0" err="1" smtClean="0"/>
+              <a:t>criando</a:t>
+            </a:r>
+            <a:r>
+              <a:rPr lang="en-US" dirty="0" smtClean="0"/>
+              <a:t> um novo </a:t>
+            </a:r>
+            <a:r>
+              <a:rPr lang="en-US" dirty="0" err="1" smtClean="0"/>
+              <a:t>objeto</a:t>
+            </a:r>
+            <a:r>
+              <a:rPr lang="en-US" dirty="0" smtClean="0"/>
+              <a:t>, mas </a:t>
+            </a:r>
+            <a:r>
+              <a:rPr lang="en-US" dirty="0" err="1" smtClean="0"/>
+              <a:t>sim</a:t>
+            </a:r>
+            <a:r>
+              <a:rPr lang="en-US" dirty="0" smtClean="0"/>
+              <a:t> </a:t>
+            </a:r>
+            <a:r>
+              <a:rPr lang="en-US" dirty="0" err="1" smtClean="0"/>
+              <a:t>copiando</a:t>
+            </a:r>
+            <a:r>
+              <a:rPr lang="en-US" dirty="0" smtClean="0"/>
+              <a:t> o </a:t>
+            </a:r>
+            <a:r>
+              <a:rPr lang="en-US" dirty="0" err="1" smtClean="0"/>
+              <a:t>endereço</a:t>
+            </a:r>
+            <a:r>
+              <a:rPr lang="en-US" dirty="0" smtClean="0"/>
+              <a:t> do </a:t>
+            </a:r>
+            <a:r>
+              <a:rPr lang="en-US" dirty="0" err="1" smtClean="0"/>
+              <a:t>objeto</a:t>
+            </a:r>
+            <a:r>
+              <a:rPr lang="en-US" dirty="0" smtClean="0"/>
+              <a:t> </a:t>
+            </a:r>
+            <a:r>
+              <a:rPr lang="en-US" dirty="0" err="1" smtClean="0"/>
+              <a:t>referenciado</a:t>
+            </a:r>
+            <a:r>
+              <a:rPr lang="en-US" dirty="0" smtClean="0"/>
+              <a:t> </a:t>
+            </a:r>
+            <a:r>
+              <a:rPr lang="en-US" dirty="0" err="1" smtClean="0"/>
+              <a:t>pela</a:t>
+            </a:r>
+            <a:r>
+              <a:rPr lang="en-US" dirty="0" smtClean="0"/>
+              <a:t> </a:t>
+            </a:r>
+            <a:r>
+              <a:rPr lang="en-US" dirty="0" err="1" smtClean="0"/>
+              <a:t>variável</a:t>
+            </a:r>
+            <a:r>
+              <a:rPr lang="en-US" dirty="0" smtClean="0"/>
+              <a:t> carteira1.</a:t>
+            </a:r>
+          </a:p>
+          <a:p>
+            <a:endParaRPr lang="en-US" dirty="0"/>
+          </a:p>
+        </p:txBody>
+      </p:sp>
+    </p:spTree>
+    <p:extLst>
+      <p:ext uri="{BB962C8B-B14F-4D97-AF65-F5344CB8AC3E}">
+        <p14:creationId xmlns:p14="http://schemas.microsoft.com/office/powerpoint/2010/main" val="1773029415"/>
+      </p:ext>
+    </p:extLst>
+  </p:cSld>
+  <p:clrMapOvr>
+    <a:masterClrMapping/>
+  </p:clrMapOvr>
+</p:sld>
+</file>
+
 <file path=ppt/slides/slide3.xml><?xml version="1.0" encoding="utf-8"?>
 <p:sld xmlns:a="http://schemas.openxmlformats.org/drawingml/2006/main" xmlns:r="http://schemas.openxmlformats.org/officeDocument/2006/relationships" xmlns:p="http://schemas.openxmlformats.org/presentationml/2006/main">
   <p:cSld>
@@ -8895,11 +11276,7 @@
           <a:p>
             <a:r>
               <a:rPr lang="en-US" dirty="0" err="1" smtClean="0"/>
-              <a:t>Motiva</a:t>
-            </a:r>
-            <a:r>
-              <a:rPr lang="en-US" dirty="0" err="1" smtClean="0"/>
-              <a:t>ção</a:t>
+              <a:t>Motivação</a:t>
             </a:r>
             <a:endParaRPr lang="en-US" dirty="0"/>
           </a:p>
@@ -8983,11 +11360,7 @@
           <a:p>
             <a:r>
               <a:rPr lang="en-US" dirty="0" err="1" smtClean="0"/>
-              <a:t>Motiva</a:t>
-            </a:r>
-            <a:r>
-              <a:rPr lang="en-US" dirty="0" err="1" smtClean="0"/>
-              <a:t>ção</a:t>
+              <a:t>Motivação</a:t>
             </a:r>
             <a:endParaRPr lang="en-US" dirty="0"/>
           </a:p>
@@ -9025,11 +11398,7 @@
             </a:r>
             <a:r>
               <a:rPr lang="en-US" dirty="0" err="1" smtClean="0"/>
-              <a:t>representa</a:t>
-            </a:r>
-            <a:r>
-              <a:rPr lang="en-US" dirty="0" err="1" smtClean="0"/>
-              <a:t>ção</a:t>
+              <a:t>representação</a:t>
             </a:r>
             <a:r>
               <a:rPr lang="en-US" dirty="0" smtClean="0"/>
@@ -9174,7 +11543,6 @@
               <a:rPr lang="en-US" dirty="0"/>
               <a:t>;</a:t>
             </a:r>
-            <a:endParaRPr lang="en-US" dirty="0"/>
           </a:p>
         </p:txBody>
       </p:sp>
@@ -9232,11 +11600,7 @@
           <a:p>
             <a:r>
               <a:rPr lang="en-US" dirty="0" err="1" smtClean="0"/>
-              <a:t>Motiva</a:t>
-            </a:r>
-            <a:r>
-              <a:rPr lang="en-US" dirty="0" err="1" smtClean="0"/>
-              <a:t>ção</a:t>
+              <a:t>Motivação</a:t>
             </a:r>
             <a:endParaRPr lang="en-US" dirty="0"/>
           </a:p>
@@ -9411,8 +11775,13 @@
             </a:r>
             <a:r>
               <a:rPr lang="en-US" dirty="0" smtClean="0"/>
-              <a:t> dados;</a:t>
-            </a:r>
+              <a:t> </a:t>
+            </a:r>
+            <a:r>
+              <a:rPr lang="en-US" dirty="0" smtClean="0"/>
+              <a:t>dados?</a:t>
+            </a:r>
+            <a:endParaRPr lang="en-US" dirty="0" smtClean="0"/>
           </a:p>
           <a:p>
             <a:r>
@@ -9433,11 +11802,7 @@
             </a:r>
             <a:r>
               <a:rPr lang="en-US" dirty="0" err="1" smtClean="0"/>
-              <a:t>programa</a:t>
-            </a:r>
-            <a:r>
-              <a:rPr lang="en-US" dirty="0" err="1" smtClean="0"/>
-              <a:t>ção</a:t>
+              <a:t>programação</a:t>
             </a:r>
             <a:r>
               <a:rPr lang="en-US" dirty="0" smtClean="0"/>
@@ -9689,11 +12054,7 @@
             </a:r>
             <a:r>
               <a:rPr lang="en-US" dirty="0" err="1" smtClean="0"/>
-              <a:t>representa</a:t>
-            </a:r>
-            <a:r>
-              <a:rPr lang="en-US" dirty="0" err="1" smtClean="0"/>
-              <a:t>ção</a:t>
+              <a:t>representação</a:t>
             </a:r>
             <a:r>
               <a:rPr lang="en-US" dirty="0" smtClean="0"/>
@@ -10046,7 +12407,6 @@
               <a:rPr lang="en-US" dirty="0"/>
               <a:t>;</a:t>
             </a:r>
-            <a:endParaRPr lang="en-US" dirty="0"/>
           </a:p>
         </p:txBody>
       </p:sp>
@@ -10521,23 +12881,15 @@
           <a:p>
             <a:r>
               <a:rPr lang="en-US" dirty="0" err="1" smtClean="0"/>
-              <a:t>Ent</a:t>
-            </a:r>
-            <a:r>
-              <a:rPr lang="en-US" dirty="0" err="1" smtClean="0"/>
-              <a:t>ão</a:t>
-            </a:r>
-            <a:r>
-              <a:rPr lang="en-US" dirty="0" smtClean="0"/>
-              <a:t> </a:t>
-            </a:r>
-            <a:r>
-              <a:rPr lang="en-US" dirty="0" err="1" smtClean="0"/>
-              <a:t>s</a:t>
-            </a:r>
-            <a:r>
-              <a:rPr lang="en-US" dirty="0" err="1" smtClean="0"/>
-              <a:t>urgiu</a:t>
+              <a:t>Então</a:t>
+            </a:r>
+            <a:r>
+              <a:rPr lang="en-US" dirty="0" smtClean="0"/>
+              <a:t> </a:t>
+            </a:r>
+            <a:r>
+              <a:rPr lang="en-US" dirty="0" err="1" smtClean="0"/>
+              <a:t>surgiu</a:t>
             </a:r>
             <a:r>
               <a:rPr lang="en-US" dirty="0" smtClean="0"/>
@@ -10563,7 +12915,6 @@
               <a:rPr lang="en-US" dirty="0"/>
               <a:t>;</a:t>
             </a:r>
-            <a:endParaRPr lang="en-US" dirty="0"/>
           </a:p>
           <a:p>
             <a:endParaRPr lang="en-US" dirty="0"/>

--- a/Documentos/Orientação a Objetos.pptx
+++ b/Documentos/Orientação a Objetos.pptx
@@ -5,7 +5,7 @@
     <p:sldMasterId id="2147483802" r:id="rId1"/>
   </p:sldMasterIdLst>
   <p:notesMasterIdLst>
-    <p:notesMasterId r:id="rId25"/>
+    <p:notesMasterId r:id="rId38"/>
   </p:notesMasterIdLst>
   <p:sldIdLst>
     <p:sldId id="256" r:id="rId2"/>
@@ -31,6 +31,19 @@
     <p:sldId id="327" r:id="rId22"/>
     <p:sldId id="328" r:id="rId23"/>
     <p:sldId id="329" r:id="rId24"/>
+    <p:sldId id="330" r:id="rId25"/>
+    <p:sldId id="331" r:id="rId26"/>
+    <p:sldId id="332" r:id="rId27"/>
+    <p:sldId id="333" r:id="rId28"/>
+    <p:sldId id="334" r:id="rId29"/>
+    <p:sldId id="335" r:id="rId30"/>
+    <p:sldId id="336" r:id="rId31"/>
+    <p:sldId id="337" r:id="rId32"/>
+    <p:sldId id="338" r:id="rId33"/>
+    <p:sldId id="339" r:id="rId34"/>
+    <p:sldId id="340" r:id="rId35"/>
+    <p:sldId id="341" r:id="rId36"/>
+    <p:sldId id="342" r:id="rId37"/>
   </p:sldIdLst>
   <p:sldSz cx="9144000" cy="6858000" type="screen4x3"/>
   <p:notesSz cx="6858000" cy="9144000"/>
@@ -214,7 +227,7 @@
           <a:p>
             <a:fld id="{E2B913E8-0330-B643-A20B-1A6E83DAE541}" type="datetimeFigureOut">
               <a:rPr lang="en-US" smtClean="0"/>
-              <a:t>23/11/14</a:t>
+              <a:t>24/11/14</a:t>
             </a:fld>
             <a:endParaRPr lang="en-US"/>
           </a:p>
@@ -764,7 +777,7 @@
             <a:fld id="{9EB5ECD5-515E-4817-8A06-1D2ED2C83850}" type="datetime4">
               <a:rPr lang="en-US" smtClean="0"/>
               <a:pPr/>
-              <a:t>November 23, 2014</a:t>
+              <a:t>November 24, 2014</a:t>
             </a:fld>
             <a:endParaRPr lang="en-US"/>
           </a:p>
@@ -936,7 +949,7 @@
             <a:fld id="{BA5B59F4-DDCB-41FF-83F5-A48440F36FA7}" type="datetime4">
               <a:rPr lang="en-US" smtClean="0"/>
               <a:pPr/>
-              <a:t>November 23, 2014</a:t>
+              <a:t>November 24, 2014</a:t>
             </a:fld>
             <a:endParaRPr lang="en-US"/>
           </a:p>
@@ -2056,7 +2069,7 @@
             <a:fld id="{48056348-D703-428C-A1C4-7D6796EF5F41}" type="datetime4">
               <a:rPr lang="en-US" smtClean="0"/>
               <a:pPr/>
-              <a:t>November 23, 2014</a:t>
+              <a:t>November 24, 2014</a:t>
             </a:fld>
             <a:endParaRPr lang="en-US"/>
           </a:p>
@@ -3166,7 +3179,7 @@
             <a:fld id="{732D1919-1B5F-4141-B613-3E5C6008A186}" type="datetime4">
               <a:rPr lang="en-US" smtClean="0"/>
               <a:pPr/>
-              <a:t>November 23, 2014</a:t>
+              <a:t>November 24, 2014</a:t>
             </a:fld>
             <a:endParaRPr lang="en-US"/>
           </a:p>
@@ -3414,7 +3427,7 @@
             <a:fld id="{BAD22427-B1DD-49E6-9F05-DE0F1467D7DC}" type="datetime4">
               <a:rPr lang="en-US" smtClean="0"/>
               <a:pPr/>
-              <a:t>November 23, 2014</a:t>
+              <a:t>November 24, 2014</a:t>
             </a:fld>
             <a:endParaRPr lang="en-US"/>
           </a:p>
@@ -3704,7 +3717,7 @@
             <a:fld id="{BBCCA7B5-8BC9-491C-A887-7C3E7ED947D8}" type="datetime4">
               <a:rPr lang="en-US" smtClean="0"/>
               <a:pPr/>
-              <a:t>November 23, 2014</a:t>
+              <a:t>November 24, 2014</a:t>
             </a:fld>
             <a:endParaRPr lang="en-US"/>
           </a:p>
@@ -4128,7 +4141,7 @@
             <a:fld id="{BDA18ED0-40F2-434C-A848-B92581875164}" type="datetime4">
               <a:rPr lang="en-US" smtClean="0"/>
               <a:pPr/>
-              <a:t>November 23, 2014</a:t>
+              <a:t>November 24, 2014</a:t>
             </a:fld>
             <a:endParaRPr lang="en-US"/>
           </a:p>
@@ -4248,7 +4261,7 @@
             <a:fld id="{7855437F-F4F9-44A9-B4D3-9191CA04E889}" type="datetime4">
               <a:rPr lang="en-US" smtClean="0"/>
               <a:pPr/>
-              <a:t>November 23, 2014</a:t>
+              <a:t>November 24, 2014</a:t>
             </a:fld>
             <a:endParaRPr lang="en-US"/>
           </a:p>
@@ -4345,7 +4358,7 @@
             <a:fld id="{39A24E59-01D0-4537-B876-7E5EC75B028D}" type="datetime4">
               <a:rPr lang="en-US" smtClean="0"/>
               <a:pPr/>
-              <a:t>November 23, 2014</a:t>
+              <a:t>November 24, 2014</a:t>
             </a:fld>
             <a:endParaRPr lang="en-US"/>
           </a:p>
@@ -4624,7 +4637,7 @@
             <a:fld id="{655A2E49-18A1-40BC-BA5D-5A2EC8FDDF15}" type="datetime4">
               <a:rPr lang="en-US" smtClean="0"/>
               <a:pPr/>
-              <a:t>November 23, 2014</a:t>
+              <a:t>November 24, 2014</a:t>
             </a:fld>
             <a:endParaRPr lang="en-US"/>
           </a:p>
@@ -4879,7 +4892,7 @@
             <a:fld id="{52983DA4-3B24-449B-95CA-514EB7E30A99}" type="datetime4">
               <a:rPr lang="en-US" smtClean="0"/>
               <a:pPr/>
-              <a:t>November 23, 2014</a:t>
+              <a:t>November 24, 2014</a:t>
             </a:fld>
             <a:endParaRPr lang="en-US"/>
           </a:p>
@@ -5094,7 +5107,7 @@
             <a:fld id="{942120D2-3948-4F8F-BE5D-E7E7D97880B2}" type="datetime4">
               <a:rPr lang="en-US" smtClean="0"/>
               <a:pPr/>
-              <a:t>November 23, 2014</a:t>
+              <a:t>November 24, 2014</a:t>
             </a:fld>
             <a:endParaRPr lang="en-US" dirty="0" err="1"/>
           </a:p>
@@ -8407,11 +8420,7 @@
           <a:p>
             <a:r>
               <a:rPr lang="en-US" dirty="0" err="1" smtClean="0"/>
-              <a:t>Aloca</a:t>
-            </a:r>
-            <a:r>
-              <a:rPr lang="en-US" dirty="0" err="1" smtClean="0"/>
-              <a:t>ção</a:t>
+              <a:t>Alocação</a:t>
             </a:r>
             <a:r>
               <a:rPr lang="en-US" dirty="0" smtClean="0"/>
@@ -8466,11 +8475,7 @@
             </a:r>
             <a:r>
               <a:rPr lang="en-US" dirty="0" err="1" smtClean="0"/>
-              <a:t>vari</a:t>
-            </a:r>
-            <a:r>
-              <a:rPr lang="en-US" dirty="0" err="1" smtClean="0"/>
-              <a:t>ável</a:t>
+              <a:t>variável</a:t>
             </a:r>
             <a:r>
               <a:rPr lang="en-US" dirty="0" smtClean="0"/>
@@ -8803,11 +8808,7 @@
           <a:p>
             <a:r>
               <a:rPr lang="en-US" dirty="0" err="1" smtClean="0"/>
-              <a:t>Aloca</a:t>
-            </a:r>
-            <a:r>
-              <a:rPr lang="en-US" dirty="0" err="1" smtClean="0"/>
-              <a:t>ção</a:t>
+              <a:t>Alocação</a:t>
             </a:r>
             <a:r>
               <a:rPr lang="en-US" dirty="0" smtClean="0"/>
@@ -8862,11 +8863,7 @@
             </a:r>
             <a:r>
               <a:rPr lang="en-US" dirty="0" err="1" smtClean="0"/>
-              <a:t>declara</a:t>
-            </a:r>
-            <a:r>
-              <a:rPr lang="en-US" dirty="0" err="1" smtClean="0"/>
-              <a:t>ção</a:t>
+              <a:t>declaração</a:t>
             </a:r>
             <a:r>
               <a:rPr lang="en-US" dirty="0" smtClean="0"/>
@@ -9515,11 +9512,7 @@
           <a:p>
             <a:r>
               <a:rPr lang="en-US" dirty="0" err="1" smtClean="0"/>
-              <a:t>Aloca</a:t>
-            </a:r>
-            <a:r>
-              <a:rPr lang="en-US" dirty="0" err="1" smtClean="0"/>
-              <a:t>ção</a:t>
+              <a:t>Alocação</a:t>
             </a:r>
             <a:r>
               <a:rPr lang="en-US" dirty="0" smtClean="0"/>
@@ -9554,11 +9547,7 @@
           <a:p>
             <a:r>
               <a:rPr lang="en-US" dirty="0" err="1" smtClean="0"/>
-              <a:t>Ap</a:t>
-            </a:r>
-            <a:r>
-              <a:rPr lang="en-US" dirty="0" err="1" smtClean="0"/>
-              <a:t>ós</a:t>
+              <a:t>Após</a:t>
             </a:r>
             <a:r>
               <a:rPr lang="en-US" dirty="0" smtClean="0"/>
@@ -10020,11 +10009,7 @@
           <a:p>
             <a:r>
               <a:rPr lang="en-US" dirty="0" err="1" smtClean="0"/>
-              <a:t>Aloca</a:t>
-            </a:r>
-            <a:r>
-              <a:rPr lang="en-US" dirty="0" err="1" smtClean="0"/>
-              <a:t>ção</a:t>
+              <a:t>Alocação</a:t>
             </a:r>
             <a:r>
               <a:rPr lang="en-US" dirty="0" smtClean="0"/>
@@ -10576,11 +10561,7 @@
           <a:p>
             <a:r>
               <a:rPr lang="en-US" dirty="0" err="1" smtClean="0"/>
-              <a:t>Atribui</a:t>
-            </a:r>
-            <a:r>
-              <a:rPr lang="en-US" dirty="0" err="1" smtClean="0"/>
-              <a:t>ção</a:t>
+              <a:t>Atribuição</a:t>
             </a:r>
             <a:r>
               <a:rPr lang="en-US" dirty="0" smtClean="0"/>
@@ -10623,11 +10604,7 @@
             </a:r>
             <a:r>
               <a:rPr lang="en-US" dirty="0" err="1" smtClean="0"/>
-              <a:t>vari</a:t>
-            </a:r>
-            <a:r>
-              <a:rPr lang="en-US" dirty="0" err="1" smtClean="0"/>
-              <a:t>áveis</a:t>
+              <a:t>variáveis</a:t>
             </a:r>
             <a:r>
               <a:rPr lang="en-US" dirty="0" smtClean="0"/>
@@ -10854,11 +10831,7 @@
           <a:p>
             <a:r>
               <a:rPr lang="en-US" dirty="0" err="1" smtClean="0"/>
-              <a:t>Atribui</a:t>
-            </a:r>
-            <a:r>
-              <a:rPr lang="en-US" dirty="0" err="1" smtClean="0"/>
-              <a:t>ção</a:t>
+              <a:t>Atribuição</a:t>
             </a:r>
             <a:r>
               <a:rPr lang="en-US" dirty="0" smtClean="0"/>
@@ -10895,11 +10868,7 @@
             </a:r>
             <a:r>
               <a:rPr lang="en-US" dirty="0" err="1" smtClean="0"/>
-              <a:t>vari</a:t>
-            </a:r>
-            <a:r>
-              <a:rPr lang="en-US" dirty="0" err="1" smtClean="0"/>
-              <a:t>áveis</a:t>
+              <a:t>variáveis</a:t>
             </a:r>
             <a:r>
               <a:rPr lang="en-US" dirty="0" smtClean="0"/>
@@ -11233,6 +11202,1245 @@
     <p:extLst>
       <p:ext uri="{BB962C8B-B14F-4D97-AF65-F5344CB8AC3E}">
         <p14:creationId xmlns:p14="http://schemas.microsoft.com/office/powerpoint/2010/main" val="1773029415"/>
+      </p:ext>
+    </p:extLst>
+  </p:cSld>
+  <p:clrMapOvr>
+    <a:masterClrMapping/>
+  </p:clrMapOvr>
+</p:sld>
+</file>
+
+<file path=ppt/slides/slide24.xml><?xml version="1.0" encoding="utf-8"?>
+<p:sld xmlns:a="http://schemas.openxmlformats.org/drawingml/2006/main" xmlns:r="http://schemas.openxmlformats.org/officeDocument/2006/relationships" xmlns:p="http://schemas.openxmlformats.org/presentationml/2006/main">
+  <p:cSld>
+    <p:spTree>
+      <p:nvGrpSpPr>
+        <p:cNvPr id="1" name=""/>
+        <p:cNvGrpSpPr/>
+        <p:nvPr/>
+      </p:nvGrpSpPr>
+      <p:grpSpPr>
+        <a:xfrm>
+          <a:off x="0" y="0"/>
+          <a:ext cx="0" cy="0"/>
+          <a:chOff x="0" y="0"/>
+          <a:chExt cx="0" cy="0"/>
+        </a:xfrm>
+      </p:grpSpPr>
+      <p:sp>
+        <p:nvSpPr>
+          <p:cNvPr id="2" name="Title 1"/>
+          <p:cNvSpPr>
+            <a:spLocks noGrp="1"/>
+          </p:cNvSpPr>
+          <p:nvPr>
+            <p:ph type="title"/>
+          </p:nvPr>
+        </p:nvSpPr>
+        <p:spPr/>
+        <p:txBody>
+          <a:bodyPr/>
+          <a:lstStyle/>
+          <a:p>
+            <a:r>
+              <a:rPr lang="en-US" dirty="0" err="1" smtClean="0"/>
+              <a:t>Passagem</a:t>
+            </a:r>
+            <a:r>
+              <a:rPr lang="en-US" dirty="0" smtClean="0"/>
+              <a:t> de Valor</a:t>
+            </a:r>
+            <a:endParaRPr lang="en-US" dirty="0"/>
+          </a:p>
+        </p:txBody>
+      </p:sp>
+      <p:sp>
+        <p:nvSpPr>
+          <p:cNvPr id="3" name="Content Placeholder 2"/>
+          <p:cNvSpPr>
+            <a:spLocks noGrp="1"/>
+          </p:cNvSpPr>
+          <p:nvPr>
+            <p:ph idx="1"/>
+          </p:nvPr>
+        </p:nvSpPr>
+        <p:spPr/>
+        <p:txBody>
+          <a:bodyPr>
+            <a:normAutofit lnSpcReduction="10000"/>
+          </a:bodyPr>
+          <a:lstStyle/>
+          <a:p>
+            <a:r>
+              <a:rPr lang="en-US" dirty="0" err="1" smtClean="0"/>
+              <a:t>Todos</a:t>
+            </a:r>
+            <a:r>
+              <a:rPr lang="en-US" dirty="0" smtClean="0"/>
+              <a:t> </a:t>
+            </a:r>
+            <a:r>
+              <a:rPr lang="en-US" dirty="0" err="1" smtClean="0"/>
+              <a:t>os</a:t>
+            </a:r>
+            <a:r>
+              <a:rPr lang="en-US" dirty="0" smtClean="0"/>
+              <a:t> </a:t>
+            </a:r>
+            <a:r>
+              <a:rPr lang="en-US" dirty="0" err="1" smtClean="0"/>
+              <a:t>argumentos</a:t>
+            </a:r>
+            <a:r>
+              <a:rPr lang="en-US" dirty="0" smtClean="0"/>
+              <a:t> </a:t>
+            </a:r>
+            <a:r>
+              <a:rPr lang="en-US" dirty="0" err="1" smtClean="0"/>
+              <a:t>em</a:t>
+            </a:r>
+            <a:r>
+              <a:rPr lang="en-US" dirty="0" smtClean="0"/>
+              <a:t> Java </a:t>
+            </a:r>
+            <a:r>
+              <a:rPr lang="en-US" dirty="0" err="1" smtClean="0"/>
+              <a:t>s</a:t>
+            </a:r>
+            <a:r>
+              <a:rPr lang="en-US" dirty="0" err="1" smtClean="0"/>
+              <a:t>ão</a:t>
+            </a:r>
+            <a:r>
+              <a:rPr lang="en-US" dirty="0" smtClean="0"/>
+              <a:t> </a:t>
+            </a:r>
+            <a:r>
+              <a:rPr lang="en-US" dirty="0" err="1" smtClean="0"/>
+              <a:t>passados</a:t>
+            </a:r>
+            <a:r>
+              <a:rPr lang="en-US" dirty="0" smtClean="0"/>
+              <a:t> </a:t>
+            </a:r>
+            <a:r>
+              <a:rPr lang="en-US" dirty="0" err="1" smtClean="0"/>
+              <a:t>por</a:t>
+            </a:r>
+            <a:r>
+              <a:rPr lang="en-US" dirty="0" smtClean="0"/>
+              <a:t> valor, </a:t>
+            </a:r>
+            <a:r>
+              <a:rPr lang="en-US" dirty="0" err="1" smtClean="0"/>
+              <a:t>ou</a:t>
+            </a:r>
+            <a:r>
+              <a:rPr lang="en-US" dirty="0" smtClean="0"/>
+              <a:t> </a:t>
+            </a:r>
+            <a:r>
+              <a:rPr lang="en-US" dirty="0" err="1" smtClean="0"/>
+              <a:t>seja</a:t>
+            </a:r>
+            <a:r>
+              <a:rPr lang="en-US" dirty="0" smtClean="0"/>
+              <a:t>, o valor original do </a:t>
+            </a:r>
+            <a:r>
+              <a:rPr lang="en-US" dirty="0" err="1" smtClean="0"/>
+              <a:t>argumento</a:t>
+            </a:r>
+            <a:r>
+              <a:rPr lang="en-US" dirty="0" smtClean="0"/>
+              <a:t> </a:t>
+            </a:r>
+            <a:r>
+              <a:rPr lang="en-US" dirty="0" err="1" smtClean="0"/>
+              <a:t>não</a:t>
+            </a:r>
+            <a:r>
+              <a:rPr lang="en-US" dirty="0" smtClean="0"/>
+              <a:t> </a:t>
+            </a:r>
+            <a:r>
+              <a:rPr lang="en-US" dirty="0" err="1" smtClean="0"/>
+              <a:t>será</a:t>
+            </a:r>
+            <a:r>
+              <a:rPr lang="en-US" dirty="0" smtClean="0"/>
+              <a:t> </a:t>
+            </a:r>
+            <a:r>
+              <a:rPr lang="en-US" dirty="0" err="1" smtClean="0"/>
+              <a:t>modificado</a:t>
+            </a:r>
+            <a:r>
+              <a:rPr lang="en-US" dirty="0" smtClean="0"/>
+              <a:t> </a:t>
+            </a:r>
+            <a:r>
+              <a:rPr lang="en-US" dirty="0" err="1" smtClean="0"/>
+              <a:t>após</a:t>
+            </a:r>
+            <a:r>
+              <a:rPr lang="en-US" dirty="0" smtClean="0"/>
+              <a:t> o </a:t>
+            </a:r>
+            <a:r>
+              <a:rPr lang="en-US" dirty="0" err="1" smtClean="0"/>
+              <a:t>retorno</a:t>
+            </a:r>
+            <a:r>
+              <a:rPr lang="en-US" dirty="0" smtClean="0"/>
+              <a:t> do </a:t>
+            </a:r>
+            <a:r>
+              <a:rPr lang="en-US" dirty="0" err="1" smtClean="0"/>
+              <a:t>método</a:t>
+            </a:r>
+            <a:r>
+              <a:rPr lang="en-US" dirty="0" smtClean="0"/>
+              <a:t>. </a:t>
+            </a:r>
+            <a:r>
+              <a:rPr lang="en-US" dirty="0" err="1" smtClean="0"/>
+              <a:t>Quando</a:t>
+            </a:r>
+            <a:r>
+              <a:rPr lang="en-US" dirty="0" smtClean="0"/>
+              <a:t> a </a:t>
+            </a:r>
+            <a:r>
+              <a:rPr lang="en-US" dirty="0" err="1" smtClean="0"/>
+              <a:t>instância</a:t>
+            </a:r>
+            <a:r>
+              <a:rPr lang="en-US" dirty="0" smtClean="0"/>
+              <a:t> de </a:t>
+            </a:r>
+            <a:r>
+              <a:rPr lang="en-US" dirty="0" err="1" smtClean="0"/>
+              <a:t>uma</a:t>
+            </a:r>
+            <a:r>
+              <a:rPr lang="en-US" dirty="0" smtClean="0"/>
+              <a:t> </a:t>
+            </a:r>
+            <a:r>
+              <a:rPr lang="en-US" dirty="0" err="1" smtClean="0"/>
+              <a:t>classe</a:t>
+            </a:r>
+            <a:r>
+              <a:rPr lang="en-US" dirty="0" smtClean="0"/>
+              <a:t> </a:t>
+            </a:r>
+            <a:r>
+              <a:rPr lang="en-US" dirty="0" err="1" smtClean="0"/>
+              <a:t>é</a:t>
+            </a:r>
+            <a:r>
+              <a:rPr lang="en-US" dirty="0" smtClean="0"/>
+              <a:t> </a:t>
+            </a:r>
+            <a:r>
+              <a:rPr lang="en-US" dirty="0" err="1" smtClean="0"/>
+              <a:t>usada</a:t>
+            </a:r>
+            <a:r>
+              <a:rPr lang="en-US" dirty="0" smtClean="0"/>
+              <a:t> </a:t>
+            </a:r>
+            <a:r>
+              <a:rPr lang="en-US" dirty="0" err="1" smtClean="0"/>
+              <a:t>como</a:t>
+            </a:r>
+            <a:r>
+              <a:rPr lang="en-US" dirty="0" smtClean="0"/>
+              <a:t> </a:t>
+            </a:r>
+            <a:r>
+              <a:rPr lang="en-US" dirty="0" err="1" smtClean="0"/>
+              <a:t>argumento</a:t>
+            </a:r>
+            <a:r>
+              <a:rPr lang="en-US" dirty="0" smtClean="0"/>
+              <a:t> de um </a:t>
+            </a:r>
+            <a:r>
+              <a:rPr lang="en-US" dirty="0" err="1" smtClean="0"/>
+              <a:t>método</a:t>
+            </a:r>
+            <a:r>
+              <a:rPr lang="en-US" dirty="0" smtClean="0"/>
+              <a:t>, o valor </a:t>
+            </a:r>
+            <a:r>
+              <a:rPr lang="en-US" dirty="0" err="1" smtClean="0"/>
+              <a:t>que</a:t>
+            </a:r>
+            <a:r>
+              <a:rPr lang="en-US" dirty="0" smtClean="0"/>
+              <a:t> </a:t>
+            </a:r>
+            <a:r>
+              <a:rPr lang="en-US" dirty="0" err="1" smtClean="0"/>
+              <a:t>está</a:t>
+            </a:r>
+            <a:r>
+              <a:rPr lang="en-US" dirty="0" smtClean="0"/>
+              <a:t> </a:t>
+            </a:r>
+            <a:r>
+              <a:rPr lang="en-US" dirty="0" err="1" smtClean="0"/>
+              <a:t>sendo</a:t>
+            </a:r>
+            <a:r>
+              <a:rPr lang="en-US" dirty="0" smtClean="0"/>
+              <a:t> </a:t>
+            </a:r>
+            <a:r>
+              <a:rPr lang="en-US" dirty="0" err="1" smtClean="0"/>
+              <a:t>passado</a:t>
+            </a:r>
+            <a:r>
+              <a:rPr lang="en-US" dirty="0" smtClean="0"/>
+              <a:t> </a:t>
+            </a:r>
+            <a:r>
+              <a:rPr lang="en-US" dirty="0" err="1" smtClean="0"/>
+              <a:t>ao</a:t>
+            </a:r>
+            <a:r>
+              <a:rPr lang="en-US" dirty="0" smtClean="0"/>
+              <a:t> </a:t>
+            </a:r>
+            <a:r>
+              <a:rPr lang="en-US" dirty="0" err="1" smtClean="0"/>
+              <a:t>método</a:t>
+            </a:r>
+            <a:r>
+              <a:rPr lang="en-US" dirty="0" smtClean="0"/>
+              <a:t> </a:t>
+            </a:r>
+            <a:r>
+              <a:rPr lang="en-US" dirty="0" err="1" smtClean="0"/>
+              <a:t>é</a:t>
+            </a:r>
+            <a:r>
+              <a:rPr lang="en-US" dirty="0" smtClean="0"/>
+              <a:t> a </a:t>
+            </a:r>
+            <a:r>
+              <a:rPr lang="en-US" dirty="0" err="1" smtClean="0"/>
+              <a:t>referência</a:t>
+            </a:r>
+            <a:r>
+              <a:rPr lang="en-US" dirty="0" smtClean="0"/>
+              <a:t> a </a:t>
+            </a:r>
+            <a:r>
+              <a:rPr lang="en-US" dirty="0" err="1" smtClean="0"/>
+              <a:t>esse</a:t>
+            </a:r>
+            <a:r>
+              <a:rPr lang="en-US" dirty="0" smtClean="0"/>
+              <a:t> </a:t>
+            </a:r>
+            <a:r>
+              <a:rPr lang="en-US" dirty="0" err="1" smtClean="0"/>
+              <a:t>objeto</a:t>
+            </a:r>
+            <a:r>
+              <a:rPr lang="en-US" dirty="0" smtClean="0"/>
+              <a:t> – o valor dos </a:t>
+            </a:r>
+            <a:r>
+              <a:rPr lang="en-US" dirty="0" err="1" smtClean="0"/>
+              <a:t>atributos</a:t>
+            </a:r>
+            <a:r>
+              <a:rPr lang="en-US" dirty="0" smtClean="0"/>
+              <a:t> </a:t>
+            </a:r>
+            <a:r>
+              <a:rPr lang="en-US" dirty="0" err="1" smtClean="0"/>
+              <a:t>desse</a:t>
+            </a:r>
+            <a:r>
+              <a:rPr lang="en-US" dirty="0" smtClean="0"/>
+              <a:t> </a:t>
+            </a:r>
+            <a:r>
+              <a:rPr lang="en-US" dirty="0" err="1" smtClean="0"/>
+              <a:t>objeto</a:t>
+            </a:r>
+            <a:r>
+              <a:rPr lang="en-US" dirty="0"/>
+              <a:t> </a:t>
+            </a:r>
+            <a:r>
+              <a:rPr lang="en-US" dirty="0" err="1" smtClean="0"/>
+              <a:t>podem</a:t>
+            </a:r>
+            <a:r>
+              <a:rPr lang="en-US" dirty="0" smtClean="0"/>
+              <a:t> </a:t>
+            </a:r>
+            <a:r>
+              <a:rPr lang="en-US" dirty="0" err="1" smtClean="0"/>
+              <a:t>ser</a:t>
+            </a:r>
+            <a:r>
+              <a:rPr lang="en-US" dirty="0" smtClean="0"/>
+              <a:t> </a:t>
+            </a:r>
+            <a:r>
+              <a:rPr lang="en-US" dirty="0" err="1" smtClean="0"/>
+              <a:t>modificados</a:t>
+            </a:r>
+            <a:r>
+              <a:rPr lang="en-US" dirty="0" smtClean="0"/>
+              <a:t> no </a:t>
+            </a:r>
+            <a:r>
+              <a:rPr lang="en-US" dirty="0" err="1" smtClean="0"/>
+              <a:t>método</a:t>
+            </a:r>
+            <a:r>
+              <a:rPr lang="en-US" dirty="0" smtClean="0"/>
+              <a:t> </a:t>
+            </a:r>
+            <a:r>
+              <a:rPr lang="en-US" dirty="0" err="1" smtClean="0"/>
+              <a:t>invocado</a:t>
+            </a:r>
+            <a:r>
+              <a:rPr lang="en-US" dirty="0" smtClean="0"/>
+              <a:t>, mas a </a:t>
+            </a:r>
+            <a:r>
+              <a:rPr lang="en-US" dirty="0" err="1" smtClean="0"/>
+              <a:t>referência</a:t>
+            </a:r>
+            <a:r>
+              <a:rPr lang="en-US" dirty="0" smtClean="0"/>
+              <a:t> a </a:t>
+            </a:r>
+            <a:r>
+              <a:rPr lang="en-US" dirty="0" err="1" smtClean="0"/>
+              <a:t>esse</a:t>
+            </a:r>
+            <a:r>
+              <a:rPr lang="en-US" dirty="0" smtClean="0"/>
+              <a:t> </a:t>
+            </a:r>
+            <a:r>
+              <a:rPr lang="en-US" dirty="0" err="1" smtClean="0"/>
+              <a:t>objeto</a:t>
+            </a:r>
+            <a:r>
+              <a:rPr lang="en-US" dirty="0" smtClean="0"/>
+              <a:t> </a:t>
+            </a:r>
+            <a:r>
+              <a:rPr lang="en-US" dirty="0" err="1" smtClean="0"/>
+              <a:t>não</a:t>
+            </a:r>
+            <a:r>
+              <a:rPr lang="en-US" dirty="0" smtClean="0"/>
+              <a:t>.</a:t>
+            </a:r>
+            <a:endParaRPr lang="en-US" dirty="0"/>
+          </a:p>
+        </p:txBody>
+      </p:sp>
+    </p:spTree>
+    <p:extLst>
+      <p:ext uri="{BB962C8B-B14F-4D97-AF65-F5344CB8AC3E}">
+        <p14:creationId xmlns:p14="http://schemas.microsoft.com/office/powerpoint/2010/main" val="2896325204"/>
+      </p:ext>
+    </p:extLst>
+  </p:cSld>
+  <p:clrMapOvr>
+    <a:masterClrMapping/>
+  </p:clrMapOvr>
+</p:sld>
+</file>
+
+<file path=ppt/slides/slide25.xml><?xml version="1.0" encoding="utf-8"?>
+<p:sld xmlns:a="http://schemas.openxmlformats.org/drawingml/2006/main" xmlns:r="http://schemas.openxmlformats.org/officeDocument/2006/relationships" xmlns:p="http://schemas.openxmlformats.org/presentationml/2006/main">
+  <p:cSld>
+    <p:spTree>
+      <p:nvGrpSpPr>
+        <p:cNvPr id="1" name=""/>
+        <p:cNvGrpSpPr/>
+        <p:nvPr/>
+      </p:nvGrpSpPr>
+      <p:grpSpPr>
+        <a:xfrm>
+          <a:off x="0" y="0"/>
+          <a:ext cx="0" cy="0"/>
+          <a:chOff x="0" y="0"/>
+          <a:chExt cx="0" cy="0"/>
+        </a:xfrm>
+      </p:grpSpPr>
+      <p:sp>
+        <p:nvSpPr>
+          <p:cNvPr id="2" name="Title 1"/>
+          <p:cNvSpPr>
+            <a:spLocks noGrp="1"/>
+          </p:cNvSpPr>
+          <p:nvPr>
+            <p:ph type="title"/>
+          </p:nvPr>
+        </p:nvSpPr>
+        <p:spPr/>
+        <p:txBody>
+          <a:bodyPr/>
+          <a:lstStyle/>
+          <a:p>
+            <a:r>
+              <a:rPr lang="en-US" dirty="0" err="1" smtClean="0"/>
+              <a:t>Passagem</a:t>
+            </a:r>
+            <a:r>
+              <a:rPr lang="en-US" dirty="0" smtClean="0"/>
+              <a:t> de Valor</a:t>
+            </a:r>
+            <a:endParaRPr lang="en-US" dirty="0"/>
+          </a:p>
+        </p:txBody>
+      </p:sp>
+      <p:pic>
+        <p:nvPicPr>
+          <p:cNvPr id="5" name="Picture 4"/>
+          <p:cNvPicPr>
+            <a:picLocks noChangeAspect="1"/>
+          </p:cNvPicPr>
+          <p:nvPr/>
+        </p:nvPicPr>
+        <p:blipFill>
+          <a:blip r:embed="rId2"/>
+          <a:stretch>
+            <a:fillRect/>
+          </a:stretch>
+        </p:blipFill>
+        <p:spPr>
+          <a:xfrm>
+            <a:off x="867208" y="1803399"/>
+            <a:ext cx="7421621" cy="4600327"/>
+          </a:xfrm>
+          <a:prstGeom prst="rect">
+            <a:avLst/>
+          </a:prstGeom>
+        </p:spPr>
+      </p:pic>
+    </p:spTree>
+    <p:extLst>
+      <p:ext uri="{BB962C8B-B14F-4D97-AF65-F5344CB8AC3E}">
+        <p14:creationId xmlns:p14="http://schemas.microsoft.com/office/powerpoint/2010/main" val="295905419"/>
+      </p:ext>
+    </p:extLst>
+  </p:cSld>
+  <p:clrMapOvr>
+    <a:masterClrMapping/>
+  </p:clrMapOvr>
+</p:sld>
+</file>
+
+<file path=ppt/slides/slide26.xml><?xml version="1.0" encoding="utf-8"?>
+<p:sld xmlns:a="http://schemas.openxmlformats.org/drawingml/2006/main" xmlns:r="http://schemas.openxmlformats.org/officeDocument/2006/relationships" xmlns:p="http://schemas.openxmlformats.org/presentationml/2006/main">
+  <p:cSld>
+    <p:spTree>
+      <p:nvGrpSpPr>
+        <p:cNvPr id="1" name=""/>
+        <p:cNvGrpSpPr/>
+        <p:nvPr/>
+      </p:nvGrpSpPr>
+      <p:grpSpPr>
+        <a:xfrm>
+          <a:off x="0" y="0"/>
+          <a:ext cx="0" cy="0"/>
+          <a:chOff x="0" y="0"/>
+          <a:chExt cx="0" cy="0"/>
+        </a:xfrm>
+      </p:grpSpPr>
+      <p:sp>
+        <p:nvSpPr>
+          <p:cNvPr id="2" name="Title 1"/>
+          <p:cNvSpPr>
+            <a:spLocks noGrp="1"/>
+          </p:cNvSpPr>
+          <p:nvPr>
+            <p:ph type="title"/>
+          </p:nvPr>
+        </p:nvSpPr>
+        <p:spPr/>
+        <p:txBody>
+          <a:bodyPr/>
+          <a:lstStyle/>
+          <a:p>
+            <a:r>
+              <a:rPr lang="en-US" dirty="0" err="1" smtClean="0"/>
+              <a:t>Passagem</a:t>
+            </a:r>
+            <a:r>
+              <a:rPr lang="en-US" dirty="0" smtClean="0"/>
+              <a:t> de Valor</a:t>
+            </a:r>
+            <a:endParaRPr lang="en-US" dirty="0"/>
+          </a:p>
+        </p:txBody>
+      </p:sp>
+      <p:pic>
+        <p:nvPicPr>
+          <p:cNvPr id="3" name="Picture 2"/>
+          <p:cNvPicPr>
+            <a:picLocks noChangeAspect="1"/>
+          </p:cNvPicPr>
+          <p:nvPr/>
+        </p:nvPicPr>
+        <p:blipFill>
+          <a:blip r:embed="rId2"/>
+          <a:stretch>
+            <a:fillRect/>
+          </a:stretch>
+        </p:blipFill>
+        <p:spPr>
+          <a:xfrm>
+            <a:off x="403152" y="1460500"/>
+            <a:ext cx="8420337" cy="4713558"/>
+          </a:xfrm>
+          <a:prstGeom prst="rect">
+            <a:avLst/>
+          </a:prstGeom>
+        </p:spPr>
+      </p:pic>
+    </p:spTree>
+    <p:extLst>
+      <p:ext uri="{BB962C8B-B14F-4D97-AF65-F5344CB8AC3E}">
+        <p14:creationId xmlns:p14="http://schemas.microsoft.com/office/powerpoint/2010/main" val="924134090"/>
+      </p:ext>
+    </p:extLst>
+  </p:cSld>
+  <p:clrMapOvr>
+    <a:masterClrMapping/>
+  </p:clrMapOvr>
+</p:sld>
+</file>
+
+<file path=ppt/slides/slide27.xml><?xml version="1.0" encoding="utf-8"?>
+<p:sld xmlns:a="http://schemas.openxmlformats.org/drawingml/2006/main" xmlns:r="http://schemas.openxmlformats.org/officeDocument/2006/relationships" xmlns:p="http://schemas.openxmlformats.org/presentationml/2006/main">
+  <p:cSld>
+    <p:spTree>
+      <p:nvGrpSpPr>
+        <p:cNvPr id="1" name=""/>
+        <p:cNvGrpSpPr/>
+        <p:nvPr/>
+      </p:nvGrpSpPr>
+      <p:grpSpPr>
+        <a:xfrm>
+          <a:off x="0" y="0"/>
+          <a:ext cx="0" cy="0"/>
+          <a:chOff x="0" y="0"/>
+          <a:chExt cx="0" cy="0"/>
+        </a:xfrm>
+      </p:grpSpPr>
+      <p:sp>
+        <p:nvSpPr>
+          <p:cNvPr id="2" name="Title 1"/>
+          <p:cNvSpPr>
+            <a:spLocks noGrp="1"/>
+          </p:cNvSpPr>
+          <p:nvPr>
+            <p:ph type="title"/>
+          </p:nvPr>
+        </p:nvSpPr>
+        <p:spPr/>
+        <p:txBody>
+          <a:bodyPr>
+            <a:normAutofit fontScale="90000"/>
+          </a:bodyPr>
+          <a:lstStyle/>
+          <a:p>
+            <a:r>
+              <a:rPr lang="en-US" dirty="0" err="1" smtClean="0"/>
+              <a:t>Encapsulamento</a:t>
+            </a:r>
+            <a:r>
+              <a:rPr lang="en-US" dirty="0" smtClean="0"/>
+              <a:t> e </a:t>
+            </a:r>
+            <a:r>
+              <a:rPr lang="en-US" dirty="0" err="1" smtClean="0"/>
+              <a:t>sobrecarga</a:t>
+            </a:r>
+            <a:r>
+              <a:rPr lang="en-US" dirty="0" smtClean="0"/>
+              <a:t> de </a:t>
+            </a:r>
+            <a:r>
+              <a:rPr lang="en-US" dirty="0" err="1" smtClean="0"/>
+              <a:t>m</a:t>
+            </a:r>
+            <a:r>
+              <a:rPr lang="en-US" dirty="0" err="1" smtClean="0"/>
+              <a:t>étodos</a:t>
+            </a:r>
+            <a:endParaRPr lang="en-US" dirty="0"/>
+          </a:p>
+        </p:txBody>
+      </p:sp>
+      <p:sp>
+        <p:nvSpPr>
+          <p:cNvPr id="3" name="Content Placeholder 2"/>
+          <p:cNvSpPr>
+            <a:spLocks noGrp="1"/>
+          </p:cNvSpPr>
+          <p:nvPr>
+            <p:ph idx="1"/>
+          </p:nvPr>
+        </p:nvSpPr>
+        <p:spPr/>
+        <p:txBody>
+          <a:bodyPr/>
+          <a:lstStyle/>
+          <a:p>
+            <a:r>
+              <a:rPr lang="en-US" dirty="0" err="1" smtClean="0"/>
+              <a:t>Controle</a:t>
+            </a:r>
+            <a:r>
+              <a:rPr lang="en-US" dirty="0" smtClean="0"/>
+              <a:t> </a:t>
+            </a:r>
+            <a:r>
+              <a:rPr lang="en-US" dirty="0" err="1" smtClean="0"/>
+              <a:t>sobre</a:t>
+            </a:r>
+            <a:r>
+              <a:rPr lang="en-US" dirty="0"/>
+              <a:t> </a:t>
+            </a:r>
+            <a:r>
+              <a:rPr lang="en-US" dirty="0" smtClean="0"/>
+              <a:t>a </a:t>
+            </a:r>
+            <a:r>
+              <a:rPr lang="en-US" dirty="0" err="1" smtClean="0"/>
+              <a:t>acessibilidade</a:t>
+            </a:r>
+            <a:r>
+              <a:rPr lang="en-US" dirty="0" smtClean="0"/>
+              <a:t> dos </a:t>
+            </a:r>
+            <a:r>
+              <a:rPr lang="en-US" dirty="0" err="1" smtClean="0"/>
+              <a:t>membros</a:t>
+            </a:r>
+            <a:r>
+              <a:rPr lang="en-US" dirty="0" smtClean="0"/>
+              <a:t> de </a:t>
+            </a:r>
+            <a:r>
+              <a:rPr lang="en-US" dirty="0" err="1" smtClean="0"/>
+              <a:t>uma</a:t>
+            </a:r>
+            <a:r>
+              <a:rPr lang="en-US" dirty="0" smtClean="0"/>
+              <a:t> </a:t>
+            </a:r>
+            <a:r>
+              <a:rPr lang="en-US" dirty="0" err="1" smtClean="0"/>
+              <a:t>classe</a:t>
+            </a:r>
+            <a:r>
+              <a:rPr lang="en-US" dirty="0" smtClean="0"/>
+              <a:t> e a </a:t>
+            </a:r>
+            <a:r>
+              <a:rPr lang="en-US" dirty="0" err="1" smtClean="0"/>
+              <a:t>implementa</a:t>
+            </a:r>
+            <a:r>
+              <a:rPr lang="en-US" dirty="0" err="1" smtClean="0"/>
+              <a:t>ção</a:t>
+            </a:r>
+            <a:r>
+              <a:rPr lang="en-US" dirty="0" smtClean="0"/>
+              <a:t> de classes com </a:t>
+            </a:r>
+            <a:r>
+              <a:rPr lang="en-US" dirty="0" err="1" smtClean="0"/>
+              <a:t>comportamento</a:t>
+            </a:r>
+            <a:r>
+              <a:rPr lang="en-US" dirty="0" smtClean="0"/>
+              <a:t> </a:t>
+            </a:r>
+            <a:r>
+              <a:rPr lang="en-US" dirty="0" err="1" smtClean="0"/>
+              <a:t>dinâmico</a:t>
+            </a:r>
+            <a:r>
+              <a:rPr lang="en-US" dirty="0" smtClean="0"/>
+              <a:t> </a:t>
+            </a:r>
+            <a:r>
+              <a:rPr lang="en-US" dirty="0" err="1" smtClean="0"/>
+              <a:t>através</a:t>
+            </a:r>
+            <a:r>
+              <a:rPr lang="en-US" dirty="0" smtClean="0"/>
+              <a:t> da </a:t>
+            </a:r>
+            <a:r>
+              <a:rPr lang="en-US" dirty="0" err="1" smtClean="0"/>
+              <a:t>sobrecarga</a:t>
+            </a:r>
+            <a:r>
+              <a:rPr lang="en-US" dirty="0" smtClean="0"/>
+              <a:t> de </a:t>
+            </a:r>
+            <a:r>
+              <a:rPr lang="en-US" dirty="0" err="1" smtClean="0"/>
+              <a:t>métodos</a:t>
+            </a:r>
+            <a:r>
+              <a:rPr lang="en-US" dirty="0" smtClean="0"/>
+              <a:t>.</a:t>
+            </a:r>
+            <a:endParaRPr lang="en-US" dirty="0"/>
+          </a:p>
+        </p:txBody>
+      </p:sp>
+    </p:spTree>
+    <p:extLst>
+      <p:ext uri="{BB962C8B-B14F-4D97-AF65-F5344CB8AC3E}">
+        <p14:creationId xmlns:p14="http://schemas.microsoft.com/office/powerpoint/2010/main" val="3256534258"/>
+      </p:ext>
+    </p:extLst>
+  </p:cSld>
+  <p:clrMapOvr>
+    <a:masterClrMapping/>
+  </p:clrMapOvr>
+</p:sld>
+</file>
+
+<file path=ppt/slides/slide28.xml><?xml version="1.0" encoding="utf-8"?>
+<p:sld xmlns:a="http://schemas.openxmlformats.org/drawingml/2006/main" xmlns:r="http://schemas.openxmlformats.org/officeDocument/2006/relationships" xmlns:p="http://schemas.openxmlformats.org/presentationml/2006/main">
+  <p:cSld>
+    <p:spTree>
+      <p:nvGrpSpPr>
+        <p:cNvPr id="1" name=""/>
+        <p:cNvGrpSpPr/>
+        <p:nvPr/>
+      </p:nvGrpSpPr>
+      <p:grpSpPr>
+        <a:xfrm>
+          <a:off x="0" y="0"/>
+          <a:ext cx="0" cy="0"/>
+          <a:chOff x="0" y="0"/>
+          <a:chExt cx="0" cy="0"/>
+        </a:xfrm>
+      </p:grpSpPr>
+      <p:sp>
+        <p:nvSpPr>
+          <p:cNvPr id="2" name="Title 1"/>
+          <p:cNvSpPr>
+            <a:spLocks noGrp="1"/>
+          </p:cNvSpPr>
+          <p:nvPr>
+            <p:ph type="title"/>
+          </p:nvPr>
+        </p:nvSpPr>
+        <p:spPr/>
+        <p:txBody>
+          <a:bodyPr>
+            <a:normAutofit fontScale="90000"/>
+          </a:bodyPr>
+          <a:lstStyle/>
+          <a:p>
+            <a:r>
+              <a:rPr lang="en-US" dirty="0" err="1" smtClean="0"/>
+              <a:t>Acessibilidade</a:t>
+            </a:r>
+            <a:r>
+              <a:rPr lang="en-US" dirty="0" smtClean="0"/>
+              <a:t> dos </a:t>
+            </a:r>
+            <a:r>
+              <a:rPr lang="en-US" dirty="0" err="1" smtClean="0"/>
+              <a:t>membros</a:t>
+            </a:r>
+            <a:r>
+              <a:rPr lang="en-US" dirty="0" smtClean="0"/>
+              <a:t> de </a:t>
+            </a:r>
+            <a:r>
+              <a:rPr lang="en-US" dirty="0" err="1" smtClean="0"/>
+              <a:t>uma</a:t>
+            </a:r>
+            <a:r>
+              <a:rPr lang="en-US" dirty="0" smtClean="0"/>
+              <a:t> </a:t>
+            </a:r>
+            <a:r>
+              <a:rPr lang="en-US" dirty="0" err="1" smtClean="0"/>
+              <a:t>classe</a:t>
+            </a:r>
+            <a:endParaRPr lang="en-US" dirty="0"/>
+          </a:p>
+        </p:txBody>
+      </p:sp>
+      <p:sp>
+        <p:nvSpPr>
+          <p:cNvPr id="3" name="Content Placeholder 2"/>
+          <p:cNvSpPr>
+            <a:spLocks noGrp="1"/>
+          </p:cNvSpPr>
+          <p:nvPr>
+            <p:ph idx="1"/>
+          </p:nvPr>
+        </p:nvSpPr>
+        <p:spPr/>
+        <p:txBody>
+          <a:bodyPr/>
+          <a:lstStyle/>
+          <a:p>
+            <a:r>
+              <a:rPr lang="en-US" dirty="0" err="1" smtClean="0"/>
+              <a:t>Veja</a:t>
+            </a:r>
+            <a:r>
+              <a:rPr lang="en-US" dirty="0" smtClean="0"/>
+              <a:t> o </a:t>
+            </a:r>
+            <a:r>
+              <a:rPr lang="en-US" dirty="0" err="1" smtClean="0"/>
+              <a:t>exemplo</a:t>
+            </a:r>
+            <a:r>
+              <a:rPr lang="en-US" dirty="0" smtClean="0"/>
+              <a:t> da </a:t>
+            </a:r>
+            <a:r>
+              <a:rPr lang="en-US" dirty="0" err="1" smtClean="0"/>
+              <a:t>classe</a:t>
+            </a:r>
+            <a:r>
+              <a:rPr lang="en-US" dirty="0" smtClean="0"/>
+              <a:t> </a:t>
+            </a:r>
+            <a:r>
+              <a:rPr lang="en-US" dirty="0" err="1" smtClean="0"/>
+              <a:t>Avaliacao</a:t>
+            </a:r>
+            <a:r>
+              <a:rPr lang="en-US" dirty="0" smtClean="0"/>
+              <a:t>. </a:t>
+            </a:r>
+            <a:r>
+              <a:rPr lang="en-US" dirty="0" err="1" smtClean="0"/>
+              <a:t>Quando</a:t>
+            </a:r>
+            <a:r>
+              <a:rPr lang="en-US" dirty="0"/>
+              <a:t> </a:t>
+            </a:r>
+            <a:r>
+              <a:rPr lang="en-US" dirty="0" err="1" smtClean="0"/>
+              <a:t>instanciamos</a:t>
+            </a:r>
+            <a:r>
+              <a:rPr lang="en-US" dirty="0" smtClean="0"/>
+              <a:t> um </a:t>
+            </a:r>
+            <a:r>
+              <a:rPr lang="en-US" dirty="0" err="1" smtClean="0"/>
+              <a:t>objeto</a:t>
+            </a:r>
+            <a:r>
+              <a:rPr lang="en-US" dirty="0" smtClean="0"/>
+              <a:t> da </a:t>
+            </a:r>
+            <a:r>
+              <a:rPr lang="en-US" dirty="0" err="1" smtClean="0"/>
+              <a:t>classe</a:t>
+            </a:r>
+            <a:r>
+              <a:rPr lang="en-US" dirty="0" smtClean="0"/>
+              <a:t> </a:t>
+            </a:r>
+            <a:r>
+              <a:rPr lang="en-US" dirty="0" err="1" smtClean="0"/>
+              <a:t>Avaliacao</a:t>
+            </a:r>
+            <a:r>
+              <a:rPr lang="en-US" dirty="0" smtClean="0"/>
+              <a:t>, </a:t>
+            </a:r>
+            <a:r>
+              <a:rPr lang="en-US" dirty="0" err="1" smtClean="0"/>
+              <a:t>seus</a:t>
+            </a:r>
+            <a:r>
+              <a:rPr lang="en-US" dirty="0" smtClean="0"/>
+              <a:t> </a:t>
+            </a:r>
+            <a:r>
+              <a:rPr lang="en-US" dirty="0" err="1" smtClean="0"/>
+              <a:t>membros</a:t>
+            </a:r>
+            <a:r>
+              <a:rPr lang="en-US" dirty="0" smtClean="0"/>
+              <a:t> </a:t>
+            </a:r>
+            <a:r>
+              <a:rPr lang="en-US" dirty="0" err="1" smtClean="0"/>
+              <a:t>podem</a:t>
+            </a:r>
+            <a:r>
+              <a:rPr lang="en-US" dirty="0" smtClean="0"/>
+              <a:t> </a:t>
+            </a:r>
+            <a:r>
+              <a:rPr lang="en-US" dirty="0" err="1" smtClean="0"/>
+              <a:t>ser</a:t>
+            </a:r>
+            <a:r>
+              <a:rPr lang="en-US" dirty="0" smtClean="0"/>
+              <a:t> </a:t>
+            </a:r>
+            <a:r>
+              <a:rPr lang="en-US" dirty="0" err="1" smtClean="0"/>
+              <a:t>acessados</a:t>
+            </a:r>
+            <a:r>
+              <a:rPr lang="en-US" dirty="0" smtClean="0"/>
+              <a:t> </a:t>
+            </a:r>
+            <a:r>
+              <a:rPr lang="en-US" dirty="0" err="1" smtClean="0"/>
+              <a:t>por</a:t>
+            </a:r>
+            <a:r>
+              <a:rPr lang="en-US" dirty="0" smtClean="0"/>
+              <a:t> </a:t>
+            </a:r>
+            <a:r>
+              <a:rPr lang="en-US" dirty="0" err="1" smtClean="0"/>
+              <a:t>quaisquer</a:t>
+            </a:r>
+            <a:r>
+              <a:rPr lang="en-US" dirty="0" smtClean="0"/>
+              <a:t> outros </a:t>
+            </a:r>
+            <a:r>
+              <a:rPr lang="en-US" dirty="0" err="1" smtClean="0"/>
+              <a:t>objetos</a:t>
+            </a:r>
+            <a:r>
+              <a:rPr lang="en-US" dirty="0" smtClean="0"/>
+              <a:t> </a:t>
+            </a:r>
+            <a:r>
+              <a:rPr lang="en-US" dirty="0" err="1" smtClean="0"/>
+              <a:t>na</a:t>
+            </a:r>
+            <a:r>
+              <a:rPr lang="en-US" dirty="0" smtClean="0"/>
+              <a:t> JVM. </a:t>
+            </a:r>
+            <a:r>
+              <a:rPr lang="en-US" dirty="0" err="1" smtClean="0"/>
+              <a:t>Isso</a:t>
+            </a:r>
+            <a:r>
+              <a:rPr lang="en-US" dirty="0" smtClean="0"/>
+              <a:t> </a:t>
+            </a:r>
+            <a:r>
+              <a:rPr lang="en-US" dirty="0" err="1" smtClean="0"/>
+              <a:t>é</a:t>
+            </a:r>
+            <a:r>
+              <a:rPr lang="en-US" dirty="0" smtClean="0"/>
+              <a:t> </a:t>
+            </a:r>
+            <a:r>
+              <a:rPr lang="en-US" dirty="0" err="1" smtClean="0"/>
+              <a:t>definido</a:t>
+            </a:r>
+            <a:r>
+              <a:rPr lang="en-US" dirty="0" smtClean="0"/>
+              <a:t> </a:t>
+            </a:r>
+            <a:r>
+              <a:rPr lang="en-US" dirty="0" err="1" smtClean="0"/>
+              <a:t>pelo</a:t>
+            </a:r>
+            <a:r>
+              <a:rPr lang="en-US" dirty="0" smtClean="0"/>
+              <a:t> </a:t>
+            </a:r>
+            <a:r>
+              <a:rPr lang="en-US" dirty="0" err="1" smtClean="0"/>
+              <a:t>modificar</a:t>
+            </a:r>
+            <a:r>
+              <a:rPr lang="en-US" dirty="0" smtClean="0"/>
+              <a:t> </a:t>
+            </a:r>
+            <a:r>
+              <a:rPr lang="en-US" b="1" i="1" dirty="0" smtClean="0"/>
+              <a:t>public </a:t>
+            </a:r>
+            <a:r>
+              <a:rPr lang="en-US" dirty="0" err="1" smtClean="0"/>
+              <a:t>que</a:t>
+            </a:r>
+            <a:r>
+              <a:rPr lang="en-US" dirty="0" smtClean="0"/>
+              <a:t> antecede a </a:t>
+            </a:r>
+            <a:r>
+              <a:rPr lang="en-US" dirty="0" err="1" smtClean="0"/>
+              <a:t>declaração</a:t>
+            </a:r>
+            <a:r>
+              <a:rPr lang="en-US" dirty="0" smtClean="0"/>
+              <a:t> </a:t>
+            </a:r>
+            <a:r>
+              <a:rPr lang="en-US" dirty="0" err="1" smtClean="0"/>
+              <a:t>desses</a:t>
+            </a:r>
+            <a:r>
+              <a:rPr lang="en-US" dirty="0" smtClean="0"/>
+              <a:t> </a:t>
+            </a:r>
+            <a:r>
+              <a:rPr lang="en-US" dirty="0" err="1" smtClean="0"/>
+              <a:t>membros</a:t>
+            </a:r>
+            <a:r>
+              <a:rPr lang="en-US" dirty="0" smtClean="0"/>
+              <a:t>.</a:t>
+            </a:r>
+            <a:endParaRPr lang="en-US" dirty="0"/>
+          </a:p>
+        </p:txBody>
+      </p:sp>
+    </p:spTree>
+    <p:extLst>
+      <p:ext uri="{BB962C8B-B14F-4D97-AF65-F5344CB8AC3E}">
+        <p14:creationId xmlns:p14="http://schemas.microsoft.com/office/powerpoint/2010/main" val="1983222999"/>
+      </p:ext>
+    </p:extLst>
+  </p:cSld>
+  <p:clrMapOvr>
+    <a:masterClrMapping/>
+  </p:clrMapOvr>
+</p:sld>
+</file>
+
+<file path=ppt/slides/slide29.xml><?xml version="1.0" encoding="utf-8"?>
+<p:sld xmlns:a="http://schemas.openxmlformats.org/drawingml/2006/main" xmlns:r="http://schemas.openxmlformats.org/officeDocument/2006/relationships" xmlns:p="http://schemas.openxmlformats.org/presentationml/2006/main">
+  <p:cSld>
+    <p:spTree>
+      <p:nvGrpSpPr>
+        <p:cNvPr id="1" name=""/>
+        <p:cNvGrpSpPr/>
+        <p:nvPr/>
+      </p:nvGrpSpPr>
+      <p:grpSpPr>
+        <a:xfrm>
+          <a:off x="0" y="0"/>
+          <a:ext cx="0" cy="0"/>
+          <a:chOff x="0" y="0"/>
+          <a:chExt cx="0" cy="0"/>
+        </a:xfrm>
+      </p:grpSpPr>
+      <p:sp>
+        <p:nvSpPr>
+          <p:cNvPr id="2" name="Title 1"/>
+          <p:cNvSpPr>
+            <a:spLocks noGrp="1"/>
+          </p:cNvSpPr>
+          <p:nvPr>
+            <p:ph type="title"/>
+          </p:nvPr>
+        </p:nvSpPr>
+        <p:spPr/>
+        <p:txBody>
+          <a:bodyPr>
+            <a:normAutofit fontScale="90000"/>
+          </a:bodyPr>
+          <a:lstStyle/>
+          <a:p>
+            <a:r>
+              <a:rPr lang="en-US" dirty="0" err="1" smtClean="0"/>
+              <a:t>Acessibilidade</a:t>
+            </a:r>
+            <a:r>
+              <a:rPr lang="en-US" dirty="0" smtClean="0"/>
+              <a:t> dos </a:t>
+            </a:r>
+            <a:r>
+              <a:rPr lang="en-US" dirty="0" err="1" smtClean="0"/>
+              <a:t>membros</a:t>
+            </a:r>
+            <a:r>
+              <a:rPr lang="en-US" dirty="0" smtClean="0"/>
+              <a:t> de </a:t>
+            </a:r>
+            <a:r>
+              <a:rPr lang="en-US" dirty="0" err="1" smtClean="0"/>
+              <a:t>uma</a:t>
+            </a:r>
+            <a:r>
+              <a:rPr lang="en-US" dirty="0" smtClean="0"/>
+              <a:t> </a:t>
+            </a:r>
+            <a:r>
+              <a:rPr lang="en-US" dirty="0" err="1" smtClean="0"/>
+              <a:t>classe</a:t>
+            </a:r>
+            <a:endParaRPr lang="en-US" dirty="0"/>
+          </a:p>
+        </p:txBody>
+      </p:sp>
+      <p:pic>
+        <p:nvPicPr>
+          <p:cNvPr id="4" name="Picture 3"/>
+          <p:cNvPicPr>
+            <a:picLocks noChangeAspect="1"/>
+          </p:cNvPicPr>
+          <p:nvPr/>
+        </p:nvPicPr>
+        <p:blipFill>
+          <a:blip r:embed="rId2"/>
+          <a:stretch>
+            <a:fillRect/>
+          </a:stretch>
+        </p:blipFill>
+        <p:spPr>
+          <a:xfrm>
+            <a:off x="457200" y="2188616"/>
+            <a:ext cx="8367088" cy="3208009"/>
+          </a:xfrm>
+          <a:prstGeom prst="rect">
+            <a:avLst/>
+          </a:prstGeom>
+        </p:spPr>
+      </p:pic>
+    </p:spTree>
+    <p:extLst>
+      <p:ext uri="{BB962C8B-B14F-4D97-AF65-F5344CB8AC3E}">
+        <p14:creationId xmlns:p14="http://schemas.microsoft.com/office/powerpoint/2010/main" val="1558590240"/>
       </p:ext>
     </p:extLst>
   </p:cSld>
@@ -11323,6 +12531,2046 @@
       </p:par>
     </p:tnLst>
   </p:timing>
+</p:sld>
+</file>
+
+<file path=ppt/slides/slide30.xml><?xml version="1.0" encoding="utf-8"?>
+<p:sld xmlns:a="http://schemas.openxmlformats.org/drawingml/2006/main" xmlns:r="http://schemas.openxmlformats.org/officeDocument/2006/relationships" xmlns:p="http://schemas.openxmlformats.org/presentationml/2006/main">
+  <p:cSld>
+    <p:spTree>
+      <p:nvGrpSpPr>
+        <p:cNvPr id="1" name=""/>
+        <p:cNvGrpSpPr/>
+        <p:nvPr/>
+      </p:nvGrpSpPr>
+      <p:grpSpPr>
+        <a:xfrm>
+          <a:off x="0" y="0"/>
+          <a:ext cx="0" cy="0"/>
+          <a:chOff x="0" y="0"/>
+          <a:chExt cx="0" cy="0"/>
+        </a:xfrm>
+      </p:grpSpPr>
+      <p:sp>
+        <p:nvSpPr>
+          <p:cNvPr id="2" name="Title 1"/>
+          <p:cNvSpPr>
+            <a:spLocks noGrp="1"/>
+          </p:cNvSpPr>
+          <p:nvPr>
+            <p:ph type="title"/>
+          </p:nvPr>
+        </p:nvSpPr>
+        <p:spPr/>
+        <p:txBody>
+          <a:bodyPr>
+            <a:normAutofit fontScale="90000"/>
+          </a:bodyPr>
+          <a:lstStyle/>
+          <a:p>
+            <a:r>
+              <a:rPr lang="en-US" dirty="0" err="1" smtClean="0"/>
+              <a:t>Acessibilidade</a:t>
+            </a:r>
+            <a:r>
+              <a:rPr lang="en-US" dirty="0" smtClean="0"/>
+              <a:t> dos </a:t>
+            </a:r>
+            <a:r>
+              <a:rPr lang="en-US" dirty="0" err="1" smtClean="0"/>
+              <a:t>membros</a:t>
+            </a:r>
+            <a:r>
+              <a:rPr lang="en-US" dirty="0" smtClean="0"/>
+              <a:t> de </a:t>
+            </a:r>
+            <a:r>
+              <a:rPr lang="en-US" dirty="0" err="1" smtClean="0"/>
+              <a:t>uma</a:t>
+            </a:r>
+            <a:r>
+              <a:rPr lang="en-US" dirty="0" smtClean="0"/>
+              <a:t> </a:t>
+            </a:r>
+            <a:r>
+              <a:rPr lang="en-US" dirty="0" err="1" smtClean="0"/>
+              <a:t>classe</a:t>
+            </a:r>
+            <a:endParaRPr lang="en-US" dirty="0"/>
+          </a:p>
+        </p:txBody>
+      </p:sp>
+      <p:pic>
+        <p:nvPicPr>
+          <p:cNvPr id="3" name="Picture 2"/>
+          <p:cNvPicPr>
+            <a:picLocks noChangeAspect="1"/>
+          </p:cNvPicPr>
+          <p:nvPr/>
+        </p:nvPicPr>
+        <p:blipFill>
+          <a:blip r:embed="rId2"/>
+          <a:stretch>
+            <a:fillRect/>
+          </a:stretch>
+        </p:blipFill>
+        <p:spPr>
+          <a:xfrm>
+            <a:off x="182323" y="2108199"/>
+            <a:ext cx="8867093" cy="3390359"/>
+          </a:xfrm>
+          <a:prstGeom prst="rect">
+            <a:avLst/>
+          </a:prstGeom>
+        </p:spPr>
+      </p:pic>
+    </p:spTree>
+    <p:extLst>
+      <p:ext uri="{BB962C8B-B14F-4D97-AF65-F5344CB8AC3E}">
+        <p14:creationId xmlns:p14="http://schemas.microsoft.com/office/powerpoint/2010/main" val="3040606519"/>
+      </p:ext>
+    </p:extLst>
+  </p:cSld>
+  <p:clrMapOvr>
+    <a:masterClrMapping/>
+  </p:clrMapOvr>
+</p:sld>
+</file>
+
+<file path=ppt/slides/slide31.xml><?xml version="1.0" encoding="utf-8"?>
+<p:sld xmlns:a="http://schemas.openxmlformats.org/drawingml/2006/main" xmlns:r="http://schemas.openxmlformats.org/officeDocument/2006/relationships" xmlns:p="http://schemas.openxmlformats.org/presentationml/2006/main">
+  <p:cSld>
+    <p:spTree>
+      <p:nvGrpSpPr>
+        <p:cNvPr id="1" name=""/>
+        <p:cNvGrpSpPr/>
+        <p:nvPr/>
+      </p:nvGrpSpPr>
+      <p:grpSpPr>
+        <a:xfrm>
+          <a:off x="0" y="0"/>
+          <a:ext cx="0" cy="0"/>
+          <a:chOff x="0" y="0"/>
+          <a:chExt cx="0" cy="0"/>
+        </a:xfrm>
+      </p:grpSpPr>
+      <p:sp>
+        <p:nvSpPr>
+          <p:cNvPr id="2" name="Title 1"/>
+          <p:cNvSpPr>
+            <a:spLocks noGrp="1"/>
+          </p:cNvSpPr>
+          <p:nvPr>
+            <p:ph type="title"/>
+          </p:nvPr>
+        </p:nvSpPr>
+        <p:spPr/>
+        <p:txBody>
+          <a:bodyPr>
+            <a:normAutofit fontScale="90000"/>
+          </a:bodyPr>
+          <a:lstStyle/>
+          <a:p>
+            <a:r>
+              <a:rPr lang="en-US" dirty="0" err="1" smtClean="0"/>
+              <a:t>Acessibilidade</a:t>
+            </a:r>
+            <a:r>
+              <a:rPr lang="en-US" dirty="0" smtClean="0"/>
+              <a:t> dos </a:t>
+            </a:r>
+            <a:r>
+              <a:rPr lang="en-US" dirty="0" err="1" smtClean="0"/>
+              <a:t>membros</a:t>
+            </a:r>
+            <a:r>
+              <a:rPr lang="en-US" dirty="0" smtClean="0"/>
+              <a:t> de </a:t>
+            </a:r>
+            <a:r>
+              <a:rPr lang="en-US" dirty="0" err="1" smtClean="0"/>
+              <a:t>uma</a:t>
+            </a:r>
+            <a:r>
+              <a:rPr lang="en-US" dirty="0" smtClean="0"/>
+              <a:t> </a:t>
+            </a:r>
+            <a:r>
+              <a:rPr lang="en-US" dirty="0" err="1" smtClean="0"/>
+              <a:t>classe</a:t>
+            </a:r>
+            <a:endParaRPr lang="en-US" dirty="0"/>
+          </a:p>
+        </p:txBody>
+      </p:sp>
+      <p:sp>
+        <p:nvSpPr>
+          <p:cNvPr id="4" name="Content Placeholder 2"/>
+          <p:cNvSpPr>
+            <a:spLocks noGrp="1"/>
+          </p:cNvSpPr>
+          <p:nvPr>
+            <p:ph idx="1"/>
+          </p:nvPr>
+        </p:nvSpPr>
+        <p:spPr>
+          <a:xfrm>
+            <a:off x="457200" y="1600200"/>
+            <a:ext cx="8229600" cy="4525963"/>
+          </a:xfrm>
+        </p:spPr>
+        <p:txBody>
+          <a:bodyPr/>
+          <a:lstStyle/>
+          <a:p>
+            <a:r>
+              <a:rPr lang="en-US" dirty="0" err="1" smtClean="0"/>
+              <a:t>Algumas</a:t>
+            </a:r>
+            <a:r>
+              <a:rPr lang="en-US" dirty="0" smtClean="0"/>
+              <a:t> </a:t>
+            </a:r>
+            <a:r>
+              <a:rPr lang="en-US" dirty="0" err="1" smtClean="0"/>
+              <a:t>vezes</a:t>
+            </a:r>
+            <a:r>
+              <a:rPr lang="en-US" dirty="0" smtClean="0"/>
+              <a:t> </a:t>
+            </a:r>
+            <a:r>
+              <a:rPr lang="en-US" dirty="0" err="1" smtClean="0"/>
+              <a:t>precisamos</a:t>
+            </a:r>
+            <a:r>
+              <a:rPr lang="en-US" dirty="0" smtClean="0"/>
+              <a:t> </a:t>
+            </a:r>
+            <a:r>
+              <a:rPr lang="en-US" dirty="0" err="1" smtClean="0"/>
+              <a:t>evitar</a:t>
+            </a:r>
+            <a:r>
+              <a:rPr lang="en-US" dirty="0" smtClean="0"/>
+              <a:t> </a:t>
+            </a:r>
+            <a:r>
+              <a:rPr lang="en-US" dirty="0" err="1" smtClean="0"/>
+              <a:t>que</a:t>
+            </a:r>
+            <a:r>
+              <a:rPr lang="en-US" dirty="0" smtClean="0"/>
+              <a:t> </a:t>
+            </a:r>
+            <a:r>
+              <a:rPr lang="en-US" dirty="0" err="1" smtClean="0"/>
+              <a:t>valores</a:t>
+            </a:r>
+            <a:r>
+              <a:rPr lang="en-US" dirty="0" smtClean="0"/>
+              <a:t> </a:t>
+            </a:r>
+            <a:r>
+              <a:rPr lang="en-US" dirty="0" err="1" smtClean="0"/>
+              <a:t>inv</a:t>
+            </a:r>
+            <a:r>
+              <a:rPr lang="en-US" dirty="0" err="1" smtClean="0"/>
+              <a:t>álidos</a:t>
+            </a:r>
+            <a:r>
+              <a:rPr lang="en-US" dirty="0" smtClean="0"/>
+              <a:t> </a:t>
+            </a:r>
+            <a:r>
+              <a:rPr lang="en-US" dirty="0" err="1" smtClean="0"/>
+              <a:t>ou</a:t>
+            </a:r>
+            <a:r>
+              <a:rPr lang="en-US" dirty="0" smtClean="0"/>
+              <a:t> </a:t>
+            </a:r>
+            <a:r>
+              <a:rPr lang="en-US" dirty="0" err="1" smtClean="0"/>
+              <a:t>comportamentos</a:t>
+            </a:r>
+            <a:r>
+              <a:rPr lang="en-US" dirty="0" smtClean="0"/>
+              <a:t> </a:t>
+            </a:r>
+            <a:r>
+              <a:rPr lang="en-US" dirty="0" err="1" smtClean="0"/>
+              <a:t>inválidos</a:t>
+            </a:r>
+            <a:r>
+              <a:rPr lang="en-US" dirty="0" smtClean="0"/>
+              <a:t> </a:t>
+            </a:r>
+            <a:r>
+              <a:rPr lang="en-US" dirty="0" err="1" smtClean="0"/>
+              <a:t>sejam</a:t>
+            </a:r>
+            <a:r>
+              <a:rPr lang="en-US" dirty="0" smtClean="0"/>
+              <a:t> </a:t>
+            </a:r>
+            <a:r>
+              <a:rPr lang="en-US" dirty="0" err="1" smtClean="0"/>
+              <a:t>atribuídos</a:t>
+            </a:r>
+            <a:r>
+              <a:rPr lang="en-US" dirty="0"/>
+              <a:t> </a:t>
+            </a:r>
+            <a:r>
+              <a:rPr lang="en-US" dirty="0" err="1" smtClean="0"/>
+              <a:t>aos</a:t>
+            </a:r>
+            <a:r>
+              <a:rPr lang="en-US" dirty="0" smtClean="0"/>
+              <a:t> </a:t>
+            </a:r>
+            <a:r>
+              <a:rPr lang="en-US" dirty="0" err="1" smtClean="0"/>
+              <a:t>membros</a:t>
+            </a:r>
+            <a:r>
+              <a:rPr lang="en-US" dirty="0" smtClean="0"/>
+              <a:t> de </a:t>
+            </a:r>
+            <a:r>
+              <a:rPr lang="en-US" dirty="0" err="1" smtClean="0"/>
+              <a:t>uma</a:t>
+            </a:r>
+            <a:r>
+              <a:rPr lang="en-US" dirty="0" smtClean="0"/>
+              <a:t> </a:t>
+            </a:r>
+            <a:r>
+              <a:rPr lang="en-US" dirty="0" err="1" smtClean="0"/>
+              <a:t>classe</a:t>
+            </a:r>
+            <a:r>
+              <a:rPr lang="en-US" dirty="0" smtClean="0"/>
+              <a:t>. No </a:t>
+            </a:r>
+            <a:r>
+              <a:rPr lang="en-US" dirty="0" err="1" smtClean="0"/>
+              <a:t>exemplo</a:t>
+            </a:r>
+            <a:r>
+              <a:rPr lang="en-US" dirty="0" smtClean="0"/>
+              <a:t> </a:t>
+            </a:r>
+            <a:r>
+              <a:rPr lang="en-US" dirty="0" err="1" smtClean="0"/>
+              <a:t>uma</a:t>
+            </a:r>
+            <a:r>
+              <a:rPr lang="en-US" dirty="0" smtClean="0"/>
+              <a:t> nota </a:t>
+            </a:r>
+            <a:r>
+              <a:rPr lang="en-US" dirty="0" err="1" smtClean="0"/>
+              <a:t>jamais</a:t>
+            </a:r>
+            <a:r>
+              <a:rPr lang="en-US" dirty="0" smtClean="0"/>
+              <a:t> </a:t>
+            </a:r>
+            <a:r>
+              <a:rPr lang="en-US" dirty="0" err="1" smtClean="0"/>
+              <a:t>poderia</a:t>
+            </a:r>
+            <a:r>
+              <a:rPr lang="en-US" dirty="0" smtClean="0"/>
+              <a:t> </a:t>
+            </a:r>
+            <a:r>
+              <a:rPr lang="en-US" dirty="0" err="1" smtClean="0"/>
+              <a:t>ser</a:t>
+            </a:r>
+            <a:r>
+              <a:rPr lang="en-US" dirty="0" smtClean="0"/>
+              <a:t> </a:t>
+            </a:r>
+            <a:r>
+              <a:rPr lang="en-US" dirty="0" err="1" smtClean="0"/>
+              <a:t>negativa</a:t>
+            </a:r>
+            <a:r>
+              <a:rPr lang="en-US" dirty="0" smtClean="0"/>
+              <a:t> </a:t>
+            </a:r>
+            <a:r>
+              <a:rPr lang="en-US" dirty="0" err="1" smtClean="0"/>
+              <a:t>ou</a:t>
+            </a:r>
+            <a:r>
+              <a:rPr lang="en-US" dirty="0" smtClean="0"/>
+              <a:t> </a:t>
+            </a:r>
+            <a:r>
+              <a:rPr lang="en-US" dirty="0" err="1" smtClean="0"/>
+              <a:t>maior</a:t>
+            </a:r>
+            <a:r>
+              <a:rPr lang="en-US" dirty="0" smtClean="0"/>
+              <a:t> </a:t>
+            </a:r>
+            <a:r>
+              <a:rPr lang="en-US" dirty="0" err="1" smtClean="0"/>
+              <a:t>que</a:t>
+            </a:r>
+            <a:r>
+              <a:rPr lang="en-US" dirty="0" smtClean="0"/>
+              <a:t> </a:t>
+            </a:r>
+            <a:r>
+              <a:rPr lang="en-US" dirty="0" err="1" smtClean="0"/>
+              <a:t>dez</a:t>
+            </a:r>
+            <a:r>
+              <a:rPr lang="en-US" dirty="0" smtClean="0"/>
+              <a:t>. Como </a:t>
+            </a:r>
+            <a:r>
+              <a:rPr lang="en-US" dirty="0" err="1" smtClean="0"/>
+              <a:t>os</a:t>
+            </a:r>
+            <a:r>
+              <a:rPr lang="en-US" dirty="0" smtClean="0"/>
+              <a:t> </a:t>
+            </a:r>
+            <a:r>
+              <a:rPr lang="en-US" dirty="0" err="1" smtClean="0"/>
+              <a:t>membros</a:t>
+            </a:r>
+            <a:r>
+              <a:rPr lang="en-US" dirty="0" smtClean="0"/>
+              <a:t> da </a:t>
+            </a:r>
+            <a:r>
+              <a:rPr lang="en-US" dirty="0" err="1" smtClean="0"/>
+              <a:t>classe</a:t>
+            </a:r>
+            <a:r>
+              <a:rPr lang="en-US" dirty="0" smtClean="0"/>
+              <a:t> </a:t>
+            </a:r>
+            <a:r>
+              <a:rPr lang="en-US" dirty="0" err="1" smtClean="0"/>
+              <a:t>Avaliacao</a:t>
+            </a:r>
+            <a:r>
+              <a:rPr lang="en-US" dirty="0" smtClean="0"/>
+              <a:t> </a:t>
+            </a:r>
+            <a:r>
+              <a:rPr lang="en-US" dirty="0" err="1" smtClean="0"/>
+              <a:t>são</a:t>
+            </a:r>
+            <a:r>
+              <a:rPr lang="en-US" dirty="0" smtClean="0"/>
+              <a:t> </a:t>
+            </a:r>
+            <a:r>
+              <a:rPr lang="en-US" dirty="0" err="1" smtClean="0"/>
+              <a:t>todos</a:t>
+            </a:r>
+            <a:r>
+              <a:rPr lang="en-US" dirty="0" smtClean="0"/>
+              <a:t> </a:t>
+            </a:r>
+            <a:r>
+              <a:rPr lang="en-US" dirty="0" err="1" smtClean="0"/>
+              <a:t>públicos</a:t>
+            </a:r>
+            <a:r>
+              <a:rPr lang="en-US" dirty="0" smtClean="0"/>
+              <a:t>, a </a:t>
+            </a:r>
+            <a:r>
+              <a:rPr lang="en-US" dirty="0" err="1" smtClean="0"/>
+              <a:t>consistência</a:t>
+            </a:r>
+            <a:r>
+              <a:rPr lang="en-US" dirty="0" smtClean="0"/>
+              <a:t> dos </a:t>
+            </a:r>
+            <a:r>
+              <a:rPr lang="en-US" dirty="0" err="1" smtClean="0"/>
+              <a:t>objetos</a:t>
+            </a:r>
+            <a:r>
+              <a:rPr lang="en-US" dirty="0" smtClean="0"/>
+              <a:t> </a:t>
+            </a:r>
+            <a:r>
+              <a:rPr lang="en-US" dirty="0" err="1" smtClean="0"/>
+              <a:t>é</a:t>
+            </a:r>
+            <a:r>
+              <a:rPr lang="en-US" dirty="0" smtClean="0"/>
+              <a:t> </a:t>
+            </a:r>
+            <a:r>
+              <a:rPr lang="en-US" dirty="0" err="1" smtClean="0"/>
+              <a:t>muito</a:t>
+            </a:r>
+            <a:r>
+              <a:rPr lang="en-US" dirty="0" smtClean="0"/>
+              <a:t> </a:t>
+            </a:r>
+            <a:r>
+              <a:rPr lang="en-US" dirty="0" err="1" smtClean="0"/>
+              <a:t>frágil</a:t>
+            </a:r>
+            <a:r>
+              <a:rPr lang="en-US" dirty="0" smtClean="0"/>
+              <a:t>.</a:t>
+            </a:r>
+            <a:endParaRPr lang="en-US" dirty="0"/>
+          </a:p>
+        </p:txBody>
+      </p:sp>
+    </p:spTree>
+    <p:extLst>
+      <p:ext uri="{BB962C8B-B14F-4D97-AF65-F5344CB8AC3E}">
+        <p14:creationId xmlns:p14="http://schemas.microsoft.com/office/powerpoint/2010/main" val="85697686"/>
+      </p:ext>
+    </p:extLst>
+  </p:cSld>
+  <p:clrMapOvr>
+    <a:masterClrMapping/>
+  </p:clrMapOvr>
+</p:sld>
+</file>
+
+<file path=ppt/slides/slide32.xml><?xml version="1.0" encoding="utf-8"?>
+<p:sld xmlns:a="http://schemas.openxmlformats.org/drawingml/2006/main" xmlns:r="http://schemas.openxmlformats.org/officeDocument/2006/relationships" xmlns:p="http://schemas.openxmlformats.org/presentationml/2006/main">
+  <p:cSld>
+    <p:spTree>
+      <p:nvGrpSpPr>
+        <p:cNvPr id="1" name=""/>
+        <p:cNvGrpSpPr/>
+        <p:nvPr/>
+      </p:nvGrpSpPr>
+      <p:grpSpPr>
+        <a:xfrm>
+          <a:off x="0" y="0"/>
+          <a:ext cx="0" cy="0"/>
+          <a:chOff x="0" y="0"/>
+          <a:chExt cx="0" cy="0"/>
+        </a:xfrm>
+      </p:grpSpPr>
+      <p:sp>
+        <p:nvSpPr>
+          <p:cNvPr id="2" name="Title 1"/>
+          <p:cNvSpPr>
+            <a:spLocks noGrp="1"/>
+          </p:cNvSpPr>
+          <p:nvPr>
+            <p:ph type="title"/>
+          </p:nvPr>
+        </p:nvSpPr>
+        <p:spPr/>
+        <p:txBody>
+          <a:bodyPr>
+            <a:normAutofit fontScale="90000"/>
+          </a:bodyPr>
+          <a:lstStyle/>
+          <a:p>
+            <a:r>
+              <a:rPr lang="en-US" dirty="0" err="1"/>
+              <a:t>Acessibilidade</a:t>
+            </a:r>
+            <a:r>
+              <a:rPr lang="en-US" dirty="0"/>
+              <a:t> dos </a:t>
+            </a:r>
+            <a:r>
+              <a:rPr lang="en-US" dirty="0" err="1"/>
+              <a:t>membros</a:t>
+            </a:r>
+            <a:r>
+              <a:rPr lang="en-US" dirty="0"/>
+              <a:t> de </a:t>
+            </a:r>
+            <a:r>
+              <a:rPr lang="en-US" dirty="0" err="1"/>
+              <a:t>uma</a:t>
+            </a:r>
+            <a:r>
+              <a:rPr lang="en-US" dirty="0"/>
+              <a:t> </a:t>
+            </a:r>
+            <a:r>
+              <a:rPr lang="en-US" dirty="0" err="1"/>
+              <a:t>classe</a:t>
+            </a:r>
+            <a:endParaRPr lang="en-US" dirty="0"/>
+          </a:p>
+        </p:txBody>
+      </p:sp>
+      <p:sp>
+        <p:nvSpPr>
+          <p:cNvPr id="3" name="Content Placeholder 2"/>
+          <p:cNvSpPr>
+            <a:spLocks noGrp="1"/>
+          </p:cNvSpPr>
+          <p:nvPr>
+            <p:ph idx="1"/>
+          </p:nvPr>
+        </p:nvSpPr>
+        <p:spPr/>
+        <p:txBody>
+          <a:bodyPr/>
+          <a:lstStyle/>
+          <a:p>
+            <a:r>
+              <a:rPr lang="en-US" dirty="0" smtClean="0"/>
+              <a:t>Para </a:t>
+            </a:r>
+            <a:r>
+              <a:rPr lang="en-US" dirty="0" err="1" smtClean="0"/>
+              <a:t>contornar</a:t>
+            </a:r>
+            <a:r>
+              <a:rPr lang="en-US" dirty="0" smtClean="0"/>
+              <a:t> </a:t>
+            </a:r>
+            <a:r>
+              <a:rPr lang="en-US" dirty="0" err="1" smtClean="0"/>
+              <a:t>isso</a:t>
+            </a:r>
+            <a:r>
+              <a:rPr lang="en-US" dirty="0" smtClean="0"/>
+              <a:t>, a </a:t>
+            </a:r>
+            <a:r>
+              <a:rPr lang="en-US" dirty="0" err="1" smtClean="0"/>
+              <a:t>Orienta</a:t>
+            </a:r>
+            <a:r>
+              <a:rPr lang="en-US" dirty="0" err="1" smtClean="0"/>
+              <a:t>ção</a:t>
+            </a:r>
+            <a:r>
+              <a:rPr lang="en-US" dirty="0" smtClean="0"/>
+              <a:t> a </a:t>
+            </a:r>
+            <a:r>
+              <a:rPr lang="en-US" dirty="0" err="1" smtClean="0"/>
+              <a:t>Objetos</a:t>
+            </a:r>
+            <a:r>
+              <a:rPr lang="en-US" dirty="0" smtClean="0"/>
+              <a:t> define </a:t>
+            </a:r>
+            <a:r>
+              <a:rPr lang="en-US" dirty="0" err="1" smtClean="0"/>
+              <a:t>outras</a:t>
+            </a:r>
+            <a:r>
+              <a:rPr lang="en-US" dirty="0" smtClean="0"/>
+              <a:t> </a:t>
+            </a:r>
+            <a:r>
+              <a:rPr lang="en-US" dirty="0" err="1" smtClean="0"/>
+              <a:t>formas</a:t>
+            </a:r>
+            <a:r>
+              <a:rPr lang="en-US" dirty="0" smtClean="0"/>
+              <a:t> de </a:t>
+            </a:r>
+            <a:r>
+              <a:rPr lang="en-US" dirty="0" err="1" smtClean="0"/>
+              <a:t>acessibilidade</a:t>
+            </a:r>
+            <a:r>
+              <a:rPr lang="en-US" dirty="0" smtClean="0"/>
+              <a:t> </a:t>
+            </a:r>
+            <a:r>
+              <a:rPr lang="en-US" dirty="0" err="1" smtClean="0"/>
+              <a:t>aos</a:t>
+            </a:r>
+            <a:r>
+              <a:rPr lang="en-US" dirty="0" smtClean="0"/>
+              <a:t> </a:t>
+            </a:r>
+            <a:r>
+              <a:rPr lang="en-US" dirty="0" err="1" smtClean="0"/>
+              <a:t>membros</a:t>
+            </a:r>
+            <a:r>
+              <a:rPr lang="en-US" dirty="0" smtClean="0"/>
+              <a:t> de </a:t>
+            </a:r>
+            <a:r>
+              <a:rPr lang="en-US" dirty="0" err="1" smtClean="0"/>
+              <a:t>uma</a:t>
+            </a:r>
+            <a:r>
+              <a:rPr lang="en-US" dirty="0" smtClean="0"/>
+              <a:t> </a:t>
+            </a:r>
+            <a:r>
+              <a:rPr lang="en-US" dirty="0" err="1" smtClean="0"/>
+              <a:t>classe</a:t>
+            </a:r>
+            <a:r>
+              <a:rPr lang="en-US" dirty="0" smtClean="0"/>
+              <a:t>, </a:t>
+            </a:r>
+            <a:r>
+              <a:rPr lang="en-US" dirty="0" err="1" smtClean="0"/>
+              <a:t>através</a:t>
+            </a:r>
+            <a:r>
+              <a:rPr lang="en-US" dirty="0" smtClean="0"/>
+              <a:t> dos </a:t>
+            </a:r>
+            <a:r>
+              <a:rPr lang="en-US" dirty="0" err="1" smtClean="0"/>
+              <a:t>modificadores</a:t>
+            </a:r>
+            <a:r>
+              <a:rPr lang="en-US" dirty="0" smtClean="0"/>
+              <a:t> </a:t>
+            </a:r>
+            <a:r>
+              <a:rPr lang="en-US" b="1" dirty="0" smtClean="0"/>
+              <a:t>final</a:t>
+            </a:r>
+            <a:r>
+              <a:rPr lang="en-US" dirty="0" smtClean="0"/>
+              <a:t>, </a:t>
+            </a:r>
+            <a:r>
+              <a:rPr lang="en-US" b="1" dirty="0" smtClean="0"/>
+              <a:t>protected</a:t>
+            </a:r>
+            <a:r>
+              <a:rPr lang="en-US" dirty="0" smtClean="0"/>
+              <a:t>, e </a:t>
+            </a:r>
+            <a:r>
+              <a:rPr lang="en-US" b="1" dirty="0" smtClean="0"/>
+              <a:t>private</a:t>
+            </a:r>
+            <a:r>
+              <a:rPr lang="en-US" dirty="0" smtClean="0"/>
+              <a:t>. </a:t>
+            </a:r>
+            <a:r>
+              <a:rPr lang="en-US" dirty="0" err="1" smtClean="0"/>
+              <a:t>Através</a:t>
+            </a:r>
+            <a:r>
+              <a:rPr lang="en-US" dirty="0" smtClean="0"/>
+              <a:t> </a:t>
+            </a:r>
+            <a:r>
+              <a:rPr lang="en-US" dirty="0" err="1" smtClean="0"/>
+              <a:t>desses</a:t>
+            </a:r>
+            <a:r>
+              <a:rPr lang="en-US" dirty="0" smtClean="0"/>
+              <a:t> </a:t>
+            </a:r>
+            <a:r>
+              <a:rPr lang="en-US" dirty="0" err="1" smtClean="0"/>
+              <a:t>modificadores</a:t>
+            </a:r>
+            <a:r>
+              <a:rPr lang="en-US" dirty="0" smtClean="0"/>
+              <a:t>, o </a:t>
+            </a:r>
+            <a:r>
+              <a:rPr lang="en-US" dirty="0" err="1" smtClean="0"/>
+              <a:t>programador</a:t>
+            </a:r>
+            <a:r>
+              <a:rPr lang="en-US" dirty="0"/>
+              <a:t> </a:t>
+            </a:r>
+            <a:r>
+              <a:rPr lang="en-US" dirty="0" err="1" smtClean="0"/>
+              <a:t>pode</a:t>
+            </a:r>
+            <a:r>
+              <a:rPr lang="en-US" dirty="0" smtClean="0"/>
+              <a:t> </a:t>
+            </a:r>
+            <a:r>
+              <a:rPr lang="en-US" dirty="0" err="1" smtClean="0"/>
+              <a:t>encapsular</a:t>
+            </a:r>
+            <a:r>
+              <a:rPr lang="en-US" dirty="0" smtClean="0"/>
+              <a:t> </a:t>
+            </a:r>
+            <a:r>
+              <a:rPr lang="en-US" dirty="0" err="1" smtClean="0"/>
+              <a:t>os</a:t>
+            </a:r>
+            <a:r>
+              <a:rPr lang="en-US" dirty="0" smtClean="0"/>
+              <a:t> </a:t>
+            </a:r>
+            <a:r>
+              <a:rPr lang="en-US" dirty="0" err="1" smtClean="0"/>
+              <a:t>membros</a:t>
+            </a:r>
+            <a:r>
+              <a:rPr lang="en-US" dirty="0" smtClean="0"/>
+              <a:t> de </a:t>
+            </a:r>
+            <a:r>
+              <a:rPr lang="en-US" dirty="0" err="1" smtClean="0"/>
+              <a:t>uma</a:t>
+            </a:r>
+            <a:r>
+              <a:rPr lang="en-US" dirty="0" smtClean="0"/>
+              <a:t> </a:t>
+            </a:r>
+            <a:r>
+              <a:rPr lang="en-US" dirty="0" err="1" smtClean="0"/>
+              <a:t>classe</a:t>
+            </a:r>
+            <a:r>
+              <a:rPr lang="en-US" dirty="0" smtClean="0"/>
+              <a:t>, de forma a </a:t>
+            </a:r>
+            <a:r>
+              <a:rPr lang="en-US" dirty="0" err="1" smtClean="0"/>
+              <a:t>garantir</a:t>
+            </a:r>
+            <a:r>
+              <a:rPr lang="en-US" dirty="0" smtClean="0"/>
+              <a:t> a </a:t>
+            </a:r>
+            <a:r>
+              <a:rPr lang="en-US" dirty="0" err="1" smtClean="0"/>
+              <a:t>sua</a:t>
+            </a:r>
+            <a:r>
+              <a:rPr lang="en-US" dirty="0" smtClean="0"/>
+              <a:t> </a:t>
+            </a:r>
+            <a:r>
+              <a:rPr lang="en-US" dirty="0" err="1" smtClean="0"/>
+              <a:t>consistência</a:t>
+            </a:r>
+            <a:endParaRPr lang="en-US" dirty="0"/>
+          </a:p>
+        </p:txBody>
+      </p:sp>
+    </p:spTree>
+    <p:extLst>
+      <p:ext uri="{BB962C8B-B14F-4D97-AF65-F5344CB8AC3E}">
+        <p14:creationId xmlns:p14="http://schemas.microsoft.com/office/powerpoint/2010/main" val="2249282312"/>
+      </p:ext>
+    </p:extLst>
+  </p:cSld>
+  <p:clrMapOvr>
+    <a:masterClrMapping/>
+  </p:clrMapOvr>
+</p:sld>
+</file>
+
+<file path=ppt/slides/slide33.xml><?xml version="1.0" encoding="utf-8"?>
+<p:sld xmlns:a="http://schemas.openxmlformats.org/drawingml/2006/main" xmlns:r="http://schemas.openxmlformats.org/officeDocument/2006/relationships" xmlns:p="http://schemas.openxmlformats.org/presentationml/2006/main">
+  <p:cSld>
+    <p:spTree>
+      <p:nvGrpSpPr>
+        <p:cNvPr id="1" name=""/>
+        <p:cNvGrpSpPr/>
+        <p:nvPr/>
+      </p:nvGrpSpPr>
+      <p:grpSpPr>
+        <a:xfrm>
+          <a:off x="0" y="0"/>
+          <a:ext cx="0" cy="0"/>
+          <a:chOff x="0" y="0"/>
+          <a:chExt cx="0" cy="0"/>
+        </a:xfrm>
+      </p:grpSpPr>
+      <p:sp>
+        <p:nvSpPr>
+          <p:cNvPr id="2" name="Title 1"/>
+          <p:cNvSpPr>
+            <a:spLocks noGrp="1"/>
+          </p:cNvSpPr>
+          <p:nvPr>
+            <p:ph type="title"/>
+          </p:nvPr>
+        </p:nvSpPr>
+        <p:spPr/>
+        <p:txBody>
+          <a:bodyPr>
+            <a:normAutofit fontScale="90000"/>
+          </a:bodyPr>
+          <a:lstStyle/>
+          <a:p>
+            <a:r>
+              <a:rPr lang="en-US" dirty="0" err="1"/>
+              <a:t>Acessibilidade</a:t>
+            </a:r>
+            <a:r>
+              <a:rPr lang="en-US" dirty="0"/>
+              <a:t> dos </a:t>
+            </a:r>
+            <a:r>
+              <a:rPr lang="en-US" dirty="0" err="1"/>
+              <a:t>membros</a:t>
+            </a:r>
+            <a:r>
+              <a:rPr lang="en-US" dirty="0"/>
+              <a:t> de </a:t>
+            </a:r>
+            <a:r>
+              <a:rPr lang="en-US" dirty="0" err="1"/>
+              <a:t>uma</a:t>
+            </a:r>
+            <a:r>
+              <a:rPr lang="en-US" dirty="0"/>
+              <a:t> </a:t>
+            </a:r>
+            <a:r>
+              <a:rPr lang="en-US" dirty="0" err="1"/>
+              <a:t>classe</a:t>
+            </a:r>
+            <a:endParaRPr lang="en-US" dirty="0"/>
+          </a:p>
+        </p:txBody>
+      </p:sp>
+      <p:sp>
+        <p:nvSpPr>
+          <p:cNvPr id="3" name="Content Placeholder 2"/>
+          <p:cNvSpPr>
+            <a:spLocks noGrp="1"/>
+          </p:cNvSpPr>
+          <p:nvPr>
+            <p:ph idx="1"/>
+          </p:nvPr>
+        </p:nvSpPr>
+        <p:spPr/>
+        <p:txBody>
+          <a:bodyPr/>
+          <a:lstStyle/>
+          <a:p>
+            <a:r>
+              <a:rPr lang="en-US" dirty="0" err="1" smtClean="0"/>
+              <a:t>P</a:t>
+            </a:r>
+            <a:r>
+              <a:rPr lang="en-US" dirty="0" err="1" smtClean="0"/>
+              <a:t>úblico</a:t>
+            </a:r>
+            <a:r>
+              <a:rPr lang="en-US" dirty="0" smtClean="0"/>
+              <a:t> / </a:t>
+            </a:r>
+            <a:r>
+              <a:rPr lang="en-US" b="1" dirty="0" smtClean="0"/>
+              <a:t>public</a:t>
+            </a:r>
+          </a:p>
+          <a:p>
+            <a:pPr lvl="1"/>
+            <a:r>
+              <a:rPr lang="en-US" dirty="0" err="1" smtClean="0"/>
+              <a:t>É</a:t>
+            </a:r>
+            <a:r>
+              <a:rPr lang="en-US" dirty="0" smtClean="0"/>
+              <a:t> </a:t>
+            </a:r>
+            <a:r>
+              <a:rPr lang="en-US" dirty="0" err="1" smtClean="0"/>
+              <a:t>acessível</a:t>
+            </a:r>
+            <a:r>
+              <a:rPr lang="en-US" dirty="0" smtClean="0"/>
+              <a:t> </a:t>
+            </a:r>
+            <a:r>
+              <a:rPr lang="en-US" dirty="0" err="1" smtClean="0"/>
+              <a:t>por</a:t>
+            </a:r>
+            <a:r>
+              <a:rPr lang="en-US" dirty="0" smtClean="0"/>
+              <a:t> </a:t>
+            </a:r>
+            <a:r>
+              <a:rPr lang="en-US" dirty="0" err="1" smtClean="0"/>
+              <a:t>qualquer</a:t>
+            </a:r>
+            <a:r>
+              <a:rPr lang="en-US" dirty="0" smtClean="0"/>
+              <a:t> </a:t>
+            </a:r>
+            <a:r>
+              <a:rPr lang="en-US" dirty="0" err="1" smtClean="0"/>
+              <a:t>objeto</a:t>
+            </a:r>
+            <a:r>
+              <a:rPr lang="en-US" dirty="0" smtClean="0"/>
+              <a:t> </a:t>
+            </a:r>
+            <a:r>
+              <a:rPr lang="en-US" dirty="0" err="1" smtClean="0"/>
+              <a:t>instanciado</a:t>
+            </a:r>
+            <a:r>
+              <a:rPr lang="en-US" dirty="0" smtClean="0"/>
+              <a:t> </a:t>
+            </a:r>
+            <a:r>
+              <a:rPr lang="en-US" dirty="0" err="1" smtClean="0"/>
+              <a:t>na</a:t>
+            </a:r>
+            <a:r>
+              <a:rPr lang="en-US" dirty="0" smtClean="0"/>
+              <a:t> </a:t>
+            </a:r>
+            <a:r>
+              <a:rPr lang="en-US" dirty="0" err="1" smtClean="0"/>
+              <a:t>máquina</a:t>
+            </a:r>
+            <a:r>
+              <a:rPr lang="en-US" dirty="0" smtClean="0"/>
+              <a:t> virtual. </a:t>
+            </a:r>
+            <a:r>
+              <a:rPr lang="en-US" dirty="0" err="1" smtClean="0"/>
+              <a:t>Normalmente</a:t>
+            </a:r>
+            <a:r>
+              <a:rPr lang="en-US" dirty="0" smtClean="0"/>
+              <a:t> </a:t>
+            </a:r>
+            <a:r>
+              <a:rPr lang="en-US" dirty="0" err="1" smtClean="0"/>
+              <a:t>declaramos</a:t>
+            </a:r>
+            <a:r>
+              <a:rPr lang="en-US" dirty="0" smtClean="0"/>
+              <a:t> </a:t>
+            </a:r>
+            <a:r>
+              <a:rPr lang="en-US" dirty="0" err="1" smtClean="0"/>
+              <a:t>públicos</a:t>
+            </a:r>
+            <a:r>
+              <a:rPr lang="en-US" dirty="0" smtClean="0"/>
+              <a:t> </a:t>
+            </a:r>
+            <a:r>
+              <a:rPr lang="en-US" dirty="0" err="1" smtClean="0"/>
+              <a:t>apenas</a:t>
+            </a:r>
+            <a:r>
+              <a:rPr lang="en-US" dirty="0" smtClean="0"/>
+              <a:t> </a:t>
+            </a:r>
+            <a:r>
+              <a:rPr lang="en-US" dirty="0" err="1" smtClean="0"/>
+              <a:t>alguns</a:t>
+            </a:r>
+            <a:r>
+              <a:rPr lang="en-US" dirty="0" smtClean="0"/>
+              <a:t> </a:t>
+            </a:r>
+            <a:r>
+              <a:rPr lang="en-US" dirty="0" err="1" smtClean="0"/>
+              <a:t>métodos</a:t>
+            </a:r>
+            <a:r>
+              <a:rPr lang="en-US" dirty="0" smtClean="0"/>
+              <a:t> de </a:t>
+            </a:r>
+            <a:r>
+              <a:rPr lang="en-US" dirty="0" err="1" smtClean="0"/>
+              <a:t>uma</a:t>
+            </a:r>
+            <a:r>
+              <a:rPr lang="en-US" dirty="0" smtClean="0"/>
+              <a:t> </a:t>
+            </a:r>
+            <a:r>
+              <a:rPr lang="en-US" dirty="0" err="1" smtClean="0"/>
+              <a:t>classe</a:t>
+            </a:r>
+            <a:r>
+              <a:rPr lang="en-US" dirty="0" smtClean="0"/>
+              <a:t>. </a:t>
+            </a:r>
+            <a:r>
+              <a:rPr lang="en-US" dirty="0" err="1" smtClean="0"/>
+              <a:t>Os</a:t>
+            </a:r>
+            <a:r>
+              <a:rPr lang="en-US" dirty="0" smtClean="0"/>
+              <a:t> </a:t>
+            </a:r>
+            <a:r>
+              <a:rPr lang="en-US" dirty="0" err="1" smtClean="0"/>
+              <a:t>membros</a:t>
+            </a:r>
+            <a:r>
+              <a:rPr lang="en-US" dirty="0" smtClean="0"/>
+              <a:t> 	</a:t>
+            </a:r>
+            <a:r>
+              <a:rPr lang="en-US" dirty="0" err="1" smtClean="0"/>
+              <a:t>variáveis</a:t>
+            </a:r>
+            <a:r>
+              <a:rPr lang="en-US" dirty="0" smtClean="0"/>
+              <a:t> </a:t>
+            </a:r>
+            <a:r>
+              <a:rPr lang="en-US" dirty="0" err="1" smtClean="0"/>
+              <a:t>são</a:t>
+            </a:r>
+            <a:r>
+              <a:rPr lang="en-US" dirty="0" smtClean="0"/>
+              <a:t> </a:t>
+            </a:r>
+            <a:r>
+              <a:rPr lang="en-US" dirty="0" err="1" smtClean="0"/>
+              <a:t>todos</a:t>
+            </a:r>
+            <a:r>
+              <a:rPr lang="en-US" dirty="0" smtClean="0"/>
+              <a:t> </a:t>
+            </a:r>
+            <a:r>
+              <a:rPr lang="en-US" dirty="0" err="1" smtClean="0"/>
+              <a:t>declarados</a:t>
+            </a:r>
+            <a:r>
+              <a:rPr lang="en-US" dirty="0" smtClean="0"/>
+              <a:t> </a:t>
+            </a:r>
+            <a:r>
+              <a:rPr lang="en-US" dirty="0" err="1" smtClean="0"/>
+              <a:t>privados</a:t>
+            </a:r>
+            <a:r>
+              <a:rPr lang="en-US" dirty="0" smtClean="0"/>
+              <a:t>, salvo </a:t>
+            </a:r>
+            <a:r>
+              <a:rPr lang="en-US" dirty="0" err="1" smtClean="0"/>
+              <a:t>raras</a:t>
+            </a:r>
+            <a:r>
+              <a:rPr lang="en-US" dirty="0" smtClean="0"/>
+              <a:t> </a:t>
+            </a:r>
+            <a:r>
+              <a:rPr lang="en-US" dirty="0" err="1" smtClean="0"/>
+              <a:t>exceções</a:t>
+            </a:r>
+            <a:r>
+              <a:rPr lang="en-US" dirty="0" smtClean="0"/>
+              <a:t>.</a:t>
+            </a:r>
+            <a:endParaRPr lang="en-US" dirty="0"/>
+          </a:p>
+        </p:txBody>
+      </p:sp>
+    </p:spTree>
+    <p:extLst>
+      <p:ext uri="{BB962C8B-B14F-4D97-AF65-F5344CB8AC3E}">
+        <p14:creationId xmlns:p14="http://schemas.microsoft.com/office/powerpoint/2010/main" val="2372457818"/>
+      </p:ext>
+    </p:extLst>
+  </p:cSld>
+  <p:clrMapOvr>
+    <a:masterClrMapping/>
+  </p:clrMapOvr>
+</p:sld>
+</file>
+
+<file path=ppt/slides/slide34.xml><?xml version="1.0" encoding="utf-8"?>
+<p:sld xmlns:a="http://schemas.openxmlformats.org/drawingml/2006/main" xmlns:r="http://schemas.openxmlformats.org/officeDocument/2006/relationships" xmlns:p="http://schemas.openxmlformats.org/presentationml/2006/main">
+  <p:cSld>
+    <p:spTree>
+      <p:nvGrpSpPr>
+        <p:cNvPr id="1" name=""/>
+        <p:cNvGrpSpPr/>
+        <p:nvPr/>
+      </p:nvGrpSpPr>
+      <p:grpSpPr>
+        <a:xfrm>
+          <a:off x="0" y="0"/>
+          <a:ext cx="0" cy="0"/>
+          <a:chOff x="0" y="0"/>
+          <a:chExt cx="0" cy="0"/>
+        </a:xfrm>
+      </p:grpSpPr>
+      <p:sp>
+        <p:nvSpPr>
+          <p:cNvPr id="2" name="Title 1"/>
+          <p:cNvSpPr>
+            <a:spLocks noGrp="1"/>
+          </p:cNvSpPr>
+          <p:nvPr>
+            <p:ph type="title"/>
+          </p:nvPr>
+        </p:nvSpPr>
+        <p:spPr/>
+        <p:txBody>
+          <a:bodyPr>
+            <a:normAutofit fontScale="90000"/>
+          </a:bodyPr>
+          <a:lstStyle/>
+          <a:p>
+            <a:r>
+              <a:rPr lang="en-US" dirty="0" err="1"/>
+              <a:t>Acessibilidade</a:t>
+            </a:r>
+            <a:r>
+              <a:rPr lang="en-US" dirty="0"/>
+              <a:t> dos </a:t>
+            </a:r>
+            <a:r>
+              <a:rPr lang="en-US" dirty="0" err="1"/>
+              <a:t>membros</a:t>
+            </a:r>
+            <a:r>
+              <a:rPr lang="en-US" dirty="0"/>
+              <a:t> de </a:t>
+            </a:r>
+            <a:r>
+              <a:rPr lang="en-US" dirty="0" err="1"/>
+              <a:t>uma</a:t>
+            </a:r>
+            <a:r>
+              <a:rPr lang="en-US" dirty="0"/>
+              <a:t> </a:t>
+            </a:r>
+            <a:r>
+              <a:rPr lang="en-US" dirty="0" err="1"/>
+              <a:t>classe</a:t>
+            </a:r>
+            <a:endParaRPr lang="en-US" dirty="0"/>
+          </a:p>
+        </p:txBody>
+      </p:sp>
+      <p:sp>
+        <p:nvSpPr>
+          <p:cNvPr id="3" name="Content Placeholder 2"/>
+          <p:cNvSpPr>
+            <a:spLocks noGrp="1"/>
+          </p:cNvSpPr>
+          <p:nvPr>
+            <p:ph idx="1"/>
+          </p:nvPr>
+        </p:nvSpPr>
+        <p:spPr/>
+        <p:txBody>
+          <a:bodyPr/>
+          <a:lstStyle/>
+          <a:p>
+            <a:r>
+              <a:rPr lang="en-US" dirty="0" err="1" smtClean="0"/>
+              <a:t>Privado</a:t>
+            </a:r>
+            <a:r>
+              <a:rPr lang="en-US" dirty="0" smtClean="0"/>
+              <a:t> / </a:t>
+            </a:r>
+            <a:r>
+              <a:rPr lang="en-US" b="1" dirty="0" smtClean="0"/>
+              <a:t>private</a:t>
+            </a:r>
+          </a:p>
+          <a:p>
+            <a:pPr lvl="1"/>
+            <a:r>
+              <a:rPr lang="en-US" dirty="0" err="1" smtClean="0"/>
+              <a:t>É</a:t>
+            </a:r>
+            <a:r>
+              <a:rPr lang="en-US" dirty="0" smtClean="0"/>
+              <a:t> </a:t>
+            </a:r>
+            <a:r>
+              <a:rPr lang="en-US" dirty="0" err="1" smtClean="0"/>
+              <a:t>acessível</a:t>
+            </a:r>
+            <a:r>
+              <a:rPr lang="en-US" dirty="0" smtClean="0"/>
+              <a:t> </a:t>
+            </a:r>
+            <a:r>
+              <a:rPr lang="en-US" dirty="0" err="1" smtClean="0"/>
+              <a:t>somente</a:t>
+            </a:r>
+            <a:r>
+              <a:rPr lang="en-US" dirty="0" smtClean="0"/>
+              <a:t> </a:t>
+            </a:r>
+            <a:r>
+              <a:rPr lang="en-US" dirty="0" err="1" smtClean="0"/>
+              <a:t>por</a:t>
+            </a:r>
+            <a:r>
+              <a:rPr lang="en-US" dirty="0" smtClean="0"/>
+              <a:t> </a:t>
+            </a:r>
+            <a:r>
+              <a:rPr lang="en-US" dirty="0" err="1" smtClean="0"/>
+              <a:t>métodos</a:t>
+            </a:r>
+            <a:r>
+              <a:rPr lang="en-US" dirty="0" smtClean="0"/>
+              <a:t> da </a:t>
+            </a:r>
+            <a:r>
+              <a:rPr lang="en-US" dirty="0" err="1" smtClean="0"/>
+              <a:t>própria</a:t>
+            </a:r>
+            <a:r>
+              <a:rPr lang="en-US" dirty="0" smtClean="0"/>
+              <a:t> </a:t>
+            </a:r>
+            <a:r>
+              <a:rPr lang="en-US" dirty="0" err="1" smtClean="0"/>
+              <a:t>classe</a:t>
+            </a:r>
+            <a:r>
+              <a:rPr lang="en-US" dirty="0" smtClean="0"/>
+              <a:t> </a:t>
+            </a:r>
+            <a:r>
+              <a:rPr lang="en-US" dirty="0" err="1" smtClean="0"/>
+              <a:t>onde</a:t>
+            </a:r>
+            <a:r>
+              <a:rPr lang="en-US" dirty="0" smtClean="0"/>
+              <a:t> o </a:t>
+            </a:r>
+            <a:r>
+              <a:rPr lang="en-US" dirty="0" err="1" smtClean="0"/>
+              <a:t>membro</a:t>
+            </a:r>
+            <a:r>
+              <a:rPr lang="en-US" dirty="0" smtClean="0"/>
+              <a:t> </a:t>
+            </a:r>
+            <a:r>
+              <a:rPr lang="en-US" dirty="0" err="1" smtClean="0"/>
+              <a:t>foi</a:t>
+            </a:r>
+            <a:r>
+              <a:rPr lang="en-US" dirty="0" smtClean="0"/>
+              <a:t> </a:t>
+            </a:r>
+            <a:r>
+              <a:rPr lang="en-US" dirty="0" err="1" smtClean="0"/>
+              <a:t>declarado</a:t>
+            </a:r>
+            <a:r>
+              <a:rPr lang="en-US" dirty="0" smtClean="0"/>
+              <a:t>.</a:t>
+            </a:r>
+            <a:endParaRPr lang="en-US" dirty="0"/>
+          </a:p>
+        </p:txBody>
+      </p:sp>
+    </p:spTree>
+    <p:extLst>
+      <p:ext uri="{BB962C8B-B14F-4D97-AF65-F5344CB8AC3E}">
+        <p14:creationId xmlns:p14="http://schemas.microsoft.com/office/powerpoint/2010/main" val="1849125298"/>
+      </p:ext>
+    </p:extLst>
+  </p:cSld>
+  <p:clrMapOvr>
+    <a:masterClrMapping/>
+  </p:clrMapOvr>
+</p:sld>
+</file>
+
+<file path=ppt/slides/slide35.xml><?xml version="1.0" encoding="utf-8"?>
+<p:sld xmlns:a="http://schemas.openxmlformats.org/drawingml/2006/main" xmlns:r="http://schemas.openxmlformats.org/officeDocument/2006/relationships" xmlns:p="http://schemas.openxmlformats.org/presentationml/2006/main">
+  <p:cSld>
+    <p:spTree>
+      <p:nvGrpSpPr>
+        <p:cNvPr id="1" name=""/>
+        <p:cNvGrpSpPr/>
+        <p:nvPr/>
+      </p:nvGrpSpPr>
+      <p:grpSpPr>
+        <a:xfrm>
+          <a:off x="0" y="0"/>
+          <a:ext cx="0" cy="0"/>
+          <a:chOff x="0" y="0"/>
+          <a:chExt cx="0" cy="0"/>
+        </a:xfrm>
+      </p:grpSpPr>
+      <p:sp>
+        <p:nvSpPr>
+          <p:cNvPr id="2" name="Title 1"/>
+          <p:cNvSpPr>
+            <a:spLocks noGrp="1"/>
+          </p:cNvSpPr>
+          <p:nvPr>
+            <p:ph type="title"/>
+          </p:nvPr>
+        </p:nvSpPr>
+        <p:spPr/>
+        <p:txBody>
+          <a:bodyPr>
+            <a:normAutofit fontScale="90000"/>
+          </a:bodyPr>
+          <a:lstStyle/>
+          <a:p>
+            <a:r>
+              <a:rPr lang="en-US" dirty="0" err="1"/>
+              <a:t>Acessibilidade</a:t>
+            </a:r>
+            <a:r>
+              <a:rPr lang="en-US" dirty="0"/>
+              <a:t> dos </a:t>
+            </a:r>
+            <a:r>
+              <a:rPr lang="en-US" dirty="0" err="1"/>
+              <a:t>membros</a:t>
+            </a:r>
+            <a:r>
+              <a:rPr lang="en-US" dirty="0"/>
+              <a:t> de </a:t>
+            </a:r>
+            <a:r>
+              <a:rPr lang="en-US" dirty="0" err="1"/>
+              <a:t>uma</a:t>
+            </a:r>
+            <a:r>
+              <a:rPr lang="en-US" dirty="0"/>
+              <a:t> </a:t>
+            </a:r>
+            <a:r>
+              <a:rPr lang="en-US" dirty="0" err="1"/>
+              <a:t>classe</a:t>
+            </a:r>
+            <a:endParaRPr lang="en-US" dirty="0"/>
+          </a:p>
+        </p:txBody>
+      </p:sp>
+      <p:sp>
+        <p:nvSpPr>
+          <p:cNvPr id="3" name="Content Placeholder 2"/>
+          <p:cNvSpPr>
+            <a:spLocks noGrp="1"/>
+          </p:cNvSpPr>
+          <p:nvPr>
+            <p:ph idx="1"/>
+          </p:nvPr>
+        </p:nvSpPr>
+        <p:spPr/>
+        <p:txBody>
+          <a:bodyPr/>
+          <a:lstStyle/>
+          <a:p>
+            <a:r>
+              <a:rPr lang="en-US" dirty="0" err="1" smtClean="0"/>
+              <a:t>Protegido</a:t>
+            </a:r>
+            <a:r>
+              <a:rPr lang="en-US" dirty="0" smtClean="0"/>
+              <a:t> / </a:t>
+            </a:r>
+            <a:r>
+              <a:rPr lang="en-US" b="1" dirty="0" smtClean="0"/>
+              <a:t>protected</a:t>
+            </a:r>
+          </a:p>
+          <a:p>
+            <a:pPr lvl="1"/>
+            <a:r>
+              <a:rPr lang="en-US" dirty="0" err="1" smtClean="0"/>
+              <a:t>É</a:t>
+            </a:r>
+            <a:r>
+              <a:rPr lang="en-US" dirty="0" smtClean="0"/>
+              <a:t> </a:t>
+            </a:r>
+            <a:r>
+              <a:rPr lang="en-US" dirty="0" err="1" smtClean="0"/>
+              <a:t>acessível</a:t>
+            </a:r>
+            <a:r>
+              <a:rPr lang="en-US" dirty="0" smtClean="0"/>
+              <a:t> </a:t>
+            </a:r>
+            <a:r>
+              <a:rPr lang="en-US" dirty="0" err="1" smtClean="0"/>
+              <a:t>somente</a:t>
+            </a:r>
+            <a:r>
+              <a:rPr lang="en-US" dirty="0" smtClean="0"/>
+              <a:t> </a:t>
+            </a:r>
+            <a:r>
+              <a:rPr lang="en-US" dirty="0" err="1" smtClean="0"/>
+              <a:t>por</a:t>
+            </a:r>
+            <a:r>
+              <a:rPr lang="en-US" dirty="0" smtClean="0"/>
+              <a:t> </a:t>
+            </a:r>
+            <a:r>
+              <a:rPr lang="en-US" dirty="0" err="1" smtClean="0"/>
+              <a:t>métodos</a:t>
+            </a:r>
+            <a:r>
+              <a:rPr lang="en-US" dirty="0" smtClean="0"/>
+              <a:t> de subclasses da </a:t>
+            </a:r>
+            <a:r>
+              <a:rPr lang="en-US" dirty="0" err="1" smtClean="0"/>
+              <a:t>classe</a:t>
+            </a:r>
+            <a:r>
+              <a:rPr lang="en-US" dirty="0" smtClean="0"/>
+              <a:t> </a:t>
+            </a:r>
+            <a:r>
+              <a:rPr lang="en-US" dirty="0" err="1" smtClean="0"/>
+              <a:t>onde</a:t>
+            </a:r>
+            <a:r>
+              <a:rPr lang="en-US" dirty="0" smtClean="0"/>
+              <a:t> o </a:t>
+            </a:r>
+            <a:r>
+              <a:rPr lang="en-US" dirty="0" err="1" smtClean="0"/>
+              <a:t>membro</a:t>
+            </a:r>
+            <a:r>
+              <a:rPr lang="en-US" dirty="0" smtClean="0"/>
+              <a:t> </a:t>
+            </a:r>
+            <a:r>
+              <a:rPr lang="en-US" dirty="0" err="1" smtClean="0"/>
+              <a:t>foi</a:t>
+            </a:r>
+            <a:r>
+              <a:rPr lang="en-US" dirty="0" smtClean="0"/>
+              <a:t> </a:t>
+            </a:r>
+            <a:r>
+              <a:rPr lang="en-US" dirty="0" err="1" smtClean="0"/>
+              <a:t>declarado</a:t>
+            </a:r>
+            <a:r>
+              <a:rPr lang="en-US" dirty="0"/>
+              <a:t> </a:t>
+            </a:r>
+            <a:r>
+              <a:rPr lang="en-US" dirty="0" err="1" smtClean="0"/>
+              <a:t>ou</a:t>
+            </a:r>
+            <a:r>
+              <a:rPr lang="en-US" dirty="0" smtClean="0"/>
+              <a:t> da </a:t>
+            </a:r>
+            <a:r>
+              <a:rPr lang="en-US" dirty="0" err="1" smtClean="0"/>
+              <a:t>própria</a:t>
+            </a:r>
+            <a:r>
+              <a:rPr lang="en-US" dirty="0" smtClean="0"/>
+              <a:t> </a:t>
+            </a:r>
+            <a:r>
+              <a:rPr lang="en-US" dirty="0" err="1" smtClean="0"/>
+              <a:t>classe</a:t>
+            </a:r>
+            <a:r>
+              <a:rPr lang="en-US" dirty="0" smtClean="0"/>
+              <a:t> </a:t>
+            </a:r>
+            <a:r>
+              <a:rPr lang="en-US" dirty="0" err="1" smtClean="0"/>
+              <a:t>onde</a:t>
+            </a:r>
+            <a:r>
+              <a:rPr lang="en-US" dirty="0" smtClean="0"/>
+              <a:t> o </a:t>
+            </a:r>
+            <a:r>
+              <a:rPr lang="en-US" dirty="0" err="1" smtClean="0"/>
+              <a:t>membro</a:t>
+            </a:r>
+            <a:r>
+              <a:rPr lang="en-US" dirty="0" smtClean="0"/>
+              <a:t> </a:t>
+            </a:r>
+            <a:r>
+              <a:rPr lang="en-US" dirty="0" err="1" smtClean="0"/>
+              <a:t>foi</a:t>
+            </a:r>
+            <a:r>
+              <a:rPr lang="en-US" dirty="0" smtClean="0"/>
+              <a:t> </a:t>
+            </a:r>
+            <a:r>
+              <a:rPr lang="en-US" dirty="0" err="1" smtClean="0"/>
+              <a:t>declarado</a:t>
+            </a:r>
+            <a:r>
+              <a:rPr lang="en-US" dirty="0" smtClean="0"/>
+              <a:t>.</a:t>
+            </a:r>
+            <a:endParaRPr lang="en-US" dirty="0"/>
+          </a:p>
+        </p:txBody>
+      </p:sp>
+    </p:spTree>
+    <p:extLst>
+      <p:ext uri="{BB962C8B-B14F-4D97-AF65-F5344CB8AC3E}">
+        <p14:creationId xmlns:p14="http://schemas.microsoft.com/office/powerpoint/2010/main" val="1531419555"/>
+      </p:ext>
+    </p:extLst>
+  </p:cSld>
+  <p:clrMapOvr>
+    <a:masterClrMapping/>
+  </p:clrMapOvr>
+</p:sld>
+</file>
+
+<file path=ppt/slides/slide36.xml><?xml version="1.0" encoding="utf-8"?>
+<p:sld xmlns:a="http://schemas.openxmlformats.org/drawingml/2006/main" xmlns:r="http://schemas.openxmlformats.org/officeDocument/2006/relationships" xmlns:p="http://schemas.openxmlformats.org/presentationml/2006/main">
+  <p:cSld>
+    <p:spTree>
+      <p:nvGrpSpPr>
+        <p:cNvPr id="1" name=""/>
+        <p:cNvGrpSpPr/>
+        <p:nvPr/>
+      </p:nvGrpSpPr>
+      <p:grpSpPr>
+        <a:xfrm>
+          <a:off x="0" y="0"/>
+          <a:ext cx="0" cy="0"/>
+          <a:chOff x="0" y="0"/>
+          <a:chExt cx="0" cy="0"/>
+        </a:xfrm>
+      </p:grpSpPr>
+      <p:sp>
+        <p:nvSpPr>
+          <p:cNvPr id="2" name="Title 1"/>
+          <p:cNvSpPr>
+            <a:spLocks noGrp="1"/>
+          </p:cNvSpPr>
+          <p:nvPr>
+            <p:ph type="title"/>
+          </p:nvPr>
+        </p:nvSpPr>
+        <p:spPr/>
+        <p:txBody>
+          <a:bodyPr>
+            <a:normAutofit fontScale="90000"/>
+          </a:bodyPr>
+          <a:lstStyle/>
+          <a:p>
+            <a:r>
+              <a:rPr lang="en-US" dirty="0" err="1"/>
+              <a:t>Acessibilidade</a:t>
+            </a:r>
+            <a:r>
+              <a:rPr lang="en-US" dirty="0"/>
+              <a:t> dos </a:t>
+            </a:r>
+            <a:r>
+              <a:rPr lang="en-US" dirty="0" err="1"/>
+              <a:t>membros</a:t>
+            </a:r>
+            <a:r>
+              <a:rPr lang="en-US" dirty="0"/>
+              <a:t> de </a:t>
+            </a:r>
+            <a:r>
+              <a:rPr lang="en-US" dirty="0" err="1"/>
+              <a:t>uma</a:t>
+            </a:r>
+            <a:r>
+              <a:rPr lang="en-US" dirty="0"/>
+              <a:t> </a:t>
+            </a:r>
+            <a:r>
+              <a:rPr lang="en-US" dirty="0" err="1"/>
+              <a:t>classe</a:t>
+            </a:r>
+            <a:endParaRPr lang="en-US" dirty="0"/>
+          </a:p>
+        </p:txBody>
+      </p:sp>
+      <p:sp>
+        <p:nvSpPr>
+          <p:cNvPr id="3" name="Content Placeholder 2"/>
+          <p:cNvSpPr>
+            <a:spLocks noGrp="1"/>
+          </p:cNvSpPr>
+          <p:nvPr>
+            <p:ph idx="1"/>
+          </p:nvPr>
+        </p:nvSpPr>
+        <p:spPr/>
+        <p:txBody>
+          <a:bodyPr/>
+          <a:lstStyle/>
+          <a:p>
+            <a:r>
+              <a:rPr lang="en-US" dirty="0" err="1" smtClean="0"/>
+              <a:t>Constante</a:t>
+            </a:r>
+            <a:r>
+              <a:rPr lang="en-US" dirty="0" smtClean="0"/>
+              <a:t> /	 final</a:t>
+            </a:r>
+          </a:p>
+          <a:p>
+            <a:pPr lvl="1"/>
+            <a:r>
+              <a:rPr lang="en-US" dirty="0" smtClean="0"/>
+              <a:t>Um </a:t>
+            </a:r>
+            <a:r>
+              <a:rPr lang="en-US" dirty="0" err="1" smtClean="0"/>
+              <a:t>membro</a:t>
+            </a:r>
+            <a:r>
+              <a:rPr lang="en-US" dirty="0" smtClean="0"/>
+              <a:t> </a:t>
+            </a:r>
+            <a:r>
+              <a:rPr lang="en-US" dirty="0" err="1" smtClean="0"/>
+              <a:t>declarado</a:t>
+            </a:r>
+            <a:r>
+              <a:rPr lang="en-US" dirty="0" smtClean="0"/>
+              <a:t> com o </a:t>
+            </a:r>
+            <a:r>
+              <a:rPr lang="en-US" dirty="0" err="1" smtClean="0"/>
+              <a:t>modificador</a:t>
+            </a:r>
+            <a:r>
+              <a:rPr lang="en-US" dirty="0" smtClean="0"/>
+              <a:t> </a:t>
+            </a:r>
+            <a:r>
+              <a:rPr lang="en-US" b="1" dirty="0" smtClean="0"/>
+              <a:t>final</a:t>
+            </a:r>
+            <a:r>
+              <a:rPr lang="en-US" dirty="0" smtClean="0"/>
+              <a:t> </a:t>
+            </a:r>
+            <a:r>
+              <a:rPr lang="en-US" dirty="0" err="1" smtClean="0"/>
+              <a:t>não</a:t>
+            </a:r>
+            <a:r>
+              <a:rPr lang="en-US" dirty="0" smtClean="0"/>
+              <a:t> </a:t>
+            </a:r>
+            <a:r>
+              <a:rPr lang="en-US" dirty="0" err="1" smtClean="0"/>
+              <a:t>pode</a:t>
+            </a:r>
+            <a:r>
+              <a:rPr lang="en-US" dirty="0" smtClean="0"/>
+              <a:t> </a:t>
+            </a:r>
+            <a:r>
+              <a:rPr lang="en-US" dirty="0" err="1" smtClean="0"/>
+              <a:t>ter</a:t>
+            </a:r>
+            <a:r>
+              <a:rPr lang="en-US" dirty="0" smtClean="0"/>
+              <a:t> a </a:t>
+            </a:r>
+            <a:r>
+              <a:rPr lang="en-US" dirty="0" err="1" smtClean="0"/>
+              <a:t>sua</a:t>
+            </a:r>
+            <a:r>
+              <a:rPr lang="en-US" dirty="0" smtClean="0"/>
+              <a:t> </a:t>
+            </a:r>
+            <a:r>
+              <a:rPr lang="en-US" dirty="0" err="1" smtClean="0"/>
+              <a:t>definição</a:t>
+            </a:r>
+            <a:r>
+              <a:rPr lang="en-US" dirty="0" smtClean="0"/>
+              <a:t> </a:t>
+            </a:r>
+            <a:r>
+              <a:rPr lang="en-US" dirty="0" err="1" smtClean="0"/>
+              <a:t>modificada</a:t>
+            </a:r>
+            <a:r>
+              <a:rPr lang="en-US" dirty="0" smtClean="0"/>
+              <a:t> </a:t>
+            </a:r>
+            <a:r>
+              <a:rPr lang="en-US" dirty="0" err="1" smtClean="0"/>
+              <a:t>por</a:t>
+            </a:r>
+            <a:r>
+              <a:rPr lang="en-US" dirty="0" smtClean="0"/>
+              <a:t> </a:t>
+            </a:r>
+            <a:r>
+              <a:rPr lang="en-US" dirty="0" err="1" smtClean="0"/>
+              <a:t>nenhum</a:t>
+            </a:r>
+            <a:r>
+              <a:rPr lang="en-US" dirty="0" smtClean="0"/>
+              <a:t> </a:t>
+            </a:r>
+            <a:r>
+              <a:rPr lang="en-US" dirty="0" err="1" smtClean="0"/>
+              <a:t>objeto</a:t>
+            </a:r>
+            <a:r>
+              <a:rPr lang="en-US" dirty="0" smtClean="0"/>
+              <a:t>, </a:t>
+            </a:r>
+            <a:r>
+              <a:rPr lang="en-US" dirty="0" err="1" smtClean="0"/>
+              <a:t>nem</a:t>
+            </a:r>
+            <a:r>
+              <a:rPr lang="en-US" dirty="0" smtClean="0"/>
+              <a:t> </a:t>
+            </a:r>
+            <a:r>
+              <a:rPr lang="en-US" dirty="0" err="1" smtClean="0"/>
+              <a:t>mesmo</a:t>
+            </a:r>
+            <a:r>
+              <a:rPr lang="en-US" dirty="0" smtClean="0"/>
+              <a:t> um </a:t>
+            </a:r>
+            <a:r>
+              <a:rPr lang="en-US" dirty="0" err="1" smtClean="0"/>
+              <a:t>objeto</a:t>
+            </a:r>
+            <a:r>
+              <a:rPr lang="en-US" dirty="0" smtClean="0"/>
+              <a:t> da </a:t>
+            </a:r>
+            <a:r>
+              <a:rPr lang="en-US" dirty="0" err="1" smtClean="0"/>
+              <a:t>classe</a:t>
+            </a:r>
+            <a:r>
+              <a:rPr lang="en-US" dirty="0" smtClean="0"/>
+              <a:t> </a:t>
+            </a:r>
+            <a:r>
+              <a:rPr lang="en-US" dirty="0" err="1" smtClean="0"/>
+              <a:t>onde</a:t>
+            </a:r>
+            <a:r>
+              <a:rPr lang="en-US" dirty="0" smtClean="0"/>
+              <a:t> o </a:t>
+            </a:r>
+            <a:r>
+              <a:rPr lang="en-US" dirty="0" err="1" smtClean="0"/>
+              <a:t>membro</a:t>
+            </a:r>
+            <a:r>
+              <a:rPr lang="en-US" dirty="0" smtClean="0"/>
+              <a:t> </a:t>
+            </a:r>
+            <a:r>
+              <a:rPr lang="en-US" dirty="0" err="1" smtClean="0"/>
+              <a:t>foi</a:t>
+            </a:r>
+            <a:r>
+              <a:rPr lang="en-US" dirty="0" smtClean="0"/>
+              <a:t> </a:t>
+            </a:r>
+            <a:r>
+              <a:rPr lang="en-US" dirty="0" err="1" smtClean="0"/>
+              <a:t>definido</a:t>
+            </a:r>
+            <a:r>
+              <a:rPr lang="en-US" dirty="0" smtClean="0"/>
+              <a:t>. </a:t>
+            </a:r>
+            <a:r>
+              <a:rPr lang="en-US" dirty="0" err="1" smtClean="0"/>
+              <a:t>Dizemos</a:t>
+            </a:r>
+            <a:r>
+              <a:rPr lang="en-US" dirty="0" smtClean="0"/>
+              <a:t> </a:t>
+            </a:r>
+            <a:r>
+              <a:rPr lang="en-US" dirty="0" err="1" smtClean="0"/>
+              <a:t>que</a:t>
+            </a:r>
+            <a:r>
+              <a:rPr lang="en-US" dirty="0" smtClean="0"/>
+              <a:t> um </a:t>
+            </a:r>
+            <a:r>
+              <a:rPr lang="en-US" dirty="0" err="1" smtClean="0"/>
+              <a:t>membro</a:t>
+            </a:r>
+            <a:r>
+              <a:rPr lang="en-US" dirty="0" smtClean="0"/>
+              <a:t> final </a:t>
+            </a:r>
+            <a:r>
+              <a:rPr lang="en-US" dirty="0" err="1" smtClean="0"/>
+              <a:t>é</a:t>
+            </a:r>
+            <a:r>
+              <a:rPr lang="en-US" dirty="0" smtClean="0"/>
+              <a:t> </a:t>
+            </a:r>
+            <a:r>
+              <a:rPr lang="en-US" dirty="0" err="1" smtClean="0"/>
+              <a:t>uma</a:t>
+            </a:r>
+            <a:r>
+              <a:rPr lang="en-US" dirty="0" smtClean="0"/>
+              <a:t> </a:t>
+            </a:r>
+            <a:r>
+              <a:rPr lang="en-US" dirty="0" err="1" smtClean="0"/>
+              <a:t>constante</a:t>
+            </a:r>
+            <a:r>
+              <a:rPr lang="en-US" dirty="0" smtClean="0"/>
+              <a:t>. No </a:t>
+            </a:r>
+            <a:r>
+              <a:rPr lang="en-US" dirty="0" err="1" smtClean="0"/>
+              <a:t>caso</a:t>
+            </a:r>
+            <a:r>
+              <a:rPr lang="en-US" dirty="0" smtClean="0"/>
+              <a:t> de </a:t>
+            </a:r>
+            <a:r>
+              <a:rPr lang="en-US" dirty="0" err="1" smtClean="0"/>
+              <a:t>herança</a:t>
+            </a:r>
+            <a:r>
+              <a:rPr lang="en-US" dirty="0" smtClean="0"/>
+              <a:t>, </a:t>
+            </a:r>
+            <a:r>
+              <a:rPr lang="en-US" dirty="0" err="1" smtClean="0"/>
+              <a:t>uma</a:t>
+            </a:r>
+            <a:r>
+              <a:rPr lang="en-US" dirty="0" smtClean="0"/>
+              <a:t> </a:t>
+            </a:r>
+            <a:r>
+              <a:rPr lang="en-US" dirty="0" err="1" smtClean="0"/>
+              <a:t>subclasse</a:t>
+            </a:r>
+            <a:r>
+              <a:rPr lang="en-US" dirty="0" smtClean="0"/>
+              <a:t> </a:t>
+            </a:r>
+            <a:r>
+              <a:rPr lang="en-US" dirty="0" err="1" smtClean="0"/>
+              <a:t>não</a:t>
+            </a:r>
+            <a:r>
+              <a:rPr lang="en-US" dirty="0" smtClean="0"/>
+              <a:t> </a:t>
+            </a:r>
+            <a:r>
+              <a:rPr lang="en-US" dirty="0" err="1" smtClean="0"/>
+              <a:t>pode</a:t>
+            </a:r>
+            <a:r>
+              <a:rPr lang="en-US" dirty="0" smtClean="0"/>
+              <a:t> </a:t>
+            </a:r>
+            <a:r>
+              <a:rPr lang="en-US" dirty="0" err="1" smtClean="0"/>
+              <a:t>sobrecarregar</a:t>
+            </a:r>
+            <a:r>
+              <a:rPr lang="en-US" dirty="0" smtClean="0"/>
+              <a:t> um </a:t>
+            </a:r>
+            <a:r>
+              <a:rPr lang="en-US" dirty="0" err="1" smtClean="0"/>
+              <a:t>método</a:t>
+            </a:r>
+            <a:r>
+              <a:rPr lang="en-US" dirty="0" smtClean="0"/>
+              <a:t> </a:t>
+            </a:r>
+            <a:r>
+              <a:rPr lang="en-US" dirty="0" err="1" smtClean="0"/>
+              <a:t>declarado</a:t>
+            </a:r>
+            <a:r>
+              <a:rPr lang="en-US" dirty="0" smtClean="0"/>
+              <a:t> </a:t>
+            </a:r>
+            <a:r>
+              <a:rPr lang="en-US" dirty="0" err="1" smtClean="0"/>
+              <a:t>como</a:t>
+            </a:r>
+            <a:r>
+              <a:rPr lang="en-US" dirty="0" smtClean="0"/>
+              <a:t> final </a:t>
+            </a:r>
+            <a:r>
+              <a:rPr lang="en-US" dirty="0" err="1" smtClean="0"/>
+              <a:t>na</a:t>
+            </a:r>
+            <a:r>
+              <a:rPr lang="en-US" dirty="0" smtClean="0"/>
+              <a:t> </a:t>
+            </a:r>
+            <a:r>
+              <a:rPr lang="en-US" dirty="0" err="1" smtClean="0"/>
+              <a:t>superclasse</a:t>
+            </a:r>
+            <a:r>
+              <a:rPr lang="en-US" dirty="0" smtClean="0"/>
+              <a:t>.</a:t>
+            </a:r>
+            <a:endParaRPr lang="en-US" dirty="0"/>
+          </a:p>
+        </p:txBody>
+      </p:sp>
+    </p:spTree>
+    <p:extLst>
+      <p:ext uri="{BB962C8B-B14F-4D97-AF65-F5344CB8AC3E}">
+        <p14:creationId xmlns:p14="http://schemas.microsoft.com/office/powerpoint/2010/main" val="260025835"/>
+      </p:ext>
+    </p:extLst>
+  </p:cSld>
+  <p:clrMapOvr>
+    <a:masterClrMapping/>
+  </p:clrMapOvr>
 </p:sld>
 </file>
 
@@ -11775,13 +15023,8 @@
             </a:r>
             <a:r>
               <a:rPr lang="en-US" dirty="0" smtClean="0"/>
-              <a:t> </a:t>
-            </a:r>
-            <a:r>
-              <a:rPr lang="en-US" dirty="0" smtClean="0"/>
-              <a:t>dados?</a:t>
-            </a:r>
-            <a:endParaRPr lang="en-US" dirty="0" smtClean="0"/>
+              <a:t> dados?</a:t>
+            </a:r>
           </a:p>
           <a:p>
             <a:r>

--- a/Documentos/Orientação a Objetos.pptx
+++ b/Documentos/Orientação a Objetos.pptx
@@ -5,7 +5,7 @@
     <p:sldMasterId id="2147483802" r:id="rId1"/>
   </p:sldMasterIdLst>
   <p:notesMasterIdLst>
-    <p:notesMasterId r:id="rId38"/>
+    <p:notesMasterId r:id="rId47"/>
   </p:notesMasterIdLst>
   <p:sldIdLst>
     <p:sldId id="256" r:id="rId2"/>
@@ -34,16 +34,25 @@
     <p:sldId id="330" r:id="rId25"/>
     <p:sldId id="331" r:id="rId26"/>
     <p:sldId id="332" r:id="rId27"/>
-    <p:sldId id="333" r:id="rId28"/>
-    <p:sldId id="334" r:id="rId29"/>
-    <p:sldId id="335" r:id="rId30"/>
-    <p:sldId id="336" r:id="rId31"/>
-    <p:sldId id="337" r:id="rId32"/>
-    <p:sldId id="338" r:id="rId33"/>
-    <p:sldId id="339" r:id="rId34"/>
-    <p:sldId id="340" r:id="rId35"/>
-    <p:sldId id="341" r:id="rId36"/>
-    <p:sldId id="342" r:id="rId37"/>
+    <p:sldId id="348" r:id="rId28"/>
+    <p:sldId id="349" r:id="rId29"/>
+    <p:sldId id="350" r:id="rId30"/>
+    <p:sldId id="351" r:id="rId31"/>
+    <p:sldId id="333" r:id="rId32"/>
+    <p:sldId id="334" r:id="rId33"/>
+    <p:sldId id="335" r:id="rId34"/>
+    <p:sldId id="336" r:id="rId35"/>
+    <p:sldId id="337" r:id="rId36"/>
+    <p:sldId id="338" r:id="rId37"/>
+    <p:sldId id="339" r:id="rId38"/>
+    <p:sldId id="340" r:id="rId39"/>
+    <p:sldId id="341" r:id="rId40"/>
+    <p:sldId id="342" r:id="rId41"/>
+    <p:sldId id="343" r:id="rId42"/>
+    <p:sldId id="347" r:id="rId43"/>
+    <p:sldId id="345" r:id="rId44"/>
+    <p:sldId id="344" r:id="rId45"/>
+    <p:sldId id="346" r:id="rId46"/>
   </p:sldIdLst>
   <p:sldSz cx="9144000" cy="6858000" type="screen4x3"/>
   <p:notesSz cx="6858000" cy="9144000"/>
@@ -227,7 +236,7 @@
           <a:p>
             <a:fld id="{E2B913E8-0330-B643-A20B-1A6E83DAE541}" type="datetimeFigureOut">
               <a:rPr lang="en-US" smtClean="0"/>
-              <a:t>24/11/14</a:t>
+              <a:t>26/11/14</a:t>
             </a:fld>
             <a:endParaRPr lang="en-US"/>
           </a:p>
@@ -777,7 +786,7 @@
             <a:fld id="{9EB5ECD5-515E-4817-8A06-1D2ED2C83850}" type="datetime4">
               <a:rPr lang="en-US" smtClean="0"/>
               <a:pPr/>
-              <a:t>November 24, 2014</a:t>
+              <a:t>November 26, 2014</a:t>
             </a:fld>
             <a:endParaRPr lang="en-US"/>
           </a:p>
@@ -949,7 +958,7 @@
             <a:fld id="{BA5B59F4-DDCB-41FF-83F5-A48440F36FA7}" type="datetime4">
               <a:rPr lang="en-US" smtClean="0"/>
               <a:pPr/>
-              <a:t>November 24, 2014</a:t>
+              <a:t>November 26, 2014</a:t>
             </a:fld>
             <a:endParaRPr lang="en-US"/>
           </a:p>
@@ -2069,7 +2078,7 @@
             <a:fld id="{48056348-D703-428C-A1C4-7D6796EF5F41}" type="datetime4">
               <a:rPr lang="en-US" smtClean="0"/>
               <a:pPr/>
-              <a:t>November 24, 2014</a:t>
+              <a:t>November 26, 2014</a:t>
             </a:fld>
             <a:endParaRPr lang="en-US"/>
           </a:p>
@@ -3179,7 +3188,7 @@
             <a:fld id="{732D1919-1B5F-4141-B613-3E5C6008A186}" type="datetime4">
               <a:rPr lang="en-US" smtClean="0"/>
               <a:pPr/>
-              <a:t>November 24, 2014</a:t>
+              <a:t>November 26, 2014</a:t>
             </a:fld>
             <a:endParaRPr lang="en-US"/>
           </a:p>
@@ -3427,7 +3436,7 @@
             <a:fld id="{BAD22427-B1DD-49E6-9F05-DE0F1467D7DC}" type="datetime4">
               <a:rPr lang="en-US" smtClean="0"/>
               <a:pPr/>
-              <a:t>November 24, 2014</a:t>
+              <a:t>November 26, 2014</a:t>
             </a:fld>
             <a:endParaRPr lang="en-US"/>
           </a:p>
@@ -3717,7 +3726,7 @@
             <a:fld id="{BBCCA7B5-8BC9-491C-A887-7C3E7ED947D8}" type="datetime4">
               <a:rPr lang="en-US" smtClean="0"/>
               <a:pPr/>
-              <a:t>November 24, 2014</a:t>
+              <a:t>November 26, 2014</a:t>
             </a:fld>
             <a:endParaRPr lang="en-US"/>
           </a:p>
@@ -4141,7 +4150,7 @@
             <a:fld id="{BDA18ED0-40F2-434C-A848-B92581875164}" type="datetime4">
               <a:rPr lang="en-US" smtClean="0"/>
               <a:pPr/>
-              <a:t>November 24, 2014</a:t>
+              <a:t>November 26, 2014</a:t>
             </a:fld>
             <a:endParaRPr lang="en-US"/>
           </a:p>
@@ -4261,7 +4270,7 @@
             <a:fld id="{7855437F-F4F9-44A9-B4D3-9191CA04E889}" type="datetime4">
               <a:rPr lang="en-US" smtClean="0"/>
               <a:pPr/>
-              <a:t>November 24, 2014</a:t>
+              <a:t>November 26, 2014</a:t>
             </a:fld>
             <a:endParaRPr lang="en-US"/>
           </a:p>
@@ -4358,7 +4367,7 @@
             <a:fld id="{39A24E59-01D0-4537-B876-7E5EC75B028D}" type="datetime4">
               <a:rPr lang="en-US" smtClean="0"/>
               <a:pPr/>
-              <a:t>November 24, 2014</a:t>
+              <a:t>November 26, 2014</a:t>
             </a:fld>
             <a:endParaRPr lang="en-US"/>
           </a:p>
@@ -4637,7 +4646,7 @@
             <a:fld id="{655A2E49-18A1-40BC-BA5D-5A2EC8FDDF15}" type="datetime4">
               <a:rPr lang="en-US" smtClean="0"/>
               <a:pPr/>
-              <a:t>November 24, 2014</a:t>
+              <a:t>November 26, 2014</a:t>
             </a:fld>
             <a:endParaRPr lang="en-US"/>
           </a:p>
@@ -4892,7 +4901,7 @@
             <a:fld id="{52983DA4-3B24-449B-95CA-514EB7E30A99}" type="datetime4">
               <a:rPr lang="en-US" smtClean="0"/>
               <a:pPr/>
-              <a:t>November 24, 2014</a:t>
+              <a:t>November 26, 2014</a:t>
             </a:fld>
             <a:endParaRPr lang="en-US"/>
           </a:p>
@@ -5107,7 +5116,7 @@
             <a:fld id="{942120D2-3948-4F8F-BE5D-E7E7D97880B2}" type="datetime4">
               <a:rPr lang="en-US" smtClean="0"/>
               <a:pPr/>
-              <a:t>November 24, 2014</a:t>
+              <a:t>November 26, 2014</a:t>
             </a:fld>
             <a:endParaRPr lang="en-US" dirty="0" err="1"/>
           </a:p>
@@ -11306,11 +11315,7 @@
             </a:r>
             <a:r>
               <a:rPr lang="en-US" dirty="0" err="1" smtClean="0"/>
-              <a:t>s</a:t>
-            </a:r>
-            <a:r>
-              <a:rPr lang="en-US" dirty="0" err="1" smtClean="0"/>
-              <a:t>ão</a:t>
+              <a:t>são</a:t>
             </a:r>
             <a:r>
               <a:rPr lang="en-US" dirty="0" smtClean="0"/>
@@ -11860,34 +11865,12 @@
         </p:nvSpPr>
         <p:spPr/>
         <p:txBody>
-          <a:bodyPr>
-            <a:normAutofit fontScale="90000"/>
-          </a:bodyPr>
+          <a:bodyPr/>
           <a:lstStyle/>
           <a:p>
             <a:r>
               <a:rPr lang="en-US" dirty="0" err="1" smtClean="0"/>
-              <a:t>Encapsulamento</a:t>
-            </a:r>
-            <a:r>
-              <a:rPr lang="en-US" dirty="0" smtClean="0"/>
-              <a:t> e </a:t>
-            </a:r>
-            <a:r>
-              <a:rPr lang="en-US" dirty="0" err="1" smtClean="0"/>
-              <a:t>sobrecarga</a:t>
-            </a:r>
-            <a:r>
-              <a:rPr lang="en-US" dirty="0" smtClean="0"/>
-              <a:t> de </a:t>
-            </a:r>
-            <a:r>
-              <a:rPr lang="en-US" dirty="0" err="1" smtClean="0"/>
-              <a:t>m</a:t>
-            </a:r>
-            <a:r>
-              <a:rPr lang="en-US" dirty="0" err="1" smtClean="0"/>
-              <a:t>étodos</a:t>
+              <a:t>Construtores</a:t>
             </a:r>
             <a:endParaRPr lang="en-US" dirty="0"/>
           </a:p>
@@ -11910,15 +11893,35 @@
           <a:p>
             <a:r>
               <a:rPr lang="en-US" dirty="0" err="1" smtClean="0"/>
-              <a:t>Controle</a:t>
-            </a:r>
-            <a:r>
-              <a:rPr lang="en-US" dirty="0" smtClean="0"/>
-              <a:t> </a:t>
-            </a:r>
-            <a:r>
-              <a:rPr lang="en-US" dirty="0" err="1" smtClean="0"/>
-              <a:t>sobre</a:t>
+              <a:t>Quando</a:t>
+            </a:r>
+            <a:r>
+              <a:rPr lang="en-US" dirty="0" smtClean="0"/>
+              <a:t> </a:t>
+            </a:r>
+            <a:r>
+              <a:rPr lang="en-US" dirty="0" err="1" smtClean="0"/>
+              <a:t>declaramos</a:t>
+            </a:r>
+            <a:r>
+              <a:rPr lang="en-US" dirty="0" smtClean="0"/>
+              <a:t> </a:t>
+            </a:r>
+            <a:r>
+              <a:rPr lang="en-US" dirty="0" err="1" smtClean="0"/>
+              <a:t>uma</a:t>
+            </a:r>
+            <a:r>
+              <a:rPr lang="en-US" dirty="0" smtClean="0"/>
+              <a:t> </a:t>
+            </a:r>
+            <a:r>
+              <a:rPr lang="en-US" dirty="0" err="1" smtClean="0"/>
+              <a:t>vari</a:t>
+            </a:r>
+            <a:r>
+              <a:rPr lang="en-US" dirty="0" err="1" smtClean="0"/>
+              <a:t>ável</a:t>
             </a:r>
             <a:r>
               <a:rPr lang="en-US" dirty="0"/>
@@ -11926,23 +11929,23 @@
             </a:r>
             <a:r>
               <a:rPr lang="en-US" dirty="0" smtClean="0"/>
-              <a:t>a </a:t>
-            </a:r>
-            <a:r>
-              <a:rPr lang="en-US" dirty="0" err="1" smtClean="0"/>
-              <a:t>acessibilidade</a:t>
-            </a:r>
-            <a:r>
-              <a:rPr lang="en-US" dirty="0" smtClean="0"/>
-              <a:t> dos </a:t>
-            </a:r>
-            <a:r>
-              <a:rPr lang="en-US" dirty="0" err="1" smtClean="0"/>
-              <a:t>membros</a:t>
-            </a:r>
-            <a:r>
-              <a:rPr lang="en-US" dirty="0" smtClean="0"/>
-              <a:t> de </a:t>
+              <a:t>de um </a:t>
+            </a:r>
+            <a:r>
+              <a:rPr lang="en-US" dirty="0" err="1" smtClean="0"/>
+              <a:t>tipo</a:t>
+            </a:r>
+            <a:r>
+              <a:rPr lang="en-US" dirty="0" smtClean="0"/>
+              <a:t> </a:t>
+            </a:r>
+            <a:r>
+              <a:rPr lang="en-US" dirty="0" err="1" smtClean="0"/>
+              <a:t>abstrato</a:t>
+            </a:r>
+            <a:r>
+              <a:rPr lang="en-US" dirty="0" smtClean="0"/>
+              <a:t> de dado, </a:t>
             </a:r>
             <a:r>
               <a:rPr lang="en-US" dirty="0" err="1" smtClean="0"/>
@@ -11958,55 +11961,235 @@
             </a:r>
             <a:r>
               <a:rPr lang="en-US" dirty="0" smtClean="0"/>
-              <a:t> e a </a:t>
-            </a:r>
-            <a:r>
-              <a:rPr lang="en-US" dirty="0" err="1" smtClean="0"/>
-              <a:t>implementa</a:t>
-            </a:r>
-            <a:r>
-              <a:rPr lang="en-US" dirty="0" err="1" smtClean="0"/>
-              <a:t>ção</a:t>
-            </a:r>
-            <a:r>
-              <a:rPr lang="en-US" dirty="0" smtClean="0"/>
-              <a:t> de classes com </a:t>
-            </a:r>
-            <a:r>
-              <a:rPr lang="en-US" dirty="0" err="1" smtClean="0"/>
-              <a:t>comportamento</a:t>
-            </a:r>
-            <a:r>
-              <a:rPr lang="en-US" dirty="0" smtClean="0"/>
-              <a:t> </a:t>
-            </a:r>
-            <a:r>
-              <a:rPr lang="en-US" dirty="0" err="1" smtClean="0"/>
-              <a:t>dinâmico</a:t>
-            </a:r>
-            <a:r>
-              <a:rPr lang="en-US" dirty="0" smtClean="0"/>
-              <a:t> </a:t>
-            </a:r>
-            <a:r>
-              <a:rPr lang="en-US" dirty="0" err="1" smtClean="0"/>
-              <a:t>através</a:t>
-            </a:r>
-            <a:r>
-              <a:rPr lang="en-US" dirty="0" smtClean="0"/>
-              <a:t> da </a:t>
-            </a:r>
-            <a:r>
-              <a:rPr lang="en-US" dirty="0" err="1" smtClean="0"/>
-              <a:t>sobrecarga</a:t>
-            </a:r>
-            <a:r>
-              <a:rPr lang="en-US" dirty="0" smtClean="0"/>
-              <a:t> de </a:t>
-            </a:r>
-            <a:r>
-              <a:rPr lang="en-US" dirty="0" err="1" smtClean="0"/>
-              <a:t>métodos</a:t>
+              <a:t>, </a:t>
+            </a:r>
+            <a:r>
+              <a:rPr lang="en-US" dirty="0" err="1" smtClean="0"/>
+              <a:t>estamos</a:t>
+            </a:r>
+            <a:r>
+              <a:rPr lang="en-US" dirty="0"/>
+              <a:t> </a:t>
+            </a:r>
+            <a:r>
+              <a:rPr lang="en-US" dirty="0" err="1" smtClean="0"/>
+              <a:t>apenas</a:t>
+            </a:r>
+            <a:r>
+              <a:rPr lang="en-US" dirty="0" smtClean="0"/>
+              <a:t> </a:t>
+            </a:r>
+            <a:r>
+              <a:rPr lang="en-US" dirty="0" err="1" smtClean="0"/>
+              <a:t>criando</a:t>
+            </a:r>
+            <a:r>
+              <a:rPr lang="en-US" dirty="0" smtClean="0"/>
+              <a:t> </a:t>
+            </a:r>
+            <a:r>
+              <a:rPr lang="en-US" dirty="0" err="1" smtClean="0"/>
+              <a:t>uma</a:t>
+            </a:r>
+            <a:r>
+              <a:rPr lang="en-US" dirty="0" smtClean="0"/>
+              <a:t> </a:t>
+            </a:r>
+            <a:r>
+              <a:rPr lang="en-US" dirty="0" err="1" smtClean="0"/>
+              <a:t>referência</a:t>
+            </a:r>
+            <a:r>
+              <a:rPr lang="en-US" dirty="0" smtClean="0"/>
+              <a:t> a um </a:t>
+            </a:r>
+            <a:r>
+              <a:rPr lang="en-US" dirty="0" err="1" smtClean="0"/>
+              <a:t>objeto</a:t>
+            </a:r>
+            <a:r>
+              <a:rPr lang="en-US" dirty="0" smtClean="0"/>
+              <a:t> </a:t>
+            </a:r>
+            <a:r>
+              <a:rPr lang="en-US" dirty="0" err="1" smtClean="0"/>
+              <a:t>dessa</a:t>
+            </a:r>
+            <a:r>
+              <a:rPr lang="en-US" dirty="0" smtClean="0"/>
+              <a:t> </a:t>
+            </a:r>
+            <a:r>
+              <a:rPr lang="en-US" dirty="0" err="1" smtClean="0"/>
+              <a:t>classe</a:t>
+            </a:r>
+            <a:r>
+              <a:rPr lang="en-US" dirty="0" smtClean="0"/>
+              <a:t>. </a:t>
+            </a:r>
+            <a:r>
+              <a:rPr lang="en-US" dirty="0" err="1" smtClean="0"/>
+              <a:t>Esse</a:t>
+            </a:r>
+            <a:r>
+              <a:rPr lang="en-US" dirty="0" smtClean="0"/>
+              <a:t> </a:t>
+            </a:r>
+            <a:r>
+              <a:rPr lang="en-US" dirty="0" err="1" smtClean="0"/>
+              <a:t>objeto</a:t>
+            </a:r>
+            <a:r>
+              <a:rPr lang="en-US" dirty="0" smtClean="0"/>
+              <a:t> </a:t>
+            </a:r>
+            <a:r>
+              <a:rPr lang="en-US" dirty="0" err="1" smtClean="0"/>
+              <a:t>só</a:t>
+            </a:r>
+            <a:r>
+              <a:rPr lang="en-US" dirty="0" smtClean="0"/>
+              <a:t> </a:t>
+            </a:r>
+            <a:r>
+              <a:rPr lang="en-US" dirty="0" err="1" smtClean="0"/>
+              <a:t>passará</a:t>
+            </a:r>
+            <a:r>
+              <a:rPr lang="en-US" dirty="0" smtClean="0"/>
+              <a:t> a </a:t>
+            </a:r>
+            <a:r>
+              <a:rPr lang="en-US" dirty="0" err="1" smtClean="0"/>
+              <a:t>existir</a:t>
+            </a:r>
+            <a:r>
+              <a:rPr lang="en-US" dirty="0" smtClean="0"/>
+              <a:t> </a:t>
+            </a:r>
+            <a:r>
+              <a:rPr lang="en-US" dirty="0" err="1" smtClean="0"/>
+              <a:t>quando</a:t>
+            </a:r>
+            <a:r>
+              <a:rPr lang="en-US" dirty="0" smtClean="0"/>
+              <a:t> o </a:t>
+            </a:r>
+            <a:r>
+              <a:rPr lang="en-US" dirty="0" err="1" smtClean="0"/>
+              <a:t>comando</a:t>
+            </a:r>
+            <a:r>
+              <a:rPr lang="en-US" dirty="0" smtClean="0"/>
+              <a:t> </a:t>
+            </a:r>
+            <a:r>
+              <a:rPr lang="en-US" b="1" dirty="0" smtClean="0"/>
+              <a:t>new</a:t>
+            </a:r>
+            <a:r>
+              <a:rPr lang="en-US" dirty="0" smtClean="0"/>
+              <a:t> for </a:t>
+            </a:r>
+            <a:r>
+              <a:rPr lang="en-US" dirty="0" err="1" smtClean="0"/>
+              <a:t>interpretado</a:t>
+            </a:r>
+            <a:r>
+              <a:rPr lang="en-US" dirty="0" smtClean="0"/>
+              <a:t> </a:t>
+            </a:r>
+            <a:r>
+              <a:rPr lang="en-US" dirty="0" err="1" smtClean="0"/>
+              <a:t>pela</a:t>
+            </a:r>
+            <a:r>
+              <a:rPr lang="en-US" dirty="0" smtClean="0"/>
+              <a:t> JVM. </a:t>
+            </a:r>
+            <a:r>
+              <a:rPr lang="en-US" dirty="0" err="1" smtClean="0"/>
+              <a:t>Esse</a:t>
+            </a:r>
+            <a:r>
+              <a:rPr lang="en-US" dirty="0" smtClean="0"/>
+              <a:t> </a:t>
+            </a:r>
+            <a:r>
+              <a:rPr lang="en-US" dirty="0" err="1" smtClean="0"/>
+              <a:t>comando</a:t>
+            </a:r>
+            <a:r>
+              <a:rPr lang="en-US" dirty="0" smtClean="0"/>
+              <a:t> </a:t>
+            </a:r>
+            <a:r>
+              <a:rPr lang="en-US" dirty="0" err="1" smtClean="0"/>
+              <a:t>instancia</a:t>
+            </a:r>
+            <a:r>
+              <a:rPr lang="en-US" dirty="0" smtClean="0"/>
+              <a:t> um </a:t>
+            </a:r>
+            <a:r>
+              <a:rPr lang="en-US" dirty="0" err="1" smtClean="0"/>
+              <a:t>objeto</a:t>
+            </a:r>
+            <a:r>
+              <a:rPr lang="en-US" dirty="0" smtClean="0"/>
+              <a:t> a </a:t>
+            </a:r>
+            <a:r>
+              <a:rPr lang="en-US" dirty="0" err="1" smtClean="0"/>
+              <a:t>partir</a:t>
+            </a:r>
+            <a:r>
+              <a:rPr lang="en-US" dirty="0" smtClean="0"/>
+              <a:t> do </a:t>
+            </a:r>
+            <a:r>
+              <a:rPr lang="en-US" dirty="0" err="1" smtClean="0"/>
+              <a:t>construtor</a:t>
+            </a:r>
+            <a:r>
+              <a:rPr lang="en-US" dirty="0" smtClean="0"/>
+              <a:t> </a:t>
+            </a:r>
+            <a:r>
+              <a:rPr lang="en-US" dirty="0" err="1" smtClean="0"/>
+              <a:t>definido</a:t>
+            </a:r>
+            <a:r>
+              <a:rPr lang="en-US" dirty="0" smtClean="0"/>
+              <a:t> </a:t>
+            </a:r>
+            <a:r>
+              <a:rPr lang="en-US" dirty="0" err="1" smtClean="0"/>
+              <a:t>para</a:t>
+            </a:r>
+            <a:r>
+              <a:rPr lang="en-US" dirty="0" smtClean="0"/>
+              <a:t> a </a:t>
+            </a:r>
+            <a:r>
+              <a:rPr lang="en-US" dirty="0" err="1" smtClean="0"/>
+              <a:t>classe</a:t>
+            </a:r>
+            <a:r>
+              <a:rPr lang="en-US" dirty="0" smtClean="0"/>
+              <a:t> </a:t>
+            </a:r>
+            <a:r>
+              <a:rPr lang="en-US" dirty="0" err="1" smtClean="0"/>
+              <a:t>em</a:t>
+            </a:r>
+            <a:r>
+              <a:rPr lang="en-US" dirty="0" smtClean="0"/>
+              <a:t> </a:t>
+            </a:r>
+            <a:r>
+              <a:rPr lang="en-US" dirty="0" err="1" smtClean="0"/>
+              <a:t>questão</a:t>
             </a:r>
             <a:r>
               <a:rPr lang="en-US" dirty="0" smtClean="0"/>
@@ -12019,7 +12202,7 @@
     </p:spTree>
     <p:extLst>
       <p:ext uri="{BB962C8B-B14F-4D97-AF65-F5344CB8AC3E}">
-        <p14:creationId xmlns:p14="http://schemas.microsoft.com/office/powerpoint/2010/main" val="3256534258"/>
+        <p14:creationId xmlns:p14="http://schemas.microsoft.com/office/powerpoint/2010/main" val="4007416461"/>
       </p:ext>
     </p:extLst>
   </p:cSld>
@@ -12058,38 +12241,12 @@
         </p:nvSpPr>
         <p:spPr/>
         <p:txBody>
-          <a:bodyPr>
-            <a:normAutofit fontScale="90000"/>
-          </a:bodyPr>
+          <a:bodyPr/>
           <a:lstStyle/>
           <a:p>
             <a:r>
               <a:rPr lang="en-US" dirty="0" err="1" smtClean="0"/>
-              <a:t>Acessibilidade</a:t>
-            </a:r>
-            <a:r>
-              <a:rPr lang="en-US" dirty="0" smtClean="0"/>
-              <a:t> dos </a:t>
-            </a:r>
-            <a:r>
-              <a:rPr lang="en-US" dirty="0" err="1" smtClean="0"/>
-              <a:t>membros</a:t>
-            </a:r>
-            <a:r>
-              <a:rPr lang="en-US" dirty="0" smtClean="0"/>
-              <a:t> de </a:t>
-            </a:r>
-            <a:r>
-              <a:rPr lang="en-US" dirty="0" err="1" smtClean="0"/>
-              <a:t>uma</a:t>
-            </a:r>
-            <a:r>
-              <a:rPr lang="en-US" dirty="0" smtClean="0"/>
-              <a:t> </a:t>
-            </a:r>
-            <a:r>
-              <a:rPr lang="en-US" dirty="0" err="1" smtClean="0"/>
-              <a:t>classe</a:t>
+              <a:t>Construtores</a:t>
             </a:r>
             <a:endParaRPr lang="en-US" dirty="0"/>
           </a:p>
@@ -12111,8 +12268,32 @@
           <a:lstStyle/>
           <a:p>
             <a:r>
-              <a:rPr lang="en-US" dirty="0" err="1" smtClean="0"/>
-              <a:t>Veja</a:t>
+              <a:rPr lang="en-US" dirty="0" smtClean="0"/>
+              <a:t>A </a:t>
+            </a:r>
+            <a:r>
+              <a:rPr lang="en-US" dirty="0" err="1" smtClean="0"/>
+              <a:t>instancia</a:t>
+            </a:r>
+            <a:r>
+              <a:rPr lang="en-US" dirty="0" err="1" smtClean="0"/>
+              <a:t>ção</a:t>
+            </a:r>
+            <a:r>
+              <a:rPr lang="en-US" dirty="0" smtClean="0"/>
+              <a:t> </a:t>
+            </a:r>
+            <a:r>
+              <a:rPr lang="en-US" dirty="0" err="1" smtClean="0"/>
+              <a:t>em</a:t>
+            </a:r>
+            <a:r>
+              <a:rPr lang="en-US" dirty="0" smtClean="0"/>
+              <a:t> java </a:t>
+            </a:r>
+            <a:r>
+              <a:rPr lang="en-US" dirty="0" err="1" smtClean="0"/>
+              <a:t>obedece</a:t>
             </a:r>
             <a:r>
               <a:rPr lang="en-US" dirty="0" smtClean="0"/>
@@ -12120,7 +12301,82 @@
             </a:r>
             <a:r>
               <a:rPr lang="en-US" dirty="0" err="1" smtClean="0"/>
-              <a:t>exemplo</a:t>
+              <a:t>seguinte</a:t>
+            </a:r>
+            <a:r>
+              <a:rPr lang="en-US" dirty="0" smtClean="0"/>
+              <a:t> </a:t>
+            </a:r>
+            <a:r>
+              <a:rPr lang="en-US" dirty="0" err="1" smtClean="0"/>
+              <a:t>roteiro</a:t>
+            </a:r>
+            <a:r>
+              <a:rPr lang="en-US" dirty="0" smtClean="0"/>
+              <a:t>:</a:t>
+            </a:r>
+          </a:p>
+          <a:p>
+            <a:pPr lvl="1"/>
+            <a:r>
+              <a:rPr lang="en-US" dirty="0" smtClean="0"/>
+              <a:t>O </a:t>
+            </a:r>
+            <a:r>
+              <a:rPr lang="en-US" dirty="0" err="1" smtClean="0"/>
+              <a:t>espa</a:t>
+            </a:r>
+            <a:r>
+              <a:rPr lang="en-US" dirty="0" err="1" smtClean="0"/>
+              <a:t>ço</a:t>
+            </a:r>
+            <a:r>
+              <a:rPr lang="en-US" dirty="0" smtClean="0"/>
+              <a:t> </a:t>
+            </a:r>
+            <a:r>
+              <a:rPr lang="en-US" dirty="0" err="1" smtClean="0"/>
+              <a:t>para</a:t>
+            </a:r>
+            <a:r>
+              <a:rPr lang="en-US" dirty="0" smtClean="0"/>
+              <a:t> o novo </a:t>
+            </a:r>
+            <a:r>
+              <a:rPr lang="en-US" dirty="0" err="1" smtClean="0"/>
+              <a:t>objeto</a:t>
+            </a:r>
+            <a:r>
+              <a:rPr lang="en-US" dirty="0" smtClean="0"/>
+              <a:t> </a:t>
+            </a:r>
+            <a:r>
+              <a:rPr lang="en-US" dirty="0" err="1" smtClean="0"/>
+              <a:t>é</a:t>
+            </a:r>
+            <a:r>
+              <a:rPr lang="en-US" dirty="0" smtClean="0"/>
+              <a:t> </a:t>
+            </a:r>
+            <a:r>
+              <a:rPr lang="en-US" dirty="0" err="1" smtClean="0"/>
+              <a:t>alocado</a:t>
+            </a:r>
+            <a:r>
+              <a:rPr lang="en-US" dirty="0" smtClean="0"/>
+              <a:t> </a:t>
+            </a:r>
+            <a:r>
+              <a:rPr lang="en-US" dirty="0" err="1" smtClean="0"/>
+              <a:t>na</a:t>
+            </a:r>
+            <a:r>
+              <a:rPr lang="en-US" dirty="0" smtClean="0"/>
+              <a:t> </a:t>
+            </a:r>
+            <a:r>
+              <a:rPr lang="en-US" dirty="0" err="1" smtClean="0"/>
+              <a:t>memória</a:t>
             </a:r>
             <a:r>
               <a:rPr lang="en-US" dirty="0" smtClean="0"/>
@@ -12128,6 +12384,146 @@
             </a:r>
             <a:r>
               <a:rPr lang="en-US" dirty="0" err="1" smtClean="0"/>
+              <a:t>máquina</a:t>
+            </a:r>
+            <a:r>
+              <a:rPr lang="en-US" dirty="0" smtClean="0"/>
+              <a:t> virtual e </a:t>
+            </a:r>
+            <a:r>
+              <a:rPr lang="en-US" dirty="0" err="1" smtClean="0"/>
+              <a:t>inicializado</a:t>
+            </a:r>
+            <a:r>
+              <a:rPr lang="en-US" dirty="0" smtClean="0"/>
+              <a:t> com </a:t>
+            </a:r>
+            <a:r>
+              <a:rPr lang="en-US" dirty="0" err="1" smtClean="0"/>
+              <a:t>valores</a:t>
+            </a:r>
+            <a:r>
+              <a:rPr lang="en-US" dirty="0" smtClean="0"/>
+              <a:t> </a:t>
+            </a:r>
+            <a:r>
+              <a:rPr lang="en-US" dirty="0" err="1" smtClean="0"/>
+              <a:t>padrão</a:t>
+            </a:r>
+            <a:r>
+              <a:rPr lang="en-US" dirty="0"/>
+              <a:t>;</a:t>
+            </a:r>
+            <a:endParaRPr lang="en-US" dirty="0" smtClean="0"/>
+          </a:p>
+          <a:p>
+            <a:pPr lvl="1"/>
+            <a:r>
+              <a:rPr lang="en-US" dirty="0" smtClean="0"/>
+              <a:t>A </a:t>
+            </a:r>
+            <a:r>
+              <a:rPr lang="en-US" dirty="0" err="1" smtClean="0"/>
+              <a:t>seguir</a:t>
+            </a:r>
+            <a:r>
+              <a:rPr lang="en-US" dirty="0" smtClean="0"/>
+              <a:t> </a:t>
+            </a:r>
+            <a:r>
+              <a:rPr lang="en-US" dirty="0" err="1" smtClean="0"/>
+              <a:t>é</a:t>
+            </a:r>
+            <a:r>
+              <a:rPr lang="en-US" dirty="0" smtClean="0"/>
+              <a:t> </a:t>
+            </a:r>
+            <a:r>
+              <a:rPr lang="en-US" dirty="0" err="1" smtClean="0"/>
+              <a:t>executada</a:t>
+            </a:r>
+            <a:r>
+              <a:rPr lang="en-US" dirty="0" smtClean="0"/>
+              <a:t> a </a:t>
+            </a:r>
+            <a:r>
+              <a:rPr lang="en-US" dirty="0" err="1" smtClean="0"/>
+              <a:t>inicializacão</a:t>
+            </a:r>
+            <a:r>
+              <a:rPr lang="en-US" dirty="0" smtClean="0"/>
+              <a:t> </a:t>
+            </a:r>
+            <a:r>
+              <a:rPr lang="en-US" dirty="0" err="1" smtClean="0"/>
+              <a:t>explicita</a:t>
+            </a:r>
+            <a:r>
+              <a:rPr lang="en-US" dirty="0"/>
+              <a:t> </a:t>
+            </a:r>
+            <a:r>
+              <a:rPr lang="en-US" dirty="0" smtClean="0"/>
+              <a:t>dos </a:t>
+            </a:r>
+            <a:r>
+              <a:rPr lang="en-US" dirty="0" err="1" smtClean="0"/>
+              <a:t>membros</a:t>
+            </a:r>
+            <a:r>
+              <a:rPr lang="en-US" dirty="0" smtClean="0"/>
+              <a:t> do </a:t>
+            </a:r>
+            <a:r>
+              <a:rPr lang="en-US" dirty="0" err="1" smtClean="0"/>
+              <a:t>objeto</a:t>
+            </a:r>
+            <a:r>
+              <a:rPr lang="en-US" dirty="0" smtClean="0"/>
+              <a:t>, </a:t>
+            </a:r>
+            <a:r>
+              <a:rPr lang="en-US" dirty="0" err="1" smtClean="0"/>
+              <a:t>caso</a:t>
+            </a:r>
+            <a:r>
+              <a:rPr lang="en-US" dirty="0" smtClean="0"/>
+              <a:t> </a:t>
+            </a:r>
+            <a:r>
+              <a:rPr lang="en-US" dirty="0" err="1" smtClean="0"/>
+              <a:t>essa</a:t>
+            </a:r>
+            <a:r>
+              <a:rPr lang="en-US" dirty="0" smtClean="0"/>
+              <a:t> </a:t>
+            </a:r>
+            <a:r>
+              <a:rPr lang="en-US" dirty="0" err="1" smtClean="0"/>
+              <a:t>inicialização</a:t>
+            </a:r>
+            <a:r>
+              <a:rPr lang="en-US" dirty="0" smtClean="0"/>
+              <a:t> </a:t>
+            </a:r>
+            <a:r>
+              <a:rPr lang="en-US" dirty="0" err="1" smtClean="0"/>
+              <a:t>faça</a:t>
+            </a:r>
+            <a:r>
+              <a:rPr lang="en-US" dirty="0" smtClean="0"/>
+              <a:t> parte do </a:t>
+            </a:r>
+            <a:r>
+              <a:rPr lang="en-US" dirty="0" err="1" smtClean="0"/>
+              <a:t>código</a:t>
+            </a:r>
+            <a:r>
+              <a:rPr lang="en-US" dirty="0" smtClean="0"/>
+              <a:t> da </a:t>
+            </a:r>
+            <a:r>
+              <a:rPr lang="en-US" dirty="0" err="1" smtClean="0"/>
               <a:t>classe</a:t>
             </a:r>
             <a:r>
@@ -12136,31 +12532,35 @@
             </a:r>
             <a:r>
               <a:rPr lang="en-US" dirty="0" err="1" smtClean="0"/>
-              <a:t>Avaliacao</a:t>
-            </a:r>
-            <a:r>
-              <a:rPr lang="en-US" dirty="0" smtClean="0"/>
-              <a:t>. </a:t>
-            </a:r>
-            <a:r>
-              <a:rPr lang="en-US" dirty="0" err="1" smtClean="0"/>
-              <a:t>Quando</a:t>
+              <a:t>desse</a:t>
+            </a:r>
+            <a:r>
+              <a:rPr lang="en-US" dirty="0" smtClean="0"/>
+              <a:t> </a:t>
+            </a:r>
+            <a:r>
+              <a:rPr lang="en-US" dirty="0" err="1" smtClean="0"/>
+              <a:t>objeto</a:t>
             </a:r>
             <a:r>
               <a:rPr lang="en-US" dirty="0"/>
-              <a:t> </a:t>
-            </a:r>
-            <a:r>
-              <a:rPr lang="en-US" dirty="0" err="1" smtClean="0"/>
-              <a:t>instanciamos</a:t>
-            </a:r>
-            <a:r>
-              <a:rPr lang="en-US" dirty="0" smtClean="0"/>
-              <a:t> um </a:t>
-            </a:r>
-            <a:r>
-              <a:rPr lang="en-US" dirty="0" err="1" smtClean="0"/>
-              <a:t>objeto</a:t>
+              <a:t>;</a:t>
+            </a:r>
+            <a:endParaRPr lang="en-US" dirty="0" smtClean="0"/>
+          </a:p>
+          <a:p>
+            <a:pPr lvl="1"/>
+            <a:r>
+              <a:rPr lang="en-US" dirty="0" err="1" smtClean="0"/>
+              <a:t>Finalmente</a:t>
+            </a:r>
+            <a:r>
+              <a:rPr lang="en-US" dirty="0" smtClean="0"/>
+              <a:t>, o </a:t>
+            </a:r>
+            <a:r>
+              <a:rPr lang="en-US" dirty="0" err="1" smtClean="0"/>
+              <a:t>construtor</a:t>
             </a:r>
             <a:r>
               <a:rPr lang="en-US" dirty="0" smtClean="0"/>
@@ -12176,94 +12576,6 @@
             </a:r>
             <a:r>
               <a:rPr lang="en-US" dirty="0" err="1" smtClean="0"/>
-              <a:t>Avaliacao</a:t>
-            </a:r>
-            <a:r>
-              <a:rPr lang="en-US" dirty="0" smtClean="0"/>
-              <a:t>, </a:t>
-            </a:r>
-            <a:r>
-              <a:rPr lang="en-US" dirty="0" err="1" smtClean="0"/>
-              <a:t>seus</a:t>
-            </a:r>
-            <a:r>
-              <a:rPr lang="en-US" dirty="0" smtClean="0"/>
-              <a:t> </a:t>
-            </a:r>
-            <a:r>
-              <a:rPr lang="en-US" dirty="0" err="1" smtClean="0"/>
-              <a:t>membros</a:t>
-            </a:r>
-            <a:r>
-              <a:rPr lang="en-US" dirty="0" smtClean="0"/>
-              <a:t> </a:t>
-            </a:r>
-            <a:r>
-              <a:rPr lang="en-US" dirty="0" err="1" smtClean="0"/>
-              <a:t>podem</a:t>
-            </a:r>
-            <a:r>
-              <a:rPr lang="en-US" dirty="0" smtClean="0"/>
-              <a:t> </a:t>
-            </a:r>
-            <a:r>
-              <a:rPr lang="en-US" dirty="0" err="1" smtClean="0"/>
-              <a:t>ser</a:t>
-            </a:r>
-            <a:r>
-              <a:rPr lang="en-US" dirty="0" smtClean="0"/>
-              <a:t> </a:t>
-            </a:r>
-            <a:r>
-              <a:rPr lang="en-US" dirty="0" err="1" smtClean="0"/>
-              <a:t>acessados</a:t>
-            </a:r>
-            <a:r>
-              <a:rPr lang="en-US" dirty="0" smtClean="0"/>
-              <a:t> </a:t>
-            </a:r>
-            <a:r>
-              <a:rPr lang="en-US" dirty="0" err="1" smtClean="0"/>
-              <a:t>por</a:t>
-            </a:r>
-            <a:r>
-              <a:rPr lang="en-US" dirty="0" smtClean="0"/>
-              <a:t> </a:t>
-            </a:r>
-            <a:r>
-              <a:rPr lang="en-US" dirty="0" err="1" smtClean="0"/>
-              <a:t>quaisquer</a:t>
-            </a:r>
-            <a:r>
-              <a:rPr lang="en-US" dirty="0" smtClean="0"/>
-              <a:t> outros </a:t>
-            </a:r>
-            <a:r>
-              <a:rPr lang="en-US" dirty="0" err="1" smtClean="0"/>
-              <a:t>objetos</a:t>
-            </a:r>
-            <a:r>
-              <a:rPr lang="en-US" dirty="0" smtClean="0"/>
-              <a:t> </a:t>
-            </a:r>
-            <a:r>
-              <a:rPr lang="en-US" dirty="0" err="1" smtClean="0"/>
-              <a:t>na</a:t>
-            </a:r>
-            <a:r>
-              <a:rPr lang="en-US" dirty="0" smtClean="0"/>
-              <a:t> JVM. </a:t>
-            </a:r>
-            <a:r>
-              <a:rPr lang="en-US" dirty="0" err="1" smtClean="0"/>
-              <a:t>Isso</a:t>
-            </a:r>
-            <a:r>
-              <a:rPr lang="en-US" dirty="0" smtClean="0"/>
-              <a:t> </a:t>
-            </a:r>
-            <a:r>
-              <a:rPr lang="en-US" dirty="0" err="1" smtClean="0"/>
               <a:t>é</a:t>
             </a:r>
             <a:r>
@@ -12272,63 +12584,11 @@
             </a:r>
             <a:r>
               <a:rPr lang="en-US" dirty="0" err="1" smtClean="0"/>
-              <a:t>definido</a:t>
-            </a:r>
-            <a:r>
-              <a:rPr lang="en-US" dirty="0" smtClean="0"/>
-              <a:t> </a:t>
-            </a:r>
-            <a:r>
-              <a:rPr lang="en-US" dirty="0" err="1" smtClean="0"/>
-              <a:t>pelo</a:t>
-            </a:r>
-            <a:r>
-              <a:rPr lang="en-US" dirty="0" smtClean="0"/>
-              <a:t> </a:t>
-            </a:r>
-            <a:r>
-              <a:rPr lang="en-US" dirty="0" err="1" smtClean="0"/>
-              <a:t>modificar</a:t>
-            </a:r>
-            <a:r>
-              <a:rPr lang="en-US" dirty="0" smtClean="0"/>
-              <a:t> </a:t>
-            </a:r>
-            <a:r>
-              <a:rPr lang="en-US" b="1" i="1" dirty="0" smtClean="0"/>
-              <a:t>public </a:t>
-            </a:r>
-            <a:r>
-              <a:rPr lang="en-US" dirty="0" err="1" smtClean="0"/>
-              <a:t>que</a:t>
-            </a:r>
-            <a:r>
-              <a:rPr lang="en-US" dirty="0" smtClean="0"/>
-              <a:t> antecede a </a:t>
-            </a:r>
-            <a:r>
-              <a:rPr lang="en-US" dirty="0" err="1" smtClean="0"/>
-              <a:t>declaração</a:t>
-            </a:r>
-            <a:r>
-              <a:rPr lang="en-US" dirty="0" smtClean="0"/>
-              <a:t> </a:t>
-            </a:r>
-            <a:r>
-              <a:rPr lang="en-US" dirty="0" err="1" smtClean="0"/>
-              <a:t>desses</a:t>
-            </a:r>
-            <a:r>
-              <a:rPr lang="en-US" dirty="0" smtClean="0"/>
-              <a:t> </a:t>
-            </a:r>
-            <a:r>
-              <a:rPr lang="en-US" dirty="0" err="1" smtClean="0"/>
-              <a:t>membros</a:t>
-            </a:r>
-            <a:r>
-              <a:rPr lang="en-US" dirty="0" smtClean="0"/>
-              <a:t>.</a:t>
+              <a:t>executado</a:t>
+            </a:r>
+            <a:r>
+              <a:rPr lang="en-US" dirty="0" smtClean="0"/>
+              <a:t>;</a:t>
             </a:r>
             <a:endParaRPr lang="en-US" dirty="0"/>
           </a:p>
@@ -12337,7 +12597,7 @@
     </p:spTree>
     <p:extLst>
       <p:ext uri="{BB962C8B-B14F-4D97-AF65-F5344CB8AC3E}">
-        <p14:creationId xmlns:p14="http://schemas.microsoft.com/office/powerpoint/2010/main" val="1983222999"/>
+        <p14:creationId xmlns:p14="http://schemas.microsoft.com/office/powerpoint/2010/main" val="2085495234"/>
       </p:ext>
     </p:extLst>
   </p:cSld>
@@ -12376,71 +12636,231 @@
         </p:nvSpPr>
         <p:spPr/>
         <p:txBody>
-          <a:bodyPr>
-            <a:normAutofit fontScale="90000"/>
-          </a:bodyPr>
+          <a:bodyPr/>
           <a:lstStyle/>
           <a:p>
             <a:r>
               <a:rPr lang="en-US" dirty="0" err="1" smtClean="0"/>
-              <a:t>Acessibilidade</a:t>
-            </a:r>
-            <a:r>
-              <a:rPr lang="en-US" dirty="0" smtClean="0"/>
-              <a:t> dos </a:t>
-            </a:r>
-            <a:r>
-              <a:rPr lang="en-US" dirty="0" err="1" smtClean="0"/>
-              <a:t>membros</a:t>
-            </a:r>
-            <a:r>
-              <a:rPr lang="en-US" dirty="0" smtClean="0"/>
-              <a:t> de </a:t>
-            </a:r>
-            <a:r>
-              <a:rPr lang="en-US" dirty="0" err="1" smtClean="0"/>
-              <a:t>uma</a:t>
-            </a:r>
-            <a:r>
-              <a:rPr lang="en-US" dirty="0" smtClean="0"/>
-              <a:t> </a:t>
-            </a:r>
-            <a:r>
-              <a:rPr lang="en-US" dirty="0" err="1" smtClean="0"/>
-              <a:t>classe</a:t>
+              <a:t>Construtores</a:t>
             </a:r>
             <a:endParaRPr lang="en-US" dirty="0"/>
           </a:p>
         </p:txBody>
       </p:sp>
-      <p:pic>
-        <p:nvPicPr>
-          <p:cNvPr id="4" name="Picture 3"/>
-          <p:cNvPicPr>
-            <a:picLocks noChangeAspect="1"/>
-          </p:cNvPicPr>
-          <p:nvPr/>
-        </p:nvPicPr>
-        <p:blipFill>
-          <a:blip r:embed="rId2"/>
-          <a:stretch>
-            <a:fillRect/>
-          </a:stretch>
-        </p:blipFill>
-        <p:spPr>
-          <a:xfrm>
-            <a:off x="457200" y="2188616"/>
-            <a:ext cx="8367088" cy="3208009"/>
-          </a:xfrm>
-          <a:prstGeom prst="rect">
-            <a:avLst/>
-          </a:prstGeom>
-        </p:spPr>
-      </p:pic>
+      <p:sp>
+        <p:nvSpPr>
+          <p:cNvPr id="3" name="Content Placeholder 2"/>
+          <p:cNvSpPr>
+            <a:spLocks noGrp="1"/>
+          </p:cNvSpPr>
+          <p:nvPr>
+            <p:ph idx="1"/>
+          </p:nvPr>
+        </p:nvSpPr>
+        <p:spPr/>
+        <p:txBody>
+          <a:bodyPr/>
+          <a:lstStyle/>
+          <a:p>
+            <a:r>
+              <a:rPr lang="en-US" dirty="0" err="1" smtClean="0"/>
+              <a:t>Quando</a:t>
+            </a:r>
+            <a:r>
+              <a:rPr lang="en-US" dirty="0" smtClean="0"/>
+              <a:t> </a:t>
+            </a:r>
+            <a:r>
+              <a:rPr lang="en-US" dirty="0" err="1" smtClean="0"/>
+              <a:t>não</a:t>
+            </a:r>
+            <a:r>
+              <a:rPr lang="en-US" dirty="0" smtClean="0"/>
+              <a:t> </a:t>
+            </a:r>
+            <a:r>
+              <a:rPr lang="en-US" dirty="0" err="1" smtClean="0"/>
+              <a:t>declaramos</a:t>
+            </a:r>
+            <a:r>
+              <a:rPr lang="en-US" dirty="0" smtClean="0"/>
+              <a:t> </a:t>
+            </a:r>
+            <a:r>
+              <a:rPr lang="en-US" dirty="0" err="1" smtClean="0"/>
+              <a:t>nenhum</a:t>
+            </a:r>
+            <a:r>
+              <a:rPr lang="en-US" dirty="0" smtClean="0"/>
+              <a:t> </a:t>
+            </a:r>
+            <a:r>
+              <a:rPr lang="en-US" dirty="0" err="1" smtClean="0"/>
+              <a:t>construtor</a:t>
+            </a:r>
+            <a:r>
+              <a:rPr lang="en-US" dirty="0" smtClean="0"/>
+              <a:t> </a:t>
+            </a:r>
+            <a:r>
+              <a:rPr lang="en-US" dirty="0" err="1" smtClean="0"/>
+              <a:t>para</a:t>
+            </a:r>
+            <a:r>
+              <a:rPr lang="en-US" dirty="0" smtClean="0"/>
+              <a:t> </a:t>
+            </a:r>
+            <a:r>
+              <a:rPr lang="en-US" dirty="0" err="1" smtClean="0"/>
+              <a:t>uma</a:t>
+            </a:r>
+            <a:r>
+              <a:rPr lang="en-US" dirty="0" smtClean="0"/>
+              <a:t> </a:t>
+            </a:r>
+            <a:r>
+              <a:rPr lang="en-US" dirty="0" err="1" smtClean="0"/>
+              <a:t>classe</a:t>
+            </a:r>
+            <a:r>
+              <a:rPr lang="en-US" dirty="0" smtClean="0"/>
+              <a:t>, o </a:t>
+            </a:r>
+            <a:r>
+              <a:rPr lang="en-US" dirty="0" err="1" smtClean="0"/>
+              <a:t>interpretador</a:t>
+            </a:r>
+            <a:r>
+              <a:rPr lang="en-US" dirty="0" smtClean="0"/>
+              <a:t> da JVM </a:t>
+            </a:r>
+            <a:r>
+              <a:rPr lang="en-US" dirty="0" err="1" smtClean="0"/>
+              <a:t>considera</a:t>
+            </a:r>
+            <a:r>
+              <a:rPr lang="en-US" dirty="0" smtClean="0"/>
+              <a:t> um </a:t>
+            </a:r>
+            <a:r>
+              <a:rPr lang="en-US" dirty="0" err="1" smtClean="0"/>
+              <a:t>construtor</a:t>
+            </a:r>
+            <a:r>
+              <a:rPr lang="en-US" dirty="0" smtClean="0"/>
+              <a:t> </a:t>
+            </a:r>
+            <a:r>
+              <a:rPr lang="en-US" dirty="0" err="1" smtClean="0"/>
+              <a:t>padrão</a:t>
+            </a:r>
+            <a:r>
+              <a:rPr lang="en-US" dirty="0" smtClean="0"/>
+              <a:t>, </a:t>
+            </a:r>
+            <a:r>
+              <a:rPr lang="en-US" dirty="0" err="1" smtClean="0"/>
+              <a:t>onde</a:t>
+            </a:r>
+            <a:r>
+              <a:rPr lang="en-US" dirty="0" smtClean="0"/>
+              <a:t> </a:t>
+            </a:r>
+            <a:r>
+              <a:rPr lang="en-US" dirty="0" err="1" smtClean="0"/>
+              <a:t>todos</a:t>
+            </a:r>
+            <a:r>
+              <a:rPr lang="en-US" dirty="0" smtClean="0"/>
+              <a:t> </a:t>
+            </a:r>
+            <a:r>
+              <a:rPr lang="en-US" dirty="0" err="1" smtClean="0"/>
+              <a:t>os</a:t>
+            </a:r>
+            <a:r>
+              <a:rPr lang="en-US" dirty="0" smtClean="0"/>
+              <a:t> </a:t>
+            </a:r>
+            <a:r>
+              <a:rPr lang="en-US" dirty="0" err="1" smtClean="0"/>
+              <a:t>membros</a:t>
+            </a:r>
+            <a:r>
+              <a:rPr lang="en-US" dirty="0" smtClean="0"/>
+              <a:t> dos </a:t>
+            </a:r>
+            <a:r>
+              <a:rPr lang="en-US" dirty="0" err="1" smtClean="0"/>
+              <a:t>objetos</a:t>
+            </a:r>
+            <a:r>
+              <a:rPr lang="en-US" dirty="0" smtClean="0"/>
+              <a:t> </a:t>
+            </a:r>
+            <a:r>
+              <a:rPr lang="en-US" dirty="0" err="1" smtClean="0"/>
+              <a:t>criados</a:t>
+            </a:r>
+            <a:r>
+              <a:rPr lang="en-US" dirty="0" smtClean="0"/>
+              <a:t> </a:t>
+            </a:r>
+            <a:r>
+              <a:rPr lang="en-US" dirty="0" err="1" smtClean="0"/>
+              <a:t>serão</a:t>
+            </a:r>
+            <a:r>
+              <a:rPr lang="en-US" dirty="0" smtClean="0"/>
+              <a:t> </a:t>
+            </a:r>
+            <a:r>
+              <a:rPr lang="en-US" dirty="0" err="1" smtClean="0"/>
+              <a:t>inicializados</a:t>
+            </a:r>
+            <a:r>
+              <a:rPr lang="en-US" dirty="0" smtClean="0"/>
+              <a:t> com </a:t>
+            </a:r>
+            <a:r>
+              <a:rPr lang="en-US" dirty="0" err="1" smtClean="0"/>
+              <a:t>seus</a:t>
+            </a:r>
+            <a:r>
+              <a:rPr lang="en-US" dirty="0" smtClean="0"/>
+              <a:t> </a:t>
+            </a:r>
+            <a:r>
+              <a:rPr lang="en-US" dirty="0" err="1" smtClean="0"/>
+              <a:t>respectivos</a:t>
+            </a:r>
+            <a:r>
+              <a:rPr lang="en-US" dirty="0"/>
+              <a:t> </a:t>
+            </a:r>
+            <a:r>
+              <a:rPr lang="en-US" dirty="0" err="1" smtClean="0"/>
+              <a:t>valores</a:t>
+            </a:r>
+            <a:r>
+              <a:rPr lang="en-US" dirty="0" smtClean="0"/>
+              <a:t> </a:t>
+            </a:r>
+            <a:r>
+              <a:rPr lang="en-US" dirty="0" err="1" smtClean="0"/>
+              <a:t>padrão</a:t>
+            </a:r>
+            <a:r>
+              <a:rPr lang="en-US" dirty="0" smtClean="0"/>
+              <a:t>.</a:t>
+            </a:r>
+          </a:p>
+        </p:txBody>
+      </p:sp>
     </p:spTree>
     <p:extLst>
       <p:ext uri="{BB962C8B-B14F-4D97-AF65-F5344CB8AC3E}">
-        <p14:creationId xmlns:p14="http://schemas.microsoft.com/office/powerpoint/2010/main" val="1558590240"/>
+        <p14:creationId xmlns:p14="http://schemas.microsoft.com/office/powerpoint/2010/main" val="3241126245"/>
       </p:ext>
     </p:extLst>
   </p:cSld>
@@ -12563,38 +12983,12 @@
         </p:nvSpPr>
         <p:spPr/>
         <p:txBody>
-          <a:bodyPr>
-            <a:normAutofit fontScale="90000"/>
-          </a:bodyPr>
+          <a:bodyPr/>
           <a:lstStyle/>
           <a:p>
             <a:r>
               <a:rPr lang="en-US" dirty="0" err="1" smtClean="0"/>
-              <a:t>Acessibilidade</a:t>
-            </a:r>
-            <a:r>
-              <a:rPr lang="en-US" dirty="0" smtClean="0"/>
-              <a:t> dos </a:t>
-            </a:r>
-            <a:r>
-              <a:rPr lang="en-US" dirty="0" err="1" smtClean="0"/>
-              <a:t>membros</a:t>
-            </a:r>
-            <a:r>
-              <a:rPr lang="en-US" dirty="0" smtClean="0"/>
-              <a:t> de </a:t>
-            </a:r>
-            <a:r>
-              <a:rPr lang="en-US" dirty="0" err="1" smtClean="0"/>
-              <a:t>uma</a:t>
-            </a:r>
-            <a:r>
-              <a:rPr lang="en-US" dirty="0" smtClean="0"/>
-              <a:t> </a:t>
-            </a:r>
-            <a:r>
-              <a:rPr lang="en-US" dirty="0" err="1" smtClean="0"/>
-              <a:t>classe</a:t>
+              <a:t>Construtores</a:t>
             </a:r>
             <a:endParaRPr lang="en-US" dirty="0"/>
           </a:p>
@@ -12602,7 +12996,7 @@
       </p:sp>
       <p:pic>
         <p:nvPicPr>
-          <p:cNvPr id="3" name="Picture 2"/>
+          <p:cNvPr id="4" name="Picture 3"/>
           <p:cNvPicPr>
             <a:picLocks noChangeAspect="1"/>
           </p:cNvPicPr>
@@ -12616,8 +13010,8 @@
         </p:blipFill>
         <p:spPr>
           <a:xfrm>
-            <a:off x="182323" y="2108199"/>
-            <a:ext cx="8867093" cy="3390359"/>
+            <a:off x="1015180" y="1689100"/>
+            <a:ext cx="7120171" cy="4403898"/>
           </a:xfrm>
           <a:prstGeom prst="rect">
             <a:avLst/>
@@ -12627,7 +13021,7 @@
     </p:spTree>
     <p:extLst>
       <p:ext uri="{BB962C8B-B14F-4D97-AF65-F5344CB8AC3E}">
-        <p14:creationId xmlns:p14="http://schemas.microsoft.com/office/powerpoint/2010/main" val="3040606519"/>
+        <p14:creationId xmlns:p14="http://schemas.microsoft.com/office/powerpoint/2010/main" val="4183610933"/>
       </p:ext>
     </p:extLst>
   </p:cSld>
@@ -12673,15 +13067,15 @@
           <a:p>
             <a:r>
               <a:rPr lang="en-US" dirty="0" err="1" smtClean="0"/>
-              <a:t>Acessibilidade</a:t>
-            </a:r>
-            <a:r>
-              <a:rPr lang="en-US" dirty="0" smtClean="0"/>
-              <a:t> dos </a:t>
-            </a:r>
-            <a:r>
-              <a:rPr lang="en-US" dirty="0" err="1" smtClean="0"/>
-              <a:t>membros</a:t>
+              <a:t>Encapsulamento</a:t>
+            </a:r>
+            <a:r>
+              <a:rPr lang="en-US" dirty="0" smtClean="0"/>
+              <a:t> e </a:t>
+            </a:r>
+            <a:r>
+              <a:rPr lang="en-US" dirty="0" err="1" smtClean="0"/>
+              <a:t>sobrecarga</a:t>
             </a:r>
             <a:r>
               <a:rPr lang="en-US" dirty="0" smtClean="0"/>
@@ -12689,15 +13083,7 @@
             </a:r>
             <a:r>
               <a:rPr lang="en-US" dirty="0" err="1" smtClean="0"/>
-              <a:t>uma</a:t>
-            </a:r>
-            <a:r>
-              <a:rPr lang="en-US" dirty="0" smtClean="0"/>
-              <a:t> </a:t>
-            </a:r>
-            <a:r>
-              <a:rPr lang="en-US" dirty="0" err="1" smtClean="0"/>
-              <a:t>classe</a:t>
+              <a:t>métodos</a:t>
             </a:r>
             <a:endParaRPr lang="en-US" dirty="0"/>
           </a:p>
@@ -12705,7 +13091,7 @@
       </p:sp>
       <p:sp>
         <p:nvSpPr>
-          <p:cNvPr id="4" name="Content Placeholder 2"/>
+          <p:cNvPr id="3" name="Content Placeholder 2"/>
           <p:cNvSpPr>
             <a:spLocks noGrp="1"/>
           </p:cNvSpPr>
@@ -12713,123 +13099,38 @@
             <p:ph idx="1"/>
           </p:nvPr>
         </p:nvSpPr>
-        <p:spPr>
-          <a:xfrm>
-            <a:off x="457200" y="1600200"/>
-            <a:ext cx="8229600" cy="4525963"/>
-          </a:xfrm>
-        </p:spPr>
+        <p:spPr/>
         <p:txBody>
           <a:bodyPr/>
           <a:lstStyle/>
           <a:p>
             <a:r>
               <a:rPr lang="en-US" dirty="0" err="1" smtClean="0"/>
-              <a:t>Algumas</a:t>
-            </a:r>
-            <a:r>
-              <a:rPr lang="en-US" dirty="0" smtClean="0"/>
-              <a:t> </a:t>
-            </a:r>
-            <a:r>
-              <a:rPr lang="en-US" dirty="0" err="1" smtClean="0"/>
-              <a:t>vezes</a:t>
-            </a:r>
-            <a:r>
-              <a:rPr lang="en-US" dirty="0" smtClean="0"/>
-              <a:t> </a:t>
-            </a:r>
-            <a:r>
-              <a:rPr lang="en-US" dirty="0" err="1" smtClean="0"/>
-              <a:t>precisamos</a:t>
-            </a:r>
-            <a:r>
-              <a:rPr lang="en-US" dirty="0" smtClean="0"/>
-              <a:t> </a:t>
-            </a:r>
-            <a:r>
-              <a:rPr lang="en-US" dirty="0" err="1" smtClean="0"/>
-              <a:t>evitar</a:t>
-            </a:r>
-            <a:r>
-              <a:rPr lang="en-US" dirty="0" smtClean="0"/>
-              <a:t> </a:t>
-            </a:r>
-            <a:r>
-              <a:rPr lang="en-US" dirty="0" err="1" smtClean="0"/>
-              <a:t>que</a:t>
-            </a:r>
-            <a:r>
-              <a:rPr lang="en-US" dirty="0" smtClean="0"/>
-              <a:t> </a:t>
-            </a:r>
-            <a:r>
-              <a:rPr lang="en-US" dirty="0" err="1" smtClean="0"/>
-              <a:t>valores</a:t>
-            </a:r>
-            <a:r>
-              <a:rPr lang="en-US" dirty="0" smtClean="0"/>
-              <a:t> </a:t>
-            </a:r>
-            <a:r>
-              <a:rPr lang="en-US" dirty="0" err="1" smtClean="0"/>
-              <a:t>inv</a:t>
-            </a:r>
-            <a:r>
-              <a:rPr lang="en-US" dirty="0" err="1" smtClean="0"/>
-              <a:t>álidos</a:t>
-            </a:r>
-            <a:r>
-              <a:rPr lang="en-US" dirty="0" smtClean="0"/>
-              <a:t> </a:t>
-            </a:r>
-            <a:r>
-              <a:rPr lang="en-US" dirty="0" err="1" smtClean="0"/>
-              <a:t>ou</a:t>
-            </a:r>
-            <a:r>
-              <a:rPr lang="en-US" dirty="0" smtClean="0"/>
-              <a:t> </a:t>
-            </a:r>
-            <a:r>
-              <a:rPr lang="en-US" dirty="0" err="1" smtClean="0"/>
-              <a:t>comportamentos</a:t>
-            </a:r>
-            <a:r>
-              <a:rPr lang="en-US" dirty="0" smtClean="0"/>
-              <a:t> </a:t>
-            </a:r>
-            <a:r>
-              <a:rPr lang="en-US" dirty="0" err="1" smtClean="0"/>
-              <a:t>inválidos</a:t>
-            </a:r>
-            <a:r>
-              <a:rPr lang="en-US" dirty="0" smtClean="0"/>
-              <a:t> </a:t>
-            </a:r>
-            <a:r>
-              <a:rPr lang="en-US" dirty="0" err="1" smtClean="0"/>
-              <a:t>sejam</a:t>
-            </a:r>
-            <a:r>
-              <a:rPr lang="en-US" dirty="0" smtClean="0"/>
-              <a:t> </a:t>
-            </a:r>
-            <a:r>
-              <a:rPr lang="en-US" dirty="0" err="1" smtClean="0"/>
-              <a:t>atribuídos</a:t>
+              <a:t>Controle</a:t>
+            </a:r>
+            <a:r>
+              <a:rPr lang="en-US" dirty="0" smtClean="0"/>
+              <a:t> </a:t>
+            </a:r>
+            <a:r>
+              <a:rPr lang="en-US" dirty="0" err="1" smtClean="0"/>
+              <a:t>sobre</a:t>
             </a:r>
             <a:r>
               <a:rPr lang="en-US" dirty="0"/>
               <a:t> </a:t>
             </a:r>
             <a:r>
-              <a:rPr lang="en-US" dirty="0" err="1" smtClean="0"/>
-              <a:t>aos</a:t>
-            </a:r>
-            <a:r>
-              <a:rPr lang="en-US" dirty="0" smtClean="0"/>
-              <a:t> </a:t>
+              <a:rPr lang="en-US" dirty="0" smtClean="0"/>
+              <a:t>a </a:t>
+            </a:r>
+            <a:r>
+              <a:rPr lang="en-US" dirty="0" err="1" smtClean="0"/>
+              <a:t>acessibilidade</a:t>
+            </a:r>
+            <a:r>
+              <a:rPr lang="en-US" dirty="0" smtClean="0"/>
+              <a:t> dos </a:t>
             </a:r>
             <a:r>
               <a:rPr lang="en-US" dirty="0" err="1" smtClean="0"/>
@@ -12853,99 +13154,35 @@
             </a:r>
             <a:r>
               <a:rPr lang="en-US" dirty="0" smtClean="0"/>
-              <a:t>. No </a:t>
-            </a:r>
-            <a:r>
-              <a:rPr lang="en-US" dirty="0" err="1" smtClean="0"/>
-              <a:t>exemplo</a:t>
-            </a:r>
-            <a:r>
-              <a:rPr lang="en-US" dirty="0" smtClean="0"/>
-              <a:t> </a:t>
-            </a:r>
-            <a:r>
-              <a:rPr lang="en-US" dirty="0" err="1" smtClean="0"/>
-              <a:t>uma</a:t>
-            </a:r>
-            <a:r>
-              <a:rPr lang="en-US" dirty="0" smtClean="0"/>
-              <a:t> nota </a:t>
-            </a:r>
-            <a:r>
-              <a:rPr lang="en-US" dirty="0" err="1" smtClean="0"/>
-              <a:t>jamais</a:t>
-            </a:r>
-            <a:r>
-              <a:rPr lang="en-US" dirty="0" smtClean="0"/>
-              <a:t> </a:t>
-            </a:r>
-            <a:r>
-              <a:rPr lang="en-US" dirty="0" err="1" smtClean="0"/>
-              <a:t>poderia</a:t>
-            </a:r>
-            <a:r>
-              <a:rPr lang="en-US" dirty="0" smtClean="0"/>
-              <a:t> </a:t>
-            </a:r>
-            <a:r>
-              <a:rPr lang="en-US" dirty="0" err="1" smtClean="0"/>
-              <a:t>ser</a:t>
-            </a:r>
-            <a:r>
-              <a:rPr lang="en-US" dirty="0" smtClean="0"/>
-              <a:t> </a:t>
-            </a:r>
-            <a:r>
-              <a:rPr lang="en-US" dirty="0" err="1" smtClean="0"/>
-              <a:t>negativa</a:t>
-            </a:r>
-            <a:r>
-              <a:rPr lang="en-US" dirty="0" smtClean="0"/>
-              <a:t> </a:t>
-            </a:r>
-            <a:r>
-              <a:rPr lang="en-US" dirty="0" err="1" smtClean="0"/>
-              <a:t>ou</a:t>
-            </a:r>
-            <a:r>
-              <a:rPr lang="en-US" dirty="0" smtClean="0"/>
-              <a:t> </a:t>
-            </a:r>
-            <a:r>
-              <a:rPr lang="en-US" dirty="0" err="1" smtClean="0"/>
-              <a:t>maior</a:t>
-            </a:r>
-            <a:r>
-              <a:rPr lang="en-US" dirty="0" smtClean="0"/>
-              <a:t> </a:t>
-            </a:r>
-            <a:r>
-              <a:rPr lang="en-US" dirty="0" err="1" smtClean="0"/>
-              <a:t>que</a:t>
-            </a:r>
-            <a:r>
-              <a:rPr lang="en-US" dirty="0" smtClean="0"/>
-              <a:t> </a:t>
-            </a:r>
-            <a:r>
-              <a:rPr lang="en-US" dirty="0" err="1" smtClean="0"/>
-              <a:t>dez</a:t>
-            </a:r>
-            <a:r>
-              <a:rPr lang="en-US" dirty="0" smtClean="0"/>
-              <a:t>. Como </a:t>
-            </a:r>
-            <a:r>
-              <a:rPr lang="en-US" dirty="0" err="1" smtClean="0"/>
-              <a:t>os</a:t>
-            </a:r>
-            <a:r>
-              <a:rPr lang="en-US" dirty="0" smtClean="0"/>
-              <a:t> </a:t>
-            </a:r>
-            <a:r>
-              <a:rPr lang="en-US" dirty="0" err="1" smtClean="0"/>
-              <a:t>membros</a:t>
+              <a:t> e a </a:t>
+            </a:r>
+            <a:r>
+              <a:rPr lang="en-US" dirty="0" err="1" smtClean="0"/>
+              <a:t>implementação</a:t>
+            </a:r>
+            <a:r>
+              <a:rPr lang="en-US" dirty="0" smtClean="0"/>
+              <a:t> de classes com </a:t>
+            </a:r>
+            <a:r>
+              <a:rPr lang="en-US" dirty="0" err="1" smtClean="0"/>
+              <a:t>comportamento</a:t>
+            </a:r>
+            <a:r>
+              <a:rPr lang="en-US" dirty="0" smtClean="0"/>
+              <a:t> </a:t>
+            </a:r>
+            <a:r>
+              <a:rPr lang="en-US" dirty="0" err="1" smtClean="0"/>
+              <a:t>dinâmico</a:t>
+            </a:r>
+            <a:r>
+              <a:rPr lang="en-US" dirty="0" smtClean="0"/>
+              <a:t> </a:t>
+            </a:r>
+            <a:r>
+              <a:rPr lang="en-US" dirty="0" err="1" smtClean="0"/>
+              <a:t>através</a:t>
             </a:r>
             <a:r>
               <a:rPr lang="en-US" dirty="0" smtClean="0"/>
@@ -12953,79 +13190,15 @@
             </a:r>
             <a:r>
               <a:rPr lang="en-US" dirty="0" err="1" smtClean="0"/>
-              <a:t>classe</a:t>
-            </a:r>
-            <a:r>
-              <a:rPr lang="en-US" dirty="0" smtClean="0"/>
-              <a:t> </a:t>
-            </a:r>
-            <a:r>
-              <a:rPr lang="en-US" dirty="0" err="1" smtClean="0"/>
-              <a:t>Avaliacao</a:t>
-            </a:r>
-            <a:r>
-              <a:rPr lang="en-US" dirty="0" smtClean="0"/>
-              <a:t> </a:t>
-            </a:r>
-            <a:r>
-              <a:rPr lang="en-US" dirty="0" err="1" smtClean="0"/>
-              <a:t>são</a:t>
-            </a:r>
-            <a:r>
-              <a:rPr lang="en-US" dirty="0" smtClean="0"/>
-              <a:t> </a:t>
-            </a:r>
-            <a:r>
-              <a:rPr lang="en-US" dirty="0" err="1" smtClean="0"/>
-              <a:t>todos</a:t>
-            </a:r>
-            <a:r>
-              <a:rPr lang="en-US" dirty="0" smtClean="0"/>
-              <a:t> </a:t>
-            </a:r>
-            <a:r>
-              <a:rPr lang="en-US" dirty="0" err="1" smtClean="0"/>
-              <a:t>públicos</a:t>
-            </a:r>
-            <a:r>
-              <a:rPr lang="en-US" dirty="0" smtClean="0"/>
-              <a:t>, a </a:t>
-            </a:r>
-            <a:r>
-              <a:rPr lang="en-US" dirty="0" err="1" smtClean="0"/>
-              <a:t>consistência</a:t>
-            </a:r>
-            <a:r>
-              <a:rPr lang="en-US" dirty="0" smtClean="0"/>
-              <a:t> dos </a:t>
-            </a:r>
-            <a:r>
-              <a:rPr lang="en-US" dirty="0" err="1" smtClean="0"/>
-              <a:t>objetos</a:t>
-            </a:r>
-            <a:r>
-              <a:rPr lang="en-US" dirty="0" smtClean="0"/>
-              <a:t> </a:t>
-            </a:r>
-            <a:r>
-              <a:rPr lang="en-US" dirty="0" err="1" smtClean="0"/>
-              <a:t>é</a:t>
-            </a:r>
-            <a:r>
-              <a:rPr lang="en-US" dirty="0" smtClean="0"/>
-              <a:t> </a:t>
-            </a:r>
-            <a:r>
-              <a:rPr lang="en-US" dirty="0" err="1" smtClean="0"/>
-              <a:t>muito</a:t>
-            </a:r>
-            <a:r>
-              <a:rPr lang="en-US" dirty="0" smtClean="0"/>
-              <a:t> </a:t>
-            </a:r>
-            <a:r>
-              <a:rPr lang="en-US" dirty="0" err="1" smtClean="0"/>
-              <a:t>frágil</a:t>
+              <a:t>sobrecarga</a:t>
+            </a:r>
+            <a:r>
+              <a:rPr lang="en-US" dirty="0" smtClean="0"/>
+              <a:t> de </a:t>
+            </a:r>
+            <a:r>
+              <a:rPr lang="en-US" dirty="0" err="1" smtClean="0"/>
+              <a:t>métodos</a:t>
             </a:r>
             <a:r>
               <a:rPr lang="en-US" dirty="0" smtClean="0"/>
@@ -13038,7 +13211,7 @@
     </p:spTree>
     <p:extLst>
       <p:ext uri="{BB962C8B-B14F-4D97-AF65-F5344CB8AC3E}">
-        <p14:creationId xmlns:p14="http://schemas.microsoft.com/office/powerpoint/2010/main" val="85697686"/>
+        <p14:creationId xmlns:p14="http://schemas.microsoft.com/office/powerpoint/2010/main" val="3256534258"/>
       </p:ext>
     </p:extLst>
   </p:cSld>
@@ -13083,31 +13256,31 @@
           <a:lstStyle/>
           <a:p>
             <a:r>
-              <a:rPr lang="en-US" dirty="0" err="1"/>
+              <a:rPr lang="en-US" dirty="0" err="1" smtClean="0"/>
               <a:t>Acessibilidade</a:t>
             </a:r>
             <a:r>
-              <a:rPr lang="en-US" dirty="0"/>
+              <a:rPr lang="en-US" dirty="0" smtClean="0"/>
               <a:t> dos </a:t>
             </a:r>
             <a:r>
-              <a:rPr lang="en-US" dirty="0" err="1"/>
+              <a:rPr lang="en-US" dirty="0" err="1" smtClean="0"/>
               <a:t>membros</a:t>
             </a:r>
             <a:r>
-              <a:rPr lang="en-US" dirty="0"/>
+              <a:rPr lang="en-US" dirty="0" smtClean="0"/>
               <a:t> de </a:t>
             </a:r>
             <a:r>
-              <a:rPr lang="en-US" dirty="0" err="1"/>
+              <a:rPr lang="en-US" dirty="0" err="1" smtClean="0"/>
               <a:t>uma</a:t>
             </a:r>
             <a:r>
-              <a:rPr lang="en-US" dirty="0"/>
-              <a:t> </a:t>
-            </a:r>
-            <a:r>
-              <a:rPr lang="en-US" dirty="0" err="1"/>
+              <a:rPr lang="en-US" dirty="0" smtClean="0"/>
+              <a:t> </a:t>
+            </a:r>
+            <a:r>
+              <a:rPr lang="en-US" dirty="0" err="1" smtClean="0"/>
               <a:t>classe</a:t>
             </a:r>
             <a:endParaRPr lang="en-US" dirty="0"/>
@@ -13130,72 +13303,80 @@
           <a:lstStyle/>
           <a:p>
             <a:r>
-              <a:rPr lang="en-US" dirty="0" smtClean="0"/>
-              <a:t>Para </a:t>
-            </a:r>
-            <a:r>
-              <a:rPr lang="en-US" dirty="0" err="1" smtClean="0"/>
-              <a:t>contornar</a:t>
-            </a:r>
-            <a:r>
-              <a:rPr lang="en-US" dirty="0" smtClean="0"/>
-              <a:t> </a:t>
-            </a:r>
-            <a:r>
-              <a:rPr lang="en-US" dirty="0" err="1" smtClean="0"/>
-              <a:t>isso</a:t>
-            </a:r>
-            <a:r>
-              <a:rPr lang="en-US" dirty="0" smtClean="0"/>
-              <a:t>, a </a:t>
-            </a:r>
-            <a:r>
-              <a:rPr lang="en-US" dirty="0" err="1" smtClean="0"/>
-              <a:t>Orienta</a:t>
-            </a:r>
-            <a:r>
-              <a:rPr lang="en-US" dirty="0" err="1" smtClean="0"/>
-              <a:t>ção</a:t>
-            </a:r>
-            <a:r>
-              <a:rPr lang="en-US" dirty="0" smtClean="0"/>
-              <a:t> a </a:t>
-            </a:r>
-            <a:r>
-              <a:rPr lang="en-US" dirty="0" err="1" smtClean="0"/>
-              <a:t>Objetos</a:t>
-            </a:r>
-            <a:r>
-              <a:rPr lang="en-US" dirty="0" smtClean="0"/>
-              <a:t> define </a:t>
-            </a:r>
-            <a:r>
-              <a:rPr lang="en-US" dirty="0" err="1" smtClean="0"/>
-              <a:t>outras</a:t>
-            </a:r>
-            <a:r>
-              <a:rPr lang="en-US" dirty="0" smtClean="0"/>
-              <a:t> </a:t>
-            </a:r>
-            <a:r>
-              <a:rPr lang="en-US" dirty="0" err="1" smtClean="0"/>
-              <a:t>formas</a:t>
-            </a:r>
-            <a:r>
-              <a:rPr lang="en-US" dirty="0" smtClean="0"/>
-              <a:t> de </a:t>
-            </a:r>
-            <a:r>
-              <a:rPr lang="en-US" dirty="0" err="1" smtClean="0"/>
-              <a:t>acessibilidade</a:t>
-            </a:r>
-            <a:r>
-              <a:rPr lang="en-US" dirty="0" smtClean="0"/>
-              <a:t> </a:t>
-            </a:r>
-            <a:r>
-              <a:rPr lang="en-US" dirty="0" err="1" smtClean="0"/>
-              <a:t>aos</a:t>
+              <a:rPr lang="en-US" dirty="0" err="1" smtClean="0"/>
+              <a:t>Veja</a:t>
+            </a:r>
+            <a:r>
+              <a:rPr lang="en-US" dirty="0" smtClean="0"/>
+              <a:t> o </a:t>
+            </a:r>
+            <a:r>
+              <a:rPr lang="en-US" dirty="0" err="1" smtClean="0"/>
+              <a:t>exemplo</a:t>
+            </a:r>
+            <a:r>
+              <a:rPr lang="en-US" dirty="0" smtClean="0"/>
+              <a:t> da </a:t>
+            </a:r>
+            <a:r>
+              <a:rPr lang="en-US" dirty="0" err="1" smtClean="0"/>
+              <a:t>classe</a:t>
+            </a:r>
+            <a:r>
+              <a:rPr lang="en-US" dirty="0" smtClean="0"/>
+              <a:t> </a:t>
+            </a:r>
+            <a:r>
+              <a:rPr lang="en-US" dirty="0" err="1" smtClean="0"/>
+              <a:t>Avaliacao</a:t>
+            </a:r>
+            <a:r>
+              <a:rPr lang="en-US" dirty="0" smtClean="0"/>
+              <a:t>. </a:t>
+            </a:r>
+            <a:r>
+              <a:rPr lang="en-US" dirty="0" err="1" smtClean="0"/>
+              <a:t>Quando</a:t>
+            </a:r>
+            <a:r>
+              <a:rPr lang="en-US" dirty="0"/>
+              <a:t> </a:t>
+            </a:r>
+            <a:r>
+              <a:rPr lang="en-US" dirty="0" err="1" smtClean="0"/>
+              <a:t>instanciamos</a:t>
+            </a:r>
+            <a:r>
+              <a:rPr lang="en-US" dirty="0" smtClean="0"/>
+              <a:t> um </a:t>
+            </a:r>
+            <a:r>
+              <a:rPr lang="en-US" dirty="0" err="1" smtClean="0"/>
+              <a:t>objeto</a:t>
+            </a:r>
+            <a:r>
+              <a:rPr lang="en-US" dirty="0" smtClean="0"/>
+              <a:t> da </a:t>
+            </a:r>
+            <a:r>
+              <a:rPr lang="en-US" dirty="0" err="1" smtClean="0"/>
+              <a:t>classe</a:t>
+            </a:r>
+            <a:r>
+              <a:rPr lang="en-US" dirty="0" smtClean="0"/>
+              <a:t> </a:t>
+            </a:r>
+            <a:r>
+              <a:rPr lang="en-US" dirty="0" err="1" smtClean="0"/>
+              <a:t>Avaliacao</a:t>
+            </a:r>
+            <a:r>
+              <a:rPr lang="en-US" dirty="0" smtClean="0"/>
+              <a:t>, </a:t>
+            </a:r>
+            <a:r>
+              <a:rPr lang="en-US" dirty="0" err="1" smtClean="0"/>
+              <a:t>seus</a:t>
             </a:r>
             <a:r>
               <a:rPr lang="en-US" dirty="0" smtClean="0"/>
@@ -13207,67 +13388,119 @@
             </a:r>
             <a:r>
               <a:rPr lang="en-US" dirty="0" smtClean="0"/>
-              <a:t> de </a:t>
-            </a:r>
-            <a:r>
-              <a:rPr lang="en-US" dirty="0" err="1" smtClean="0"/>
-              <a:t>uma</a:t>
-            </a:r>
-            <a:r>
-              <a:rPr lang="en-US" dirty="0" smtClean="0"/>
-              <a:t> </a:t>
-            </a:r>
-            <a:r>
-              <a:rPr lang="en-US" dirty="0" err="1" smtClean="0"/>
-              <a:t>classe</a:t>
-            </a:r>
-            <a:r>
-              <a:rPr lang="en-US" dirty="0" smtClean="0"/>
-              <a:t>, </a:t>
-            </a:r>
-            <a:r>
-              <a:rPr lang="en-US" dirty="0" err="1" smtClean="0"/>
-              <a:t>através</a:t>
-            </a:r>
-            <a:r>
-              <a:rPr lang="en-US" dirty="0" smtClean="0"/>
-              <a:t> dos </a:t>
-            </a:r>
-            <a:r>
-              <a:rPr lang="en-US" dirty="0" err="1" smtClean="0"/>
-              <a:t>modificadores</a:t>
-            </a:r>
-            <a:r>
-              <a:rPr lang="en-US" dirty="0" smtClean="0"/>
-              <a:t> </a:t>
-            </a:r>
-            <a:r>
-              <a:rPr lang="en-US" b="1" dirty="0" smtClean="0"/>
-              <a:t>final</a:t>
-            </a:r>
-            <a:r>
-              <a:rPr lang="en-US" dirty="0" smtClean="0"/>
-              <a:t>, </a:t>
-            </a:r>
-            <a:r>
-              <a:rPr lang="en-US" b="1" dirty="0" smtClean="0"/>
-              <a:t>protected</a:t>
-            </a:r>
-            <a:r>
-              <a:rPr lang="en-US" dirty="0" smtClean="0"/>
-              <a:t>, e </a:t>
-            </a:r>
-            <a:r>
-              <a:rPr lang="en-US" b="1" dirty="0" smtClean="0"/>
-              <a:t>private</a:t>
-            </a:r>
-            <a:r>
-              <a:rPr lang="en-US" dirty="0" smtClean="0"/>
-              <a:t>. </a:t>
-            </a:r>
-            <a:r>
-              <a:rPr lang="en-US" dirty="0" err="1" smtClean="0"/>
-              <a:t>Através</a:t>
+              <a:t> </a:t>
+            </a:r>
+            <a:r>
+              <a:rPr lang="en-US" dirty="0" err="1" smtClean="0"/>
+              <a:t>podem</a:t>
+            </a:r>
+            <a:r>
+              <a:rPr lang="en-US" dirty="0" smtClean="0"/>
+              <a:t> </a:t>
+            </a:r>
+            <a:r>
+              <a:rPr lang="en-US" dirty="0" err="1" smtClean="0"/>
+              <a:t>ser</a:t>
+            </a:r>
+            <a:r>
+              <a:rPr lang="en-US" dirty="0" smtClean="0"/>
+              <a:t> </a:t>
+            </a:r>
+            <a:r>
+              <a:rPr lang="en-US" dirty="0" err="1" smtClean="0"/>
+              <a:t>acessados</a:t>
+            </a:r>
+            <a:r>
+              <a:rPr lang="en-US" dirty="0" smtClean="0"/>
+              <a:t> </a:t>
+            </a:r>
+            <a:r>
+              <a:rPr lang="en-US" dirty="0" err="1" smtClean="0"/>
+              <a:t>por</a:t>
+            </a:r>
+            <a:r>
+              <a:rPr lang="en-US" dirty="0" smtClean="0"/>
+              <a:t> </a:t>
+            </a:r>
+            <a:r>
+              <a:rPr lang="en-US" dirty="0" err="1" smtClean="0"/>
+              <a:t>quaisquer</a:t>
+            </a:r>
+            <a:r>
+              <a:rPr lang="en-US" dirty="0" smtClean="0"/>
+              <a:t> outros </a:t>
+            </a:r>
+            <a:r>
+              <a:rPr lang="en-US" dirty="0" err="1" smtClean="0"/>
+              <a:t>objetos</a:t>
+            </a:r>
+            <a:r>
+              <a:rPr lang="en-US" dirty="0" smtClean="0"/>
+              <a:t> </a:t>
+            </a:r>
+            <a:r>
+              <a:rPr lang="en-US" dirty="0" err="1" smtClean="0"/>
+              <a:t>na</a:t>
+            </a:r>
+            <a:r>
+              <a:rPr lang="en-US" dirty="0" smtClean="0"/>
+              <a:t> JVM. </a:t>
+            </a:r>
+            <a:r>
+              <a:rPr lang="en-US" dirty="0" err="1" smtClean="0"/>
+              <a:t>Isso</a:t>
+            </a:r>
+            <a:r>
+              <a:rPr lang="en-US" dirty="0" smtClean="0"/>
+              <a:t> </a:t>
+            </a:r>
+            <a:r>
+              <a:rPr lang="en-US" dirty="0" err="1" smtClean="0"/>
+              <a:t>é</a:t>
+            </a:r>
+            <a:r>
+              <a:rPr lang="en-US" dirty="0" smtClean="0"/>
+              <a:t> </a:t>
+            </a:r>
+            <a:r>
+              <a:rPr lang="en-US" dirty="0" err="1" smtClean="0"/>
+              <a:t>definido</a:t>
+            </a:r>
+            <a:r>
+              <a:rPr lang="en-US" dirty="0" smtClean="0"/>
+              <a:t> </a:t>
+            </a:r>
+            <a:r>
+              <a:rPr lang="en-US" dirty="0" err="1" smtClean="0"/>
+              <a:t>pelo</a:t>
+            </a:r>
+            <a:r>
+              <a:rPr lang="en-US" dirty="0" smtClean="0"/>
+              <a:t> </a:t>
+            </a:r>
+            <a:r>
+              <a:rPr lang="en-US" dirty="0" err="1" smtClean="0"/>
+              <a:t>modificar</a:t>
+            </a:r>
+            <a:r>
+              <a:rPr lang="en-US" dirty="0" smtClean="0"/>
+              <a:t> </a:t>
+            </a:r>
+            <a:r>
+              <a:rPr lang="en-US" b="1" i="1" dirty="0" smtClean="0"/>
+              <a:t>public </a:t>
+            </a:r>
+            <a:r>
+              <a:rPr lang="en-US" dirty="0" err="1" smtClean="0"/>
+              <a:t>que</a:t>
+            </a:r>
+            <a:r>
+              <a:rPr lang="en-US" dirty="0" smtClean="0"/>
+              <a:t> antecede a </a:t>
+            </a:r>
+            <a:r>
+              <a:rPr lang="en-US" dirty="0" err="1" smtClean="0"/>
+              <a:t>declaração</a:t>
             </a:r>
             <a:r>
               <a:rPr lang="en-US" dirty="0" smtClean="0"/>
@@ -13283,87 +13516,11 @@
             </a:r>
             <a:r>
               <a:rPr lang="en-US" dirty="0" err="1" smtClean="0"/>
-              <a:t>modificadores</a:t>
-            </a:r>
-            <a:r>
-              <a:rPr lang="en-US" dirty="0" smtClean="0"/>
-              <a:t>, o </a:t>
-            </a:r>
-            <a:r>
-              <a:rPr lang="en-US" dirty="0" err="1" smtClean="0"/>
-              <a:t>programador</a:t>
-            </a:r>
-            <a:r>
-              <a:rPr lang="en-US" dirty="0"/>
-              <a:t> </a:t>
-            </a:r>
-            <a:r>
-              <a:rPr lang="en-US" dirty="0" err="1" smtClean="0"/>
-              <a:t>pode</a:t>
-            </a:r>
-            <a:r>
-              <a:rPr lang="en-US" dirty="0" smtClean="0"/>
-              <a:t> </a:t>
-            </a:r>
-            <a:r>
-              <a:rPr lang="en-US" dirty="0" err="1" smtClean="0"/>
-              <a:t>encapsular</a:t>
-            </a:r>
-            <a:r>
-              <a:rPr lang="en-US" dirty="0" smtClean="0"/>
-              <a:t> </a:t>
-            </a:r>
-            <a:r>
-              <a:rPr lang="en-US" dirty="0" err="1" smtClean="0"/>
-              <a:t>os</a:t>
-            </a:r>
-            <a:r>
-              <a:rPr lang="en-US" dirty="0" smtClean="0"/>
-              <a:t> </a:t>
-            </a:r>
-            <a:r>
-              <a:rPr lang="en-US" dirty="0" err="1" smtClean="0"/>
               <a:t>membros</a:t>
             </a:r>
             <a:r>
               <a:rPr lang="en-US" dirty="0" smtClean="0"/>
-              <a:t> de </a:t>
-            </a:r>
-            <a:r>
-              <a:rPr lang="en-US" dirty="0" err="1" smtClean="0"/>
-              <a:t>uma</a:t>
-            </a:r>
-            <a:r>
-              <a:rPr lang="en-US" dirty="0" smtClean="0"/>
-              <a:t> </a:t>
-            </a:r>
-            <a:r>
-              <a:rPr lang="en-US" dirty="0" err="1" smtClean="0"/>
-              <a:t>classe</a:t>
-            </a:r>
-            <a:r>
-              <a:rPr lang="en-US" dirty="0" smtClean="0"/>
-              <a:t>, de forma a </a:t>
-            </a:r>
-            <a:r>
-              <a:rPr lang="en-US" dirty="0" err="1" smtClean="0"/>
-              <a:t>garantir</a:t>
-            </a:r>
-            <a:r>
-              <a:rPr lang="en-US" dirty="0" smtClean="0"/>
-              <a:t> a </a:t>
-            </a:r>
-            <a:r>
-              <a:rPr lang="en-US" dirty="0" err="1" smtClean="0"/>
-              <a:t>sua</a:t>
-            </a:r>
-            <a:r>
-              <a:rPr lang="en-US" dirty="0" smtClean="0"/>
-              <a:t> </a:t>
-            </a:r>
-            <a:r>
-              <a:rPr lang="en-US" dirty="0" err="1" smtClean="0"/>
-              <a:t>consistência</a:t>
+              <a:t>.</a:t>
             </a:r>
             <a:endParaRPr lang="en-US" dirty="0"/>
           </a:p>
@@ -13372,7 +13529,7 @@
     </p:spTree>
     <p:extLst>
       <p:ext uri="{BB962C8B-B14F-4D97-AF65-F5344CB8AC3E}">
-        <p14:creationId xmlns:p14="http://schemas.microsoft.com/office/powerpoint/2010/main" val="2249282312"/>
+        <p14:creationId xmlns:p14="http://schemas.microsoft.com/office/powerpoint/2010/main" val="1983222999"/>
       </p:ext>
     </p:extLst>
   </p:cSld>
@@ -13417,279 +13574,65 @@
           <a:lstStyle/>
           <a:p>
             <a:r>
-              <a:rPr lang="en-US" dirty="0" err="1"/>
+              <a:rPr lang="en-US" dirty="0" err="1" smtClean="0"/>
               <a:t>Acessibilidade</a:t>
             </a:r>
             <a:r>
-              <a:rPr lang="en-US" dirty="0"/>
+              <a:rPr lang="en-US" dirty="0" smtClean="0"/>
               <a:t> dos </a:t>
             </a:r>
             <a:r>
-              <a:rPr lang="en-US" dirty="0" err="1"/>
+              <a:rPr lang="en-US" dirty="0" err="1" smtClean="0"/>
               <a:t>membros</a:t>
             </a:r>
             <a:r>
-              <a:rPr lang="en-US" dirty="0"/>
+              <a:rPr lang="en-US" dirty="0" smtClean="0"/>
               <a:t> de </a:t>
             </a:r>
             <a:r>
-              <a:rPr lang="en-US" dirty="0" err="1"/>
+              <a:rPr lang="en-US" dirty="0" err="1" smtClean="0"/>
               <a:t>uma</a:t>
             </a:r>
             <a:r>
-              <a:rPr lang="en-US" dirty="0"/>
-              <a:t> </a:t>
-            </a:r>
-            <a:r>
-              <a:rPr lang="en-US" dirty="0" err="1"/>
+              <a:rPr lang="en-US" dirty="0" smtClean="0"/>
+              <a:t> </a:t>
+            </a:r>
+            <a:r>
+              <a:rPr lang="en-US" dirty="0" err="1" smtClean="0"/>
               <a:t>classe</a:t>
             </a:r>
             <a:endParaRPr lang="en-US" dirty="0"/>
           </a:p>
         </p:txBody>
       </p:sp>
-      <p:sp>
-        <p:nvSpPr>
-          <p:cNvPr id="3" name="Content Placeholder 2"/>
-          <p:cNvSpPr>
-            <a:spLocks noGrp="1"/>
-          </p:cNvSpPr>
-          <p:nvPr>
-            <p:ph idx="1"/>
-          </p:nvPr>
-        </p:nvSpPr>
-        <p:spPr/>
-        <p:txBody>
-          <a:bodyPr/>
-          <a:lstStyle/>
-          <a:p>
-            <a:r>
-              <a:rPr lang="en-US" dirty="0" err="1" smtClean="0"/>
-              <a:t>P</a:t>
-            </a:r>
-            <a:r>
-              <a:rPr lang="en-US" dirty="0" err="1" smtClean="0"/>
-              <a:t>úblico</a:t>
-            </a:r>
-            <a:r>
-              <a:rPr lang="en-US" dirty="0" smtClean="0"/>
-              <a:t> / </a:t>
-            </a:r>
-            <a:r>
-              <a:rPr lang="en-US" b="1" dirty="0" smtClean="0"/>
-              <a:t>public</a:t>
-            </a:r>
-          </a:p>
-          <a:p>
-            <a:pPr lvl="1"/>
-            <a:r>
-              <a:rPr lang="en-US" dirty="0" err="1" smtClean="0"/>
-              <a:t>É</a:t>
-            </a:r>
-            <a:r>
-              <a:rPr lang="en-US" dirty="0" smtClean="0"/>
-              <a:t> </a:t>
-            </a:r>
-            <a:r>
-              <a:rPr lang="en-US" dirty="0" err="1" smtClean="0"/>
-              <a:t>acessível</a:t>
-            </a:r>
-            <a:r>
-              <a:rPr lang="en-US" dirty="0" smtClean="0"/>
-              <a:t> </a:t>
-            </a:r>
-            <a:r>
-              <a:rPr lang="en-US" dirty="0" err="1" smtClean="0"/>
-              <a:t>por</a:t>
-            </a:r>
-            <a:r>
-              <a:rPr lang="en-US" dirty="0" smtClean="0"/>
-              <a:t> </a:t>
-            </a:r>
-            <a:r>
-              <a:rPr lang="en-US" dirty="0" err="1" smtClean="0"/>
-              <a:t>qualquer</a:t>
-            </a:r>
-            <a:r>
-              <a:rPr lang="en-US" dirty="0" smtClean="0"/>
-              <a:t> </a:t>
-            </a:r>
-            <a:r>
-              <a:rPr lang="en-US" dirty="0" err="1" smtClean="0"/>
-              <a:t>objeto</a:t>
-            </a:r>
-            <a:r>
-              <a:rPr lang="en-US" dirty="0" smtClean="0"/>
-              <a:t> </a:t>
-            </a:r>
-            <a:r>
-              <a:rPr lang="en-US" dirty="0" err="1" smtClean="0"/>
-              <a:t>instanciado</a:t>
-            </a:r>
-            <a:r>
-              <a:rPr lang="en-US" dirty="0" smtClean="0"/>
-              <a:t> </a:t>
-            </a:r>
-            <a:r>
-              <a:rPr lang="en-US" dirty="0" err="1" smtClean="0"/>
-              <a:t>na</a:t>
-            </a:r>
-            <a:r>
-              <a:rPr lang="en-US" dirty="0" smtClean="0"/>
-              <a:t> </a:t>
-            </a:r>
-            <a:r>
-              <a:rPr lang="en-US" dirty="0" err="1" smtClean="0"/>
-              <a:t>máquina</a:t>
-            </a:r>
-            <a:r>
-              <a:rPr lang="en-US" dirty="0" smtClean="0"/>
-              <a:t> virtual. </a:t>
-            </a:r>
-            <a:r>
-              <a:rPr lang="en-US" dirty="0" err="1" smtClean="0"/>
-              <a:t>Normalmente</a:t>
-            </a:r>
-            <a:r>
-              <a:rPr lang="en-US" dirty="0" smtClean="0"/>
-              <a:t> </a:t>
-            </a:r>
-            <a:r>
-              <a:rPr lang="en-US" dirty="0" err="1" smtClean="0"/>
-              <a:t>declaramos</a:t>
-            </a:r>
-            <a:r>
-              <a:rPr lang="en-US" dirty="0" smtClean="0"/>
-              <a:t> </a:t>
-            </a:r>
-            <a:r>
-              <a:rPr lang="en-US" dirty="0" err="1" smtClean="0"/>
-              <a:t>públicos</a:t>
-            </a:r>
-            <a:r>
-              <a:rPr lang="en-US" dirty="0" smtClean="0"/>
-              <a:t> </a:t>
-            </a:r>
-            <a:r>
-              <a:rPr lang="en-US" dirty="0" err="1" smtClean="0"/>
-              <a:t>apenas</a:t>
-            </a:r>
-            <a:r>
-              <a:rPr lang="en-US" dirty="0" smtClean="0"/>
-              <a:t> </a:t>
-            </a:r>
-            <a:r>
-              <a:rPr lang="en-US" dirty="0" err="1" smtClean="0"/>
-              <a:t>alguns</a:t>
-            </a:r>
-            <a:r>
-              <a:rPr lang="en-US" dirty="0" smtClean="0"/>
-              <a:t> </a:t>
-            </a:r>
-            <a:r>
-              <a:rPr lang="en-US" dirty="0" err="1" smtClean="0"/>
-              <a:t>métodos</a:t>
-            </a:r>
-            <a:r>
-              <a:rPr lang="en-US" dirty="0" smtClean="0"/>
-              <a:t> de </a:t>
-            </a:r>
-            <a:r>
-              <a:rPr lang="en-US" dirty="0" err="1" smtClean="0"/>
-              <a:t>uma</a:t>
-            </a:r>
-            <a:r>
-              <a:rPr lang="en-US" dirty="0" smtClean="0"/>
-              <a:t> </a:t>
-            </a:r>
-            <a:r>
-              <a:rPr lang="en-US" dirty="0" err="1" smtClean="0"/>
-              <a:t>classe</a:t>
-            </a:r>
-            <a:r>
-              <a:rPr lang="en-US" dirty="0" smtClean="0"/>
-              <a:t>. </a:t>
-            </a:r>
-            <a:r>
-              <a:rPr lang="en-US" dirty="0" err="1" smtClean="0"/>
-              <a:t>Os</a:t>
-            </a:r>
-            <a:r>
-              <a:rPr lang="en-US" dirty="0" smtClean="0"/>
-              <a:t> </a:t>
-            </a:r>
-            <a:r>
-              <a:rPr lang="en-US" dirty="0" err="1" smtClean="0"/>
-              <a:t>membros</a:t>
-            </a:r>
-            <a:r>
-              <a:rPr lang="en-US" dirty="0" smtClean="0"/>
-              <a:t> 	</a:t>
-            </a:r>
-            <a:r>
-              <a:rPr lang="en-US" dirty="0" err="1" smtClean="0"/>
-              <a:t>variáveis</a:t>
-            </a:r>
-            <a:r>
-              <a:rPr lang="en-US" dirty="0" smtClean="0"/>
-              <a:t> </a:t>
-            </a:r>
-            <a:r>
-              <a:rPr lang="en-US" dirty="0" err="1" smtClean="0"/>
-              <a:t>são</a:t>
-            </a:r>
-            <a:r>
-              <a:rPr lang="en-US" dirty="0" smtClean="0"/>
-              <a:t> </a:t>
-            </a:r>
-            <a:r>
-              <a:rPr lang="en-US" dirty="0" err="1" smtClean="0"/>
-              <a:t>todos</a:t>
-            </a:r>
-            <a:r>
-              <a:rPr lang="en-US" dirty="0" smtClean="0"/>
-              <a:t> </a:t>
-            </a:r>
-            <a:r>
-              <a:rPr lang="en-US" dirty="0" err="1" smtClean="0"/>
-              <a:t>declarados</a:t>
-            </a:r>
-            <a:r>
-              <a:rPr lang="en-US" dirty="0" smtClean="0"/>
-              <a:t> </a:t>
-            </a:r>
-            <a:r>
-              <a:rPr lang="en-US" dirty="0" err="1" smtClean="0"/>
-              <a:t>privados</a:t>
-            </a:r>
-            <a:r>
-              <a:rPr lang="en-US" dirty="0" smtClean="0"/>
-              <a:t>, salvo </a:t>
-            </a:r>
-            <a:r>
-              <a:rPr lang="en-US" dirty="0" err="1" smtClean="0"/>
-              <a:t>raras</a:t>
-            </a:r>
-            <a:r>
-              <a:rPr lang="en-US" dirty="0" smtClean="0"/>
-              <a:t> </a:t>
-            </a:r>
-            <a:r>
-              <a:rPr lang="en-US" dirty="0" err="1" smtClean="0"/>
-              <a:t>exceções</a:t>
-            </a:r>
-            <a:r>
-              <a:rPr lang="en-US" dirty="0" smtClean="0"/>
-              <a:t>.</a:t>
-            </a:r>
-            <a:endParaRPr lang="en-US" dirty="0"/>
-          </a:p>
-        </p:txBody>
-      </p:sp>
+      <p:pic>
+        <p:nvPicPr>
+          <p:cNvPr id="4" name="Picture 3"/>
+          <p:cNvPicPr>
+            <a:picLocks noChangeAspect="1"/>
+          </p:cNvPicPr>
+          <p:nvPr/>
+        </p:nvPicPr>
+        <p:blipFill>
+          <a:blip r:embed="rId2"/>
+          <a:stretch>
+            <a:fillRect/>
+          </a:stretch>
+        </p:blipFill>
+        <p:spPr>
+          <a:xfrm>
+            <a:off x="457200" y="2188616"/>
+            <a:ext cx="8367088" cy="3208009"/>
+          </a:xfrm>
+          <a:prstGeom prst="rect">
+            <a:avLst/>
+          </a:prstGeom>
+        </p:spPr>
+      </p:pic>
     </p:spTree>
     <p:extLst>
       <p:ext uri="{BB962C8B-B14F-4D97-AF65-F5344CB8AC3E}">
-        <p14:creationId xmlns:p14="http://schemas.microsoft.com/office/powerpoint/2010/main" val="2372457818"/>
+        <p14:creationId xmlns:p14="http://schemas.microsoft.com/office/powerpoint/2010/main" val="1558590240"/>
       </p:ext>
     </p:extLst>
   </p:cSld>
@@ -13734,163 +13677,65 @@
           <a:lstStyle/>
           <a:p>
             <a:r>
-              <a:rPr lang="en-US" dirty="0" err="1"/>
+              <a:rPr lang="en-US" dirty="0" err="1" smtClean="0"/>
               <a:t>Acessibilidade</a:t>
             </a:r>
             <a:r>
-              <a:rPr lang="en-US" dirty="0"/>
+              <a:rPr lang="en-US" dirty="0" smtClean="0"/>
               <a:t> dos </a:t>
             </a:r>
             <a:r>
-              <a:rPr lang="en-US" dirty="0" err="1"/>
+              <a:rPr lang="en-US" dirty="0" err="1" smtClean="0"/>
               <a:t>membros</a:t>
             </a:r>
             <a:r>
-              <a:rPr lang="en-US" dirty="0"/>
+              <a:rPr lang="en-US" dirty="0" smtClean="0"/>
               <a:t> de </a:t>
             </a:r>
             <a:r>
-              <a:rPr lang="en-US" dirty="0" err="1"/>
+              <a:rPr lang="en-US" dirty="0" err="1" smtClean="0"/>
               <a:t>uma</a:t>
             </a:r>
             <a:r>
-              <a:rPr lang="en-US" dirty="0"/>
-              <a:t> </a:t>
-            </a:r>
-            <a:r>
-              <a:rPr lang="en-US" dirty="0" err="1"/>
+              <a:rPr lang="en-US" dirty="0" smtClean="0"/>
+              <a:t> </a:t>
+            </a:r>
+            <a:r>
+              <a:rPr lang="en-US" dirty="0" err="1" smtClean="0"/>
               <a:t>classe</a:t>
             </a:r>
             <a:endParaRPr lang="en-US" dirty="0"/>
           </a:p>
         </p:txBody>
       </p:sp>
-      <p:sp>
-        <p:nvSpPr>
-          <p:cNvPr id="3" name="Content Placeholder 2"/>
-          <p:cNvSpPr>
-            <a:spLocks noGrp="1"/>
-          </p:cNvSpPr>
-          <p:nvPr>
-            <p:ph idx="1"/>
-          </p:nvPr>
-        </p:nvSpPr>
-        <p:spPr/>
-        <p:txBody>
-          <a:bodyPr/>
-          <a:lstStyle/>
-          <a:p>
-            <a:r>
-              <a:rPr lang="en-US" dirty="0" err="1" smtClean="0"/>
-              <a:t>Privado</a:t>
-            </a:r>
-            <a:r>
-              <a:rPr lang="en-US" dirty="0" smtClean="0"/>
-              <a:t> / </a:t>
-            </a:r>
-            <a:r>
-              <a:rPr lang="en-US" b="1" dirty="0" smtClean="0"/>
-              <a:t>private</a:t>
-            </a:r>
-          </a:p>
-          <a:p>
-            <a:pPr lvl="1"/>
-            <a:r>
-              <a:rPr lang="en-US" dirty="0" err="1" smtClean="0"/>
-              <a:t>É</a:t>
-            </a:r>
-            <a:r>
-              <a:rPr lang="en-US" dirty="0" smtClean="0"/>
-              <a:t> </a:t>
-            </a:r>
-            <a:r>
-              <a:rPr lang="en-US" dirty="0" err="1" smtClean="0"/>
-              <a:t>acessível</a:t>
-            </a:r>
-            <a:r>
-              <a:rPr lang="en-US" dirty="0" smtClean="0"/>
-              <a:t> </a:t>
-            </a:r>
-            <a:r>
-              <a:rPr lang="en-US" dirty="0" err="1" smtClean="0"/>
-              <a:t>somente</a:t>
-            </a:r>
-            <a:r>
-              <a:rPr lang="en-US" dirty="0" smtClean="0"/>
-              <a:t> </a:t>
-            </a:r>
-            <a:r>
-              <a:rPr lang="en-US" dirty="0" err="1" smtClean="0"/>
-              <a:t>por</a:t>
-            </a:r>
-            <a:r>
-              <a:rPr lang="en-US" dirty="0" smtClean="0"/>
-              <a:t> </a:t>
-            </a:r>
-            <a:r>
-              <a:rPr lang="en-US" dirty="0" err="1" smtClean="0"/>
-              <a:t>métodos</a:t>
-            </a:r>
-            <a:r>
-              <a:rPr lang="en-US" dirty="0" smtClean="0"/>
-              <a:t> da </a:t>
-            </a:r>
-            <a:r>
-              <a:rPr lang="en-US" dirty="0" err="1" smtClean="0"/>
-              <a:t>própria</a:t>
-            </a:r>
-            <a:r>
-              <a:rPr lang="en-US" dirty="0" smtClean="0"/>
-              <a:t> </a:t>
-            </a:r>
-            <a:r>
-              <a:rPr lang="en-US" dirty="0" err="1" smtClean="0"/>
-              <a:t>classe</a:t>
-            </a:r>
-            <a:r>
-              <a:rPr lang="en-US" dirty="0" smtClean="0"/>
-              <a:t> </a:t>
-            </a:r>
-            <a:r>
-              <a:rPr lang="en-US" dirty="0" err="1" smtClean="0"/>
-              <a:t>onde</a:t>
-            </a:r>
-            <a:r>
-              <a:rPr lang="en-US" dirty="0" smtClean="0"/>
-              <a:t> o </a:t>
-            </a:r>
-            <a:r>
-              <a:rPr lang="en-US" dirty="0" err="1" smtClean="0"/>
-              <a:t>membro</a:t>
-            </a:r>
-            <a:r>
-              <a:rPr lang="en-US" dirty="0" smtClean="0"/>
-              <a:t> </a:t>
-            </a:r>
-            <a:r>
-              <a:rPr lang="en-US" dirty="0" err="1" smtClean="0"/>
-              <a:t>foi</a:t>
-            </a:r>
-            <a:r>
-              <a:rPr lang="en-US" dirty="0" smtClean="0"/>
-              <a:t> </a:t>
-            </a:r>
-            <a:r>
-              <a:rPr lang="en-US" dirty="0" err="1" smtClean="0"/>
-              <a:t>declarado</a:t>
-            </a:r>
-            <a:r>
-              <a:rPr lang="en-US" dirty="0" smtClean="0"/>
-              <a:t>.</a:t>
-            </a:r>
-            <a:endParaRPr lang="en-US" dirty="0"/>
-          </a:p>
-        </p:txBody>
-      </p:sp>
+      <p:pic>
+        <p:nvPicPr>
+          <p:cNvPr id="3" name="Picture 2"/>
+          <p:cNvPicPr>
+            <a:picLocks noChangeAspect="1"/>
+          </p:cNvPicPr>
+          <p:nvPr/>
+        </p:nvPicPr>
+        <p:blipFill>
+          <a:blip r:embed="rId2"/>
+          <a:stretch>
+            <a:fillRect/>
+          </a:stretch>
+        </p:blipFill>
+        <p:spPr>
+          <a:xfrm>
+            <a:off x="182323" y="2108199"/>
+            <a:ext cx="8867093" cy="3390359"/>
+          </a:xfrm>
+          <a:prstGeom prst="rect">
+            <a:avLst/>
+          </a:prstGeom>
+        </p:spPr>
+      </p:pic>
     </p:spTree>
     <p:extLst>
       <p:ext uri="{BB962C8B-B14F-4D97-AF65-F5344CB8AC3E}">
-        <p14:creationId xmlns:p14="http://schemas.microsoft.com/office/powerpoint/2010/main" val="1849125298"/>
+        <p14:creationId xmlns:p14="http://schemas.microsoft.com/office/powerpoint/2010/main" val="3040606519"/>
       </p:ext>
     </p:extLst>
   </p:cSld>
@@ -13935,31 +13780,31 @@
           <a:lstStyle/>
           <a:p>
             <a:r>
-              <a:rPr lang="en-US" dirty="0" err="1"/>
+              <a:rPr lang="en-US" dirty="0" err="1" smtClean="0"/>
               <a:t>Acessibilidade</a:t>
             </a:r>
             <a:r>
-              <a:rPr lang="en-US" dirty="0"/>
+              <a:rPr lang="en-US" dirty="0" smtClean="0"/>
               <a:t> dos </a:t>
             </a:r>
             <a:r>
-              <a:rPr lang="en-US" dirty="0" err="1"/>
+              <a:rPr lang="en-US" dirty="0" err="1" smtClean="0"/>
               <a:t>membros</a:t>
             </a:r>
             <a:r>
-              <a:rPr lang="en-US" dirty="0"/>
+              <a:rPr lang="en-US" dirty="0" smtClean="0"/>
               <a:t> de </a:t>
             </a:r>
             <a:r>
-              <a:rPr lang="en-US" dirty="0" err="1"/>
+              <a:rPr lang="en-US" dirty="0" err="1" smtClean="0"/>
               <a:t>uma</a:t>
             </a:r>
             <a:r>
-              <a:rPr lang="en-US" dirty="0"/>
-              <a:t> </a:t>
-            </a:r>
-            <a:r>
-              <a:rPr lang="en-US" dirty="0" err="1"/>
+              <a:rPr lang="en-US" dirty="0" smtClean="0"/>
+              <a:t> </a:t>
+            </a:r>
+            <a:r>
+              <a:rPr lang="en-US" dirty="0" err="1" smtClean="0"/>
               <a:t>classe</a:t>
             </a:r>
             <a:endParaRPr lang="en-US" dirty="0"/>
@@ -13968,7 +13813,7 @@
       </p:sp>
       <p:sp>
         <p:nvSpPr>
-          <p:cNvPr id="3" name="Content Placeholder 2"/>
+          <p:cNvPr id="4" name="Content Placeholder 2"/>
           <p:cNvSpPr>
             <a:spLocks noGrp="1"/>
           </p:cNvSpPr>
@@ -13976,65 +13821,135 @@
             <p:ph idx="1"/>
           </p:nvPr>
         </p:nvSpPr>
-        <p:spPr/>
+        <p:spPr>
+          <a:xfrm>
+            <a:off x="457200" y="1600200"/>
+            <a:ext cx="8229600" cy="4525963"/>
+          </a:xfrm>
+        </p:spPr>
         <p:txBody>
           <a:bodyPr/>
           <a:lstStyle/>
           <a:p>
             <a:r>
               <a:rPr lang="en-US" dirty="0" err="1" smtClean="0"/>
-              <a:t>Protegido</a:t>
-            </a:r>
-            <a:r>
-              <a:rPr lang="en-US" dirty="0" smtClean="0"/>
-              <a:t> / </a:t>
-            </a:r>
-            <a:r>
-              <a:rPr lang="en-US" b="1" dirty="0" smtClean="0"/>
-              <a:t>protected</a:t>
-            </a:r>
-          </a:p>
-          <a:p>
-            <a:pPr lvl="1"/>
-            <a:r>
-              <a:rPr lang="en-US" dirty="0" err="1" smtClean="0"/>
-              <a:t>É</a:t>
-            </a:r>
-            <a:r>
-              <a:rPr lang="en-US" dirty="0" smtClean="0"/>
-              <a:t> </a:t>
-            </a:r>
-            <a:r>
-              <a:rPr lang="en-US" dirty="0" err="1" smtClean="0"/>
-              <a:t>acessível</a:t>
-            </a:r>
-            <a:r>
-              <a:rPr lang="en-US" dirty="0" smtClean="0"/>
-              <a:t> </a:t>
-            </a:r>
-            <a:r>
-              <a:rPr lang="en-US" dirty="0" err="1" smtClean="0"/>
-              <a:t>somente</a:t>
-            </a:r>
-            <a:r>
-              <a:rPr lang="en-US" dirty="0" smtClean="0"/>
-              <a:t> </a:t>
-            </a:r>
-            <a:r>
-              <a:rPr lang="en-US" dirty="0" err="1" smtClean="0"/>
-              <a:t>por</a:t>
-            </a:r>
-            <a:r>
-              <a:rPr lang="en-US" dirty="0" smtClean="0"/>
-              <a:t> </a:t>
-            </a:r>
-            <a:r>
-              <a:rPr lang="en-US" dirty="0" err="1" smtClean="0"/>
-              <a:t>métodos</a:t>
-            </a:r>
-            <a:r>
-              <a:rPr lang="en-US" dirty="0" smtClean="0"/>
-              <a:t> de subclasses da </a:t>
+              <a:t>Algumas</a:t>
+            </a:r>
+            <a:r>
+              <a:rPr lang="en-US" dirty="0" smtClean="0"/>
+              <a:t> </a:t>
+            </a:r>
+            <a:r>
+              <a:rPr lang="en-US" dirty="0" err="1" smtClean="0"/>
+              <a:t>vezes</a:t>
+            </a:r>
+            <a:r>
+              <a:rPr lang="en-US" dirty="0" smtClean="0"/>
+              <a:t> </a:t>
+            </a:r>
+            <a:r>
+              <a:rPr lang="en-US" dirty="0" err="1" smtClean="0"/>
+              <a:t>precisamos</a:t>
+            </a:r>
+            <a:r>
+              <a:rPr lang="en-US" dirty="0" smtClean="0"/>
+              <a:t> </a:t>
+            </a:r>
+            <a:r>
+              <a:rPr lang="en-US" dirty="0" err="1" smtClean="0"/>
+              <a:t>evitar</a:t>
+            </a:r>
+            <a:r>
+              <a:rPr lang="en-US" dirty="0" smtClean="0"/>
+              <a:t> </a:t>
+            </a:r>
+            <a:r>
+              <a:rPr lang="en-US" dirty="0" err="1" smtClean="0"/>
+              <a:t>que</a:t>
+            </a:r>
+            <a:r>
+              <a:rPr lang="en-US" dirty="0" smtClean="0"/>
+              <a:t> </a:t>
+            </a:r>
+            <a:r>
+              <a:rPr lang="en-US" dirty="0" err="1" smtClean="0"/>
+              <a:t>valores</a:t>
+            </a:r>
+            <a:r>
+              <a:rPr lang="en-US" dirty="0" smtClean="0"/>
+              <a:t> </a:t>
+            </a:r>
+            <a:r>
+              <a:rPr lang="en-US" dirty="0" err="1" smtClean="0"/>
+              <a:t>inválidos</a:t>
+            </a:r>
+            <a:r>
+              <a:rPr lang="en-US" dirty="0" smtClean="0"/>
+              <a:t> </a:t>
+            </a:r>
+            <a:r>
+              <a:rPr lang="en-US" dirty="0" err="1" smtClean="0"/>
+              <a:t>ou</a:t>
+            </a:r>
+            <a:r>
+              <a:rPr lang="en-US" dirty="0" smtClean="0"/>
+              <a:t> </a:t>
+            </a:r>
+            <a:r>
+              <a:rPr lang="en-US" dirty="0" err="1" smtClean="0"/>
+              <a:t>comportamentos</a:t>
+            </a:r>
+            <a:r>
+              <a:rPr lang="en-US" dirty="0" smtClean="0"/>
+              <a:t> </a:t>
+            </a:r>
+            <a:r>
+              <a:rPr lang="en-US" dirty="0" err="1" smtClean="0"/>
+              <a:t>inválidos</a:t>
+            </a:r>
+            <a:r>
+              <a:rPr lang="en-US" dirty="0" smtClean="0"/>
+              <a:t> </a:t>
+            </a:r>
+            <a:r>
+              <a:rPr lang="en-US" dirty="0" err="1" smtClean="0"/>
+              <a:t>sejam</a:t>
+            </a:r>
+            <a:r>
+              <a:rPr lang="en-US" dirty="0" smtClean="0"/>
+              <a:t> </a:t>
+            </a:r>
+            <a:r>
+              <a:rPr lang="en-US" dirty="0" err="1" smtClean="0"/>
+              <a:t>atribuídos</a:t>
+            </a:r>
+            <a:r>
+              <a:rPr lang="en-US" dirty="0"/>
+              <a:t> </a:t>
+            </a:r>
+            <a:r>
+              <a:rPr lang="en-US" dirty="0" err="1" smtClean="0"/>
+              <a:t>aos</a:t>
+            </a:r>
+            <a:r>
+              <a:rPr lang="en-US" dirty="0" smtClean="0"/>
+              <a:t> </a:t>
+            </a:r>
+            <a:r>
+              <a:rPr lang="en-US" dirty="0" err="1" smtClean="0"/>
+              <a:t>membros</a:t>
+            </a:r>
+            <a:r>
+              <a:rPr lang="en-US" dirty="0" smtClean="0"/>
+              <a:t> de </a:t>
+            </a:r>
+            <a:r>
+              <a:rPr lang="en-US" dirty="0" err="1" smtClean="0"/>
+              <a:t>uma</a:t>
+            </a:r>
+            <a:r>
+              <a:rPr lang="en-US" dirty="0" smtClean="0"/>
+              <a:t> </a:t>
             </a:r>
             <a:r>
               <a:rPr lang="en-US" dirty="0" err="1" smtClean="0"/>
@@ -14042,38 +13957,54 @@
             </a:r>
             <a:r>
               <a:rPr lang="en-US" dirty="0" smtClean="0"/>
-              <a:t> </a:t>
-            </a:r>
-            <a:r>
-              <a:rPr lang="en-US" dirty="0" err="1" smtClean="0"/>
-              <a:t>onde</a:t>
-            </a:r>
-            <a:r>
-              <a:rPr lang="en-US" dirty="0" smtClean="0"/>
-              <a:t> o </a:t>
-            </a:r>
-            <a:r>
-              <a:rPr lang="en-US" dirty="0" err="1" smtClean="0"/>
-              <a:t>membro</a:t>
-            </a:r>
-            <a:r>
-              <a:rPr lang="en-US" dirty="0" smtClean="0"/>
-              <a:t> </a:t>
-            </a:r>
-            <a:r>
-              <a:rPr lang="en-US" dirty="0" err="1" smtClean="0"/>
-              <a:t>foi</a:t>
-            </a:r>
-            <a:r>
-              <a:rPr lang="en-US" dirty="0" smtClean="0"/>
-              <a:t> </a:t>
-            </a:r>
-            <a:r>
-              <a:rPr lang="en-US" dirty="0" err="1" smtClean="0"/>
-              <a:t>declarado</a:t>
-            </a:r>
-            <a:r>
-              <a:rPr lang="en-US" dirty="0"/>
+              <a:t>. No </a:t>
+            </a:r>
+            <a:r>
+              <a:rPr lang="en-US" dirty="0" err="1" smtClean="0"/>
+              <a:t>exemplo</a:t>
+            </a:r>
+            <a:r>
+              <a:rPr lang="en-US" dirty="0" smtClean="0"/>
+              <a:t> </a:t>
+            </a:r>
+            <a:r>
+              <a:rPr lang="en-US" dirty="0" err="1" smtClean="0"/>
+              <a:t>uma</a:t>
+            </a:r>
+            <a:r>
+              <a:rPr lang="en-US" dirty="0" smtClean="0"/>
+              <a:t> nota </a:t>
+            </a:r>
+            <a:r>
+              <a:rPr lang="en-US" dirty="0" err="1" smtClean="0"/>
+              <a:t>jamais</a:t>
+            </a:r>
+            <a:r>
+              <a:rPr lang="en-US" dirty="0" smtClean="0"/>
+              <a:t> </a:t>
+            </a:r>
+            <a:r>
+              <a:rPr lang="en-US" dirty="0" err="1" smtClean="0"/>
+              <a:t>poderia</a:t>
+            </a:r>
+            <a:r>
+              <a:rPr lang="en-US" dirty="0" smtClean="0"/>
+              <a:t> </a:t>
+            </a:r>
+            <a:r>
+              <a:rPr lang="en-US" dirty="0" err="1" smtClean="0"/>
+              <a:t>ser</a:t>
+            </a:r>
+            <a:r>
+              <a:rPr lang="en-US" dirty="0" smtClean="0"/>
+              <a:t> </a:t>
+            </a:r>
+            <a:r>
+              <a:rPr lang="en-US" dirty="0" err="1" smtClean="0"/>
+              <a:t>negativa</a:t>
+            </a:r>
+            <a:r>
+              <a:rPr lang="en-US" dirty="0" smtClean="0"/>
               <a:t> </a:t>
             </a:r>
             <a:r>
@@ -14082,18 +14013,50 @@
             </a:r>
             <a:r>
               <a:rPr lang="en-US" dirty="0" smtClean="0"/>
+              <a:t> </a:t>
+            </a:r>
+            <a:r>
+              <a:rPr lang="en-US" dirty="0" err="1" smtClean="0"/>
+              <a:t>maior</a:t>
+            </a:r>
+            <a:r>
+              <a:rPr lang="en-US" dirty="0" smtClean="0"/>
+              <a:t> </a:t>
+            </a:r>
+            <a:r>
+              <a:rPr lang="en-US" dirty="0" err="1" smtClean="0"/>
+              <a:t>que</a:t>
+            </a:r>
+            <a:r>
+              <a:rPr lang="en-US" dirty="0" smtClean="0"/>
+              <a:t> </a:t>
+            </a:r>
+            <a:r>
+              <a:rPr lang="en-US" dirty="0" err="1" smtClean="0"/>
+              <a:t>dez</a:t>
+            </a:r>
+            <a:r>
+              <a:rPr lang="en-US" dirty="0" smtClean="0"/>
+              <a:t>. Como </a:t>
+            </a:r>
+            <a:r>
+              <a:rPr lang="en-US" dirty="0" err="1" smtClean="0"/>
+              <a:t>os</a:t>
+            </a:r>
+            <a:r>
+              <a:rPr lang="en-US" dirty="0" smtClean="0"/>
+              <a:t> </a:t>
+            </a:r>
+            <a:r>
+              <a:rPr lang="en-US" dirty="0" err="1" smtClean="0"/>
+              <a:t>membros</a:t>
+            </a:r>
+            <a:r>
+              <a:rPr lang="en-US" dirty="0" smtClean="0"/>
               <a:t> da </a:t>
             </a:r>
             <a:r>
               <a:rPr lang="en-US" dirty="0" err="1" smtClean="0"/>
-              <a:t>própria</a:t>
-            </a:r>
-            <a:r>
-              <a:rPr lang="en-US" dirty="0" smtClean="0"/>
-              <a:t> </a:t>
-            </a:r>
-            <a:r>
-              <a:rPr lang="en-US" dirty="0" err="1" smtClean="0"/>
               <a:t>classe</a:t>
             </a:r>
             <a:r>
@@ -14102,31 +14065,71 @@
             </a:r>
             <a:r>
               <a:rPr lang="en-US" dirty="0" err="1" smtClean="0"/>
-              <a:t>onde</a:t>
-            </a:r>
-            <a:r>
-              <a:rPr lang="en-US" dirty="0" smtClean="0"/>
-              <a:t> o </a:t>
-            </a:r>
-            <a:r>
-              <a:rPr lang="en-US" dirty="0" err="1" smtClean="0"/>
-              <a:t>membro</a:t>
-            </a:r>
-            <a:r>
-              <a:rPr lang="en-US" dirty="0" smtClean="0"/>
-              <a:t> </a:t>
-            </a:r>
-            <a:r>
-              <a:rPr lang="en-US" dirty="0" err="1" smtClean="0"/>
-              <a:t>foi</a:t>
-            </a:r>
-            <a:r>
-              <a:rPr lang="en-US" dirty="0" smtClean="0"/>
-              <a:t> </a:t>
-            </a:r>
-            <a:r>
-              <a:rPr lang="en-US" dirty="0" err="1" smtClean="0"/>
-              <a:t>declarado</a:t>
+              <a:t>Avaliacao</a:t>
+            </a:r>
+            <a:r>
+              <a:rPr lang="en-US" dirty="0" smtClean="0"/>
+              <a:t> </a:t>
+            </a:r>
+            <a:r>
+              <a:rPr lang="en-US" dirty="0" err="1" smtClean="0"/>
+              <a:t>são</a:t>
+            </a:r>
+            <a:r>
+              <a:rPr lang="en-US" dirty="0" smtClean="0"/>
+              <a:t> </a:t>
+            </a:r>
+            <a:r>
+              <a:rPr lang="en-US" dirty="0" err="1" smtClean="0"/>
+              <a:t>todos</a:t>
+            </a:r>
+            <a:r>
+              <a:rPr lang="en-US" dirty="0" smtClean="0"/>
+              <a:t> </a:t>
+            </a:r>
+            <a:r>
+              <a:rPr lang="en-US" dirty="0" err="1" smtClean="0"/>
+              <a:t>públicos</a:t>
+            </a:r>
+            <a:r>
+              <a:rPr lang="en-US" dirty="0" smtClean="0"/>
+              <a:t>, a </a:t>
+            </a:r>
+            <a:r>
+              <a:rPr lang="en-US" dirty="0" err="1" smtClean="0"/>
+              <a:t>consistência</a:t>
+            </a:r>
+            <a:r>
+              <a:rPr lang="en-US" dirty="0" smtClean="0"/>
+              <a:t> dos </a:t>
+            </a:r>
+            <a:r>
+              <a:rPr lang="en-US" dirty="0" err="1" smtClean="0"/>
+              <a:t>objetos</a:t>
+            </a:r>
+            <a:r>
+              <a:rPr lang="en-US" dirty="0" smtClean="0"/>
+              <a:t> </a:t>
+            </a:r>
+            <a:r>
+              <a:rPr lang="en-US" dirty="0" err="1" smtClean="0"/>
+              <a:t>é</a:t>
+            </a:r>
+            <a:r>
+              <a:rPr lang="en-US" dirty="0" smtClean="0"/>
+              <a:t> </a:t>
+            </a:r>
+            <a:r>
+              <a:rPr lang="en-US" dirty="0" err="1" smtClean="0"/>
+              <a:t>muito</a:t>
+            </a:r>
+            <a:r>
+              <a:rPr lang="en-US" dirty="0" smtClean="0"/>
+              <a:t> </a:t>
+            </a:r>
+            <a:r>
+              <a:rPr lang="en-US" dirty="0" err="1" smtClean="0"/>
+              <a:t>frágil</a:t>
             </a:r>
             <a:r>
               <a:rPr lang="en-US" dirty="0" smtClean="0"/>
@@ -14139,7 +14142,7 @@
     </p:spTree>
     <p:extLst>
       <p:ext uri="{BB962C8B-B14F-4D97-AF65-F5344CB8AC3E}">
-        <p14:creationId xmlns:p14="http://schemas.microsoft.com/office/powerpoint/2010/main" val="1531419555"/>
+        <p14:creationId xmlns:p14="http://schemas.microsoft.com/office/powerpoint/2010/main" val="85697686"/>
       </p:ext>
     </p:extLst>
   </p:cSld>
@@ -14231,39 +14234,108 @@
           <a:lstStyle/>
           <a:p>
             <a:r>
-              <a:rPr lang="en-US" dirty="0" err="1" smtClean="0"/>
-              <a:t>Constante</a:t>
-            </a:r>
-            <a:r>
-              <a:rPr lang="en-US" dirty="0" smtClean="0"/>
-              <a:t> /	 final</a:t>
-            </a:r>
-          </a:p>
-          <a:p>
-            <a:pPr lvl="1"/>
-            <a:r>
-              <a:rPr lang="en-US" dirty="0" smtClean="0"/>
-              <a:t>Um </a:t>
-            </a:r>
-            <a:r>
-              <a:rPr lang="en-US" dirty="0" err="1" smtClean="0"/>
-              <a:t>membro</a:t>
-            </a:r>
-            <a:r>
-              <a:rPr lang="en-US" dirty="0" smtClean="0"/>
-              <a:t> </a:t>
-            </a:r>
-            <a:r>
-              <a:rPr lang="en-US" dirty="0" err="1" smtClean="0"/>
-              <a:t>declarado</a:t>
-            </a:r>
-            <a:r>
-              <a:rPr lang="en-US" dirty="0" smtClean="0"/>
-              <a:t> com o </a:t>
-            </a:r>
-            <a:r>
-              <a:rPr lang="en-US" dirty="0" err="1" smtClean="0"/>
-              <a:t>modificador</a:t>
+              <a:rPr lang="en-US" dirty="0" smtClean="0"/>
+              <a:t>Para </a:t>
+            </a:r>
+            <a:r>
+              <a:rPr lang="en-US" dirty="0" err="1" smtClean="0"/>
+              <a:t>contornar</a:t>
+            </a:r>
+            <a:r>
+              <a:rPr lang="en-US" dirty="0" smtClean="0"/>
+              <a:t> </a:t>
+            </a:r>
+            <a:r>
+              <a:rPr lang="en-US" dirty="0" err="1" smtClean="0"/>
+              <a:t>isso</a:t>
+            </a:r>
+            <a:r>
+              <a:rPr lang="en-US" dirty="0" smtClean="0"/>
+              <a:t>, a </a:t>
+            </a:r>
+            <a:r>
+              <a:rPr lang="en-US" dirty="0" err="1" smtClean="0"/>
+              <a:t>Orientação</a:t>
+            </a:r>
+            <a:r>
+              <a:rPr lang="en-US" dirty="0" smtClean="0"/>
+              <a:t> a </a:t>
+            </a:r>
+            <a:r>
+              <a:rPr lang="en-US" dirty="0" err="1" smtClean="0"/>
+              <a:t>Objetos</a:t>
+            </a:r>
+            <a:r>
+              <a:rPr lang="en-US" dirty="0" smtClean="0"/>
+              <a:t> define </a:t>
+            </a:r>
+            <a:r>
+              <a:rPr lang="en-US" dirty="0" err="1" smtClean="0"/>
+              <a:t>outras</a:t>
+            </a:r>
+            <a:r>
+              <a:rPr lang="en-US" dirty="0" smtClean="0"/>
+              <a:t> </a:t>
+            </a:r>
+            <a:r>
+              <a:rPr lang="en-US" dirty="0" err="1" smtClean="0"/>
+              <a:t>formas</a:t>
+            </a:r>
+            <a:r>
+              <a:rPr lang="en-US" dirty="0" smtClean="0"/>
+              <a:t> de </a:t>
+            </a:r>
+            <a:r>
+              <a:rPr lang="en-US" dirty="0" err="1" smtClean="0"/>
+              <a:t>acessibilidade</a:t>
+            </a:r>
+            <a:r>
+              <a:rPr lang="en-US" dirty="0" smtClean="0"/>
+              <a:t> </a:t>
+            </a:r>
+            <a:r>
+              <a:rPr lang="en-US" dirty="0" err="1" smtClean="0"/>
+              <a:t>aos</a:t>
+            </a:r>
+            <a:r>
+              <a:rPr lang="en-US" dirty="0" smtClean="0"/>
+              <a:t> </a:t>
+            </a:r>
+            <a:r>
+              <a:rPr lang="en-US" dirty="0" err="1" smtClean="0"/>
+              <a:t>membros</a:t>
+            </a:r>
+            <a:r>
+              <a:rPr lang="en-US" dirty="0" smtClean="0"/>
+              <a:t> de </a:t>
+            </a:r>
+            <a:r>
+              <a:rPr lang="en-US" dirty="0" err="1" smtClean="0"/>
+              <a:t>uma</a:t>
+            </a:r>
+            <a:r>
+              <a:rPr lang="en-US" dirty="0" smtClean="0"/>
+              <a:t> </a:t>
+            </a:r>
+            <a:r>
+              <a:rPr lang="en-US" dirty="0" err="1" smtClean="0"/>
+              <a:t>classe</a:t>
+            </a:r>
+            <a:r>
+              <a:rPr lang="en-US" dirty="0" smtClean="0"/>
+              <a:t>, </a:t>
+            </a:r>
+            <a:r>
+              <a:rPr lang="en-US" dirty="0" err="1" smtClean="0"/>
+              <a:t>através</a:t>
+            </a:r>
+            <a:r>
+              <a:rPr lang="en-US" dirty="0" smtClean="0"/>
+              <a:t> dos </a:t>
+            </a:r>
+            <a:r>
+              <a:rPr lang="en-US" dirty="0" err="1" smtClean="0"/>
+              <a:t>modificadores</a:t>
             </a:r>
             <a:r>
               <a:rPr lang="en-US" dirty="0" smtClean="0"/>
@@ -14275,14 +14347,54 @@
             </a:r>
             <a:r>
               <a:rPr lang="en-US" dirty="0" smtClean="0"/>
-              <a:t> </a:t>
-            </a:r>
-            <a:r>
-              <a:rPr lang="en-US" dirty="0" err="1" smtClean="0"/>
-              <a:t>não</a:t>
-            </a:r>
-            <a:r>
-              <a:rPr lang="en-US" dirty="0" smtClean="0"/>
+              <a:t>, </a:t>
+            </a:r>
+            <a:r>
+              <a:rPr lang="en-US" b="1" dirty="0" smtClean="0"/>
+              <a:t>protected</a:t>
+            </a:r>
+            <a:r>
+              <a:rPr lang="en-US" dirty="0" smtClean="0"/>
+              <a:t>, e </a:t>
+            </a:r>
+            <a:r>
+              <a:rPr lang="en-US" b="1" dirty="0" smtClean="0"/>
+              <a:t>private</a:t>
+            </a:r>
+            <a:r>
+              <a:rPr lang="en-US" dirty="0" smtClean="0"/>
+              <a:t>. </a:t>
+            </a:r>
+            <a:r>
+              <a:rPr lang="en-US" dirty="0" err="1" smtClean="0"/>
+              <a:t>Através</a:t>
+            </a:r>
+            <a:r>
+              <a:rPr lang="en-US" dirty="0" smtClean="0"/>
+              <a:t> </a:t>
+            </a:r>
+            <a:r>
+              <a:rPr lang="en-US" dirty="0" err="1" smtClean="0"/>
+              <a:t>desses</a:t>
+            </a:r>
+            <a:r>
+              <a:rPr lang="en-US" dirty="0" smtClean="0"/>
+              <a:t> </a:t>
+            </a:r>
+            <a:r>
+              <a:rPr lang="en-US" dirty="0" err="1" smtClean="0"/>
+              <a:t>modificadores</a:t>
+            </a:r>
+            <a:r>
+              <a:rPr lang="en-US" dirty="0" smtClean="0"/>
+              <a:t>, o </a:t>
+            </a:r>
+            <a:r>
+              <a:rPr lang="en-US" dirty="0" err="1" smtClean="0"/>
+              <a:t>programador</a:t>
+            </a:r>
+            <a:r>
+              <a:rPr lang="en-US" dirty="0"/>
               <a:t> </a:t>
             </a:r>
             <a:r>
@@ -14295,7 +14407,47 @@
             </a:r>
             <a:r>
               <a:rPr lang="en-US" dirty="0" err="1" smtClean="0"/>
-              <a:t>ter</a:t>
+              <a:t>encapsular</a:t>
+            </a:r>
+            <a:r>
+              <a:rPr lang="en-US" dirty="0" smtClean="0"/>
+              <a:t> </a:t>
+            </a:r>
+            <a:r>
+              <a:rPr lang="en-US" dirty="0" err="1" smtClean="0"/>
+              <a:t>os</a:t>
+            </a:r>
+            <a:r>
+              <a:rPr lang="en-US" dirty="0" smtClean="0"/>
+              <a:t> </a:t>
+            </a:r>
+            <a:r>
+              <a:rPr lang="en-US" dirty="0" err="1" smtClean="0"/>
+              <a:t>membros</a:t>
+            </a:r>
+            <a:r>
+              <a:rPr lang="en-US" dirty="0" smtClean="0"/>
+              <a:t> de </a:t>
+            </a:r>
+            <a:r>
+              <a:rPr lang="en-US" dirty="0" err="1" smtClean="0"/>
+              <a:t>uma</a:t>
+            </a:r>
+            <a:r>
+              <a:rPr lang="en-US" dirty="0" smtClean="0"/>
+              <a:t> </a:t>
+            </a:r>
+            <a:r>
+              <a:rPr lang="en-US" dirty="0" err="1" smtClean="0"/>
+              <a:t>classe</a:t>
+            </a:r>
+            <a:r>
+              <a:rPr lang="en-US" dirty="0" smtClean="0"/>
+              <a:t>, de forma a </a:t>
+            </a:r>
+            <a:r>
+              <a:rPr lang="en-US" dirty="0" err="1" smtClean="0"/>
+              <a:t>garantir</a:t>
             </a:r>
             <a:r>
               <a:rPr lang="en-US" dirty="0" smtClean="0"/>
@@ -14311,251 +14463,7 @@
             </a:r>
             <a:r>
               <a:rPr lang="en-US" dirty="0" err="1" smtClean="0"/>
-              <a:t>definição</a:t>
-            </a:r>
-            <a:r>
-              <a:rPr lang="en-US" dirty="0" smtClean="0"/>
-              <a:t> </a:t>
-            </a:r>
-            <a:r>
-              <a:rPr lang="en-US" dirty="0" err="1" smtClean="0"/>
-              <a:t>modificada</a:t>
-            </a:r>
-            <a:r>
-              <a:rPr lang="en-US" dirty="0" smtClean="0"/>
-              <a:t> </a:t>
-            </a:r>
-            <a:r>
-              <a:rPr lang="en-US" dirty="0" err="1" smtClean="0"/>
-              <a:t>por</a:t>
-            </a:r>
-            <a:r>
-              <a:rPr lang="en-US" dirty="0" smtClean="0"/>
-              <a:t> </a:t>
-            </a:r>
-            <a:r>
-              <a:rPr lang="en-US" dirty="0" err="1" smtClean="0"/>
-              <a:t>nenhum</a:t>
-            </a:r>
-            <a:r>
-              <a:rPr lang="en-US" dirty="0" smtClean="0"/>
-              <a:t> </a:t>
-            </a:r>
-            <a:r>
-              <a:rPr lang="en-US" dirty="0" err="1" smtClean="0"/>
-              <a:t>objeto</a:t>
-            </a:r>
-            <a:r>
-              <a:rPr lang="en-US" dirty="0" smtClean="0"/>
-              <a:t>, </a:t>
-            </a:r>
-            <a:r>
-              <a:rPr lang="en-US" dirty="0" err="1" smtClean="0"/>
-              <a:t>nem</a:t>
-            </a:r>
-            <a:r>
-              <a:rPr lang="en-US" dirty="0" smtClean="0"/>
-              <a:t> </a:t>
-            </a:r>
-            <a:r>
-              <a:rPr lang="en-US" dirty="0" err="1" smtClean="0"/>
-              <a:t>mesmo</a:t>
-            </a:r>
-            <a:r>
-              <a:rPr lang="en-US" dirty="0" smtClean="0"/>
-              <a:t> um </a:t>
-            </a:r>
-            <a:r>
-              <a:rPr lang="en-US" dirty="0" err="1" smtClean="0"/>
-              <a:t>objeto</a:t>
-            </a:r>
-            <a:r>
-              <a:rPr lang="en-US" dirty="0" smtClean="0"/>
-              <a:t> da </a:t>
-            </a:r>
-            <a:r>
-              <a:rPr lang="en-US" dirty="0" err="1" smtClean="0"/>
-              <a:t>classe</a:t>
-            </a:r>
-            <a:r>
-              <a:rPr lang="en-US" dirty="0" smtClean="0"/>
-              <a:t> </a:t>
-            </a:r>
-            <a:r>
-              <a:rPr lang="en-US" dirty="0" err="1" smtClean="0"/>
-              <a:t>onde</a:t>
-            </a:r>
-            <a:r>
-              <a:rPr lang="en-US" dirty="0" smtClean="0"/>
-              <a:t> o </a:t>
-            </a:r>
-            <a:r>
-              <a:rPr lang="en-US" dirty="0" err="1" smtClean="0"/>
-              <a:t>membro</a:t>
-            </a:r>
-            <a:r>
-              <a:rPr lang="en-US" dirty="0" smtClean="0"/>
-              <a:t> </a:t>
-            </a:r>
-            <a:r>
-              <a:rPr lang="en-US" dirty="0" err="1" smtClean="0"/>
-              <a:t>foi</a:t>
-            </a:r>
-            <a:r>
-              <a:rPr lang="en-US" dirty="0" smtClean="0"/>
-              <a:t> </a:t>
-            </a:r>
-            <a:r>
-              <a:rPr lang="en-US" dirty="0" err="1" smtClean="0"/>
-              <a:t>definido</a:t>
-            </a:r>
-            <a:r>
-              <a:rPr lang="en-US" dirty="0" smtClean="0"/>
-              <a:t>. </a:t>
-            </a:r>
-            <a:r>
-              <a:rPr lang="en-US" dirty="0" err="1" smtClean="0"/>
-              <a:t>Dizemos</a:t>
-            </a:r>
-            <a:r>
-              <a:rPr lang="en-US" dirty="0" smtClean="0"/>
-              <a:t> </a:t>
-            </a:r>
-            <a:r>
-              <a:rPr lang="en-US" dirty="0" err="1" smtClean="0"/>
-              <a:t>que</a:t>
-            </a:r>
-            <a:r>
-              <a:rPr lang="en-US" dirty="0" smtClean="0"/>
-              <a:t> um </a:t>
-            </a:r>
-            <a:r>
-              <a:rPr lang="en-US" dirty="0" err="1" smtClean="0"/>
-              <a:t>membro</a:t>
-            </a:r>
-            <a:r>
-              <a:rPr lang="en-US" dirty="0" smtClean="0"/>
-              <a:t> final </a:t>
-            </a:r>
-            <a:r>
-              <a:rPr lang="en-US" dirty="0" err="1" smtClean="0"/>
-              <a:t>é</a:t>
-            </a:r>
-            <a:r>
-              <a:rPr lang="en-US" dirty="0" smtClean="0"/>
-              <a:t> </a:t>
-            </a:r>
-            <a:r>
-              <a:rPr lang="en-US" dirty="0" err="1" smtClean="0"/>
-              <a:t>uma</a:t>
-            </a:r>
-            <a:r>
-              <a:rPr lang="en-US" dirty="0" smtClean="0"/>
-              <a:t> </a:t>
-            </a:r>
-            <a:r>
-              <a:rPr lang="en-US" dirty="0" err="1" smtClean="0"/>
-              <a:t>constante</a:t>
-            </a:r>
-            <a:r>
-              <a:rPr lang="en-US" dirty="0" smtClean="0"/>
-              <a:t>. No </a:t>
-            </a:r>
-            <a:r>
-              <a:rPr lang="en-US" dirty="0" err="1" smtClean="0"/>
-              <a:t>caso</a:t>
-            </a:r>
-            <a:r>
-              <a:rPr lang="en-US" dirty="0" smtClean="0"/>
-              <a:t> de </a:t>
-            </a:r>
-            <a:r>
-              <a:rPr lang="en-US" dirty="0" err="1" smtClean="0"/>
-              <a:t>herança</a:t>
-            </a:r>
-            <a:r>
-              <a:rPr lang="en-US" dirty="0" smtClean="0"/>
-              <a:t>, </a:t>
-            </a:r>
-            <a:r>
-              <a:rPr lang="en-US" dirty="0" err="1" smtClean="0"/>
-              <a:t>uma</a:t>
-            </a:r>
-            <a:r>
-              <a:rPr lang="en-US" dirty="0" smtClean="0"/>
-              <a:t> </a:t>
-            </a:r>
-            <a:r>
-              <a:rPr lang="en-US" dirty="0" err="1" smtClean="0"/>
-              <a:t>subclasse</a:t>
-            </a:r>
-            <a:r>
-              <a:rPr lang="en-US" dirty="0" smtClean="0"/>
-              <a:t> </a:t>
-            </a:r>
-            <a:r>
-              <a:rPr lang="en-US" dirty="0" err="1" smtClean="0"/>
-              <a:t>não</a:t>
-            </a:r>
-            <a:r>
-              <a:rPr lang="en-US" dirty="0" smtClean="0"/>
-              <a:t> </a:t>
-            </a:r>
-            <a:r>
-              <a:rPr lang="en-US" dirty="0" err="1" smtClean="0"/>
-              <a:t>pode</a:t>
-            </a:r>
-            <a:r>
-              <a:rPr lang="en-US" dirty="0" smtClean="0"/>
-              <a:t> </a:t>
-            </a:r>
-            <a:r>
-              <a:rPr lang="en-US" dirty="0" err="1" smtClean="0"/>
-              <a:t>sobrecarregar</a:t>
-            </a:r>
-            <a:r>
-              <a:rPr lang="en-US" dirty="0" smtClean="0"/>
-              <a:t> um </a:t>
-            </a:r>
-            <a:r>
-              <a:rPr lang="en-US" dirty="0" err="1" smtClean="0"/>
-              <a:t>método</a:t>
-            </a:r>
-            <a:r>
-              <a:rPr lang="en-US" dirty="0" smtClean="0"/>
-              <a:t> </a:t>
-            </a:r>
-            <a:r>
-              <a:rPr lang="en-US" dirty="0" err="1" smtClean="0"/>
-              <a:t>declarado</a:t>
-            </a:r>
-            <a:r>
-              <a:rPr lang="en-US" dirty="0" smtClean="0"/>
-              <a:t> </a:t>
-            </a:r>
-            <a:r>
-              <a:rPr lang="en-US" dirty="0" err="1" smtClean="0"/>
-              <a:t>como</a:t>
-            </a:r>
-            <a:r>
-              <a:rPr lang="en-US" dirty="0" smtClean="0"/>
-              <a:t> final </a:t>
-            </a:r>
-            <a:r>
-              <a:rPr lang="en-US" dirty="0" err="1" smtClean="0"/>
-              <a:t>na</a:t>
-            </a:r>
-            <a:r>
-              <a:rPr lang="en-US" dirty="0" smtClean="0"/>
-              <a:t> </a:t>
-            </a:r>
-            <a:r>
-              <a:rPr lang="en-US" dirty="0" err="1" smtClean="0"/>
-              <a:t>superclasse</a:t>
-            </a:r>
-            <a:r>
-              <a:rPr lang="en-US" dirty="0" smtClean="0"/>
-              <a:t>.</a:t>
+              <a:t>consistência</a:t>
             </a:r>
             <a:endParaRPr lang="en-US" dirty="0"/>
           </a:p>
@@ -14564,7 +14472,770 @@
     </p:spTree>
     <p:extLst>
       <p:ext uri="{BB962C8B-B14F-4D97-AF65-F5344CB8AC3E}">
-        <p14:creationId xmlns:p14="http://schemas.microsoft.com/office/powerpoint/2010/main" val="260025835"/>
+        <p14:creationId xmlns:p14="http://schemas.microsoft.com/office/powerpoint/2010/main" val="2249282312"/>
+      </p:ext>
+    </p:extLst>
+  </p:cSld>
+  <p:clrMapOvr>
+    <a:masterClrMapping/>
+  </p:clrMapOvr>
+</p:sld>
+</file>
+
+<file path=ppt/slides/slide37.xml><?xml version="1.0" encoding="utf-8"?>
+<p:sld xmlns:a="http://schemas.openxmlformats.org/drawingml/2006/main" xmlns:r="http://schemas.openxmlformats.org/officeDocument/2006/relationships" xmlns:p="http://schemas.openxmlformats.org/presentationml/2006/main">
+  <p:cSld>
+    <p:spTree>
+      <p:nvGrpSpPr>
+        <p:cNvPr id="1" name=""/>
+        <p:cNvGrpSpPr/>
+        <p:nvPr/>
+      </p:nvGrpSpPr>
+      <p:grpSpPr>
+        <a:xfrm>
+          <a:off x="0" y="0"/>
+          <a:ext cx="0" cy="0"/>
+          <a:chOff x="0" y="0"/>
+          <a:chExt cx="0" cy="0"/>
+        </a:xfrm>
+      </p:grpSpPr>
+      <p:sp>
+        <p:nvSpPr>
+          <p:cNvPr id="2" name="Title 1"/>
+          <p:cNvSpPr>
+            <a:spLocks noGrp="1"/>
+          </p:cNvSpPr>
+          <p:nvPr>
+            <p:ph type="title"/>
+          </p:nvPr>
+        </p:nvSpPr>
+        <p:spPr/>
+        <p:txBody>
+          <a:bodyPr>
+            <a:normAutofit fontScale="90000"/>
+          </a:bodyPr>
+          <a:lstStyle/>
+          <a:p>
+            <a:r>
+              <a:rPr lang="en-US" dirty="0" err="1"/>
+              <a:t>Acessibilidade</a:t>
+            </a:r>
+            <a:r>
+              <a:rPr lang="en-US" dirty="0"/>
+              <a:t> dos </a:t>
+            </a:r>
+            <a:r>
+              <a:rPr lang="en-US" dirty="0" err="1"/>
+              <a:t>membros</a:t>
+            </a:r>
+            <a:r>
+              <a:rPr lang="en-US" dirty="0"/>
+              <a:t> de </a:t>
+            </a:r>
+            <a:r>
+              <a:rPr lang="en-US" dirty="0" err="1"/>
+              <a:t>uma</a:t>
+            </a:r>
+            <a:r>
+              <a:rPr lang="en-US" dirty="0"/>
+              <a:t> </a:t>
+            </a:r>
+            <a:r>
+              <a:rPr lang="en-US" dirty="0" err="1"/>
+              <a:t>classe</a:t>
+            </a:r>
+            <a:endParaRPr lang="en-US" dirty="0"/>
+          </a:p>
+        </p:txBody>
+      </p:sp>
+      <p:sp>
+        <p:nvSpPr>
+          <p:cNvPr id="3" name="Content Placeholder 2"/>
+          <p:cNvSpPr>
+            <a:spLocks noGrp="1"/>
+          </p:cNvSpPr>
+          <p:nvPr>
+            <p:ph idx="1"/>
+          </p:nvPr>
+        </p:nvSpPr>
+        <p:spPr/>
+        <p:txBody>
+          <a:bodyPr/>
+          <a:lstStyle/>
+          <a:p>
+            <a:r>
+              <a:rPr lang="en-US" dirty="0" err="1" smtClean="0"/>
+              <a:t>Público</a:t>
+            </a:r>
+            <a:r>
+              <a:rPr lang="en-US" dirty="0" smtClean="0"/>
+              <a:t> / </a:t>
+            </a:r>
+            <a:r>
+              <a:rPr lang="en-US" b="1" dirty="0" smtClean="0"/>
+              <a:t>public</a:t>
+            </a:r>
+          </a:p>
+          <a:p>
+            <a:pPr lvl="1"/>
+            <a:r>
+              <a:rPr lang="en-US" dirty="0" err="1" smtClean="0"/>
+              <a:t>É</a:t>
+            </a:r>
+            <a:r>
+              <a:rPr lang="en-US" dirty="0" smtClean="0"/>
+              <a:t> </a:t>
+            </a:r>
+            <a:r>
+              <a:rPr lang="en-US" dirty="0" err="1" smtClean="0"/>
+              <a:t>acessível</a:t>
+            </a:r>
+            <a:r>
+              <a:rPr lang="en-US" dirty="0" smtClean="0"/>
+              <a:t> </a:t>
+            </a:r>
+            <a:r>
+              <a:rPr lang="en-US" dirty="0" err="1" smtClean="0"/>
+              <a:t>por</a:t>
+            </a:r>
+            <a:r>
+              <a:rPr lang="en-US" dirty="0" smtClean="0"/>
+              <a:t> </a:t>
+            </a:r>
+            <a:r>
+              <a:rPr lang="en-US" dirty="0" err="1" smtClean="0"/>
+              <a:t>qualquer</a:t>
+            </a:r>
+            <a:r>
+              <a:rPr lang="en-US" dirty="0" smtClean="0"/>
+              <a:t> </a:t>
+            </a:r>
+            <a:r>
+              <a:rPr lang="en-US" dirty="0" err="1" smtClean="0"/>
+              <a:t>objeto</a:t>
+            </a:r>
+            <a:r>
+              <a:rPr lang="en-US" dirty="0" smtClean="0"/>
+              <a:t> </a:t>
+            </a:r>
+            <a:r>
+              <a:rPr lang="en-US" dirty="0" err="1" smtClean="0"/>
+              <a:t>instanciado</a:t>
+            </a:r>
+            <a:r>
+              <a:rPr lang="en-US" dirty="0" smtClean="0"/>
+              <a:t> </a:t>
+            </a:r>
+            <a:r>
+              <a:rPr lang="en-US" dirty="0" err="1" smtClean="0"/>
+              <a:t>na</a:t>
+            </a:r>
+            <a:r>
+              <a:rPr lang="en-US" dirty="0" smtClean="0"/>
+              <a:t> </a:t>
+            </a:r>
+            <a:r>
+              <a:rPr lang="en-US" dirty="0" err="1" smtClean="0"/>
+              <a:t>máquina</a:t>
+            </a:r>
+            <a:r>
+              <a:rPr lang="en-US" dirty="0" smtClean="0"/>
+              <a:t> virtual. </a:t>
+            </a:r>
+            <a:r>
+              <a:rPr lang="en-US" dirty="0" err="1" smtClean="0"/>
+              <a:t>Normalmente</a:t>
+            </a:r>
+            <a:r>
+              <a:rPr lang="en-US" dirty="0" smtClean="0"/>
+              <a:t> </a:t>
+            </a:r>
+            <a:r>
+              <a:rPr lang="en-US" dirty="0" err="1" smtClean="0"/>
+              <a:t>declaramos</a:t>
+            </a:r>
+            <a:r>
+              <a:rPr lang="en-US" dirty="0" smtClean="0"/>
+              <a:t> </a:t>
+            </a:r>
+            <a:r>
+              <a:rPr lang="en-US" dirty="0" err="1" smtClean="0"/>
+              <a:t>públicos</a:t>
+            </a:r>
+            <a:r>
+              <a:rPr lang="en-US" dirty="0" smtClean="0"/>
+              <a:t> </a:t>
+            </a:r>
+            <a:r>
+              <a:rPr lang="en-US" dirty="0" err="1" smtClean="0"/>
+              <a:t>apenas</a:t>
+            </a:r>
+            <a:r>
+              <a:rPr lang="en-US" dirty="0" smtClean="0"/>
+              <a:t> </a:t>
+            </a:r>
+            <a:r>
+              <a:rPr lang="en-US" dirty="0" err="1" smtClean="0"/>
+              <a:t>alguns</a:t>
+            </a:r>
+            <a:r>
+              <a:rPr lang="en-US" dirty="0" smtClean="0"/>
+              <a:t> </a:t>
+            </a:r>
+            <a:r>
+              <a:rPr lang="en-US" dirty="0" err="1" smtClean="0"/>
+              <a:t>métodos</a:t>
+            </a:r>
+            <a:r>
+              <a:rPr lang="en-US" dirty="0" smtClean="0"/>
+              <a:t> de </a:t>
+            </a:r>
+            <a:r>
+              <a:rPr lang="en-US" dirty="0" err="1" smtClean="0"/>
+              <a:t>uma</a:t>
+            </a:r>
+            <a:r>
+              <a:rPr lang="en-US" dirty="0" smtClean="0"/>
+              <a:t> </a:t>
+            </a:r>
+            <a:r>
+              <a:rPr lang="en-US" dirty="0" err="1" smtClean="0"/>
+              <a:t>classe</a:t>
+            </a:r>
+            <a:r>
+              <a:rPr lang="en-US" dirty="0" smtClean="0"/>
+              <a:t>. </a:t>
+            </a:r>
+            <a:r>
+              <a:rPr lang="en-US" dirty="0" err="1" smtClean="0"/>
+              <a:t>Os</a:t>
+            </a:r>
+            <a:r>
+              <a:rPr lang="en-US" dirty="0" smtClean="0"/>
+              <a:t> </a:t>
+            </a:r>
+            <a:r>
+              <a:rPr lang="en-US" dirty="0" err="1" smtClean="0"/>
+              <a:t>membros</a:t>
+            </a:r>
+            <a:r>
+              <a:rPr lang="en-US" dirty="0" smtClean="0"/>
+              <a:t> 	</a:t>
+            </a:r>
+            <a:r>
+              <a:rPr lang="en-US" dirty="0" err="1" smtClean="0"/>
+              <a:t>variáveis</a:t>
+            </a:r>
+            <a:r>
+              <a:rPr lang="en-US" dirty="0" smtClean="0"/>
+              <a:t> </a:t>
+            </a:r>
+            <a:r>
+              <a:rPr lang="en-US" dirty="0" err="1" smtClean="0"/>
+              <a:t>são</a:t>
+            </a:r>
+            <a:r>
+              <a:rPr lang="en-US" dirty="0" smtClean="0"/>
+              <a:t> </a:t>
+            </a:r>
+            <a:r>
+              <a:rPr lang="en-US" dirty="0" err="1" smtClean="0"/>
+              <a:t>todos</a:t>
+            </a:r>
+            <a:r>
+              <a:rPr lang="en-US" dirty="0" smtClean="0"/>
+              <a:t> </a:t>
+            </a:r>
+            <a:r>
+              <a:rPr lang="en-US" dirty="0" err="1" smtClean="0"/>
+              <a:t>declarados</a:t>
+            </a:r>
+            <a:r>
+              <a:rPr lang="en-US" dirty="0" smtClean="0"/>
+              <a:t> </a:t>
+            </a:r>
+            <a:r>
+              <a:rPr lang="en-US" dirty="0" err="1" smtClean="0"/>
+              <a:t>privados</a:t>
+            </a:r>
+            <a:r>
+              <a:rPr lang="en-US" dirty="0" smtClean="0"/>
+              <a:t>, salvo </a:t>
+            </a:r>
+            <a:r>
+              <a:rPr lang="en-US" dirty="0" err="1" smtClean="0"/>
+              <a:t>raras</a:t>
+            </a:r>
+            <a:r>
+              <a:rPr lang="en-US" dirty="0" smtClean="0"/>
+              <a:t> </a:t>
+            </a:r>
+            <a:r>
+              <a:rPr lang="en-US" dirty="0" err="1" smtClean="0"/>
+              <a:t>exceções</a:t>
+            </a:r>
+            <a:r>
+              <a:rPr lang="en-US" dirty="0" smtClean="0"/>
+              <a:t>.</a:t>
+            </a:r>
+            <a:endParaRPr lang="en-US" dirty="0"/>
+          </a:p>
+        </p:txBody>
+      </p:sp>
+    </p:spTree>
+    <p:extLst>
+      <p:ext uri="{BB962C8B-B14F-4D97-AF65-F5344CB8AC3E}">
+        <p14:creationId xmlns:p14="http://schemas.microsoft.com/office/powerpoint/2010/main" val="2372457818"/>
+      </p:ext>
+    </p:extLst>
+  </p:cSld>
+  <p:clrMapOvr>
+    <a:masterClrMapping/>
+  </p:clrMapOvr>
+</p:sld>
+</file>
+
+<file path=ppt/slides/slide38.xml><?xml version="1.0" encoding="utf-8"?>
+<p:sld xmlns:a="http://schemas.openxmlformats.org/drawingml/2006/main" xmlns:r="http://schemas.openxmlformats.org/officeDocument/2006/relationships" xmlns:p="http://schemas.openxmlformats.org/presentationml/2006/main">
+  <p:cSld>
+    <p:spTree>
+      <p:nvGrpSpPr>
+        <p:cNvPr id="1" name=""/>
+        <p:cNvGrpSpPr/>
+        <p:nvPr/>
+      </p:nvGrpSpPr>
+      <p:grpSpPr>
+        <a:xfrm>
+          <a:off x="0" y="0"/>
+          <a:ext cx="0" cy="0"/>
+          <a:chOff x="0" y="0"/>
+          <a:chExt cx="0" cy="0"/>
+        </a:xfrm>
+      </p:grpSpPr>
+      <p:sp>
+        <p:nvSpPr>
+          <p:cNvPr id="2" name="Title 1"/>
+          <p:cNvSpPr>
+            <a:spLocks noGrp="1"/>
+          </p:cNvSpPr>
+          <p:nvPr>
+            <p:ph type="title"/>
+          </p:nvPr>
+        </p:nvSpPr>
+        <p:spPr/>
+        <p:txBody>
+          <a:bodyPr>
+            <a:normAutofit fontScale="90000"/>
+          </a:bodyPr>
+          <a:lstStyle/>
+          <a:p>
+            <a:r>
+              <a:rPr lang="en-US" dirty="0" err="1"/>
+              <a:t>Acessibilidade</a:t>
+            </a:r>
+            <a:r>
+              <a:rPr lang="en-US" dirty="0"/>
+              <a:t> dos </a:t>
+            </a:r>
+            <a:r>
+              <a:rPr lang="en-US" dirty="0" err="1"/>
+              <a:t>membros</a:t>
+            </a:r>
+            <a:r>
+              <a:rPr lang="en-US" dirty="0"/>
+              <a:t> de </a:t>
+            </a:r>
+            <a:r>
+              <a:rPr lang="en-US" dirty="0" err="1"/>
+              <a:t>uma</a:t>
+            </a:r>
+            <a:r>
+              <a:rPr lang="en-US" dirty="0"/>
+              <a:t> </a:t>
+            </a:r>
+            <a:r>
+              <a:rPr lang="en-US" dirty="0" err="1"/>
+              <a:t>classe</a:t>
+            </a:r>
+            <a:endParaRPr lang="en-US" dirty="0"/>
+          </a:p>
+        </p:txBody>
+      </p:sp>
+      <p:sp>
+        <p:nvSpPr>
+          <p:cNvPr id="3" name="Content Placeholder 2"/>
+          <p:cNvSpPr>
+            <a:spLocks noGrp="1"/>
+          </p:cNvSpPr>
+          <p:nvPr>
+            <p:ph idx="1"/>
+          </p:nvPr>
+        </p:nvSpPr>
+        <p:spPr/>
+        <p:txBody>
+          <a:bodyPr/>
+          <a:lstStyle/>
+          <a:p>
+            <a:r>
+              <a:rPr lang="en-US" dirty="0" err="1" smtClean="0"/>
+              <a:t>Privado</a:t>
+            </a:r>
+            <a:r>
+              <a:rPr lang="en-US" dirty="0" smtClean="0"/>
+              <a:t> / </a:t>
+            </a:r>
+            <a:r>
+              <a:rPr lang="en-US" b="1" dirty="0" smtClean="0"/>
+              <a:t>private</a:t>
+            </a:r>
+          </a:p>
+          <a:p>
+            <a:pPr lvl="1"/>
+            <a:r>
+              <a:rPr lang="en-US" dirty="0" err="1" smtClean="0"/>
+              <a:t>É</a:t>
+            </a:r>
+            <a:r>
+              <a:rPr lang="en-US" dirty="0" smtClean="0"/>
+              <a:t> </a:t>
+            </a:r>
+            <a:r>
+              <a:rPr lang="en-US" dirty="0" err="1" smtClean="0"/>
+              <a:t>acessível</a:t>
+            </a:r>
+            <a:r>
+              <a:rPr lang="en-US" dirty="0" smtClean="0"/>
+              <a:t> </a:t>
+            </a:r>
+            <a:r>
+              <a:rPr lang="en-US" dirty="0" err="1" smtClean="0"/>
+              <a:t>somente</a:t>
+            </a:r>
+            <a:r>
+              <a:rPr lang="en-US" dirty="0" smtClean="0"/>
+              <a:t> </a:t>
+            </a:r>
+            <a:r>
+              <a:rPr lang="en-US" dirty="0" err="1" smtClean="0"/>
+              <a:t>por</a:t>
+            </a:r>
+            <a:r>
+              <a:rPr lang="en-US" dirty="0" smtClean="0"/>
+              <a:t> </a:t>
+            </a:r>
+            <a:r>
+              <a:rPr lang="en-US" dirty="0" err="1" smtClean="0"/>
+              <a:t>métodos</a:t>
+            </a:r>
+            <a:r>
+              <a:rPr lang="en-US" dirty="0" smtClean="0"/>
+              <a:t> da </a:t>
+            </a:r>
+            <a:r>
+              <a:rPr lang="en-US" dirty="0" err="1" smtClean="0"/>
+              <a:t>própria</a:t>
+            </a:r>
+            <a:r>
+              <a:rPr lang="en-US" dirty="0" smtClean="0"/>
+              <a:t> </a:t>
+            </a:r>
+            <a:r>
+              <a:rPr lang="en-US" dirty="0" err="1" smtClean="0"/>
+              <a:t>classe</a:t>
+            </a:r>
+            <a:r>
+              <a:rPr lang="en-US" dirty="0" smtClean="0"/>
+              <a:t> </a:t>
+            </a:r>
+            <a:r>
+              <a:rPr lang="en-US" dirty="0" err="1" smtClean="0"/>
+              <a:t>onde</a:t>
+            </a:r>
+            <a:r>
+              <a:rPr lang="en-US" dirty="0" smtClean="0"/>
+              <a:t> o </a:t>
+            </a:r>
+            <a:r>
+              <a:rPr lang="en-US" dirty="0" err="1" smtClean="0"/>
+              <a:t>membro</a:t>
+            </a:r>
+            <a:r>
+              <a:rPr lang="en-US" dirty="0" smtClean="0"/>
+              <a:t> </a:t>
+            </a:r>
+            <a:r>
+              <a:rPr lang="en-US" dirty="0" err="1" smtClean="0"/>
+              <a:t>foi</a:t>
+            </a:r>
+            <a:r>
+              <a:rPr lang="en-US" dirty="0" smtClean="0"/>
+              <a:t> </a:t>
+            </a:r>
+            <a:r>
+              <a:rPr lang="en-US" dirty="0" err="1" smtClean="0"/>
+              <a:t>declarado</a:t>
+            </a:r>
+            <a:r>
+              <a:rPr lang="en-US" dirty="0" smtClean="0"/>
+              <a:t>.</a:t>
+            </a:r>
+            <a:endParaRPr lang="en-US" dirty="0"/>
+          </a:p>
+        </p:txBody>
+      </p:sp>
+    </p:spTree>
+    <p:extLst>
+      <p:ext uri="{BB962C8B-B14F-4D97-AF65-F5344CB8AC3E}">
+        <p14:creationId xmlns:p14="http://schemas.microsoft.com/office/powerpoint/2010/main" val="1849125298"/>
+      </p:ext>
+    </p:extLst>
+  </p:cSld>
+  <p:clrMapOvr>
+    <a:masterClrMapping/>
+  </p:clrMapOvr>
+</p:sld>
+</file>
+
+<file path=ppt/slides/slide39.xml><?xml version="1.0" encoding="utf-8"?>
+<p:sld xmlns:a="http://schemas.openxmlformats.org/drawingml/2006/main" xmlns:r="http://schemas.openxmlformats.org/officeDocument/2006/relationships" xmlns:p="http://schemas.openxmlformats.org/presentationml/2006/main">
+  <p:cSld>
+    <p:spTree>
+      <p:nvGrpSpPr>
+        <p:cNvPr id="1" name=""/>
+        <p:cNvGrpSpPr/>
+        <p:nvPr/>
+      </p:nvGrpSpPr>
+      <p:grpSpPr>
+        <a:xfrm>
+          <a:off x="0" y="0"/>
+          <a:ext cx="0" cy="0"/>
+          <a:chOff x="0" y="0"/>
+          <a:chExt cx="0" cy="0"/>
+        </a:xfrm>
+      </p:grpSpPr>
+      <p:sp>
+        <p:nvSpPr>
+          <p:cNvPr id="2" name="Title 1"/>
+          <p:cNvSpPr>
+            <a:spLocks noGrp="1"/>
+          </p:cNvSpPr>
+          <p:nvPr>
+            <p:ph type="title"/>
+          </p:nvPr>
+        </p:nvSpPr>
+        <p:spPr/>
+        <p:txBody>
+          <a:bodyPr>
+            <a:normAutofit fontScale="90000"/>
+          </a:bodyPr>
+          <a:lstStyle/>
+          <a:p>
+            <a:r>
+              <a:rPr lang="en-US" dirty="0" err="1"/>
+              <a:t>Acessibilidade</a:t>
+            </a:r>
+            <a:r>
+              <a:rPr lang="en-US" dirty="0"/>
+              <a:t> dos </a:t>
+            </a:r>
+            <a:r>
+              <a:rPr lang="en-US" dirty="0" err="1"/>
+              <a:t>membros</a:t>
+            </a:r>
+            <a:r>
+              <a:rPr lang="en-US" dirty="0"/>
+              <a:t> de </a:t>
+            </a:r>
+            <a:r>
+              <a:rPr lang="en-US" dirty="0" err="1"/>
+              <a:t>uma</a:t>
+            </a:r>
+            <a:r>
+              <a:rPr lang="en-US" dirty="0"/>
+              <a:t> </a:t>
+            </a:r>
+            <a:r>
+              <a:rPr lang="en-US" dirty="0" err="1"/>
+              <a:t>classe</a:t>
+            </a:r>
+            <a:endParaRPr lang="en-US" dirty="0"/>
+          </a:p>
+        </p:txBody>
+      </p:sp>
+      <p:sp>
+        <p:nvSpPr>
+          <p:cNvPr id="3" name="Content Placeholder 2"/>
+          <p:cNvSpPr>
+            <a:spLocks noGrp="1"/>
+          </p:cNvSpPr>
+          <p:nvPr>
+            <p:ph idx="1"/>
+          </p:nvPr>
+        </p:nvSpPr>
+        <p:spPr/>
+        <p:txBody>
+          <a:bodyPr/>
+          <a:lstStyle/>
+          <a:p>
+            <a:r>
+              <a:rPr lang="en-US" dirty="0" err="1" smtClean="0"/>
+              <a:t>Protegido</a:t>
+            </a:r>
+            <a:r>
+              <a:rPr lang="en-US" dirty="0" smtClean="0"/>
+              <a:t> / </a:t>
+            </a:r>
+            <a:r>
+              <a:rPr lang="en-US" b="1" dirty="0" smtClean="0"/>
+              <a:t>protected</a:t>
+            </a:r>
+          </a:p>
+          <a:p>
+            <a:pPr lvl="1"/>
+            <a:r>
+              <a:rPr lang="en-US" dirty="0" err="1" smtClean="0"/>
+              <a:t>É</a:t>
+            </a:r>
+            <a:r>
+              <a:rPr lang="en-US" dirty="0" smtClean="0"/>
+              <a:t> </a:t>
+            </a:r>
+            <a:r>
+              <a:rPr lang="en-US" dirty="0" err="1" smtClean="0"/>
+              <a:t>acessível</a:t>
+            </a:r>
+            <a:r>
+              <a:rPr lang="en-US" dirty="0" smtClean="0"/>
+              <a:t> </a:t>
+            </a:r>
+            <a:r>
+              <a:rPr lang="en-US" dirty="0" err="1" smtClean="0"/>
+              <a:t>somente</a:t>
+            </a:r>
+            <a:r>
+              <a:rPr lang="en-US" dirty="0" smtClean="0"/>
+              <a:t> </a:t>
+            </a:r>
+            <a:r>
+              <a:rPr lang="en-US" dirty="0" err="1" smtClean="0"/>
+              <a:t>por</a:t>
+            </a:r>
+            <a:r>
+              <a:rPr lang="en-US" dirty="0" smtClean="0"/>
+              <a:t> </a:t>
+            </a:r>
+            <a:r>
+              <a:rPr lang="en-US" dirty="0" err="1" smtClean="0"/>
+              <a:t>métodos</a:t>
+            </a:r>
+            <a:r>
+              <a:rPr lang="en-US" dirty="0" smtClean="0"/>
+              <a:t> de subclasses da </a:t>
+            </a:r>
+            <a:r>
+              <a:rPr lang="en-US" dirty="0" err="1" smtClean="0"/>
+              <a:t>classe</a:t>
+            </a:r>
+            <a:r>
+              <a:rPr lang="en-US" dirty="0" smtClean="0"/>
+              <a:t> </a:t>
+            </a:r>
+            <a:r>
+              <a:rPr lang="en-US" dirty="0" err="1" smtClean="0"/>
+              <a:t>onde</a:t>
+            </a:r>
+            <a:r>
+              <a:rPr lang="en-US" dirty="0" smtClean="0"/>
+              <a:t> o </a:t>
+            </a:r>
+            <a:r>
+              <a:rPr lang="en-US" dirty="0" err="1" smtClean="0"/>
+              <a:t>membro</a:t>
+            </a:r>
+            <a:r>
+              <a:rPr lang="en-US" dirty="0" smtClean="0"/>
+              <a:t> </a:t>
+            </a:r>
+            <a:r>
+              <a:rPr lang="en-US" dirty="0" err="1" smtClean="0"/>
+              <a:t>foi</a:t>
+            </a:r>
+            <a:r>
+              <a:rPr lang="en-US" dirty="0" smtClean="0"/>
+              <a:t> </a:t>
+            </a:r>
+            <a:r>
+              <a:rPr lang="en-US" dirty="0" err="1" smtClean="0"/>
+              <a:t>declarado</a:t>
+            </a:r>
+            <a:r>
+              <a:rPr lang="en-US" dirty="0"/>
+              <a:t> </a:t>
+            </a:r>
+            <a:r>
+              <a:rPr lang="en-US" dirty="0" err="1" smtClean="0"/>
+              <a:t>ou</a:t>
+            </a:r>
+            <a:r>
+              <a:rPr lang="en-US" dirty="0" smtClean="0"/>
+              <a:t> da </a:t>
+            </a:r>
+            <a:r>
+              <a:rPr lang="en-US" dirty="0" err="1" smtClean="0"/>
+              <a:t>própria</a:t>
+            </a:r>
+            <a:r>
+              <a:rPr lang="en-US" dirty="0" smtClean="0"/>
+              <a:t> </a:t>
+            </a:r>
+            <a:r>
+              <a:rPr lang="en-US" dirty="0" err="1" smtClean="0"/>
+              <a:t>classe</a:t>
+            </a:r>
+            <a:r>
+              <a:rPr lang="en-US" dirty="0" smtClean="0"/>
+              <a:t> </a:t>
+            </a:r>
+            <a:r>
+              <a:rPr lang="en-US" dirty="0" err="1" smtClean="0"/>
+              <a:t>onde</a:t>
+            </a:r>
+            <a:r>
+              <a:rPr lang="en-US" dirty="0" smtClean="0"/>
+              <a:t> o </a:t>
+            </a:r>
+            <a:r>
+              <a:rPr lang="en-US" dirty="0" err="1" smtClean="0"/>
+              <a:t>membro</a:t>
+            </a:r>
+            <a:r>
+              <a:rPr lang="en-US" dirty="0" smtClean="0"/>
+              <a:t> </a:t>
+            </a:r>
+            <a:r>
+              <a:rPr lang="en-US" dirty="0" err="1" smtClean="0"/>
+              <a:t>foi</a:t>
+            </a:r>
+            <a:r>
+              <a:rPr lang="en-US" dirty="0" smtClean="0"/>
+              <a:t> </a:t>
+            </a:r>
+            <a:r>
+              <a:rPr lang="en-US" dirty="0" err="1" smtClean="0"/>
+              <a:t>declarado</a:t>
+            </a:r>
+            <a:r>
+              <a:rPr lang="en-US" dirty="0" smtClean="0"/>
+              <a:t>.</a:t>
+            </a:r>
+            <a:endParaRPr lang="en-US" dirty="0"/>
+          </a:p>
+        </p:txBody>
+      </p:sp>
+    </p:spTree>
+    <p:extLst>
+      <p:ext uri="{BB962C8B-B14F-4D97-AF65-F5344CB8AC3E}">
+        <p14:creationId xmlns:p14="http://schemas.microsoft.com/office/powerpoint/2010/main" val="1531419555"/>
       </p:ext>
     </p:extLst>
   </p:cSld>
@@ -14811,6 +15482,2070 @@
       </p:par>
     </p:tnLst>
   </p:timing>
+</p:sld>
+</file>
+
+<file path=ppt/slides/slide40.xml><?xml version="1.0" encoding="utf-8"?>
+<p:sld xmlns:a="http://schemas.openxmlformats.org/drawingml/2006/main" xmlns:r="http://schemas.openxmlformats.org/officeDocument/2006/relationships" xmlns:p="http://schemas.openxmlformats.org/presentationml/2006/main">
+  <p:cSld>
+    <p:spTree>
+      <p:nvGrpSpPr>
+        <p:cNvPr id="1" name=""/>
+        <p:cNvGrpSpPr/>
+        <p:nvPr/>
+      </p:nvGrpSpPr>
+      <p:grpSpPr>
+        <a:xfrm>
+          <a:off x="0" y="0"/>
+          <a:ext cx="0" cy="0"/>
+          <a:chOff x="0" y="0"/>
+          <a:chExt cx="0" cy="0"/>
+        </a:xfrm>
+      </p:grpSpPr>
+      <p:sp>
+        <p:nvSpPr>
+          <p:cNvPr id="2" name="Title 1"/>
+          <p:cNvSpPr>
+            <a:spLocks noGrp="1"/>
+          </p:cNvSpPr>
+          <p:nvPr>
+            <p:ph type="title"/>
+          </p:nvPr>
+        </p:nvSpPr>
+        <p:spPr/>
+        <p:txBody>
+          <a:bodyPr>
+            <a:normAutofit fontScale="90000"/>
+          </a:bodyPr>
+          <a:lstStyle/>
+          <a:p>
+            <a:r>
+              <a:rPr lang="en-US" dirty="0" err="1"/>
+              <a:t>Acessibilidade</a:t>
+            </a:r>
+            <a:r>
+              <a:rPr lang="en-US" dirty="0"/>
+              <a:t> dos </a:t>
+            </a:r>
+            <a:r>
+              <a:rPr lang="en-US" dirty="0" err="1"/>
+              <a:t>membros</a:t>
+            </a:r>
+            <a:r>
+              <a:rPr lang="en-US" dirty="0"/>
+              <a:t> de </a:t>
+            </a:r>
+            <a:r>
+              <a:rPr lang="en-US" dirty="0" err="1"/>
+              <a:t>uma</a:t>
+            </a:r>
+            <a:r>
+              <a:rPr lang="en-US" dirty="0"/>
+              <a:t> </a:t>
+            </a:r>
+            <a:r>
+              <a:rPr lang="en-US" dirty="0" err="1"/>
+              <a:t>classe</a:t>
+            </a:r>
+            <a:endParaRPr lang="en-US" dirty="0"/>
+          </a:p>
+        </p:txBody>
+      </p:sp>
+      <p:sp>
+        <p:nvSpPr>
+          <p:cNvPr id="3" name="Content Placeholder 2"/>
+          <p:cNvSpPr>
+            <a:spLocks noGrp="1"/>
+          </p:cNvSpPr>
+          <p:nvPr>
+            <p:ph idx="1"/>
+          </p:nvPr>
+        </p:nvSpPr>
+        <p:spPr/>
+        <p:txBody>
+          <a:bodyPr/>
+          <a:lstStyle/>
+          <a:p>
+            <a:r>
+              <a:rPr lang="en-US" dirty="0" err="1" smtClean="0"/>
+              <a:t>Constante</a:t>
+            </a:r>
+            <a:r>
+              <a:rPr lang="en-US" dirty="0" smtClean="0"/>
+              <a:t> /	 </a:t>
+            </a:r>
+            <a:r>
+              <a:rPr lang="en-US" b="1" dirty="0" smtClean="0"/>
+              <a:t>final</a:t>
+            </a:r>
+          </a:p>
+          <a:p>
+            <a:pPr lvl="1"/>
+            <a:r>
+              <a:rPr lang="en-US" dirty="0" smtClean="0"/>
+              <a:t>Um </a:t>
+            </a:r>
+            <a:r>
+              <a:rPr lang="en-US" dirty="0" err="1" smtClean="0"/>
+              <a:t>membro</a:t>
+            </a:r>
+            <a:r>
+              <a:rPr lang="en-US" dirty="0" smtClean="0"/>
+              <a:t> </a:t>
+            </a:r>
+            <a:r>
+              <a:rPr lang="en-US" dirty="0" err="1" smtClean="0"/>
+              <a:t>declarado</a:t>
+            </a:r>
+            <a:r>
+              <a:rPr lang="en-US" dirty="0" smtClean="0"/>
+              <a:t> com o </a:t>
+            </a:r>
+            <a:r>
+              <a:rPr lang="en-US" dirty="0" err="1" smtClean="0"/>
+              <a:t>modificador</a:t>
+            </a:r>
+            <a:r>
+              <a:rPr lang="en-US" dirty="0" smtClean="0"/>
+              <a:t> </a:t>
+            </a:r>
+            <a:r>
+              <a:rPr lang="en-US" b="1" dirty="0" smtClean="0"/>
+              <a:t>final</a:t>
+            </a:r>
+            <a:r>
+              <a:rPr lang="en-US" dirty="0" smtClean="0"/>
+              <a:t> </a:t>
+            </a:r>
+            <a:r>
+              <a:rPr lang="en-US" dirty="0" err="1" smtClean="0"/>
+              <a:t>não</a:t>
+            </a:r>
+            <a:r>
+              <a:rPr lang="en-US" dirty="0" smtClean="0"/>
+              <a:t> </a:t>
+            </a:r>
+            <a:r>
+              <a:rPr lang="en-US" dirty="0" err="1" smtClean="0"/>
+              <a:t>pode</a:t>
+            </a:r>
+            <a:r>
+              <a:rPr lang="en-US" dirty="0" smtClean="0"/>
+              <a:t> </a:t>
+            </a:r>
+            <a:r>
+              <a:rPr lang="en-US" dirty="0" err="1" smtClean="0"/>
+              <a:t>ter</a:t>
+            </a:r>
+            <a:r>
+              <a:rPr lang="en-US" dirty="0" smtClean="0"/>
+              <a:t> a </a:t>
+            </a:r>
+            <a:r>
+              <a:rPr lang="en-US" dirty="0" err="1" smtClean="0"/>
+              <a:t>sua</a:t>
+            </a:r>
+            <a:r>
+              <a:rPr lang="en-US" dirty="0" smtClean="0"/>
+              <a:t> </a:t>
+            </a:r>
+            <a:r>
+              <a:rPr lang="en-US" dirty="0" err="1" smtClean="0"/>
+              <a:t>definição</a:t>
+            </a:r>
+            <a:r>
+              <a:rPr lang="en-US" dirty="0" smtClean="0"/>
+              <a:t> </a:t>
+            </a:r>
+            <a:r>
+              <a:rPr lang="en-US" dirty="0" err="1" smtClean="0"/>
+              <a:t>modificada</a:t>
+            </a:r>
+            <a:r>
+              <a:rPr lang="en-US" dirty="0" smtClean="0"/>
+              <a:t> </a:t>
+            </a:r>
+            <a:r>
+              <a:rPr lang="en-US" dirty="0" err="1" smtClean="0"/>
+              <a:t>por</a:t>
+            </a:r>
+            <a:r>
+              <a:rPr lang="en-US" dirty="0" smtClean="0"/>
+              <a:t> </a:t>
+            </a:r>
+            <a:r>
+              <a:rPr lang="en-US" dirty="0" err="1" smtClean="0"/>
+              <a:t>nenhum</a:t>
+            </a:r>
+            <a:r>
+              <a:rPr lang="en-US" dirty="0" smtClean="0"/>
+              <a:t> </a:t>
+            </a:r>
+            <a:r>
+              <a:rPr lang="en-US" dirty="0" err="1" smtClean="0"/>
+              <a:t>objeto</a:t>
+            </a:r>
+            <a:r>
+              <a:rPr lang="en-US" dirty="0" smtClean="0"/>
+              <a:t>, </a:t>
+            </a:r>
+            <a:r>
+              <a:rPr lang="en-US" dirty="0" err="1" smtClean="0"/>
+              <a:t>nem</a:t>
+            </a:r>
+            <a:r>
+              <a:rPr lang="en-US" dirty="0" smtClean="0"/>
+              <a:t> </a:t>
+            </a:r>
+            <a:r>
+              <a:rPr lang="en-US" dirty="0" err="1" smtClean="0"/>
+              <a:t>mesmo</a:t>
+            </a:r>
+            <a:r>
+              <a:rPr lang="en-US" dirty="0" smtClean="0"/>
+              <a:t> um </a:t>
+            </a:r>
+            <a:r>
+              <a:rPr lang="en-US" dirty="0" err="1" smtClean="0"/>
+              <a:t>objeto</a:t>
+            </a:r>
+            <a:r>
+              <a:rPr lang="en-US" dirty="0" smtClean="0"/>
+              <a:t> da </a:t>
+            </a:r>
+            <a:r>
+              <a:rPr lang="en-US" dirty="0" err="1" smtClean="0"/>
+              <a:t>classe</a:t>
+            </a:r>
+            <a:r>
+              <a:rPr lang="en-US" dirty="0" smtClean="0"/>
+              <a:t> </a:t>
+            </a:r>
+            <a:r>
+              <a:rPr lang="en-US" dirty="0" err="1" smtClean="0"/>
+              <a:t>onde</a:t>
+            </a:r>
+            <a:r>
+              <a:rPr lang="en-US" dirty="0" smtClean="0"/>
+              <a:t> o </a:t>
+            </a:r>
+            <a:r>
+              <a:rPr lang="en-US" dirty="0" err="1" smtClean="0"/>
+              <a:t>membro</a:t>
+            </a:r>
+            <a:r>
+              <a:rPr lang="en-US" dirty="0" smtClean="0"/>
+              <a:t> </a:t>
+            </a:r>
+            <a:r>
+              <a:rPr lang="en-US" dirty="0" err="1" smtClean="0"/>
+              <a:t>foi</a:t>
+            </a:r>
+            <a:r>
+              <a:rPr lang="en-US" dirty="0" smtClean="0"/>
+              <a:t> </a:t>
+            </a:r>
+            <a:r>
+              <a:rPr lang="en-US" dirty="0" err="1" smtClean="0"/>
+              <a:t>definido</a:t>
+            </a:r>
+            <a:r>
+              <a:rPr lang="en-US" dirty="0" smtClean="0"/>
+              <a:t>. </a:t>
+            </a:r>
+            <a:r>
+              <a:rPr lang="en-US" dirty="0" err="1" smtClean="0"/>
+              <a:t>Dizemos</a:t>
+            </a:r>
+            <a:r>
+              <a:rPr lang="en-US" dirty="0" smtClean="0"/>
+              <a:t> </a:t>
+            </a:r>
+            <a:r>
+              <a:rPr lang="en-US" dirty="0" err="1" smtClean="0"/>
+              <a:t>que</a:t>
+            </a:r>
+            <a:r>
+              <a:rPr lang="en-US" dirty="0" smtClean="0"/>
+              <a:t> um </a:t>
+            </a:r>
+            <a:r>
+              <a:rPr lang="en-US" dirty="0" err="1" smtClean="0"/>
+              <a:t>membro</a:t>
+            </a:r>
+            <a:r>
+              <a:rPr lang="en-US" dirty="0" smtClean="0"/>
+              <a:t> final </a:t>
+            </a:r>
+            <a:r>
+              <a:rPr lang="en-US" dirty="0" err="1" smtClean="0"/>
+              <a:t>é</a:t>
+            </a:r>
+            <a:r>
+              <a:rPr lang="en-US" dirty="0" smtClean="0"/>
+              <a:t> </a:t>
+            </a:r>
+            <a:r>
+              <a:rPr lang="en-US" dirty="0" err="1" smtClean="0"/>
+              <a:t>uma</a:t>
+            </a:r>
+            <a:r>
+              <a:rPr lang="en-US" dirty="0" smtClean="0"/>
+              <a:t> </a:t>
+            </a:r>
+            <a:r>
+              <a:rPr lang="en-US" dirty="0" err="1" smtClean="0"/>
+              <a:t>constante</a:t>
+            </a:r>
+            <a:r>
+              <a:rPr lang="en-US" dirty="0" smtClean="0"/>
+              <a:t>. No </a:t>
+            </a:r>
+            <a:r>
+              <a:rPr lang="en-US" dirty="0" err="1" smtClean="0"/>
+              <a:t>caso</a:t>
+            </a:r>
+            <a:r>
+              <a:rPr lang="en-US" dirty="0" smtClean="0"/>
+              <a:t> de </a:t>
+            </a:r>
+            <a:r>
+              <a:rPr lang="en-US" dirty="0" err="1" smtClean="0"/>
+              <a:t>herança</a:t>
+            </a:r>
+            <a:r>
+              <a:rPr lang="en-US" dirty="0" smtClean="0"/>
+              <a:t>, </a:t>
+            </a:r>
+            <a:r>
+              <a:rPr lang="en-US" dirty="0" err="1" smtClean="0"/>
+              <a:t>uma</a:t>
+            </a:r>
+            <a:r>
+              <a:rPr lang="en-US" dirty="0" smtClean="0"/>
+              <a:t> </a:t>
+            </a:r>
+            <a:r>
+              <a:rPr lang="en-US" dirty="0" err="1" smtClean="0"/>
+              <a:t>subclasse</a:t>
+            </a:r>
+            <a:r>
+              <a:rPr lang="en-US" dirty="0" smtClean="0"/>
+              <a:t> </a:t>
+            </a:r>
+            <a:r>
+              <a:rPr lang="en-US" dirty="0" err="1" smtClean="0"/>
+              <a:t>não</a:t>
+            </a:r>
+            <a:r>
+              <a:rPr lang="en-US" dirty="0" smtClean="0"/>
+              <a:t> </a:t>
+            </a:r>
+            <a:r>
+              <a:rPr lang="en-US" dirty="0" err="1" smtClean="0"/>
+              <a:t>pode</a:t>
+            </a:r>
+            <a:r>
+              <a:rPr lang="en-US" dirty="0" smtClean="0"/>
+              <a:t> </a:t>
+            </a:r>
+            <a:r>
+              <a:rPr lang="en-US" dirty="0" err="1" smtClean="0"/>
+              <a:t>sobrecarregar</a:t>
+            </a:r>
+            <a:r>
+              <a:rPr lang="en-US" dirty="0" smtClean="0"/>
+              <a:t> um </a:t>
+            </a:r>
+            <a:r>
+              <a:rPr lang="en-US" dirty="0" err="1" smtClean="0"/>
+              <a:t>método</a:t>
+            </a:r>
+            <a:r>
+              <a:rPr lang="en-US" dirty="0" smtClean="0"/>
+              <a:t> </a:t>
+            </a:r>
+            <a:r>
+              <a:rPr lang="en-US" dirty="0" err="1" smtClean="0"/>
+              <a:t>declarado</a:t>
+            </a:r>
+            <a:r>
+              <a:rPr lang="en-US" dirty="0" smtClean="0"/>
+              <a:t> </a:t>
+            </a:r>
+            <a:r>
+              <a:rPr lang="en-US" dirty="0" err="1" smtClean="0"/>
+              <a:t>como</a:t>
+            </a:r>
+            <a:r>
+              <a:rPr lang="en-US" dirty="0" smtClean="0"/>
+              <a:t> final </a:t>
+            </a:r>
+            <a:r>
+              <a:rPr lang="en-US" dirty="0" err="1" smtClean="0"/>
+              <a:t>na</a:t>
+            </a:r>
+            <a:r>
+              <a:rPr lang="en-US" dirty="0" smtClean="0"/>
+              <a:t> </a:t>
+            </a:r>
+            <a:r>
+              <a:rPr lang="en-US" dirty="0" err="1" smtClean="0"/>
+              <a:t>superclasse</a:t>
+            </a:r>
+            <a:r>
+              <a:rPr lang="en-US" dirty="0" smtClean="0"/>
+              <a:t>.</a:t>
+            </a:r>
+            <a:endParaRPr lang="en-US" dirty="0"/>
+          </a:p>
+        </p:txBody>
+      </p:sp>
+    </p:spTree>
+    <p:extLst>
+      <p:ext uri="{BB962C8B-B14F-4D97-AF65-F5344CB8AC3E}">
+        <p14:creationId xmlns:p14="http://schemas.microsoft.com/office/powerpoint/2010/main" val="260025835"/>
+      </p:ext>
+    </p:extLst>
+  </p:cSld>
+  <p:clrMapOvr>
+    <a:masterClrMapping/>
+  </p:clrMapOvr>
+</p:sld>
+</file>
+
+<file path=ppt/slides/slide41.xml><?xml version="1.0" encoding="utf-8"?>
+<p:sld xmlns:a="http://schemas.openxmlformats.org/drawingml/2006/main" xmlns:r="http://schemas.openxmlformats.org/officeDocument/2006/relationships" xmlns:p="http://schemas.openxmlformats.org/presentationml/2006/main">
+  <p:cSld>
+    <p:spTree>
+      <p:nvGrpSpPr>
+        <p:cNvPr id="1" name=""/>
+        <p:cNvGrpSpPr/>
+        <p:nvPr/>
+      </p:nvGrpSpPr>
+      <p:grpSpPr>
+        <a:xfrm>
+          <a:off x="0" y="0"/>
+          <a:ext cx="0" cy="0"/>
+          <a:chOff x="0" y="0"/>
+          <a:chExt cx="0" cy="0"/>
+        </a:xfrm>
+      </p:grpSpPr>
+      <p:sp>
+        <p:nvSpPr>
+          <p:cNvPr id="2" name="Title 1"/>
+          <p:cNvSpPr>
+            <a:spLocks noGrp="1"/>
+          </p:cNvSpPr>
+          <p:nvPr>
+            <p:ph type="title"/>
+          </p:nvPr>
+        </p:nvSpPr>
+        <p:spPr/>
+        <p:txBody>
+          <a:bodyPr/>
+          <a:lstStyle/>
+          <a:p>
+            <a:r>
+              <a:rPr lang="en-US" dirty="0" err="1" smtClean="0"/>
+              <a:t>Encapsulamento</a:t>
+            </a:r>
+            <a:endParaRPr lang="en-US" dirty="0"/>
+          </a:p>
+        </p:txBody>
+      </p:sp>
+      <p:sp>
+        <p:nvSpPr>
+          <p:cNvPr id="3" name="Content Placeholder 2"/>
+          <p:cNvSpPr>
+            <a:spLocks noGrp="1"/>
+          </p:cNvSpPr>
+          <p:nvPr>
+            <p:ph idx="1"/>
+          </p:nvPr>
+        </p:nvSpPr>
+        <p:spPr/>
+        <p:txBody>
+          <a:bodyPr>
+            <a:normAutofit fontScale="92500" lnSpcReduction="20000"/>
+          </a:bodyPr>
+          <a:lstStyle/>
+          <a:p>
+            <a:r>
+              <a:rPr lang="en-US" dirty="0" smtClean="0"/>
+              <a:t>O </a:t>
+            </a:r>
+            <a:r>
+              <a:rPr lang="en-US" dirty="0" err="1" smtClean="0"/>
+              <a:t>acesso</a:t>
+            </a:r>
+            <a:r>
+              <a:rPr lang="en-US" dirty="0" smtClean="0"/>
+              <a:t> </a:t>
+            </a:r>
+            <a:r>
+              <a:rPr lang="en-US" dirty="0" err="1" smtClean="0"/>
+              <a:t>exclusivo</a:t>
+            </a:r>
+            <a:r>
+              <a:rPr lang="en-US" dirty="0" smtClean="0"/>
+              <a:t> </a:t>
+            </a:r>
+            <a:r>
+              <a:rPr lang="en-US" dirty="0" err="1" smtClean="0"/>
+              <a:t>por</a:t>
+            </a:r>
+            <a:r>
+              <a:rPr lang="en-US" dirty="0" smtClean="0"/>
+              <a:t> </a:t>
+            </a:r>
+            <a:r>
+              <a:rPr lang="en-US" dirty="0" err="1" smtClean="0"/>
+              <a:t>m</a:t>
+            </a:r>
+            <a:r>
+              <a:rPr lang="en-US" dirty="0" err="1" smtClean="0"/>
+              <a:t>étodos</a:t>
+            </a:r>
+            <a:r>
+              <a:rPr lang="en-US" dirty="0" smtClean="0"/>
+              <a:t> </a:t>
+            </a:r>
+            <a:r>
+              <a:rPr lang="en-US" dirty="0" err="1" smtClean="0"/>
+              <a:t>aos</a:t>
+            </a:r>
+            <a:r>
+              <a:rPr lang="en-US" dirty="0" smtClean="0"/>
+              <a:t> </a:t>
+            </a:r>
+            <a:r>
+              <a:rPr lang="en-US" dirty="0" err="1" smtClean="0"/>
+              <a:t>membros</a:t>
+            </a:r>
+            <a:r>
+              <a:rPr lang="en-US" dirty="0" smtClean="0"/>
+              <a:t> </a:t>
+            </a:r>
+            <a:r>
+              <a:rPr lang="en-US" dirty="0" err="1" smtClean="0"/>
+              <a:t>variáveis</a:t>
+            </a:r>
+            <a:r>
+              <a:rPr lang="en-US" dirty="0"/>
+              <a:t> </a:t>
+            </a:r>
+            <a:r>
+              <a:rPr lang="en-US" dirty="0" smtClean="0"/>
+              <a:t>de </a:t>
+            </a:r>
+            <a:r>
+              <a:rPr lang="en-US" dirty="0" err="1" smtClean="0"/>
+              <a:t>uma</a:t>
+            </a:r>
+            <a:r>
+              <a:rPr lang="en-US" dirty="0" smtClean="0"/>
+              <a:t> </a:t>
+            </a:r>
+            <a:r>
+              <a:rPr lang="en-US" dirty="0" err="1" smtClean="0"/>
+              <a:t>classe</a:t>
+            </a:r>
+            <a:r>
+              <a:rPr lang="en-US" dirty="0" smtClean="0"/>
+              <a:t> e a </a:t>
+            </a:r>
+            <a:r>
+              <a:rPr lang="en-US" dirty="0" err="1" smtClean="0"/>
+              <a:t>implementação</a:t>
+            </a:r>
+            <a:r>
+              <a:rPr lang="en-US" dirty="0"/>
+              <a:t> </a:t>
+            </a:r>
+            <a:r>
+              <a:rPr lang="en-US" dirty="0" smtClean="0"/>
+              <a:t>de </a:t>
+            </a:r>
+            <a:r>
+              <a:rPr lang="en-US" dirty="0" err="1" smtClean="0"/>
+              <a:t>verificação</a:t>
+            </a:r>
+            <a:r>
+              <a:rPr lang="en-US" dirty="0" smtClean="0"/>
+              <a:t> de </a:t>
+            </a:r>
+            <a:r>
+              <a:rPr lang="en-US" dirty="0" err="1" smtClean="0"/>
+              <a:t>consistência</a:t>
+            </a:r>
+            <a:r>
+              <a:rPr lang="en-US" dirty="0" smtClean="0"/>
+              <a:t> nesses </a:t>
+            </a:r>
+            <a:r>
+              <a:rPr lang="en-US" dirty="0" err="1" smtClean="0"/>
+              <a:t>métodos</a:t>
+            </a:r>
+            <a:r>
+              <a:rPr lang="en-US" dirty="0" smtClean="0"/>
+              <a:t> </a:t>
+            </a:r>
+            <a:r>
+              <a:rPr lang="en-US" dirty="0" err="1" smtClean="0"/>
+              <a:t>formam</a:t>
+            </a:r>
+            <a:r>
+              <a:rPr lang="en-US" dirty="0" smtClean="0"/>
+              <a:t> o </a:t>
+            </a:r>
+            <a:r>
+              <a:rPr lang="en-US" dirty="0" err="1" smtClean="0"/>
+              <a:t>conceito</a:t>
+            </a:r>
+            <a:r>
+              <a:rPr lang="en-US" dirty="0" smtClean="0"/>
+              <a:t> de </a:t>
+            </a:r>
+            <a:r>
+              <a:rPr lang="en-US" b="1" dirty="0" err="1" smtClean="0"/>
+              <a:t>encapsulamento</a:t>
+            </a:r>
+            <a:r>
+              <a:rPr lang="en-US" dirty="0" smtClean="0"/>
+              <a:t>.</a:t>
+            </a:r>
+          </a:p>
+          <a:p>
+            <a:r>
+              <a:rPr lang="en-US" dirty="0" err="1" smtClean="0"/>
+              <a:t>Encapsulamento</a:t>
+            </a:r>
+            <a:r>
+              <a:rPr lang="en-US" dirty="0" smtClean="0"/>
+              <a:t> </a:t>
+            </a:r>
+            <a:r>
+              <a:rPr lang="en-US" dirty="0" err="1" smtClean="0"/>
+              <a:t>é</a:t>
+            </a:r>
+            <a:r>
+              <a:rPr lang="en-US" dirty="0" smtClean="0"/>
+              <a:t> a </a:t>
+            </a:r>
+            <a:r>
+              <a:rPr lang="en-US" dirty="0" err="1" smtClean="0"/>
+              <a:t>garantia</a:t>
+            </a:r>
+            <a:r>
+              <a:rPr lang="en-US" dirty="0" smtClean="0"/>
+              <a:t> </a:t>
+            </a:r>
+            <a:r>
+              <a:rPr lang="en-US" dirty="0" err="1" smtClean="0"/>
+              <a:t>que</a:t>
+            </a:r>
+            <a:r>
+              <a:rPr lang="en-US" dirty="0" smtClean="0"/>
+              <a:t> </a:t>
+            </a:r>
+            <a:r>
+              <a:rPr lang="en-US" dirty="0" err="1" smtClean="0"/>
+              <a:t>os</a:t>
+            </a:r>
+            <a:r>
+              <a:rPr lang="en-US" dirty="0" smtClean="0"/>
+              <a:t> </a:t>
+            </a:r>
+            <a:r>
+              <a:rPr lang="en-US" dirty="0" err="1" smtClean="0"/>
+              <a:t>objetos</a:t>
+            </a:r>
+            <a:r>
+              <a:rPr lang="en-US" dirty="0"/>
+              <a:t> </a:t>
+            </a:r>
+            <a:r>
+              <a:rPr lang="en-US" dirty="0" smtClean="0"/>
+              <a:t>de </a:t>
+            </a:r>
+            <a:r>
+              <a:rPr lang="en-US" dirty="0" err="1" smtClean="0"/>
+              <a:t>uma</a:t>
+            </a:r>
+            <a:r>
+              <a:rPr lang="en-US" dirty="0" smtClean="0"/>
+              <a:t> </a:t>
+            </a:r>
+            <a:r>
+              <a:rPr lang="en-US" dirty="0" err="1" smtClean="0"/>
+              <a:t>classe</a:t>
+            </a:r>
+            <a:r>
+              <a:rPr lang="en-US" dirty="0" smtClean="0"/>
+              <a:t> </a:t>
+            </a:r>
+            <a:r>
+              <a:rPr lang="en-US" dirty="0" err="1" smtClean="0"/>
+              <a:t>sempre</a:t>
+            </a:r>
+            <a:r>
+              <a:rPr lang="en-US" dirty="0" smtClean="0"/>
+              <a:t> </a:t>
+            </a:r>
+            <a:r>
+              <a:rPr lang="en-US" dirty="0" err="1" smtClean="0"/>
+              <a:t>serão</a:t>
+            </a:r>
+            <a:r>
+              <a:rPr lang="en-US" dirty="0" smtClean="0"/>
+              <a:t> </a:t>
+            </a:r>
+            <a:r>
+              <a:rPr lang="en-US" dirty="0" err="1" smtClean="0"/>
+              <a:t>consistentes</a:t>
+            </a:r>
+            <a:r>
+              <a:rPr lang="en-US" dirty="0" smtClean="0"/>
+              <a:t> </a:t>
+            </a:r>
+            <a:r>
+              <a:rPr lang="en-US" dirty="0" err="1" smtClean="0"/>
+              <a:t>quanto</a:t>
+            </a:r>
+            <a:r>
+              <a:rPr lang="en-US" dirty="0" smtClean="0"/>
+              <a:t> </a:t>
+            </a:r>
+            <a:r>
+              <a:rPr lang="en-US" dirty="0" err="1" smtClean="0"/>
+              <a:t>aos</a:t>
+            </a:r>
+            <a:r>
+              <a:rPr lang="en-US" dirty="0" smtClean="0"/>
+              <a:t> </a:t>
+            </a:r>
+            <a:r>
+              <a:rPr lang="en-US" dirty="0" err="1" smtClean="0"/>
+              <a:t>valores</a:t>
+            </a:r>
+            <a:r>
+              <a:rPr lang="en-US" dirty="0" smtClean="0"/>
+              <a:t> e </a:t>
+            </a:r>
+            <a:r>
+              <a:rPr lang="en-US" dirty="0" err="1" smtClean="0"/>
+              <a:t>comportamento</a:t>
+            </a:r>
+            <a:r>
+              <a:rPr lang="en-US" dirty="0" smtClean="0"/>
+              <a:t> </a:t>
+            </a:r>
+            <a:r>
+              <a:rPr lang="en-US" dirty="0" err="1" smtClean="0"/>
+              <a:t>esperados</a:t>
+            </a:r>
+            <a:r>
+              <a:rPr lang="en-US" dirty="0"/>
+              <a:t> </a:t>
+            </a:r>
+            <a:r>
+              <a:rPr lang="en-US" dirty="0" err="1" smtClean="0"/>
+              <a:t>para</a:t>
+            </a:r>
+            <a:r>
+              <a:rPr lang="en-US" dirty="0" smtClean="0"/>
+              <a:t> </a:t>
+            </a:r>
+            <a:r>
+              <a:rPr lang="en-US" dirty="0" err="1" smtClean="0"/>
+              <a:t>esse</a:t>
+            </a:r>
+            <a:r>
+              <a:rPr lang="en-US" dirty="0" smtClean="0"/>
+              <a:t> </a:t>
+            </a:r>
+            <a:r>
+              <a:rPr lang="en-US" dirty="0" err="1" smtClean="0"/>
+              <a:t>objeto</a:t>
+            </a:r>
+            <a:r>
+              <a:rPr lang="en-US" dirty="0" smtClean="0"/>
+              <a:t>. O </a:t>
+            </a:r>
+            <a:r>
+              <a:rPr lang="en-US" dirty="0" err="1" smtClean="0"/>
+              <a:t>nome</a:t>
+            </a:r>
+            <a:r>
+              <a:rPr lang="en-US" dirty="0" smtClean="0"/>
+              <a:t> </a:t>
+            </a:r>
+            <a:r>
+              <a:rPr lang="en-US" dirty="0" err="1" smtClean="0"/>
+              <a:t>vem</a:t>
+            </a:r>
+            <a:r>
+              <a:rPr lang="en-US" dirty="0" smtClean="0"/>
+              <a:t> da </a:t>
+            </a:r>
+            <a:r>
+              <a:rPr lang="en-US" dirty="0" err="1" smtClean="0"/>
+              <a:t>ideia</a:t>
+            </a:r>
+            <a:r>
+              <a:rPr lang="en-US" dirty="0" smtClean="0"/>
+              <a:t> de </a:t>
+            </a:r>
+            <a:r>
+              <a:rPr lang="en-US" dirty="0" err="1" smtClean="0"/>
+              <a:t>que</a:t>
+            </a:r>
+            <a:r>
+              <a:rPr lang="en-US" dirty="0"/>
+              <a:t> </a:t>
+            </a:r>
+            <a:r>
+              <a:rPr lang="en-US" dirty="0" smtClean="0"/>
+              <a:t>o </a:t>
+            </a:r>
+            <a:r>
+              <a:rPr lang="en-US" dirty="0" err="1" smtClean="0"/>
+              <a:t>objeto</a:t>
+            </a:r>
+            <a:r>
+              <a:rPr lang="en-US" dirty="0" smtClean="0"/>
+              <a:t> </a:t>
+            </a:r>
+            <a:r>
+              <a:rPr lang="en-US" dirty="0" err="1" smtClean="0"/>
+              <a:t>é</a:t>
+            </a:r>
+            <a:r>
+              <a:rPr lang="en-US" dirty="0" smtClean="0"/>
+              <a:t> </a:t>
+            </a:r>
+            <a:r>
+              <a:rPr lang="en-US" dirty="0" err="1" smtClean="0"/>
+              <a:t>protegido</a:t>
+            </a:r>
+            <a:r>
+              <a:rPr lang="en-US" dirty="0" smtClean="0"/>
+              <a:t> </a:t>
+            </a:r>
+            <a:r>
+              <a:rPr lang="en-US" dirty="0" err="1" smtClean="0"/>
+              <a:t>por</a:t>
+            </a:r>
+            <a:r>
+              <a:rPr lang="en-US" dirty="0" smtClean="0"/>
+              <a:t> </a:t>
+            </a:r>
+            <a:r>
+              <a:rPr lang="en-US" dirty="0" err="1" smtClean="0"/>
+              <a:t>uma</a:t>
+            </a:r>
+            <a:r>
+              <a:rPr lang="en-US" dirty="0" smtClean="0"/>
+              <a:t> </a:t>
+            </a:r>
+            <a:r>
+              <a:rPr lang="en-US" dirty="0" err="1" smtClean="0"/>
+              <a:t>cápsula</a:t>
+            </a:r>
+            <a:r>
+              <a:rPr lang="en-US" dirty="0" smtClean="0"/>
+              <a:t>, </a:t>
+            </a:r>
+            <a:r>
+              <a:rPr lang="en-US" dirty="0" err="1" smtClean="0"/>
+              <a:t>acessível</a:t>
+            </a:r>
+            <a:r>
+              <a:rPr lang="en-US" dirty="0" smtClean="0"/>
+              <a:t> </a:t>
+            </a:r>
+            <a:r>
+              <a:rPr lang="en-US" dirty="0" err="1" smtClean="0"/>
+              <a:t>somente</a:t>
+            </a:r>
+            <a:r>
+              <a:rPr lang="en-US" dirty="0" smtClean="0"/>
+              <a:t> </a:t>
+            </a:r>
+            <a:r>
+              <a:rPr lang="en-US" dirty="0" err="1" smtClean="0"/>
+              <a:t>através</a:t>
+            </a:r>
+            <a:r>
+              <a:rPr lang="en-US" dirty="0" smtClean="0"/>
+              <a:t> de </a:t>
+            </a:r>
+            <a:r>
+              <a:rPr lang="en-US" dirty="0" err="1" smtClean="0"/>
+              <a:t>métodos</a:t>
+            </a:r>
+            <a:r>
+              <a:rPr lang="en-US" dirty="0" smtClean="0"/>
+              <a:t> </a:t>
+            </a:r>
+            <a:r>
+              <a:rPr lang="en-US" dirty="0" err="1" smtClean="0"/>
+              <a:t>que</a:t>
+            </a:r>
+            <a:r>
+              <a:rPr lang="en-US" dirty="0" smtClean="0"/>
+              <a:t> </a:t>
+            </a:r>
+            <a:r>
+              <a:rPr lang="en-US" dirty="0" err="1" smtClean="0"/>
+              <a:t>possuem</a:t>
+            </a:r>
+            <a:r>
+              <a:rPr lang="en-US" dirty="0" smtClean="0"/>
+              <a:t> um </a:t>
+            </a:r>
+            <a:r>
+              <a:rPr lang="en-US" dirty="0" err="1" smtClean="0"/>
+              <a:t>controle</a:t>
+            </a:r>
+            <a:r>
+              <a:rPr lang="en-US" dirty="0" smtClean="0"/>
+              <a:t> </a:t>
+            </a:r>
+            <a:r>
+              <a:rPr lang="en-US" dirty="0" err="1" smtClean="0"/>
+              <a:t>rígido</a:t>
+            </a:r>
+            <a:r>
+              <a:rPr lang="en-US" dirty="0" smtClean="0"/>
+              <a:t> de </a:t>
+            </a:r>
+            <a:r>
+              <a:rPr lang="en-US" dirty="0" err="1" smtClean="0"/>
+              <a:t>consistência</a:t>
+            </a:r>
+            <a:r>
+              <a:rPr lang="en-US" dirty="0" smtClean="0"/>
+              <a:t>.</a:t>
+            </a:r>
+            <a:endParaRPr lang="en-US" dirty="0"/>
+          </a:p>
+        </p:txBody>
+      </p:sp>
+    </p:spTree>
+    <p:extLst>
+      <p:ext uri="{BB962C8B-B14F-4D97-AF65-F5344CB8AC3E}">
+        <p14:creationId xmlns:p14="http://schemas.microsoft.com/office/powerpoint/2010/main" val="3059099795"/>
+      </p:ext>
+    </p:extLst>
+  </p:cSld>
+  <p:clrMapOvr>
+    <a:masterClrMapping/>
+  </p:clrMapOvr>
+</p:sld>
+</file>
+
+<file path=ppt/slides/slide42.xml><?xml version="1.0" encoding="utf-8"?>
+<p:sld xmlns:a="http://schemas.openxmlformats.org/drawingml/2006/main" xmlns:r="http://schemas.openxmlformats.org/officeDocument/2006/relationships" xmlns:p="http://schemas.openxmlformats.org/presentationml/2006/main">
+  <p:cSld>
+    <p:spTree>
+      <p:nvGrpSpPr>
+        <p:cNvPr id="1" name=""/>
+        <p:cNvGrpSpPr/>
+        <p:nvPr/>
+      </p:nvGrpSpPr>
+      <p:grpSpPr>
+        <a:xfrm>
+          <a:off x="0" y="0"/>
+          <a:ext cx="0" cy="0"/>
+          <a:chOff x="0" y="0"/>
+          <a:chExt cx="0" cy="0"/>
+        </a:xfrm>
+      </p:grpSpPr>
+      <p:sp>
+        <p:nvSpPr>
+          <p:cNvPr id="2" name="Title 1"/>
+          <p:cNvSpPr>
+            <a:spLocks noGrp="1"/>
+          </p:cNvSpPr>
+          <p:nvPr>
+            <p:ph type="title"/>
+          </p:nvPr>
+        </p:nvSpPr>
+        <p:spPr/>
+        <p:txBody>
+          <a:bodyPr/>
+          <a:lstStyle/>
+          <a:p>
+            <a:r>
+              <a:rPr lang="en-US" dirty="0" err="1" smtClean="0"/>
+              <a:t>Encapsulamento</a:t>
+            </a:r>
+            <a:endParaRPr lang="en-US" dirty="0"/>
+          </a:p>
+        </p:txBody>
+      </p:sp>
+      <p:pic>
+        <p:nvPicPr>
+          <p:cNvPr id="5" name="Picture 4"/>
+          <p:cNvPicPr>
+            <a:picLocks noChangeAspect="1"/>
+          </p:cNvPicPr>
+          <p:nvPr/>
+        </p:nvPicPr>
+        <p:blipFill>
+          <a:blip r:embed="rId2"/>
+          <a:stretch>
+            <a:fillRect/>
+          </a:stretch>
+        </p:blipFill>
+        <p:spPr>
+          <a:xfrm>
+            <a:off x="2006600" y="1417638"/>
+            <a:ext cx="5118100" cy="5154192"/>
+          </a:xfrm>
+          <a:prstGeom prst="rect">
+            <a:avLst/>
+          </a:prstGeom>
+        </p:spPr>
+      </p:pic>
+    </p:spTree>
+    <p:extLst>
+      <p:ext uri="{BB962C8B-B14F-4D97-AF65-F5344CB8AC3E}">
+        <p14:creationId xmlns:p14="http://schemas.microsoft.com/office/powerpoint/2010/main" val="2056819805"/>
+      </p:ext>
+    </p:extLst>
+  </p:cSld>
+  <p:clrMapOvr>
+    <a:masterClrMapping/>
+  </p:clrMapOvr>
+</p:sld>
+</file>
+
+<file path=ppt/slides/slide43.xml><?xml version="1.0" encoding="utf-8"?>
+<p:sld xmlns:a="http://schemas.openxmlformats.org/drawingml/2006/main" xmlns:r="http://schemas.openxmlformats.org/officeDocument/2006/relationships" xmlns:p="http://schemas.openxmlformats.org/presentationml/2006/main">
+  <p:cSld>
+    <p:spTree>
+      <p:nvGrpSpPr>
+        <p:cNvPr id="1" name=""/>
+        <p:cNvGrpSpPr/>
+        <p:nvPr/>
+      </p:nvGrpSpPr>
+      <p:grpSpPr>
+        <a:xfrm>
+          <a:off x="0" y="0"/>
+          <a:ext cx="0" cy="0"/>
+          <a:chOff x="0" y="0"/>
+          <a:chExt cx="0" cy="0"/>
+        </a:xfrm>
+      </p:grpSpPr>
+      <p:sp>
+        <p:nvSpPr>
+          <p:cNvPr id="2" name="Title 1"/>
+          <p:cNvSpPr>
+            <a:spLocks noGrp="1"/>
+          </p:cNvSpPr>
+          <p:nvPr>
+            <p:ph type="title"/>
+          </p:nvPr>
+        </p:nvSpPr>
+        <p:spPr/>
+        <p:txBody>
+          <a:bodyPr/>
+          <a:lstStyle/>
+          <a:p>
+            <a:r>
+              <a:rPr lang="en-US" dirty="0" err="1" smtClean="0"/>
+              <a:t>Sobrecarga</a:t>
+            </a:r>
+            <a:r>
+              <a:rPr lang="en-US" dirty="0" smtClean="0"/>
+              <a:t> de </a:t>
+            </a:r>
+            <a:r>
+              <a:rPr lang="en-US" dirty="0" err="1" smtClean="0"/>
+              <a:t>m</a:t>
+            </a:r>
+            <a:r>
+              <a:rPr lang="en-US" dirty="0" err="1" smtClean="0"/>
+              <a:t>étodos</a:t>
+            </a:r>
+            <a:endParaRPr lang="en-US" dirty="0"/>
+          </a:p>
+        </p:txBody>
+      </p:sp>
+      <p:sp>
+        <p:nvSpPr>
+          <p:cNvPr id="3" name="Content Placeholder 2"/>
+          <p:cNvSpPr>
+            <a:spLocks noGrp="1"/>
+          </p:cNvSpPr>
+          <p:nvPr>
+            <p:ph idx="1"/>
+          </p:nvPr>
+        </p:nvSpPr>
+        <p:spPr/>
+        <p:txBody>
+          <a:bodyPr>
+            <a:normAutofit/>
+          </a:bodyPr>
+          <a:lstStyle/>
+          <a:p>
+            <a:r>
+              <a:rPr lang="en-US" dirty="0" err="1" smtClean="0"/>
+              <a:t>Cirt</a:t>
+            </a:r>
+            <a:r>
+              <a:rPr lang="en-US" dirty="0" err="1" smtClean="0"/>
+              <a:t>érios</a:t>
+            </a:r>
+            <a:endParaRPr lang="en-US" dirty="0" smtClean="0"/>
+          </a:p>
+          <a:p>
+            <a:pPr lvl="1"/>
+            <a:r>
+              <a:rPr lang="en-US" dirty="0" smtClean="0"/>
+              <a:t>A </a:t>
+            </a:r>
+            <a:r>
+              <a:rPr lang="en-US" dirty="0" err="1" smtClean="0"/>
+              <a:t>lista</a:t>
+            </a:r>
+            <a:r>
+              <a:rPr lang="en-US" dirty="0" smtClean="0"/>
+              <a:t> de </a:t>
+            </a:r>
+            <a:r>
+              <a:rPr lang="en-US" dirty="0" err="1" smtClean="0"/>
+              <a:t>argumentos</a:t>
+            </a:r>
+            <a:r>
+              <a:rPr lang="en-US" dirty="0" smtClean="0"/>
+              <a:t> </a:t>
+            </a:r>
+            <a:r>
+              <a:rPr lang="en-US" dirty="0" err="1" smtClean="0"/>
+              <a:t>deve</a:t>
+            </a:r>
+            <a:r>
+              <a:rPr lang="en-US" dirty="0" smtClean="0"/>
+              <a:t> </a:t>
+            </a:r>
+            <a:r>
+              <a:rPr lang="en-US" dirty="0" err="1" smtClean="0"/>
+              <a:t>ser</a:t>
+            </a:r>
+            <a:r>
+              <a:rPr lang="en-US" dirty="0" smtClean="0"/>
+              <a:t> </a:t>
+            </a:r>
+            <a:r>
+              <a:rPr lang="en-US" dirty="0" err="1" smtClean="0"/>
+              <a:t>diferente</a:t>
+            </a:r>
+            <a:r>
+              <a:rPr lang="en-US" dirty="0" smtClean="0"/>
+              <a:t> o </a:t>
+            </a:r>
+            <a:r>
+              <a:rPr lang="en-US" dirty="0" err="1" smtClean="0"/>
+              <a:t>suficiente</a:t>
+            </a:r>
+            <a:r>
+              <a:rPr lang="en-US" dirty="0" smtClean="0"/>
+              <a:t> </a:t>
+            </a:r>
+            <a:r>
+              <a:rPr lang="en-US" dirty="0" err="1" smtClean="0"/>
+              <a:t>para</a:t>
+            </a:r>
+            <a:r>
+              <a:rPr lang="en-US" dirty="0" smtClean="0"/>
+              <a:t> </a:t>
+            </a:r>
+            <a:r>
+              <a:rPr lang="en-US" dirty="0" err="1" smtClean="0"/>
+              <a:t>evitar</a:t>
+            </a:r>
+            <a:r>
+              <a:rPr lang="en-US" dirty="0" smtClean="0"/>
+              <a:t> a </a:t>
+            </a:r>
+            <a:r>
+              <a:rPr lang="en-US" dirty="0" err="1" smtClean="0"/>
+              <a:t>ambiguidade</a:t>
+            </a:r>
+            <a:r>
+              <a:rPr lang="en-US" dirty="0"/>
+              <a:t> </a:t>
+            </a:r>
+            <a:r>
+              <a:rPr lang="en-US" dirty="0" smtClean="0"/>
+              <a:t>entre </a:t>
+            </a:r>
+            <a:r>
+              <a:rPr lang="en-US" dirty="0" err="1" smtClean="0"/>
+              <a:t>os</a:t>
+            </a:r>
+            <a:r>
+              <a:rPr lang="en-US" dirty="0"/>
+              <a:t> </a:t>
+            </a:r>
+            <a:r>
+              <a:rPr lang="en-US" dirty="0" err="1" smtClean="0"/>
+              <a:t>métodos</a:t>
+            </a:r>
+            <a:r>
+              <a:rPr lang="en-US" dirty="0" smtClean="0"/>
+              <a:t>.</a:t>
+            </a:r>
+          </a:p>
+          <a:p>
+            <a:pPr lvl="1"/>
+            <a:r>
+              <a:rPr lang="en-US" dirty="0" smtClean="0"/>
+              <a:t>O </a:t>
+            </a:r>
+            <a:r>
+              <a:rPr lang="en-US" dirty="0" err="1" smtClean="0"/>
+              <a:t>tipo</a:t>
+            </a:r>
+            <a:r>
+              <a:rPr lang="en-US" dirty="0" smtClean="0"/>
+              <a:t> de </a:t>
+            </a:r>
+            <a:r>
+              <a:rPr lang="en-US" dirty="0" err="1" smtClean="0"/>
+              <a:t>retorno</a:t>
+            </a:r>
+            <a:r>
+              <a:rPr lang="en-US" dirty="0" smtClean="0"/>
+              <a:t> dos </a:t>
+            </a:r>
+            <a:r>
+              <a:rPr lang="en-US" dirty="0" err="1" smtClean="0"/>
+              <a:t>métodos</a:t>
+            </a:r>
+            <a:r>
+              <a:rPr lang="en-US" dirty="0" smtClean="0"/>
+              <a:t> </a:t>
+            </a:r>
+            <a:r>
+              <a:rPr lang="en-US" dirty="0" err="1" smtClean="0"/>
+              <a:t>pode</a:t>
+            </a:r>
+            <a:r>
+              <a:rPr lang="en-US" dirty="0" smtClean="0"/>
+              <a:t> </a:t>
+            </a:r>
+            <a:r>
+              <a:rPr lang="en-US" dirty="0" err="1" smtClean="0"/>
+              <a:t>ser</a:t>
+            </a:r>
+            <a:r>
+              <a:rPr lang="en-US" dirty="0" smtClean="0"/>
+              <a:t> </a:t>
+            </a:r>
+            <a:r>
+              <a:rPr lang="en-US" dirty="0" err="1" smtClean="0"/>
+              <a:t>diferente</a:t>
+            </a:r>
+            <a:r>
+              <a:rPr lang="en-US" dirty="0" smtClean="0"/>
+              <a:t>, mas </a:t>
+            </a:r>
+            <a:r>
+              <a:rPr lang="en-US" dirty="0" err="1" smtClean="0"/>
+              <a:t>não</a:t>
+            </a:r>
+            <a:r>
+              <a:rPr lang="en-US" dirty="0" smtClean="0"/>
+              <a:t> </a:t>
+            </a:r>
+            <a:r>
+              <a:rPr lang="en-US" dirty="0" err="1" smtClean="0"/>
+              <a:t>basta</a:t>
+            </a:r>
+            <a:r>
+              <a:rPr lang="en-US" dirty="0" smtClean="0"/>
+              <a:t> </a:t>
+            </a:r>
+            <a:r>
+              <a:rPr lang="en-US" dirty="0" err="1" smtClean="0"/>
+              <a:t>para</a:t>
+            </a:r>
+            <a:r>
+              <a:rPr lang="en-US" dirty="0" smtClean="0"/>
+              <a:t> </a:t>
+            </a:r>
+            <a:r>
+              <a:rPr lang="en-US" dirty="0" err="1" smtClean="0"/>
+              <a:t>que</a:t>
+            </a:r>
+            <a:r>
+              <a:rPr lang="en-US" dirty="0" smtClean="0"/>
+              <a:t> </a:t>
+            </a:r>
+            <a:r>
+              <a:rPr lang="en-US" dirty="0" err="1" smtClean="0"/>
+              <a:t>seja</a:t>
+            </a:r>
+            <a:r>
+              <a:rPr lang="en-US" dirty="0" smtClean="0"/>
+              <a:t> </a:t>
+            </a:r>
+            <a:r>
+              <a:rPr lang="en-US" dirty="0" err="1" smtClean="0"/>
+              <a:t>caracterizada</a:t>
+            </a:r>
+            <a:r>
+              <a:rPr lang="en-US" dirty="0"/>
+              <a:t> </a:t>
+            </a:r>
+            <a:r>
+              <a:rPr lang="en-US" dirty="0" smtClean="0"/>
+              <a:t>a </a:t>
+            </a:r>
+            <a:r>
+              <a:rPr lang="en-US" dirty="0" err="1" smtClean="0"/>
+              <a:t>sobrecarga</a:t>
+            </a:r>
+            <a:r>
+              <a:rPr lang="en-US" dirty="0" smtClean="0"/>
+              <a:t>. A </a:t>
+            </a:r>
+            <a:r>
+              <a:rPr lang="en-US" dirty="0" err="1" smtClean="0"/>
+              <a:t>lista</a:t>
+            </a:r>
+            <a:r>
+              <a:rPr lang="en-US" dirty="0" smtClean="0"/>
+              <a:t> de </a:t>
+            </a:r>
+            <a:r>
+              <a:rPr lang="en-US" dirty="0" err="1" smtClean="0"/>
+              <a:t>argumentos</a:t>
+            </a:r>
+            <a:r>
+              <a:rPr lang="en-US" dirty="0" smtClean="0"/>
+              <a:t> </a:t>
+            </a:r>
+            <a:r>
+              <a:rPr lang="en-US" dirty="0" err="1" smtClean="0"/>
+              <a:t>deve</a:t>
+            </a:r>
+            <a:r>
+              <a:rPr lang="en-US" dirty="0" smtClean="0"/>
+              <a:t> </a:t>
+            </a:r>
+            <a:r>
+              <a:rPr lang="en-US" dirty="0" err="1" smtClean="0"/>
+              <a:t>apresentar</a:t>
+            </a:r>
+            <a:r>
+              <a:rPr lang="en-US" dirty="0" smtClean="0"/>
+              <a:t> </a:t>
+            </a:r>
+            <a:r>
+              <a:rPr lang="en-US" dirty="0" err="1" smtClean="0"/>
+              <a:t>alguma</a:t>
+            </a:r>
+            <a:r>
+              <a:rPr lang="en-US" dirty="0" smtClean="0"/>
+              <a:t> </a:t>
+            </a:r>
+            <a:r>
+              <a:rPr lang="en-US" dirty="0" err="1" smtClean="0"/>
+              <a:t>diferença</a:t>
+            </a:r>
+            <a:r>
+              <a:rPr lang="en-US" dirty="0" smtClean="0"/>
+              <a:t>, </a:t>
+            </a:r>
+            <a:r>
+              <a:rPr lang="en-US" dirty="0" err="1" smtClean="0"/>
+              <a:t>como</a:t>
+            </a:r>
+            <a:r>
+              <a:rPr lang="en-US" dirty="0" smtClean="0"/>
+              <a:t> </a:t>
+            </a:r>
+            <a:r>
+              <a:rPr lang="en-US" dirty="0" err="1" smtClean="0"/>
+              <a:t>número</a:t>
+            </a:r>
+            <a:r>
+              <a:rPr lang="en-US" dirty="0" smtClean="0"/>
+              <a:t> de </a:t>
+            </a:r>
+            <a:r>
+              <a:rPr lang="en-US" dirty="0" err="1" smtClean="0"/>
+              <a:t>argumentos</a:t>
+            </a:r>
+            <a:r>
+              <a:rPr lang="en-US" dirty="0" smtClean="0"/>
+              <a:t> </a:t>
+            </a:r>
+            <a:r>
+              <a:rPr lang="en-US" dirty="0" err="1" smtClean="0"/>
+              <a:t>ou</a:t>
+            </a:r>
+            <a:r>
+              <a:rPr lang="en-US" dirty="0" smtClean="0"/>
+              <a:t> o </a:t>
+            </a:r>
+            <a:r>
+              <a:rPr lang="en-US" dirty="0" err="1" smtClean="0"/>
+              <a:t>tipo</a:t>
+            </a:r>
+            <a:r>
+              <a:rPr lang="en-US" dirty="0" smtClean="0"/>
+              <a:t> </a:t>
+            </a:r>
+            <a:r>
+              <a:rPr lang="en-US" dirty="0" err="1" smtClean="0"/>
+              <a:t>desses</a:t>
+            </a:r>
+            <a:r>
+              <a:rPr lang="en-US" dirty="0" smtClean="0"/>
+              <a:t> </a:t>
+            </a:r>
+            <a:r>
+              <a:rPr lang="en-US" dirty="0" err="1" smtClean="0"/>
+              <a:t>argumentos</a:t>
+            </a:r>
+            <a:r>
+              <a:rPr lang="en-US" dirty="0" smtClean="0"/>
+              <a:t>.</a:t>
+            </a:r>
+          </a:p>
+        </p:txBody>
+      </p:sp>
+    </p:spTree>
+    <p:extLst>
+      <p:ext uri="{BB962C8B-B14F-4D97-AF65-F5344CB8AC3E}">
+        <p14:creationId xmlns:p14="http://schemas.microsoft.com/office/powerpoint/2010/main" val="41537317"/>
+      </p:ext>
+    </p:extLst>
+  </p:cSld>
+  <p:clrMapOvr>
+    <a:masterClrMapping/>
+  </p:clrMapOvr>
+</p:sld>
+</file>
+
+<file path=ppt/slides/slide44.xml><?xml version="1.0" encoding="utf-8"?>
+<p:sld xmlns:a="http://schemas.openxmlformats.org/drawingml/2006/main" xmlns:r="http://schemas.openxmlformats.org/officeDocument/2006/relationships" xmlns:p="http://schemas.openxmlformats.org/presentationml/2006/main">
+  <p:cSld>
+    <p:spTree>
+      <p:nvGrpSpPr>
+        <p:cNvPr id="1" name=""/>
+        <p:cNvGrpSpPr/>
+        <p:nvPr/>
+      </p:nvGrpSpPr>
+      <p:grpSpPr>
+        <a:xfrm>
+          <a:off x="0" y="0"/>
+          <a:ext cx="0" cy="0"/>
+          <a:chOff x="0" y="0"/>
+          <a:chExt cx="0" cy="0"/>
+        </a:xfrm>
+      </p:grpSpPr>
+      <p:sp>
+        <p:nvSpPr>
+          <p:cNvPr id="2" name="Title 1"/>
+          <p:cNvSpPr>
+            <a:spLocks noGrp="1"/>
+          </p:cNvSpPr>
+          <p:nvPr>
+            <p:ph type="title"/>
+          </p:nvPr>
+        </p:nvSpPr>
+        <p:spPr/>
+        <p:txBody>
+          <a:bodyPr/>
+          <a:lstStyle/>
+          <a:p>
+            <a:r>
+              <a:rPr lang="en-US" dirty="0" err="1" smtClean="0"/>
+              <a:t>Sobrecarga</a:t>
+            </a:r>
+            <a:r>
+              <a:rPr lang="en-US" dirty="0" smtClean="0"/>
+              <a:t> de </a:t>
+            </a:r>
+            <a:r>
+              <a:rPr lang="en-US" dirty="0" err="1" smtClean="0"/>
+              <a:t>m</a:t>
+            </a:r>
+            <a:r>
+              <a:rPr lang="en-US" dirty="0" err="1" smtClean="0"/>
+              <a:t>étodos</a:t>
+            </a:r>
+            <a:endParaRPr lang="en-US" dirty="0"/>
+          </a:p>
+        </p:txBody>
+      </p:sp>
+      <p:sp>
+        <p:nvSpPr>
+          <p:cNvPr id="3" name="Content Placeholder 2"/>
+          <p:cNvSpPr>
+            <a:spLocks noGrp="1"/>
+          </p:cNvSpPr>
+          <p:nvPr>
+            <p:ph idx="1"/>
+          </p:nvPr>
+        </p:nvSpPr>
+        <p:spPr/>
+        <p:txBody>
+          <a:bodyPr>
+            <a:normAutofit fontScale="92500" lnSpcReduction="20000"/>
+          </a:bodyPr>
+          <a:lstStyle/>
+          <a:p>
+            <a:r>
+              <a:rPr lang="en-US" dirty="0" err="1" smtClean="0"/>
+              <a:t>Algumas</a:t>
+            </a:r>
+            <a:r>
+              <a:rPr lang="en-US" dirty="0" smtClean="0"/>
+              <a:t> </a:t>
+            </a:r>
+            <a:r>
+              <a:rPr lang="en-US" dirty="0" err="1" smtClean="0"/>
+              <a:t>vezes</a:t>
+            </a:r>
+            <a:r>
+              <a:rPr lang="en-US" dirty="0" smtClean="0"/>
+              <a:t>, um </a:t>
+            </a:r>
+            <a:r>
+              <a:rPr lang="en-US" dirty="0" err="1" smtClean="0"/>
+              <a:t>problema</a:t>
+            </a:r>
+            <a:r>
+              <a:rPr lang="en-US" dirty="0" smtClean="0"/>
+              <a:t> </a:t>
+            </a:r>
+            <a:r>
+              <a:rPr lang="en-US" dirty="0" err="1" smtClean="0"/>
+              <a:t>pode</a:t>
+            </a:r>
+            <a:r>
+              <a:rPr lang="en-US" dirty="0" smtClean="0"/>
+              <a:t> </a:t>
+            </a:r>
+            <a:r>
+              <a:rPr lang="en-US" dirty="0" err="1" smtClean="0"/>
+              <a:t>exigir</a:t>
+            </a:r>
+            <a:r>
+              <a:rPr lang="en-US" dirty="0" smtClean="0"/>
+              <a:t> </a:t>
+            </a:r>
+            <a:r>
+              <a:rPr lang="en-US" dirty="0" err="1" smtClean="0"/>
+              <a:t>que</a:t>
+            </a:r>
+            <a:r>
+              <a:rPr lang="en-US" dirty="0" smtClean="0"/>
+              <a:t> </a:t>
+            </a:r>
+            <a:r>
+              <a:rPr lang="en-US" dirty="0" err="1" smtClean="0"/>
+              <a:t>uma</a:t>
+            </a:r>
+            <a:r>
+              <a:rPr lang="en-US" dirty="0" smtClean="0"/>
+              <a:t> </a:t>
+            </a:r>
+            <a:r>
+              <a:rPr lang="en-US" dirty="0" err="1" smtClean="0"/>
+              <a:t>classe</a:t>
+            </a:r>
+            <a:r>
+              <a:rPr lang="en-US" dirty="0" smtClean="0"/>
+              <a:t> </a:t>
+            </a:r>
+            <a:r>
+              <a:rPr lang="en-US" dirty="0" err="1" smtClean="0"/>
+              <a:t>permita</a:t>
+            </a:r>
+            <a:r>
+              <a:rPr lang="en-US" dirty="0" smtClean="0"/>
+              <a:t> </a:t>
+            </a:r>
+            <a:r>
+              <a:rPr lang="en-US" dirty="0" err="1" smtClean="0"/>
+              <a:t>que</a:t>
+            </a:r>
+            <a:r>
+              <a:rPr lang="en-US" dirty="0" smtClean="0"/>
+              <a:t> </a:t>
+            </a:r>
+            <a:r>
+              <a:rPr lang="en-US" dirty="0" err="1" smtClean="0"/>
+              <a:t>uma</a:t>
+            </a:r>
+            <a:r>
+              <a:rPr lang="en-US" dirty="0" smtClean="0"/>
+              <a:t> </a:t>
+            </a:r>
+            <a:r>
+              <a:rPr lang="en-US" dirty="0" err="1" smtClean="0"/>
+              <a:t>mesma</a:t>
+            </a:r>
+            <a:r>
+              <a:rPr lang="en-US" dirty="0" smtClean="0"/>
+              <a:t> </a:t>
+            </a:r>
+            <a:r>
+              <a:rPr lang="en-US" dirty="0" err="1" smtClean="0"/>
+              <a:t>opera</a:t>
+            </a:r>
+            <a:r>
+              <a:rPr lang="en-US" dirty="0" err="1" smtClean="0"/>
+              <a:t>ção</a:t>
+            </a:r>
+            <a:r>
+              <a:rPr lang="en-US" dirty="0" smtClean="0"/>
+              <a:t> </a:t>
+            </a:r>
+            <a:r>
+              <a:rPr lang="en-US" dirty="0" err="1" smtClean="0"/>
+              <a:t>seja</a:t>
+            </a:r>
+            <a:r>
+              <a:rPr lang="en-US" dirty="0" smtClean="0"/>
+              <a:t> </a:t>
+            </a:r>
+            <a:r>
+              <a:rPr lang="en-US" dirty="0" err="1" smtClean="0"/>
+              <a:t>aplicada</a:t>
+            </a:r>
+            <a:r>
+              <a:rPr lang="en-US" dirty="0" smtClean="0"/>
+              <a:t> a </a:t>
+            </a:r>
+            <a:r>
+              <a:rPr lang="en-US" dirty="0" err="1" smtClean="0"/>
+              <a:t>diversos</a:t>
+            </a:r>
+            <a:r>
+              <a:rPr lang="en-US" dirty="0" smtClean="0"/>
+              <a:t> </a:t>
+            </a:r>
+            <a:r>
+              <a:rPr lang="en-US" dirty="0" err="1" smtClean="0"/>
+              <a:t>tipos</a:t>
+            </a:r>
+            <a:r>
+              <a:rPr lang="en-US" dirty="0"/>
+              <a:t> </a:t>
+            </a:r>
+            <a:r>
+              <a:rPr lang="en-US" dirty="0" smtClean="0"/>
+              <a:t>de dados. </a:t>
+            </a:r>
+            <a:r>
+              <a:rPr lang="en-US" dirty="0" err="1" smtClean="0"/>
+              <a:t>Por</a:t>
+            </a:r>
+            <a:r>
+              <a:rPr lang="en-US" dirty="0" smtClean="0"/>
+              <a:t> </a:t>
+            </a:r>
+            <a:r>
+              <a:rPr lang="en-US" dirty="0" err="1" smtClean="0"/>
+              <a:t>exemplo</a:t>
+            </a:r>
+            <a:r>
+              <a:rPr lang="en-US" dirty="0" smtClean="0"/>
+              <a:t>: </a:t>
+            </a:r>
+            <a:r>
+              <a:rPr lang="en-US" dirty="0" err="1" smtClean="0"/>
+              <a:t>suponha</a:t>
+            </a:r>
+            <a:r>
+              <a:rPr lang="en-US" dirty="0" smtClean="0"/>
+              <a:t> </a:t>
+            </a:r>
+            <a:r>
+              <a:rPr lang="en-US" dirty="0" err="1" smtClean="0"/>
+              <a:t>que</a:t>
+            </a:r>
+            <a:r>
+              <a:rPr lang="en-US" dirty="0" smtClean="0"/>
+              <a:t> </a:t>
+            </a:r>
+            <a:r>
+              <a:rPr lang="en-US" dirty="0" err="1" smtClean="0"/>
+              <a:t>você</a:t>
+            </a:r>
+            <a:r>
+              <a:rPr lang="en-US" dirty="0" smtClean="0"/>
+              <a:t> </a:t>
+            </a:r>
+            <a:r>
+              <a:rPr lang="en-US" dirty="0" err="1" smtClean="0"/>
+              <a:t>esteja</a:t>
+            </a:r>
+            <a:r>
+              <a:rPr lang="en-US" dirty="0" smtClean="0"/>
+              <a:t> </a:t>
+            </a:r>
+            <a:r>
+              <a:rPr lang="en-US" dirty="0" err="1" smtClean="0"/>
+              <a:t>implementando</a:t>
+            </a:r>
+            <a:r>
+              <a:rPr lang="en-US" dirty="0" smtClean="0"/>
+              <a:t> </a:t>
+            </a:r>
+            <a:r>
+              <a:rPr lang="en-US" dirty="0" err="1" smtClean="0"/>
+              <a:t>uma</a:t>
+            </a:r>
+            <a:r>
+              <a:rPr lang="en-US" dirty="0" smtClean="0"/>
+              <a:t> </a:t>
+            </a:r>
+            <a:r>
+              <a:rPr lang="en-US" dirty="0" err="1" smtClean="0"/>
+              <a:t>classe</a:t>
+            </a:r>
+            <a:r>
+              <a:rPr lang="en-US" dirty="0" smtClean="0"/>
+              <a:t> </a:t>
+            </a:r>
+            <a:r>
+              <a:rPr lang="en-US" dirty="0" err="1" smtClean="0"/>
+              <a:t>chamada</a:t>
+            </a:r>
+            <a:r>
+              <a:rPr lang="en-US" dirty="0" smtClean="0"/>
+              <a:t> </a:t>
+            </a:r>
+            <a:r>
+              <a:rPr lang="en-US" dirty="0" err="1" smtClean="0"/>
+              <a:t>Matematica</a:t>
+            </a:r>
+            <a:r>
+              <a:rPr lang="en-US" dirty="0" smtClean="0"/>
+              <a:t> , com o </a:t>
+            </a:r>
+            <a:r>
+              <a:rPr lang="en-US" dirty="0" err="1" smtClean="0"/>
+              <a:t>intuito</a:t>
+            </a:r>
+            <a:r>
+              <a:rPr lang="en-US" dirty="0" smtClean="0"/>
+              <a:t> de </a:t>
+            </a:r>
+            <a:r>
+              <a:rPr lang="en-US" dirty="0" err="1" smtClean="0"/>
+              <a:t>prover</a:t>
+            </a:r>
+            <a:r>
+              <a:rPr lang="en-US" dirty="0" smtClean="0"/>
+              <a:t> as </a:t>
+            </a:r>
+            <a:r>
+              <a:rPr lang="en-US" dirty="0" err="1" smtClean="0"/>
+              <a:t>quatro</a:t>
+            </a:r>
+            <a:r>
+              <a:rPr lang="en-US" dirty="0" smtClean="0"/>
+              <a:t> </a:t>
+            </a:r>
+            <a:r>
+              <a:rPr lang="en-US" dirty="0" err="1" smtClean="0"/>
+              <a:t>operações</a:t>
+            </a:r>
+            <a:r>
+              <a:rPr lang="en-US" dirty="0" smtClean="0"/>
+              <a:t> </a:t>
+            </a:r>
+            <a:r>
+              <a:rPr lang="en-US" dirty="0" err="1" smtClean="0"/>
+              <a:t>aritméticas</a:t>
+            </a:r>
+            <a:r>
+              <a:rPr lang="en-US" dirty="0" smtClean="0"/>
+              <a:t>. Note </a:t>
+            </a:r>
+            <a:r>
+              <a:rPr lang="en-US" dirty="0" err="1" smtClean="0"/>
+              <a:t>que</a:t>
+            </a:r>
+            <a:r>
+              <a:rPr lang="en-US" dirty="0"/>
+              <a:t> </a:t>
+            </a:r>
+            <a:r>
+              <a:rPr lang="en-US" dirty="0" smtClean="0"/>
+              <a:t>as </a:t>
+            </a:r>
+            <a:r>
+              <a:rPr lang="en-US" dirty="0" err="1" smtClean="0"/>
+              <a:t>operações</a:t>
+            </a:r>
+            <a:r>
+              <a:rPr lang="en-US" dirty="0" smtClean="0"/>
+              <a:t> </a:t>
+            </a:r>
+            <a:r>
+              <a:rPr lang="en-US" dirty="0" err="1" smtClean="0"/>
+              <a:t>podem</a:t>
+            </a:r>
+            <a:r>
+              <a:rPr lang="en-US" dirty="0" smtClean="0"/>
+              <a:t> </a:t>
+            </a:r>
+            <a:r>
+              <a:rPr lang="en-US" dirty="0" err="1" smtClean="0"/>
+              <a:t>ser</a:t>
+            </a:r>
+            <a:r>
+              <a:rPr lang="en-US" dirty="0" smtClean="0"/>
+              <a:t> </a:t>
+            </a:r>
+            <a:r>
+              <a:rPr lang="en-US" dirty="0" err="1" smtClean="0"/>
+              <a:t>aplicadas</a:t>
+            </a:r>
+            <a:r>
+              <a:rPr lang="en-US" dirty="0" smtClean="0"/>
+              <a:t> a </a:t>
+            </a:r>
+            <a:r>
+              <a:rPr lang="en-US" dirty="0" err="1" smtClean="0"/>
+              <a:t>números</a:t>
+            </a:r>
+            <a:r>
+              <a:rPr lang="en-US" dirty="0" smtClean="0"/>
+              <a:t> </a:t>
+            </a:r>
+            <a:r>
+              <a:rPr lang="en-US" dirty="0" err="1" smtClean="0"/>
+              <a:t>inteiros</a:t>
+            </a:r>
+            <a:r>
+              <a:rPr lang="en-US" dirty="0" smtClean="0"/>
+              <a:t> </a:t>
+            </a:r>
+            <a:r>
+              <a:rPr lang="en-US" dirty="0" err="1" smtClean="0"/>
+              <a:t>ou</a:t>
+            </a:r>
+            <a:r>
+              <a:rPr lang="en-US" dirty="0" smtClean="0"/>
+              <a:t> </a:t>
+            </a:r>
+            <a:r>
+              <a:rPr lang="en-US" dirty="0" err="1" smtClean="0"/>
+              <a:t>fracinários</a:t>
+            </a:r>
+            <a:r>
+              <a:rPr lang="en-US" dirty="0" smtClean="0"/>
+              <a:t>, e </a:t>
+            </a:r>
+            <a:r>
+              <a:rPr lang="en-US" dirty="0" err="1" smtClean="0"/>
+              <a:t>seria</a:t>
+            </a:r>
+            <a:r>
+              <a:rPr lang="en-US" dirty="0" smtClean="0"/>
+              <a:t> </a:t>
+            </a:r>
+            <a:r>
+              <a:rPr lang="en-US" dirty="0" err="1" smtClean="0"/>
+              <a:t>tedioso</a:t>
+            </a:r>
+            <a:r>
+              <a:rPr lang="en-US" dirty="0" smtClean="0"/>
+              <a:t> </a:t>
+            </a:r>
+            <a:r>
+              <a:rPr lang="en-US" dirty="0" err="1" smtClean="0"/>
+              <a:t>para</a:t>
+            </a:r>
+            <a:r>
+              <a:rPr lang="en-US" dirty="0" smtClean="0"/>
+              <a:t> o </a:t>
+            </a:r>
+            <a:r>
+              <a:rPr lang="en-US" dirty="0" err="1" smtClean="0"/>
+              <a:t>programador</a:t>
+            </a:r>
+            <a:r>
+              <a:rPr lang="en-US" dirty="0" smtClean="0"/>
+              <a:t> </a:t>
+            </a:r>
+            <a:r>
+              <a:rPr lang="en-US" dirty="0" err="1" smtClean="0"/>
+              <a:t>ficar</a:t>
+            </a:r>
+            <a:r>
+              <a:rPr lang="en-US" dirty="0" smtClean="0"/>
+              <a:t> </a:t>
+            </a:r>
+            <a:r>
+              <a:rPr lang="en-US" dirty="0" err="1" smtClean="0"/>
+              <a:t>diferenciando</a:t>
+            </a:r>
+            <a:r>
+              <a:rPr lang="en-US" dirty="0" smtClean="0"/>
+              <a:t> </a:t>
+            </a:r>
+            <a:r>
+              <a:rPr lang="en-US" dirty="0" err="1" smtClean="0"/>
+              <a:t>os</a:t>
+            </a:r>
+            <a:r>
+              <a:rPr lang="en-US" dirty="0" smtClean="0"/>
+              <a:t> </a:t>
+            </a:r>
+            <a:r>
+              <a:rPr lang="en-US" dirty="0" err="1" smtClean="0"/>
+              <a:t>métodos</a:t>
+            </a:r>
+            <a:r>
+              <a:rPr lang="en-US" dirty="0" smtClean="0"/>
+              <a:t> </a:t>
+            </a:r>
+            <a:r>
+              <a:rPr lang="en-US" dirty="0" err="1" smtClean="0"/>
+              <a:t>para</a:t>
+            </a:r>
+            <a:r>
+              <a:rPr lang="en-US" dirty="0" smtClean="0"/>
+              <a:t> </a:t>
+            </a:r>
+            <a:r>
+              <a:rPr lang="en-US" dirty="0" err="1" smtClean="0"/>
+              <a:t>cada</a:t>
+            </a:r>
+            <a:r>
+              <a:rPr lang="en-US" dirty="0" smtClean="0"/>
+              <a:t> </a:t>
+            </a:r>
+            <a:r>
+              <a:rPr lang="en-US" dirty="0" err="1" smtClean="0"/>
+              <a:t>tipo</a:t>
+            </a:r>
+            <a:r>
+              <a:rPr lang="en-US" dirty="0" smtClean="0"/>
+              <a:t> de </a:t>
+            </a:r>
+            <a:r>
+              <a:rPr lang="en-US" dirty="0" err="1" smtClean="0"/>
+              <a:t>argumento</a:t>
+            </a:r>
+            <a:r>
+              <a:rPr lang="en-US" dirty="0" smtClean="0"/>
+              <a:t>.</a:t>
+            </a:r>
+            <a:endParaRPr lang="en-US" dirty="0"/>
+          </a:p>
+        </p:txBody>
+      </p:sp>
+    </p:spTree>
+    <p:extLst>
+      <p:ext uri="{BB962C8B-B14F-4D97-AF65-F5344CB8AC3E}">
+        <p14:creationId xmlns:p14="http://schemas.microsoft.com/office/powerpoint/2010/main" val="2637032137"/>
+      </p:ext>
+    </p:extLst>
+  </p:cSld>
+  <p:clrMapOvr>
+    <a:masterClrMapping/>
+  </p:clrMapOvr>
+</p:sld>
+</file>
+
+<file path=ppt/slides/slide45.xml><?xml version="1.0" encoding="utf-8"?>
+<p:sld xmlns:a="http://schemas.openxmlformats.org/drawingml/2006/main" xmlns:r="http://schemas.openxmlformats.org/officeDocument/2006/relationships" xmlns:p="http://schemas.openxmlformats.org/presentationml/2006/main">
+  <p:cSld>
+    <p:spTree>
+      <p:nvGrpSpPr>
+        <p:cNvPr id="1" name=""/>
+        <p:cNvGrpSpPr/>
+        <p:nvPr/>
+      </p:nvGrpSpPr>
+      <p:grpSpPr>
+        <a:xfrm>
+          <a:off x="0" y="0"/>
+          <a:ext cx="0" cy="0"/>
+          <a:chOff x="0" y="0"/>
+          <a:chExt cx="0" cy="0"/>
+        </a:xfrm>
+      </p:grpSpPr>
+      <p:sp>
+        <p:nvSpPr>
+          <p:cNvPr id="2" name="Title 1"/>
+          <p:cNvSpPr>
+            <a:spLocks noGrp="1"/>
+          </p:cNvSpPr>
+          <p:nvPr>
+            <p:ph type="title"/>
+          </p:nvPr>
+        </p:nvSpPr>
+        <p:spPr/>
+        <p:txBody>
+          <a:bodyPr/>
+          <a:lstStyle/>
+          <a:p>
+            <a:r>
+              <a:rPr lang="en-US" dirty="0" err="1" smtClean="0"/>
+              <a:t>Sobrecarga</a:t>
+            </a:r>
+            <a:r>
+              <a:rPr lang="en-US" dirty="0" smtClean="0"/>
+              <a:t> de </a:t>
+            </a:r>
+            <a:r>
+              <a:rPr lang="en-US" dirty="0" err="1" smtClean="0"/>
+              <a:t>m</a:t>
+            </a:r>
+            <a:r>
+              <a:rPr lang="en-US" dirty="0" err="1" smtClean="0"/>
+              <a:t>étodos</a:t>
+            </a:r>
+            <a:endParaRPr lang="en-US" dirty="0"/>
+          </a:p>
+        </p:txBody>
+      </p:sp>
+      <p:pic>
+        <p:nvPicPr>
+          <p:cNvPr id="5" name="Content Placeholder 4"/>
+          <p:cNvPicPr>
+            <a:picLocks noGrp="1" noChangeAspect="1"/>
+          </p:cNvPicPr>
+          <p:nvPr>
+            <p:ph idx="1"/>
+          </p:nvPr>
+        </p:nvPicPr>
+        <p:blipFill>
+          <a:blip r:embed="rId2"/>
+          <a:srcRect l="6805" r="6805"/>
+          <a:stretch>
+            <a:fillRect/>
+          </a:stretch>
+        </p:blipFill>
+        <p:spPr/>
+      </p:pic>
+    </p:spTree>
+    <p:extLst>
+      <p:ext uri="{BB962C8B-B14F-4D97-AF65-F5344CB8AC3E}">
+        <p14:creationId xmlns:p14="http://schemas.microsoft.com/office/powerpoint/2010/main" val="1819839487"/>
+      </p:ext>
+    </p:extLst>
+  </p:cSld>
+  <p:clrMapOvr>
+    <a:masterClrMapping/>
+  </p:clrMapOvr>
 </p:sld>
 </file>
 

--- a/Documentos/Orientação a Objetos.pptx
+++ b/Documentos/Orientação a Objetos.pptx
@@ -279,7 +279,7 @@
           <a:p>
             <a:fld id="{E2B913E8-0330-B643-A20B-1A6E83DAE541}" type="datetimeFigureOut">
               <a:rPr lang="en-US" smtClean="0"/>
-              <a:t>4/12/14</a:t>
+              <a:t>8/12/14</a:t>
             </a:fld>
             <a:endParaRPr lang="en-US"/>
           </a:p>
@@ -829,7 +829,7 @@
             <a:fld id="{9EB5ECD5-515E-4817-8A06-1D2ED2C83850}" type="datetime4">
               <a:rPr lang="en-US" smtClean="0"/>
               <a:pPr/>
-              <a:t>December 4, 2014</a:t>
+              <a:t>December 8, 2014</a:t>
             </a:fld>
             <a:endParaRPr lang="en-US"/>
           </a:p>
@@ -1001,7 +1001,7 @@
             <a:fld id="{BA5B59F4-DDCB-41FF-83F5-A48440F36FA7}" type="datetime4">
               <a:rPr lang="en-US" smtClean="0"/>
               <a:pPr/>
-              <a:t>December 4, 2014</a:t>
+              <a:t>December 8, 2014</a:t>
             </a:fld>
             <a:endParaRPr lang="en-US"/>
           </a:p>
@@ -2121,7 +2121,7 @@
             <a:fld id="{48056348-D703-428C-A1C4-7D6796EF5F41}" type="datetime4">
               <a:rPr lang="en-US" smtClean="0"/>
               <a:pPr/>
-              <a:t>December 4, 2014</a:t>
+              <a:t>December 8, 2014</a:t>
             </a:fld>
             <a:endParaRPr lang="en-US"/>
           </a:p>
@@ -3231,7 +3231,7 @@
             <a:fld id="{732D1919-1B5F-4141-B613-3E5C6008A186}" type="datetime4">
               <a:rPr lang="en-US" smtClean="0"/>
               <a:pPr/>
-              <a:t>December 4, 2014</a:t>
+              <a:t>December 8, 2014</a:t>
             </a:fld>
             <a:endParaRPr lang="en-US"/>
           </a:p>
@@ -3479,7 +3479,7 @@
             <a:fld id="{BAD22427-B1DD-49E6-9F05-DE0F1467D7DC}" type="datetime4">
               <a:rPr lang="en-US" smtClean="0"/>
               <a:pPr/>
-              <a:t>December 4, 2014</a:t>
+              <a:t>December 8, 2014</a:t>
             </a:fld>
             <a:endParaRPr lang="en-US"/>
           </a:p>
@@ -3769,7 +3769,7 @@
             <a:fld id="{BBCCA7B5-8BC9-491C-A887-7C3E7ED947D8}" type="datetime4">
               <a:rPr lang="en-US" smtClean="0"/>
               <a:pPr/>
-              <a:t>December 4, 2014</a:t>
+              <a:t>December 8, 2014</a:t>
             </a:fld>
             <a:endParaRPr lang="en-US"/>
           </a:p>
@@ -4193,7 +4193,7 @@
             <a:fld id="{BDA18ED0-40F2-434C-A848-B92581875164}" type="datetime4">
               <a:rPr lang="en-US" smtClean="0"/>
               <a:pPr/>
-              <a:t>December 4, 2014</a:t>
+              <a:t>December 8, 2014</a:t>
             </a:fld>
             <a:endParaRPr lang="en-US"/>
           </a:p>
@@ -4313,7 +4313,7 @@
             <a:fld id="{7855437F-F4F9-44A9-B4D3-9191CA04E889}" type="datetime4">
               <a:rPr lang="en-US" smtClean="0"/>
               <a:pPr/>
-              <a:t>December 4, 2014</a:t>
+              <a:t>December 8, 2014</a:t>
             </a:fld>
             <a:endParaRPr lang="en-US"/>
           </a:p>
@@ -4410,7 +4410,7 @@
             <a:fld id="{39A24E59-01D0-4537-B876-7E5EC75B028D}" type="datetime4">
               <a:rPr lang="en-US" smtClean="0"/>
               <a:pPr/>
-              <a:t>December 4, 2014</a:t>
+              <a:t>December 8, 2014</a:t>
             </a:fld>
             <a:endParaRPr lang="en-US"/>
           </a:p>
@@ -4689,7 +4689,7 @@
             <a:fld id="{655A2E49-18A1-40BC-BA5D-5A2EC8FDDF15}" type="datetime4">
               <a:rPr lang="en-US" smtClean="0"/>
               <a:pPr/>
-              <a:t>December 4, 2014</a:t>
+              <a:t>December 8, 2014</a:t>
             </a:fld>
             <a:endParaRPr lang="en-US"/>
           </a:p>
@@ -4944,7 +4944,7 @@
             <a:fld id="{52983DA4-3B24-449B-95CA-514EB7E30A99}" type="datetime4">
               <a:rPr lang="en-US" smtClean="0"/>
               <a:pPr/>
-              <a:t>December 4, 2014</a:t>
+              <a:t>December 8, 2014</a:t>
             </a:fld>
             <a:endParaRPr lang="en-US"/>
           </a:p>
@@ -5159,7 +5159,7 @@
             <a:fld id="{942120D2-3948-4F8F-BE5D-E7E7D97880B2}" type="datetime4">
               <a:rPr lang="en-US" smtClean="0"/>
               <a:pPr/>
-              <a:t>December 4, 2014</a:t>
+              <a:t>December 8, 2014</a:t>
             </a:fld>
             <a:endParaRPr lang="en-US" dirty="0" err="1"/>
           </a:p>
@@ -24480,11 +24480,7 @@
             </a:r>
             <a:r>
               <a:rPr lang="en-US" dirty="0" smtClean="0"/>
-              <a:t> </a:t>
-            </a:r>
-            <a:r>
-              <a:rPr lang="en-US" dirty="0" smtClean="0"/>
-              <a:t>“</a:t>
+              <a:t> “</a:t>
             </a:r>
             <a:r>
               <a:rPr lang="en-US" dirty="0" err="1" smtClean="0"/>
@@ -24838,7 +24834,6 @@
               <a:rPr lang="en-US" dirty="0" smtClean="0"/>
               <a:t>.</a:t>
             </a:r>
-            <a:endParaRPr lang="en-US" dirty="0" smtClean="0"/>
           </a:p>
         </p:txBody>
       </p:sp>
@@ -25050,11 +25045,7 @@
             </a:r>
             <a:r>
               <a:rPr lang="en-US" dirty="0" err="1" smtClean="0"/>
-              <a:t>m</a:t>
-            </a:r>
-            <a:r>
-              <a:rPr lang="en-US" dirty="0" err="1" smtClean="0"/>
-              <a:t>étodos</a:t>
+              <a:t>métodos</a:t>
             </a:r>
             <a:r>
               <a:rPr lang="en-US" dirty="0" smtClean="0"/>
@@ -25649,7 +25640,6 @@
               <a:rPr lang="en-US" dirty="0" smtClean="0"/>
               <a:t> com interface.</a:t>
             </a:r>
-            <a:endParaRPr lang="en-US" dirty="0" smtClean="0"/>
           </a:p>
         </p:txBody>
       </p:sp>
@@ -26284,11 +26274,7 @@
             </a:r>
             <a:r>
               <a:rPr lang="en-US" dirty="0" err="1" smtClean="0"/>
-              <a:t>Exce</a:t>
-            </a:r>
-            <a:r>
-              <a:rPr lang="en-US" dirty="0" err="1" smtClean="0"/>
-              <a:t>ções</a:t>
+              <a:t>Exceções</a:t>
             </a:r>
             <a:endParaRPr lang="en-US" dirty="0"/>
           </a:p>
@@ -26651,6 +26637,13 @@
   <p:clrMapOvr>
     <a:masterClrMapping/>
   </p:clrMapOvr>
+  <p:timing>
+    <p:tnLst>
+      <p:par>
+        <p:cTn xmlns:p14="http://schemas.microsoft.com/office/powerpoint/2010/main" id="1" dur="indefinite" restart="never" nodeType="tmRoot"/>
+      </p:par>
+    </p:tnLst>
+  </p:timing>
 </p:sld>
 </file>
 
@@ -26700,11 +26693,7 @@
             </a:r>
             <a:r>
               <a:rPr lang="en-US" dirty="0" err="1" smtClean="0"/>
-              <a:t>s</a:t>
-            </a:r>
-            <a:r>
-              <a:rPr lang="en-US" dirty="0" err="1" smtClean="0"/>
-              <a:t>ão</a:t>
+              <a:t>são</a:t>
             </a:r>
             <a:r>
               <a:rPr lang="en-US" dirty="0" smtClean="0"/>
@@ -26743,11 +26732,7 @@
             </a:r>
             <a:r>
               <a:rPr lang="en-US" dirty="0" err="1" smtClean="0"/>
-              <a:t>exce</a:t>
-            </a:r>
-            <a:r>
-              <a:rPr lang="en-US" dirty="0" err="1" smtClean="0"/>
-              <a:t>ção</a:t>
+              <a:t>exceção</a:t>
             </a:r>
             <a:r>
               <a:rPr lang="en-US" dirty="0" smtClean="0"/>
@@ -27119,6 +27104,13 @@
   <p:clrMapOvr>
     <a:masterClrMapping/>
   </p:clrMapOvr>
+  <p:timing>
+    <p:tnLst>
+      <p:par>
+        <p:cTn xmlns:p14="http://schemas.microsoft.com/office/powerpoint/2010/main" id="1" dur="indefinite" restart="never" nodeType="tmRoot"/>
+      </p:par>
+    </p:tnLst>
+  </p:timing>
 </p:sld>
 </file>
 
@@ -27203,11 +27195,7 @@
             </a:r>
             <a:r>
               <a:rPr lang="en-US" dirty="0" err="1" smtClean="0"/>
-              <a:t>b</a:t>
-            </a:r>
-            <a:r>
-              <a:rPr lang="en-US" dirty="0" err="1" smtClean="0"/>
-              <a:t>ásicos</a:t>
+              <a:t>básicos</a:t>
             </a:r>
             <a:r>
               <a:rPr lang="en-US" dirty="0" smtClean="0"/>
@@ -27562,6 +27550,13 @@
   <p:clrMapOvr>
     <a:masterClrMapping/>
   </p:clrMapOvr>
+  <p:timing>
+    <p:tnLst>
+      <p:par>
+        <p:cTn xmlns:p14="http://schemas.microsoft.com/office/powerpoint/2010/main" id="1" dur="indefinite" restart="never" nodeType="tmRoot"/>
+      </p:par>
+    </p:tnLst>
+  </p:timing>
 </p:sld>
 </file>
 
@@ -27646,11 +27641,7 @@
             </a:r>
             <a:r>
               <a:rPr lang="en-US" dirty="0" err="1" smtClean="0"/>
-              <a:t>b</a:t>
-            </a:r>
-            <a:r>
-              <a:rPr lang="en-US" dirty="0" err="1" smtClean="0"/>
-              <a:t>ásicos</a:t>
+              <a:t>básicos</a:t>
             </a:r>
             <a:r>
               <a:rPr lang="en-US" dirty="0" smtClean="0"/>
@@ -27953,6 +27944,13 @@
   <p:clrMapOvr>
     <a:masterClrMapping/>
   </p:clrMapOvr>
+  <p:timing>
+    <p:tnLst>
+      <p:par>
+        <p:cTn xmlns:p14="http://schemas.microsoft.com/office/powerpoint/2010/main" id="1" dur="indefinite" restart="never" nodeType="tmRoot"/>
+      </p:par>
+    </p:tnLst>
+  </p:timing>
 </p:sld>
 </file>
 
@@ -28474,11 +28472,7 @@
             </a:r>
             <a:r>
               <a:rPr lang="en-US" dirty="0" err="1" smtClean="0"/>
-              <a:t>b</a:t>
-            </a:r>
-            <a:r>
-              <a:rPr lang="en-US" dirty="0" err="1" smtClean="0"/>
-              <a:t>ásicos</a:t>
+              <a:t>básicos</a:t>
             </a:r>
             <a:r>
               <a:rPr lang="en-US" dirty="0" smtClean="0"/>
@@ -28721,6 +28715,13 @@
   <p:clrMapOvr>
     <a:masterClrMapping/>
   </p:clrMapOvr>
+  <p:timing>
+    <p:tnLst>
+      <p:par>
+        <p:cTn xmlns:p14="http://schemas.microsoft.com/office/powerpoint/2010/main" id="1" dur="indefinite" restart="never" nodeType="tmRoot"/>
+      </p:par>
+    </p:tnLst>
+  </p:timing>
 </p:sld>
 </file>
 
@@ -28766,11 +28767,7 @@
             </a:r>
             <a:r>
               <a:rPr lang="en-US" dirty="0" err="1" smtClean="0"/>
-              <a:t>Exce</a:t>
-            </a:r>
-            <a:r>
-              <a:rPr lang="en-US" dirty="0" err="1" smtClean="0"/>
-              <a:t>ções</a:t>
+              <a:t>Exceções</a:t>
             </a:r>
             <a:endParaRPr lang="en-US" dirty="0"/>
           </a:p>
@@ -28810,6 +28807,13 @@
   <p:clrMapOvr>
     <a:masterClrMapping/>
   </p:clrMapOvr>
+  <p:timing>
+    <p:tnLst>
+      <p:par>
+        <p:cTn xmlns:p14="http://schemas.microsoft.com/office/powerpoint/2010/main" id="1" dur="indefinite" restart="never" nodeType="tmRoot"/>
+      </p:par>
+    </p:tnLst>
+  </p:timing>
 </p:sld>
 </file>
 
@@ -28855,11 +28859,7 @@
             </a:r>
             <a:r>
               <a:rPr lang="en-US" dirty="0" err="1" smtClean="0"/>
-              <a:t>Exce</a:t>
-            </a:r>
-            <a:r>
-              <a:rPr lang="en-US" dirty="0" err="1" smtClean="0"/>
-              <a:t>ções</a:t>
+              <a:t>Exceções</a:t>
             </a:r>
             <a:endParaRPr lang="en-US" dirty="0"/>
           </a:p>
@@ -29040,7 +29040,6 @@
               <a:rPr lang="en-US" dirty="0" smtClean="0"/>
               <a:t>.</a:t>
             </a:r>
-            <a:endParaRPr lang="en-US" dirty="0" smtClean="0"/>
           </a:p>
           <a:p>
             <a:r>
@@ -29095,6 +29094,13 @@
   <p:clrMapOvr>
     <a:masterClrMapping/>
   </p:clrMapOvr>
+  <p:timing>
+    <p:tnLst>
+      <p:par>
+        <p:cTn xmlns:p14="http://schemas.microsoft.com/office/powerpoint/2010/main" id="1" dur="indefinite" restart="never" nodeType="tmRoot"/>
+      </p:par>
+    </p:tnLst>
+  </p:timing>
 </p:sld>
 </file>
 
@@ -29142,11 +29148,7 @@
             </a:r>
             <a:r>
               <a:rPr lang="en-US" dirty="0" err="1" smtClean="0"/>
-              <a:t>Exce</a:t>
-            </a:r>
-            <a:r>
-              <a:rPr lang="en-US" dirty="0" err="1" smtClean="0"/>
-              <a:t>ções</a:t>
+              <a:t>Exceções</a:t>
             </a:r>
             <a:r>
               <a:rPr lang="en-US" dirty="0" smtClean="0"/>
@@ -29192,11 +29194,7 @@
             </a:r>
             <a:r>
               <a:rPr lang="en-US" dirty="0" err="1" smtClean="0"/>
-              <a:t>m</a:t>
-            </a:r>
-            <a:r>
-              <a:rPr lang="en-US" dirty="0" err="1" smtClean="0"/>
-              <a:t>étodo</a:t>
+              <a:t>método</a:t>
             </a:r>
             <a:r>
               <a:rPr lang="en-US" dirty="0" smtClean="0"/>
@@ -29776,6 +29774,13 @@
   <p:clrMapOvr>
     <a:masterClrMapping/>
   </p:clrMapOvr>
+  <p:timing>
+    <p:tnLst>
+      <p:par>
+        <p:cTn xmlns:p14="http://schemas.microsoft.com/office/powerpoint/2010/main" id="1" dur="indefinite" restart="never" nodeType="tmRoot"/>
+      </p:par>
+    </p:tnLst>
+  </p:timing>
 </p:sld>
 </file>
 
@@ -29823,11 +29828,7 @@
             </a:r>
             <a:r>
               <a:rPr lang="en-US" dirty="0" err="1" smtClean="0"/>
-              <a:t>Exce</a:t>
-            </a:r>
-            <a:r>
-              <a:rPr lang="en-US" dirty="0" err="1" smtClean="0"/>
-              <a:t>ções</a:t>
+              <a:t>Exceções</a:t>
             </a:r>
             <a:r>
               <a:rPr lang="en-US" dirty="0" smtClean="0"/>
@@ -29875,6 +29876,13 @@
   <p:clrMapOvr>
     <a:masterClrMapping/>
   </p:clrMapOvr>
+  <p:timing>
+    <p:tnLst>
+      <p:par>
+        <p:cTn xmlns:p14="http://schemas.microsoft.com/office/powerpoint/2010/main" id="1" dur="indefinite" restart="never" nodeType="tmRoot"/>
+      </p:par>
+    </p:tnLst>
+  </p:timing>
 </p:sld>
 </file>
 
@@ -29914,11 +29922,7 @@
           <a:p>
             <a:r>
               <a:rPr lang="en-US" dirty="0" err="1" smtClean="0"/>
-              <a:t>Exce</a:t>
-            </a:r>
-            <a:r>
-              <a:rPr lang="en-US" dirty="0" err="1" smtClean="0"/>
-              <a:t>ções</a:t>
+              <a:t>Exceções</a:t>
             </a:r>
             <a:r>
               <a:rPr lang="en-US" dirty="0" smtClean="0"/>
@@ -29976,11 +29980,7 @@
             </a:r>
             <a:r>
               <a:rPr lang="en-US" dirty="0" err="1" smtClean="0"/>
-              <a:t>exce</a:t>
-            </a:r>
-            <a:r>
-              <a:rPr lang="en-US" dirty="0" err="1" smtClean="0"/>
-              <a:t>ções</a:t>
+              <a:t>exceções</a:t>
             </a:r>
             <a:r>
               <a:rPr lang="en-US" dirty="0" smtClean="0"/>
@@ -30168,6 +30168,13 @@
   <p:clrMapOvr>
     <a:masterClrMapping/>
   </p:clrMapOvr>
+  <p:timing>
+    <p:tnLst>
+      <p:par>
+        <p:cTn xmlns:p14="http://schemas.microsoft.com/office/powerpoint/2010/main" id="1" dur="indefinite" restart="never" nodeType="tmRoot"/>
+      </p:par>
+    </p:tnLst>
+  </p:timing>
 </p:sld>
 </file>
 
@@ -30207,11 +30214,7 @@
           <a:p>
             <a:r>
               <a:rPr lang="en-US" dirty="0" err="1" smtClean="0"/>
-              <a:t>Exce</a:t>
-            </a:r>
-            <a:r>
-              <a:rPr lang="en-US" dirty="0" err="1" smtClean="0"/>
-              <a:t>ções</a:t>
+              <a:t>Exceções</a:t>
             </a:r>
             <a:r>
               <a:rPr lang="en-US" dirty="0" smtClean="0"/>
@@ -30275,6 +30278,13 @@
   <p:clrMapOvr>
     <a:masterClrMapping/>
   </p:clrMapOvr>
+  <p:timing>
+    <p:tnLst>
+      <p:par>
+        <p:cTn xmlns:p14="http://schemas.microsoft.com/office/powerpoint/2010/main" id="1" dur="indefinite" restart="never" nodeType="tmRoot"/>
+      </p:par>
+    </p:tnLst>
+  </p:timing>
 </p:sld>
 </file>
 
@@ -30330,11 +30340,7 @@
             </a:r>
             <a:r>
               <a:rPr lang="en-US" dirty="0" err="1" smtClean="0"/>
-              <a:t>exce</a:t>
-            </a:r>
-            <a:r>
-              <a:rPr lang="en-US" dirty="0" err="1" smtClean="0"/>
-              <a:t>ção</a:t>
+              <a:t>exceção</a:t>
             </a:r>
             <a:endParaRPr lang="en-US" dirty="0"/>
           </a:p>
@@ -30420,11 +30426,7 @@
             </a:r>
             <a:r>
               <a:rPr lang="en-US" dirty="0" smtClean="0"/>
-              <a:t> </a:t>
-            </a:r>
-            <a:r>
-              <a:rPr lang="en-US" dirty="0" smtClean="0"/>
-              <a:t>“</a:t>
+              <a:t> “</a:t>
             </a:r>
             <a:r>
               <a:rPr lang="en-US" dirty="0" err="1" smtClean="0"/>
@@ -30644,6 +30646,13 @@
   <p:clrMapOvr>
     <a:masterClrMapping/>
   </p:clrMapOvr>
+  <p:timing>
+    <p:tnLst>
+      <p:par>
+        <p:cTn xmlns:p14="http://schemas.microsoft.com/office/powerpoint/2010/main" id="1" dur="indefinite" restart="never" nodeType="tmRoot"/>
+      </p:par>
+    </p:tnLst>
+  </p:timing>
 </p:sld>
 </file>
 
@@ -30699,11 +30708,7 @@
             </a:r>
             <a:r>
               <a:rPr lang="en-US" dirty="0" err="1" smtClean="0"/>
-              <a:t>exce</a:t>
-            </a:r>
-            <a:r>
-              <a:rPr lang="en-US" dirty="0" err="1" smtClean="0"/>
-              <a:t>ção</a:t>
+              <a:t>exceção</a:t>
             </a:r>
             <a:endParaRPr lang="en-US" dirty="0"/>
           </a:p>
@@ -30743,6 +30748,13 @@
   <p:clrMapOvr>
     <a:masterClrMapping/>
   </p:clrMapOvr>
+  <p:timing>
+    <p:tnLst>
+      <p:par>
+        <p:cTn xmlns:p14="http://schemas.microsoft.com/office/powerpoint/2010/main" id="1" dur="indefinite" restart="never" nodeType="tmRoot"/>
+      </p:par>
+    </p:tnLst>
+  </p:timing>
 </p:sld>
 </file>
 
